--- a/Mavlyutov_V_D презентация.pptx
+++ b/Mavlyutov_V_D презентация.pptx
@@ -5,20 +5,21 @@
     <p:sldMasterId id="2147483648" r:id="rId1"/>
   </p:sldMasterIdLst>
   <p:notesMasterIdLst>
-    <p:notesMasterId r:id="rId13"/>
+    <p:notesMasterId r:id="rId14"/>
   </p:notesMasterIdLst>
   <p:sldIdLst>
     <p:sldId id="260" r:id="rId2"/>
-    <p:sldId id="257" r:id="rId3"/>
-    <p:sldId id="259" r:id="rId4"/>
-    <p:sldId id="271" r:id="rId5"/>
-    <p:sldId id="258" r:id="rId6"/>
+    <p:sldId id="259" r:id="rId3"/>
+    <p:sldId id="257" r:id="rId4"/>
+    <p:sldId id="272" r:id="rId5"/>
+    <p:sldId id="271" r:id="rId6"/>
     <p:sldId id="261" r:id="rId7"/>
-    <p:sldId id="266" r:id="rId8"/>
-    <p:sldId id="263" r:id="rId9"/>
-    <p:sldId id="270" r:id="rId10"/>
-    <p:sldId id="268" r:id="rId11"/>
-    <p:sldId id="267" r:id="rId12"/>
+    <p:sldId id="258" r:id="rId8"/>
+    <p:sldId id="266" r:id="rId9"/>
+    <p:sldId id="263" r:id="rId10"/>
+    <p:sldId id="270" r:id="rId11"/>
+    <p:sldId id="268" r:id="rId12"/>
+    <p:sldId id="267" r:id="rId13"/>
   </p:sldIdLst>
   <p:sldSz cx="12190413" cy="6858000"/>
   <p:notesSz cx="6858000" cy="9144000"/>
@@ -933,22 +934,7 @@
                 <a:schemeClr val="tx1"/>
               </a:solidFill>
             </a:rPr>
-            <a:t>Чтение данных </a:t>
-          </a:r>
-          <a:br>
-            <a:rPr lang="ru-RU" sz="2400" dirty="0">
-              <a:solidFill>
-                <a:schemeClr val="tx1"/>
-              </a:solidFill>
-            </a:rPr>
-          </a:br>
-          <a:r>
-            <a:rPr lang="ru-RU" sz="2400" dirty="0">
-              <a:solidFill>
-                <a:schemeClr val="tx1"/>
-              </a:solidFill>
-            </a:rPr>
-            <a:t>со акселерометра смартфона</a:t>
+            <a:t>новый метод навигации по датчикам смартфона, а также трехконтурная архитектура инерциальной навигационной системы для мобильного устройства</a:t>
           </a:r>
         </a:p>
       </dgm:t>
@@ -965,288 +951,6 @@
       </dgm:t>
     </dgm:pt>
     <dgm:pt modelId="{57589D84-CE02-4717-8A01-944EDA386A2A}" type="sibTrans" cxnId="{B01741CB-C25D-4FC1-916A-A908E5C0FB2F}">
-      <dgm:prSet/>
-      <dgm:spPr/>
-      <dgm:t>
-        <a:bodyPr/>
-        <a:lstStyle/>
-        <a:p>
-          <a:endParaRPr lang="ru-RU" sz="1800"/>
-        </a:p>
-      </dgm:t>
-    </dgm:pt>
-    <dgm:pt modelId="{AD7EA194-4314-4CE6-ABF9-AC3CD2B6A38A}">
-      <dgm:prSet phldrT="[Текст]" custT="1"/>
-      <dgm:spPr>
-        <a:gradFill rotWithShape="0">
-          <a:gsLst>
-            <a:gs pos="100000">
-              <a:srgbClr val="5E9EFF">
-                <a:lumMod val="94000"/>
-                <a:alpha val="73000"/>
-              </a:srgbClr>
-            </a:gs>
-            <a:gs pos="62000">
-              <a:srgbClr val="85C2FF"/>
-            </a:gs>
-            <a:gs pos="32000">
-              <a:srgbClr val="C4D6EB"/>
-            </a:gs>
-            <a:gs pos="0">
-              <a:srgbClr val="FFEBFA"/>
-            </a:gs>
-          </a:gsLst>
-          <a:path path="rect">
-            <a:fillToRect l="50000" t="50000" r="50000" b="50000"/>
-          </a:path>
-        </a:gradFill>
-      </dgm:spPr>
-      <dgm:t>
-        <a:bodyPr/>
-        <a:lstStyle/>
-        <a:p>
-          <a:r>
-            <a:rPr lang="ru-RU" sz="2400" dirty="0">
-              <a:solidFill>
-                <a:schemeClr val="tx1"/>
-              </a:solidFill>
-            </a:rPr>
-            <a:t>Чтение данных </a:t>
-          </a:r>
-          <a:br>
-            <a:rPr lang="ru-RU" sz="2400" dirty="0">
-              <a:solidFill>
-                <a:schemeClr val="tx1"/>
-              </a:solidFill>
-            </a:rPr>
-          </a:br>
-          <a:r>
-            <a:rPr lang="ru-RU" sz="2400" dirty="0">
-              <a:solidFill>
-                <a:schemeClr val="tx1"/>
-              </a:solidFill>
-            </a:rPr>
-            <a:t>со гироскопа смартфона</a:t>
-          </a:r>
-        </a:p>
-      </dgm:t>
-    </dgm:pt>
-    <dgm:pt modelId="{7C50D0ED-9062-448D-B794-EDCC110D4AD5}" type="parTrans" cxnId="{96F43885-1004-4A1B-B537-EE27C713A6B2}">
-      <dgm:prSet/>
-      <dgm:spPr/>
-      <dgm:t>
-        <a:bodyPr/>
-        <a:lstStyle/>
-        <a:p>
-          <a:endParaRPr lang="ru-RU" sz="1800"/>
-        </a:p>
-      </dgm:t>
-    </dgm:pt>
-    <dgm:pt modelId="{DDC62C67-7B02-428A-8ADF-56FCF49F6533}" type="sibTrans" cxnId="{96F43885-1004-4A1B-B537-EE27C713A6B2}">
-      <dgm:prSet/>
-      <dgm:spPr/>
-      <dgm:t>
-        <a:bodyPr/>
-        <a:lstStyle/>
-        <a:p>
-          <a:endParaRPr lang="ru-RU" sz="1800"/>
-        </a:p>
-      </dgm:t>
-    </dgm:pt>
-    <dgm:pt modelId="{040B9E62-3585-46FD-948B-D134CAAD18F7}">
-      <dgm:prSet phldrT="[Текст]" custT="1"/>
-      <dgm:spPr>
-        <a:gradFill rotWithShape="0">
-          <a:gsLst>
-            <a:gs pos="100000">
-              <a:srgbClr val="5E9EFF">
-                <a:lumMod val="94000"/>
-                <a:alpha val="73000"/>
-              </a:srgbClr>
-            </a:gs>
-            <a:gs pos="62000">
-              <a:srgbClr val="85C2FF"/>
-            </a:gs>
-            <a:gs pos="32000">
-              <a:srgbClr val="C4D6EB"/>
-            </a:gs>
-            <a:gs pos="0">
-              <a:srgbClr val="FFEBFA"/>
-            </a:gs>
-          </a:gsLst>
-          <a:path path="rect">
-            <a:fillToRect l="50000" t="50000" r="50000" b="50000"/>
-          </a:path>
-        </a:gradFill>
-      </dgm:spPr>
-      <dgm:t>
-        <a:bodyPr/>
-        <a:lstStyle/>
-        <a:p>
-          <a:r>
-            <a:rPr lang="ru-RU" sz="2400" dirty="0">
-              <a:solidFill>
-                <a:schemeClr val="tx1"/>
-              </a:solidFill>
-            </a:rPr>
-            <a:t>Чтение данных </a:t>
-          </a:r>
-          <a:br>
-            <a:rPr lang="ru-RU" sz="2400" dirty="0">
-              <a:solidFill>
-                <a:schemeClr val="tx1"/>
-              </a:solidFill>
-            </a:rPr>
-          </a:br>
-          <a:r>
-            <a:rPr lang="ru-RU" sz="2400" dirty="0">
-              <a:solidFill>
-                <a:schemeClr val="tx1"/>
-              </a:solidFill>
-            </a:rPr>
-            <a:t>со магнитометра смартфона</a:t>
-          </a:r>
-        </a:p>
-      </dgm:t>
-    </dgm:pt>
-    <dgm:pt modelId="{3100C6E7-5594-45A4-A09B-6919054E8ACD}" type="parTrans" cxnId="{B89190B0-FED5-4409-B434-11CDC3310FD6}">
-      <dgm:prSet/>
-      <dgm:spPr/>
-      <dgm:t>
-        <a:bodyPr/>
-        <a:lstStyle/>
-        <a:p>
-          <a:endParaRPr lang="ru-RU" sz="1800"/>
-        </a:p>
-      </dgm:t>
-    </dgm:pt>
-    <dgm:pt modelId="{17753443-2FC0-4850-87D6-7F266251A00E}" type="sibTrans" cxnId="{B89190B0-FED5-4409-B434-11CDC3310FD6}">
-      <dgm:prSet/>
-      <dgm:spPr/>
-      <dgm:t>
-        <a:bodyPr/>
-        <a:lstStyle/>
-        <a:p>
-          <a:endParaRPr lang="ru-RU" sz="1800"/>
-        </a:p>
-      </dgm:t>
-    </dgm:pt>
-    <dgm:pt modelId="{8992337D-4103-422E-9E47-47790AB22879}">
-      <dgm:prSet phldrT="[Текст]" custT="1"/>
-      <dgm:spPr>
-        <a:gradFill rotWithShape="0">
-          <a:gsLst>
-            <a:gs pos="100000">
-              <a:srgbClr val="5E9EFF">
-                <a:lumMod val="94000"/>
-                <a:alpha val="73000"/>
-              </a:srgbClr>
-            </a:gs>
-            <a:gs pos="62000">
-              <a:srgbClr val="85C2FF"/>
-            </a:gs>
-            <a:gs pos="32000">
-              <a:srgbClr val="C4D6EB"/>
-            </a:gs>
-            <a:gs pos="0">
-              <a:srgbClr val="FFEBFA"/>
-            </a:gs>
-          </a:gsLst>
-          <a:path path="rect">
-            <a:fillToRect l="50000" t="50000" r="50000" b="50000"/>
-          </a:path>
-        </a:gradFill>
-      </dgm:spPr>
-      <dgm:t>
-        <a:bodyPr/>
-        <a:lstStyle/>
-        <a:p>
-          <a:r>
-            <a:rPr lang="ru-RU" sz="2400" dirty="0">
-              <a:solidFill>
-                <a:schemeClr val="tx1"/>
-              </a:solidFill>
-            </a:rPr>
-            <a:t>Формирование пройденного маршрута на экране телефона</a:t>
-          </a:r>
-        </a:p>
-      </dgm:t>
-    </dgm:pt>
-    <dgm:pt modelId="{2035ED71-EB62-44A7-94BB-C50078D0DF38}" type="parTrans" cxnId="{B9BCA477-6485-4562-8733-BC1AD143DA4D}">
-      <dgm:prSet/>
-      <dgm:spPr/>
-      <dgm:t>
-        <a:bodyPr/>
-        <a:lstStyle/>
-        <a:p>
-          <a:endParaRPr lang="ru-RU" sz="1800"/>
-        </a:p>
-      </dgm:t>
-    </dgm:pt>
-    <dgm:pt modelId="{1AB61800-C835-484B-B31D-CE3D6F4AF5C1}" type="sibTrans" cxnId="{B9BCA477-6485-4562-8733-BC1AD143DA4D}">
-      <dgm:prSet/>
-      <dgm:spPr/>
-      <dgm:t>
-        <a:bodyPr/>
-        <a:lstStyle/>
-        <a:p>
-          <a:endParaRPr lang="ru-RU" sz="1800"/>
-        </a:p>
-      </dgm:t>
-    </dgm:pt>
-    <dgm:pt modelId="{B6EDD6F7-D9E9-45A9-8F96-4B01D978F45C}">
-      <dgm:prSet phldrT="[Текст]" custT="1"/>
-      <dgm:spPr>
-        <a:gradFill rotWithShape="0">
-          <a:gsLst>
-            <a:gs pos="100000">
-              <a:srgbClr val="5E9EFF">
-                <a:lumMod val="94000"/>
-                <a:alpha val="73000"/>
-              </a:srgbClr>
-            </a:gs>
-            <a:gs pos="62000">
-              <a:srgbClr val="85C2FF"/>
-            </a:gs>
-            <a:gs pos="32000">
-              <a:srgbClr val="C4D6EB"/>
-            </a:gs>
-            <a:gs pos="0">
-              <a:srgbClr val="FFEBFA"/>
-            </a:gs>
-          </a:gsLst>
-          <a:path path="rect">
-            <a:fillToRect l="50000" t="50000" r="50000" b="50000"/>
-          </a:path>
-        </a:gradFill>
-      </dgm:spPr>
-      <dgm:t>
-        <a:bodyPr/>
-        <a:lstStyle/>
-        <a:p>
-          <a:r>
-            <a:rPr lang="ru-RU" sz="2400" dirty="0">
-              <a:solidFill>
-                <a:schemeClr val="tx1"/>
-              </a:solidFill>
-            </a:rPr>
-            <a:t>Обзор систем аналогов</a:t>
-          </a:r>
-        </a:p>
-      </dgm:t>
-    </dgm:pt>
-    <dgm:pt modelId="{76481BB2-998D-43DC-A724-8BDC757ED55A}" type="parTrans" cxnId="{1CE4D532-71E0-4758-91B0-E38D6A6B4032}">
-      <dgm:prSet/>
-      <dgm:spPr/>
-      <dgm:t>
-        <a:bodyPr/>
-        <a:lstStyle/>
-        <a:p>
-          <a:endParaRPr lang="ru-RU" sz="1800"/>
-        </a:p>
-      </dgm:t>
-    </dgm:pt>
-    <dgm:pt modelId="{5ABF5CA0-B14B-4777-8285-83E587ED9EBE}" type="sibTrans" cxnId="{1CE4D532-71E0-4758-91B0-E38D6A6B4032}">
       <dgm:prSet/>
       <dgm:spPr/>
       <dgm:t>
@@ -1293,7 +997,7 @@
                 <a:schemeClr val="tx1"/>
               </a:solidFill>
             </a:rPr>
-            <a:t>Отслеживание перемещения с помощью датчиков смартфона</a:t>
+            <a:t>алгоритмы функционирования и программное обеспечение автоматизированной системы, реализующие предложенный метод построения маршрута</a:t>
           </a:r>
         </a:p>
       </dgm:t>
@@ -1301,10 +1005,24 @@
     <dgm:pt modelId="{F334E567-17C7-42AB-9EAB-EEE93887308E}" type="parTrans" cxnId="{56571EEC-C122-4308-8DAB-F321F603702F}">
       <dgm:prSet/>
       <dgm:spPr/>
+      <dgm:t>
+        <a:bodyPr/>
+        <a:lstStyle/>
+        <a:p>
+          <a:endParaRPr lang="ru-RU"/>
+        </a:p>
+      </dgm:t>
     </dgm:pt>
     <dgm:pt modelId="{31E6B00F-6F7A-4828-BBB5-35EC02AFA568}" type="sibTrans" cxnId="{56571EEC-C122-4308-8DAB-F321F603702F}">
       <dgm:prSet/>
       <dgm:spPr/>
+      <dgm:t>
+        <a:bodyPr/>
+        <a:lstStyle/>
+        <a:p>
+          <a:endParaRPr lang="ru-RU"/>
+        </a:p>
+      </dgm:t>
     </dgm:pt>
     <dgm:pt modelId="{4E9ADEA8-8168-4C0E-90E6-31D66446B7DF}" type="pres">
       <dgm:prSet presAssocID="{477DE945-AF6E-474C-BBD1-0631CC17474C}" presName="diagram" presStyleCnt="0">
@@ -1316,7 +1034,7 @@
       <dgm:spPr/>
     </dgm:pt>
     <dgm:pt modelId="{EEC5429C-F05A-4F04-BCAF-94DC0C3D656D}" type="pres">
-      <dgm:prSet presAssocID="{62D63616-49FC-4848-B1FC-2EDF5ED4EDE1}" presName="node" presStyleLbl="node1" presStyleIdx="0" presStyleCnt="6">
+      <dgm:prSet presAssocID="{62D63616-49FC-4848-B1FC-2EDF5ED4EDE1}" presName="node" presStyleLbl="node1" presStyleIdx="0" presStyleCnt="2">
         <dgm:presLayoutVars>
           <dgm:bulletEnabled val="1"/>
         </dgm:presLayoutVars>
@@ -1327,56 +1045,8 @@
       <dgm:prSet presAssocID="{57589D84-CE02-4717-8A01-944EDA386A2A}" presName="sibTrans" presStyleCnt="0"/>
       <dgm:spPr/>
     </dgm:pt>
-    <dgm:pt modelId="{74E8EE2F-4A71-4AE1-BEDD-0EDA0E0E26E6}" type="pres">
-      <dgm:prSet presAssocID="{AD7EA194-4314-4CE6-ABF9-AC3CD2B6A38A}" presName="node" presStyleLbl="node1" presStyleIdx="1" presStyleCnt="6">
-        <dgm:presLayoutVars>
-          <dgm:bulletEnabled val="1"/>
-        </dgm:presLayoutVars>
-      </dgm:prSet>
-      <dgm:spPr/>
-    </dgm:pt>
-    <dgm:pt modelId="{5456A33C-3CED-41AF-9AE7-181A1AE983B9}" type="pres">
-      <dgm:prSet presAssocID="{DDC62C67-7B02-428A-8ADF-56FCF49F6533}" presName="sibTrans" presStyleCnt="0"/>
-      <dgm:spPr/>
-    </dgm:pt>
-    <dgm:pt modelId="{BD0D938A-349E-40A7-A7B3-AE4DEB7683CD}" type="pres">
-      <dgm:prSet presAssocID="{040B9E62-3585-46FD-948B-D134CAAD18F7}" presName="node" presStyleLbl="node1" presStyleIdx="2" presStyleCnt="6">
-        <dgm:presLayoutVars>
-          <dgm:bulletEnabled val="1"/>
-        </dgm:presLayoutVars>
-      </dgm:prSet>
-      <dgm:spPr/>
-    </dgm:pt>
-    <dgm:pt modelId="{363F1576-594F-4B65-B7EB-A4D26CAB7E48}" type="pres">
-      <dgm:prSet presAssocID="{17753443-2FC0-4850-87D6-7F266251A00E}" presName="sibTrans" presStyleCnt="0"/>
-      <dgm:spPr/>
-    </dgm:pt>
-    <dgm:pt modelId="{CD146825-8A13-4D5A-A3CA-AB27D4C15C3C}" type="pres">
-      <dgm:prSet presAssocID="{8992337D-4103-422E-9E47-47790AB22879}" presName="node" presStyleLbl="node1" presStyleIdx="3" presStyleCnt="6">
-        <dgm:presLayoutVars>
-          <dgm:bulletEnabled val="1"/>
-        </dgm:presLayoutVars>
-      </dgm:prSet>
-      <dgm:spPr/>
-    </dgm:pt>
-    <dgm:pt modelId="{3BD5950C-907F-4B98-BC57-E72E5D0BF3DA}" type="pres">
-      <dgm:prSet presAssocID="{1AB61800-C835-484B-B31D-CE3D6F4AF5C1}" presName="sibTrans" presStyleCnt="0"/>
-      <dgm:spPr/>
-    </dgm:pt>
-    <dgm:pt modelId="{532BD2DB-1049-47E6-9592-0157DC6119E8}" type="pres">
-      <dgm:prSet presAssocID="{B6EDD6F7-D9E9-45A9-8F96-4B01D978F45C}" presName="node" presStyleLbl="node1" presStyleIdx="4" presStyleCnt="6">
-        <dgm:presLayoutVars>
-          <dgm:bulletEnabled val="1"/>
-        </dgm:presLayoutVars>
-      </dgm:prSet>
-      <dgm:spPr/>
-    </dgm:pt>
-    <dgm:pt modelId="{E36A761A-B4EA-499F-838B-35BE4FF4DF78}" type="pres">
-      <dgm:prSet presAssocID="{5ABF5CA0-B14B-4777-8285-83E587ED9EBE}" presName="sibTrans" presStyleCnt="0"/>
-      <dgm:spPr/>
-    </dgm:pt>
     <dgm:pt modelId="{E4FF2E5D-BDB2-4113-9CEE-3B182029E05E}" type="pres">
-      <dgm:prSet presAssocID="{513D8890-C164-41AB-A91F-6BAC2EB9EDF4}" presName="node" presStyleLbl="node1" presStyleIdx="5" presStyleCnt="6">
+      <dgm:prSet presAssocID="{513D8890-C164-41AB-A91F-6BAC2EB9EDF4}" presName="node" presStyleLbl="node1" presStyleIdx="1" presStyleCnt="2">
         <dgm:presLayoutVars>
           <dgm:bulletEnabled val="1"/>
         </dgm:presLayoutVars>
@@ -1387,28 +1057,12 @@
   <dgm:cxnLst>
     <dgm:cxn modelId="{81383517-DC8D-4D76-80DE-EACD06EC8773}" type="presOf" srcId="{62D63616-49FC-4848-B1FC-2EDF5ED4EDE1}" destId="{EEC5429C-F05A-4F04-BCAF-94DC0C3D656D}" srcOrd="0" destOrd="0" presId="urn:microsoft.com/office/officeart/2005/8/layout/default"/>
     <dgm:cxn modelId="{3278C11D-2665-4E62-B0B3-7B8394788771}" type="presOf" srcId="{513D8890-C164-41AB-A91F-6BAC2EB9EDF4}" destId="{E4FF2E5D-BDB2-4113-9CEE-3B182029E05E}" srcOrd="0" destOrd="0" presId="urn:microsoft.com/office/officeart/2005/8/layout/default"/>
-    <dgm:cxn modelId="{21CDBF24-77F1-4235-BD27-83DBE1D53439}" type="presOf" srcId="{B6EDD6F7-D9E9-45A9-8F96-4B01D978F45C}" destId="{532BD2DB-1049-47E6-9592-0157DC6119E8}" srcOrd="0" destOrd="0" presId="urn:microsoft.com/office/officeart/2005/8/layout/default"/>
-    <dgm:cxn modelId="{1CE4D532-71E0-4758-91B0-E38D6A6B4032}" srcId="{477DE945-AF6E-474C-BBD1-0631CC17474C}" destId="{B6EDD6F7-D9E9-45A9-8F96-4B01D978F45C}" srcOrd="4" destOrd="0" parTransId="{76481BB2-998D-43DC-A724-8BDC757ED55A}" sibTransId="{5ABF5CA0-B14B-4777-8285-83E587ED9EBE}"/>
-    <dgm:cxn modelId="{90386F6D-A01D-443E-9633-10CC53D63673}" type="presOf" srcId="{AD7EA194-4314-4CE6-ABF9-AC3CD2B6A38A}" destId="{74E8EE2F-4A71-4AE1-BEDD-0EDA0E0E26E6}" srcOrd="0" destOrd="0" presId="urn:microsoft.com/office/officeart/2005/8/layout/default"/>
-    <dgm:cxn modelId="{B9BCA477-6485-4562-8733-BC1AD143DA4D}" srcId="{477DE945-AF6E-474C-BBD1-0631CC17474C}" destId="{8992337D-4103-422E-9E47-47790AB22879}" srcOrd="3" destOrd="0" parTransId="{2035ED71-EB62-44A7-94BB-C50078D0DF38}" sibTransId="{1AB61800-C835-484B-B31D-CE3D6F4AF5C1}"/>
-    <dgm:cxn modelId="{96F43885-1004-4A1B-B537-EE27C713A6B2}" srcId="{477DE945-AF6E-474C-BBD1-0631CC17474C}" destId="{AD7EA194-4314-4CE6-ABF9-AC3CD2B6A38A}" srcOrd="1" destOrd="0" parTransId="{7C50D0ED-9062-448D-B794-EDCC110D4AD5}" sibTransId="{DDC62C67-7B02-428A-8ADF-56FCF49F6533}"/>
     <dgm:cxn modelId="{5C58079F-7C53-41C6-AA20-E3C3EF262AAC}" type="presOf" srcId="{477DE945-AF6E-474C-BBD1-0631CC17474C}" destId="{4E9ADEA8-8168-4C0E-90E6-31D66446B7DF}" srcOrd="0" destOrd="0" presId="urn:microsoft.com/office/officeart/2005/8/layout/default"/>
-    <dgm:cxn modelId="{B89190B0-FED5-4409-B434-11CDC3310FD6}" srcId="{477DE945-AF6E-474C-BBD1-0631CC17474C}" destId="{040B9E62-3585-46FD-948B-D134CAAD18F7}" srcOrd="2" destOrd="0" parTransId="{3100C6E7-5594-45A4-A09B-6919054E8ACD}" sibTransId="{17753443-2FC0-4850-87D6-7F266251A00E}"/>
-    <dgm:cxn modelId="{7953E6B8-9E34-4D84-9B06-5C9BD729AA40}" type="presOf" srcId="{8992337D-4103-422E-9E47-47790AB22879}" destId="{CD146825-8A13-4D5A-A3CA-AB27D4C15C3C}" srcOrd="0" destOrd="0" presId="urn:microsoft.com/office/officeart/2005/8/layout/default"/>
     <dgm:cxn modelId="{B01741CB-C25D-4FC1-916A-A908E5C0FB2F}" srcId="{477DE945-AF6E-474C-BBD1-0631CC17474C}" destId="{62D63616-49FC-4848-B1FC-2EDF5ED4EDE1}" srcOrd="0" destOrd="0" parTransId="{A3DF8D22-B8B5-44B0-B246-B0AF4AC2464B}" sibTransId="{57589D84-CE02-4717-8A01-944EDA386A2A}"/>
-    <dgm:cxn modelId="{56571EEC-C122-4308-8DAB-F321F603702F}" srcId="{477DE945-AF6E-474C-BBD1-0631CC17474C}" destId="{513D8890-C164-41AB-A91F-6BAC2EB9EDF4}" srcOrd="5" destOrd="0" parTransId="{F334E567-17C7-42AB-9EAB-EEE93887308E}" sibTransId="{31E6B00F-6F7A-4828-BBB5-35EC02AFA568}"/>
-    <dgm:cxn modelId="{EA7795F9-D9E1-4189-BC2C-CE6CE7A5B132}" type="presOf" srcId="{040B9E62-3585-46FD-948B-D134CAAD18F7}" destId="{BD0D938A-349E-40A7-A7B3-AE4DEB7683CD}" srcOrd="0" destOrd="0" presId="urn:microsoft.com/office/officeart/2005/8/layout/default"/>
+    <dgm:cxn modelId="{56571EEC-C122-4308-8DAB-F321F603702F}" srcId="{477DE945-AF6E-474C-BBD1-0631CC17474C}" destId="{513D8890-C164-41AB-A91F-6BAC2EB9EDF4}" srcOrd="1" destOrd="0" parTransId="{F334E567-17C7-42AB-9EAB-EEE93887308E}" sibTransId="{31E6B00F-6F7A-4828-BBB5-35EC02AFA568}"/>
     <dgm:cxn modelId="{D17C65D3-1A14-4D1D-9B94-1EC93A2A6CDB}" type="presParOf" srcId="{4E9ADEA8-8168-4C0E-90E6-31D66446B7DF}" destId="{EEC5429C-F05A-4F04-BCAF-94DC0C3D656D}" srcOrd="0" destOrd="0" presId="urn:microsoft.com/office/officeart/2005/8/layout/default"/>
     <dgm:cxn modelId="{8997C636-C5F1-4A21-ABCC-D1BD8540DA54}" type="presParOf" srcId="{4E9ADEA8-8168-4C0E-90E6-31D66446B7DF}" destId="{315E9DD5-D939-4B68-B7B2-A6C86AF10367}" srcOrd="1" destOrd="0" presId="urn:microsoft.com/office/officeart/2005/8/layout/default"/>
-    <dgm:cxn modelId="{04683162-7116-4880-A630-4DE69920371A}" type="presParOf" srcId="{4E9ADEA8-8168-4C0E-90E6-31D66446B7DF}" destId="{74E8EE2F-4A71-4AE1-BEDD-0EDA0E0E26E6}" srcOrd="2" destOrd="0" presId="urn:microsoft.com/office/officeart/2005/8/layout/default"/>
-    <dgm:cxn modelId="{0E903762-FE87-4A12-BCD6-D17BF0EB4EA6}" type="presParOf" srcId="{4E9ADEA8-8168-4C0E-90E6-31D66446B7DF}" destId="{5456A33C-3CED-41AF-9AE7-181A1AE983B9}" srcOrd="3" destOrd="0" presId="urn:microsoft.com/office/officeart/2005/8/layout/default"/>
-    <dgm:cxn modelId="{51B7ED47-0319-4968-B1F4-544DDC4F9525}" type="presParOf" srcId="{4E9ADEA8-8168-4C0E-90E6-31D66446B7DF}" destId="{BD0D938A-349E-40A7-A7B3-AE4DEB7683CD}" srcOrd="4" destOrd="0" presId="urn:microsoft.com/office/officeart/2005/8/layout/default"/>
-    <dgm:cxn modelId="{45BD5B48-EDC2-4349-8B37-F9D838512A7F}" type="presParOf" srcId="{4E9ADEA8-8168-4C0E-90E6-31D66446B7DF}" destId="{363F1576-594F-4B65-B7EB-A4D26CAB7E48}" srcOrd="5" destOrd="0" presId="urn:microsoft.com/office/officeart/2005/8/layout/default"/>
-    <dgm:cxn modelId="{E4200AC5-88F8-482D-87F3-D241086C04A8}" type="presParOf" srcId="{4E9ADEA8-8168-4C0E-90E6-31D66446B7DF}" destId="{CD146825-8A13-4D5A-A3CA-AB27D4C15C3C}" srcOrd="6" destOrd="0" presId="urn:microsoft.com/office/officeart/2005/8/layout/default"/>
-    <dgm:cxn modelId="{349EB8DF-4B83-4B09-9BCB-127BFD7AE3CE}" type="presParOf" srcId="{4E9ADEA8-8168-4C0E-90E6-31D66446B7DF}" destId="{3BD5950C-907F-4B98-BC57-E72E5D0BF3DA}" srcOrd="7" destOrd="0" presId="urn:microsoft.com/office/officeart/2005/8/layout/default"/>
-    <dgm:cxn modelId="{282B62DC-5B4C-4DBE-A541-C18ADD7813CC}" type="presParOf" srcId="{4E9ADEA8-8168-4C0E-90E6-31D66446B7DF}" destId="{532BD2DB-1049-47E6-9592-0157DC6119E8}" srcOrd="8" destOrd="0" presId="urn:microsoft.com/office/officeart/2005/8/layout/default"/>
-    <dgm:cxn modelId="{9AF8284A-FAFE-436F-9198-6ECF89FF3662}" type="presParOf" srcId="{4E9ADEA8-8168-4C0E-90E6-31D66446B7DF}" destId="{E36A761A-B4EA-499F-838B-35BE4FF4DF78}" srcOrd="9" destOrd="0" presId="urn:microsoft.com/office/officeart/2005/8/layout/default"/>
-    <dgm:cxn modelId="{C27E4893-83D5-4604-94B2-1458583A86BC}" type="presParOf" srcId="{4E9ADEA8-8168-4C0E-90E6-31D66446B7DF}" destId="{E4FF2E5D-BDB2-4113-9CEE-3B182029E05E}" srcOrd="10" destOrd="0" presId="urn:microsoft.com/office/officeart/2005/8/layout/default"/>
+    <dgm:cxn modelId="{C27E4893-83D5-4604-94B2-1458583A86BC}" type="presParOf" srcId="{4E9ADEA8-8168-4C0E-90E6-31D66446B7DF}" destId="{E4FF2E5D-BDB2-4113-9CEE-3B182029E05E}" srcOrd="2" destOrd="0" presId="urn:microsoft.com/office/officeart/2005/8/layout/default"/>
   </dgm:cxnLst>
   <dgm:bg/>
   <dgm:whole/>
@@ -1435,8 +1089,8 @@
       </dsp:nvSpPr>
       <dsp:spPr>
         <a:xfrm>
-          <a:off x="210623" y="1797"/>
-          <a:ext cx="3378750" cy="2027250"/>
+          <a:off x="1371" y="593627"/>
+          <a:ext cx="5347859" cy="3208715"/>
         </a:xfrm>
         <a:prstGeom prst="rect">
           <a:avLst/>
@@ -1514,39 +1168,24 @@
                 <a:schemeClr val="tx1"/>
               </a:solidFill>
             </a:rPr>
-            <a:t>Чтение данных </a:t>
-          </a:r>
-          <a:br>
-            <a:rPr lang="ru-RU" sz="2400" kern="1200" dirty="0">
-              <a:solidFill>
-                <a:schemeClr val="tx1"/>
-              </a:solidFill>
-            </a:rPr>
-          </a:br>
-          <a:r>
-            <a:rPr lang="ru-RU" sz="2400" kern="1200" dirty="0">
-              <a:solidFill>
-                <a:schemeClr val="tx1"/>
-              </a:solidFill>
-            </a:rPr>
-            <a:t>со акселерометра смартфона</a:t>
+            <a:t>новый метод навигации по датчикам смартфона, а также трехконтурная архитектура инерциальной навигационной системы для мобильного устройства</a:t>
           </a:r>
         </a:p>
       </dsp:txBody>
       <dsp:txXfrm>
-        <a:off x="210623" y="1797"/>
-        <a:ext cx="3378750" cy="2027250"/>
+        <a:off x="1371" y="593627"/>
+        <a:ext cx="5347859" cy="3208715"/>
       </dsp:txXfrm>
     </dsp:sp>
-    <dsp:sp modelId="{74E8EE2F-4A71-4AE1-BEDD-0EDA0E0E26E6}">
+    <dsp:sp modelId="{E4FF2E5D-BDB2-4113-9CEE-3B182029E05E}">
       <dsp:nvSpPr>
         <dsp:cNvPr id="0" name=""/>
         <dsp:cNvSpPr/>
       </dsp:nvSpPr>
       <dsp:spPr>
         <a:xfrm>
-          <a:off x="3927248" y="1797"/>
-          <a:ext cx="3378750" cy="2027250"/>
+          <a:off x="5884016" y="593627"/>
+          <a:ext cx="5347859" cy="3208715"/>
         </a:xfrm>
         <a:prstGeom prst="rect">
           <a:avLst/>
@@ -1624,423 +1263,13 @@
                 <a:schemeClr val="tx1"/>
               </a:solidFill>
             </a:rPr>
-            <a:t>Чтение данных </a:t>
-          </a:r>
-          <a:br>
-            <a:rPr lang="ru-RU" sz="2400" kern="1200" dirty="0">
-              <a:solidFill>
-                <a:schemeClr val="tx1"/>
-              </a:solidFill>
-            </a:rPr>
-          </a:br>
-          <a:r>
-            <a:rPr lang="ru-RU" sz="2400" kern="1200" dirty="0">
-              <a:solidFill>
-                <a:schemeClr val="tx1"/>
-              </a:solidFill>
-            </a:rPr>
-            <a:t>со гироскопа смартфона</a:t>
+            <a:t>алгоритмы функционирования и программное обеспечение автоматизированной системы, реализующие предложенный метод построения маршрута</a:t>
           </a:r>
         </a:p>
       </dsp:txBody>
       <dsp:txXfrm>
-        <a:off x="3927248" y="1797"/>
-        <a:ext cx="3378750" cy="2027250"/>
-      </dsp:txXfrm>
-    </dsp:sp>
-    <dsp:sp modelId="{BD0D938A-349E-40A7-A7B3-AE4DEB7683CD}">
-      <dsp:nvSpPr>
-        <dsp:cNvPr id="0" name=""/>
-        <dsp:cNvSpPr/>
-      </dsp:nvSpPr>
-      <dsp:spPr>
-        <a:xfrm>
-          <a:off x="7643874" y="1797"/>
-          <a:ext cx="3378750" cy="2027250"/>
-        </a:xfrm>
-        <a:prstGeom prst="rect">
-          <a:avLst/>
-        </a:prstGeom>
-        <a:gradFill rotWithShape="0">
-          <a:gsLst>
-            <a:gs pos="100000">
-              <a:srgbClr val="5E9EFF">
-                <a:lumMod val="94000"/>
-                <a:alpha val="73000"/>
-              </a:srgbClr>
-            </a:gs>
-            <a:gs pos="62000">
-              <a:srgbClr val="85C2FF"/>
-            </a:gs>
-            <a:gs pos="32000">
-              <a:srgbClr val="C4D6EB"/>
-            </a:gs>
-            <a:gs pos="0">
-              <a:srgbClr val="FFEBFA"/>
-            </a:gs>
-          </a:gsLst>
-          <a:path path="rect">
-            <a:fillToRect l="50000" t="50000" r="50000" b="50000"/>
-          </a:path>
-        </a:gradFill>
-        <a:ln w="25400" cap="flat" cmpd="sng" algn="ctr">
-          <a:solidFill>
-            <a:schemeClr val="lt1">
-              <a:hueOff val="0"/>
-              <a:satOff val="0"/>
-              <a:lumOff val="0"/>
-              <a:alphaOff val="0"/>
-            </a:schemeClr>
-          </a:solidFill>
-          <a:prstDash val="solid"/>
-        </a:ln>
-        <a:effectLst/>
-      </dsp:spPr>
-      <dsp:style>
-        <a:lnRef idx="2">
-          <a:scrgbClr r="0" g="0" b="0"/>
-        </a:lnRef>
-        <a:fillRef idx="1">
-          <a:scrgbClr r="0" g="0" b="0"/>
-        </a:fillRef>
-        <a:effectRef idx="0">
-          <a:scrgbClr r="0" g="0" b="0"/>
-        </a:effectRef>
-        <a:fontRef idx="minor">
-          <a:schemeClr val="lt1"/>
-        </a:fontRef>
-      </dsp:style>
-      <dsp:txBody>
-        <a:bodyPr spcFirstLastPara="0" vert="horz" wrap="square" lIns="91440" tIns="91440" rIns="91440" bIns="91440" numCol="1" spcCol="1270" anchor="ctr" anchorCtr="0">
-          <a:noAutofit/>
-        </a:bodyPr>
-        <a:lstStyle/>
-        <a:p>
-          <a:pPr marL="0" lvl="0" indent="0" algn="ctr" defTabSz="1066800">
-            <a:lnSpc>
-              <a:spcPct val="90000"/>
-            </a:lnSpc>
-            <a:spcBef>
-              <a:spcPct val="0"/>
-            </a:spcBef>
-            <a:spcAft>
-              <a:spcPct val="35000"/>
-            </a:spcAft>
-            <a:buNone/>
-          </a:pPr>
-          <a:r>
-            <a:rPr lang="ru-RU" sz="2400" kern="1200" dirty="0">
-              <a:solidFill>
-                <a:schemeClr val="tx1"/>
-              </a:solidFill>
-            </a:rPr>
-            <a:t>Чтение данных </a:t>
-          </a:r>
-          <a:br>
-            <a:rPr lang="ru-RU" sz="2400" kern="1200" dirty="0">
-              <a:solidFill>
-                <a:schemeClr val="tx1"/>
-              </a:solidFill>
-            </a:rPr>
-          </a:br>
-          <a:r>
-            <a:rPr lang="ru-RU" sz="2400" kern="1200" dirty="0">
-              <a:solidFill>
-                <a:schemeClr val="tx1"/>
-              </a:solidFill>
-            </a:rPr>
-            <a:t>со магнитометра смартфона</a:t>
-          </a:r>
-        </a:p>
-      </dsp:txBody>
-      <dsp:txXfrm>
-        <a:off x="7643874" y="1797"/>
-        <a:ext cx="3378750" cy="2027250"/>
-      </dsp:txXfrm>
-    </dsp:sp>
-    <dsp:sp modelId="{CD146825-8A13-4D5A-A3CA-AB27D4C15C3C}">
-      <dsp:nvSpPr>
-        <dsp:cNvPr id="0" name=""/>
-        <dsp:cNvSpPr/>
-      </dsp:nvSpPr>
-      <dsp:spPr>
-        <a:xfrm>
-          <a:off x="210623" y="2366922"/>
-          <a:ext cx="3378750" cy="2027250"/>
-        </a:xfrm>
-        <a:prstGeom prst="rect">
-          <a:avLst/>
-        </a:prstGeom>
-        <a:gradFill rotWithShape="0">
-          <a:gsLst>
-            <a:gs pos="100000">
-              <a:srgbClr val="5E9EFF">
-                <a:lumMod val="94000"/>
-                <a:alpha val="73000"/>
-              </a:srgbClr>
-            </a:gs>
-            <a:gs pos="62000">
-              <a:srgbClr val="85C2FF"/>
-            </a:gs>
-            <a:gs pos="32000">
-              <a:srgbClr val="C4D6EB"/>
-            </a:gs>
-            <a:gs pos="0">
-              <a:srgbClr val="FFEBFA"/>
-            </a:gs>
-          </a:gsLst>
-          <a:path path="rect">
-            <a:fillToRect l="50000" t="50000" r="50000" b="50000"/>
-          </a:path>
-        </a:gradFill>
-        <a:ln w="25400" cap="flat" cmpd="sng" algn="ctr">
-          <a:solidFill>
-            <a:schemeClr val="lt1">
-              <a:hueOff val="0"/>
-              <a:satOff val="0"/>
-              <a:lumOff val="0"/>
-              <a:alphaOff val="0"/>
-            </a:schemeClr>
-          </a:solidFill>
-          <a:prstDash val="solid"/>
-        </a:ln>
-        <a:effectLst/>
-      </dsp:spPr>
-      <dsp:style>
-        <a:lnRef idx="2">
-          <a:scrgbClr r="0" g="0" b="0"/>
-        </a:lnRef>
-        <a:fillRef idx="1">
-          <a:scrgbClr r="0" g="0" b="0"/>
-        </a:fillRef>
-        <a:effectRef idx="0">
-          <a:scrgbClr r="0" g="0" b="0"/>
-        </a:effectRef>
-        <a:fontRef idx="minor">
-          <a:schemeClr val="lt1"/>
-        </a:fontRef>
-      </dsp:style>
-      <dsp:txBody>
-        <a:bodyPr spcFirstLastPara="0" vert="horz" wrap="square" lIns="91440" tIns="91440" rIns="91440" bIns="91440" numCol="1" spcCol="1270" anchor="ctr" anchorCtr="0">
-          <a:noAutofit/>
-        </a:bodyPr>
-        <a:lstStyle/>
-        <a:p>
-          <a:pPr marL="0" lvl="0" indent="0" algn="ctr" defTabSz="1066800">
-            <a:lnSpc>
-              <a:spcPct val="90000"/>
-            </a:lnSpc>
-            <a:spcBef>
-              <a:spcPct val="0"/>
-            </a:spcBef>
-            <a:spcAft>
-              <a:spcPct val="35000"/>
-            </a:spcAft>
-            <a:buNone/>
-          </a:pPr>
-          <a:r>
-            <a:rPr lang="ru-RU" sz="2400" kern="1200" dirty="0">
-              <a:solidFill>
-                <a:schemeClr val="tx1"/>
-              </a:solidFill>
-            </a:rPr>
-            <a:t>Формирование пройденного маршрута на экране телефона</a:t>
-          </a:r>
-        </a:p>
-      </dsp:txBody>
-      <dsp:txXfrm>
-        <a:off x="210623" y="2366922"/>
-        <a:ext cx="3378750" cy="2027250"/>
-      </dsp:txXfrm>
-    </dsp:sp>
-    <dsp:sp modelId="{532BD2DB-1049-47E6-9592-0157DC6119E8}">
-      <dsp:nvSpPr>
-        <dsp:cNvPr id="0" name=""/>
-        <dsp:cNvSpPr/>
-      </dsp:nvSpPr>
-      <dsp:spPr>
-        <a:xfrm>
-          <a:off x="3927248" y="2366922"/>
-          <a:ext cx="3378750" cy="2027250"/>
-        </a:xfrm>
-        <a:prstGeom prst="rect">
-          <a:avLst/>
-        </a:prstGeom>
-        <a:gradFill rotWithShape="0">
-          <a:gsLst>
-            <a:gs pos="100000">
-              <a:srgbClr val="5E9EFF">
-                <a:lumMod val="94000"/>
-                <a:alpha val="73000"/>
-              </a:srgbClr>
-            </a:gs>
-            <a:gs pos="62000">
-              <a:srgbClr val="85C2FF"/>
-            </a:gs>
-            <a:gs pos="32000">
-              <a:srgbClr val="C4D6EB"/>
-            </a:gs>
-            <a:gs pos="0">
-              <a:srgbClr val="FFEBFA"/>
-            </a:gs>
-          </a:gsLst>
-          <a:path path="rect">
-            <a:fillToRect l="50000" t="50000" r="50000" b="50000"/>
-          </a:path>
-        </a:gradFill>
-        <a:ln w="25400" cap="flat" cmpd="sng" algn="ctr">
-          <a:solidFill>
-            <a:schemeClr val="lt1">
-              <a:hueOff val="0"/>
-              <a:satOff val="0"/>
-              <a:lumOff val="0"/>
-              <a:alphaOff val="0"/>
-            </a:schemeClr>
-          </a:solidFill>
-          <a:prstDash val="solid"/>
-        </a:ln>
-        <a:effectLst/>
-      </dsp:spPr>
-      <dsp:style>
-        <a:lnRef idx="2">
-          <a:scrgbClr r="0" g="0" b="0"/>
-        </a:lnRef>
-        <a:fillRef idx="1">
-          <a:scrgbClr r="0" g="0" b="0"/>
-        </a:fillRef>
-        <a:effectRef idx="0">
-          <a:scrgbClr r="0" g="0" b="0"/>
-        </a:effectRef>
-        <a:fontRef idx="minor">
-          <a:schemeClr val="lt1"/>
-        </a:fontRef>
-      </dsp:style>
-      <dsp:txBody>
-        <a:bodyPr spcFirstLastPara="0" vert="horz" wrap="square" lIns="91440" tIns="91440" rIns="91440" bIns="91440" numCol="1" spcCol="1270" anchor="ctr" anchorCtr="0">
-          <a:noAutofit/>
-        </a:bodyPr>
-        <a:lstStyle/>
-        <a:p>
-          <a:pPr marL="0" lvl="0" indent="0" algn="ctr" defTabSz="1066800">
-            <a:lnSpc>
-              <a:spcPct val="90000"/>
-            </a:lnSpc>
-            <a:spcBef>
-              <a:spcPct val="0"/>
-            </a:spcBef>
-            <a:spcAft>
-              <a:spcPct val="35000"/>
-            </a:spcAft>
-            <a:buNone/>
-          </a:pPr>
-          <a:r>
-            <a:rPr lang="ru-RU" sz="2400" kern="1200" dirty="0">
-              <a:solidFill>
-                <a:schemeClr val="tx1"/>
-              </a:solidFill>
-            </a:rPr>
-            <a:t>Обзор систем аналогов</a:t>
-          </a:r>
-        </a:p>
-      </dsp:txBody>
-      <dsp:txXfrm>
-        <a:off x="3927248" y="2366922"/>
-        <a:ext cx="3378750" cy="2027250"/>
-      </dsp:txXfrm>
-    </dsp:sp>
-    <dsp:sp modelId="{E4FF2E5D-BDB2-4113-9CEE-3B182029E05E}">
-      <dsp:nvSpPr>
-        <dsp:cNvPr id="0" name=""/>
-        <dsp:cNvSpPr/>
-      </dsp:nvSpPr>
-      <dsp:spPr>
-        <a:xfrm>
-          <a:off x="7643874" y="2366922"/>
-          <a:ext cx="3378750" cy="2027250"/>
-        </a:xfrm>
-        <a:prstGeom prst="rect">
-          <a:avLst/>
-        </a:prstGeom>
-        <a:gradFill rotWithShape="0">
-          <a:gsLst>
-            <a:gs pos="100000">
-              <a:srgbClr val="5E9EFF">
-                <a:lumMod val="94000"/>
-                <a:alpha val="73000"/>
-              </a:srgbClr>
-            </a:gs>
-            <a:gs pos="62000">
-              <a:srgbClr val="85C2FF"/>
-            </a:gs>
-            <a:gs pos="32000">
-              <a:srgbClr val="C4D6EB"/>
-            </a:gs>
-            <a:gs pos="0">
-              <a:srgbClr val="FFEBFA"/>
-            </a:gs>
-          </a:gsLst>
-          <a:path path="rect">
-            <a:fillToRect l="50000" t="50000" r="50000" b="50000"/>
-          </a:path>
-        </a:gradFill>
-        <a:ln w="25400" cap="flat" cmpd="sng" algn="ctr">
-          <a:solidFill>
-            <a:schemeClr val="lt1">
-              <a:hueOff val="0"/>
-              <a:satOff val="0"/>
-              <a:lumOff val="0"/>
-              <a:alphaOff val="0"/>
-            </a:schemeClr>
-          </a:solidFill>
-          <a:prstDash val="solid"/>
-        </a:ln>
-        <a:effectLst/>
-      </dsp:spPr>
-      <dsp:style>
-        <a:lnRef idx="2">
-          <a:scrgbClr r="0" g="0" b="0"/>
-        </a:lnRef>
-        <a:fillRef idx="1">
-          <a:scrgbClr r="0" g="0" b="0"/>
-        </a:fillRef>
-        <a:effectRef idx="0">
-          <a:scrgbClr r="0" g="0" b="0"/>
-        </a:effectRef>
-        <a:fontRef idx="minor">
-          <a:schemeClr val="lt1"/>
-        </a:fontRef>
-      </dsp:style>
-      <dsp:txBody>
-        <a:bodyPr spcFirstLastPara="0" vert="horz" wrap="square" lIns="91440" tIns="91440" rIns="91440" bIns="91440" numCol="1" spcCol="1270" anchor="ctr" anchorCtr="0">
-          <a:noAutofit/>
-        </a:bodyPr>
-        <a:lstStyle/>
-        <a:p>
-          <a:pPr marL="0" lvl="0" indent="0" algn="ctr" defTabSz="1066800">
-            <a:lnSpc>
-              <a:spcPct val="90000"/>
-            </a:lnSpc>
-            <a:spcBef>
-              <a:spcPct val="0"/>
-            </a:spcBef>
-            <a:spcAft>
-              <a:spcPct val="35000"/>
-            </a:spcAft>
-            <a:buNone/>
-          </a:pPr>
-          <a:r>
-            <a:rPr lang="ru-RU" sz="2400" kern="1200" dirty="0">
-              <a:solidFill>
-                <a:schemeClr val="tx1"/>
-              </a:solidFill>
-            </a:rPr>
-            <a:t>Отслеживание перемещения с помощью датчиков смартфона</a:t>
-          </a:r>
-        </a:p>
-      </dsp:txBody>
-      <dsp:txXfrm>
-        <a:off x="7643874" y="2366922"/>
-        <a:ext cx="3378750" cy="2027250"/>
+        <a:off x="5884016" y="593627"/>
+        <a:ext cx="5347859" cy="3208715"/>
       </dsp:txXfrm>
     </dsp:sp>
   </dsp:spTree>
@@ -3310,7 +2539,7 @@
           <a:p>
             <a:fld id="{53C77590-BFB8-41C1-9934-3E9D93CB747F}" type="datetimeFigureOut">
               <a:rPr lang="ru-RU" smtClean="0"/>
-              <a:t>14.11.2020</a:t>
+              <a:t>06.05.2021</a:t>
             </a:fld>
             <a:endParaRPr lang="ru-RU"/>
           </a:p>
@@ -3756,7 +2985,7 @@
           <a:p>
             <a:fld id="{2E1FEAF3-9EA9-4E4D-ACE9-F210CFF472D4}" type="datetime1">
               <a:rPr lang="ru-RU" smtClean="0"/>
-              <a:t>14.11.2020</a:t>
+              <a:t>06.05.2021</a:t>
             </a:fld>
             <a:endParaRPr lang="ru-RU"/>
           </a:p>
@@ -3924,7 +3153,7 @@
           <a:p>
             <a:fld id="{6072DF79-AD55-4BBF-AF0E-B3006BD9FC63}" type="datetime1">
               <a:rPr lang="ru-RU" smtClean="0"/>
-              <a:t>14.11.2020</a:t>
+              <a:t>06.05.2021</a:t>
             </a:fld>
             <a:endParaRPr lang="ru-RU"/>
           </a:p>
@@ -4102,7 +3331,7 @@
           <a:p>
             <a:fld id="{A8D09B17-A5AA-4114-B340-E9B3D535CAF1}" type="datetime1">
               <a:rPr lang="ru-RU" smtClean="0"/>
-              <a:t>14.11.2020</a:t>
+              <a:t>06.05.2021</a:t>
             </a:fld>
             <a:endParaRPr lang="ru-RU"/>
           </a:p>
@@ -4270,7 +3499,7 @@
           <a:p>
             <a:fld id="{BBDF64E6-2A5B-429D-84D2-1CEB73CFD494}" type="datetime1">
               <a:rPr lang="ru-RU" smtClean="0"/>
-              <a:t>14.11.2020</a:t>
+              <a:t>06.05.2021</a:t>
             </a:fld>
             <a:endParaRPr lang="ru-RU"/>
           </a:p>
@@ -4515,7 +3744,7 @@
           <a:p>
             <a:fld id="{9D7D6FD7-2330-440F-8729-44A50140D3A0}" type="datetime1">
               <a:rPr lang="ru-RU" smtClean="0"/>
-              <a:t>14.11.2020</a:t>
+              <a:t>06.05.2021</a:t>
             </a:fld>
             <a:endParaRPr lang="ru-RU"/>
           </a:p>
@@ -4800,7 +4029,7 @@
           <a:p>
             <a:fld id="{AD67EAE2-7930-4E8D-B42F-C75B0C353EE8}" type="datetime1">
               <a:rPr lang="ru-RU" smtClean="0"/>
-              <a:t>14.11.2020</a:t>
+              <a:t>06.05.2021</a:t>
             </a:fld>
             <a:endParaRPr lang="ru-RU"/>
           </a:p>
@@ -5219,7 +4448,7 @@
           <a:p>
             <a:fld id="{F5D6F513-D6BA-4B35-B772-88E770267A04}" type="datetime1">
               <a:rPr lang="ru-RU" smtClean="0"/>
-              <a:t>14.11.2020</a:t>
+              <a:t>06.05.2021</a:t>
             </a:fld>
             <a:endParaRPr lang="ru-RU"/>
           </a:p>
@@ -5336,7 +4565,7 @@
           <a:p>
             <a:fld id="{98307C8F-3427-4E0C-8A2A-E5C00596762D}" type="datetime1">
               <a:rPr lang="ru-RU" smtClean="0"/>
-              <a:t>14.11.2020</a:t>
+              <a:t>06.05.2021</a:t>
             </a:fld>
             <a:endParaRPr lang="ru-RU"/>
           </a:p>
@@ -5431,7 +4660,7 @@
           <a:p>
             <a:fld id="{ADE8478E-AABB-42F7-8174-B5FAD693316E}" type="datetime1">
               <a:rPr lang="ru-RU" smtClean="0"/>
-              <a:t>14.11.2020</a:t>
+              <a:t>06.05.2021</a:t>
             </a:fld>
             <a:endParaRPr lang="ru-RU"/>
           </a:p>
@@ -5706,7 +4935,7 @@
           <a:p>
             <a:fld id="{18E1BB3D-0B3A-4730-BB8B-C96F0F23C850}" type="datetime1">
               <a:rPr lang="ru-RU" smtClean="0"/>
-              <a:t>14.11.2020</a:t>
+              <a:t>06.05.2021</a:t>
             </a:fld>
             <a:endParaRPr lang="ru-RU"/>
           </a:p>
@@ -5958,7 +5187,7 @@
           <a:p>
             <a:fld id="{515F4F15-E020-44F3-BCC8-24320E990345}" type="datetime1">
               <a:rPr lang="ru-RU" smtClean="0"/>
-              <a:t>14.11.2020</a:t>
+              <a:t>06.05.2021</a:t>
             </a:fld>
             <a:endParaRPr lang="ru-RU"/>
           </a:p>
@@ -6178,7 +5407,7 @@
           <a:p>
             <a:fld id="{A22415F4-83CD-4779-9756-B7C80E8C6DAD}" type="datetime1">
               <a:rPr lang="ru-RU" smtClean="0"/>
-              <a:t>14.11.2020</a:t>
+              <a:t>06.05.2021</a:t>
             </a:fld>
             <a:endParaRPr lang="ru-RU"/>
           </a:p>
@@ -6812,6 +6041,347 @@
                 </a:solidFill>
                 <a:latin typeface="Elektra Text Pro" panose="02000503030000020004" pitchFamily="50" charset="-52"/>
               </a:rPr>
+              <a:t>Прототип пользовательского интерфейса</a:t>
+            </a:r>
+          </a:p>
+        </p:txBody>
+      </p:sp>
+      <p:sp>
+        <p:nvSpPr>
+          <p:cNvPr id="7" name="Номер слайда 2"/>
+          <p:cNvSpPr>
+            <a:spLocks noGrp="1"/>
+          </p:cNvSpPr>
+          <p:nvPr>
+            <p:ph type="sldNum" sz="quarter" idx="12"/>
+          </p:nvPr>
+        </p:nvSpPr>
+        <p:spPr>
+          <a:xfrm>
+            <a:off x="8736463" y="6356351"/>
+            <a:ext cx="2844430" cy="365125"/>
+          </a:xfrm>
+        </p:spPr>
+        <p:txBody>
+          <a:bodyPr/>
+          <a:lstStyle/>
+          <a:p>
+            <a:fld id="{E2656834-4BAB-4DB1-9FED-8310CA017EAF}" type="slidenum">
+              <a:rPr lang="ru-RU" sz="2000" b="1" smtClean="0">
+                <a:solidFill>
+                  <a:schemeClr val="tx1"/>
+                </a:solidFill>
+              </a:rPr>
+              <a:t>10</a:t>
+            </a:fld>
+            <a:endParaRPr lang="ru-RU" sz="2000" b="1" dirty="0">
+              <a:solidFill>
+                <a:schemeClr val="tx1"/>
+              </a:solidFill>
+            </a:endParaRPr>
+          </a:p>
+        </p:txBody>
+      </p:sp>
+      <p:pic>
+        <p:nvPicPr>
+          <p:cNvPr id="8" name="Рисунок 7">
+            <a:extLst>
+              <a:ext uri="{FF2B5EF4-FFF2-40B4-BE49-F238E27FC236}">
+                <a16:creationId xmlns:a16="http://schemas.microsoft.com/office/drawing/2014/main" id="{AA4A74FC-9F08-49FB-B66D-B3F1ECAD9116}"/>
+              </a:ext>
+            </a:extLst>
+          </p:cNvPr>
+          <p:cNvPicPr/>
+          <p:nvPr/>
+        </p:nvPicPr>
+        <p:blipFill>
+          <a:blip r:embed="rId2">
+            <a:extLst>
+              <a:ext uri="{BEBA8EAE-BF5A-486C-A8C5-ECC9F3942E4B}">
+                <a14:imgProps xmlns:a14="http://schemas.microsoft.com/office/drawing/2010/main">
+                  <a14:imgLayer r:embed="rId3">
+                    <a14:imgEffect>
+                      <a14:sharpenSoften amount="50000"/>
+                    </a14:imgEffect>
+                  </a14:imgLayer>
+                </a14:imgProps>
+              </a:ext>
+              <a:ext uri="{28A0092B-C50C-407E-A947-70E740481C1C}">
+                <a14:useLocalDpi xmlns:a14="http://schemas.microsoft.com/office/drawing/2010/main" val="0"/>
+              </a:ext>
+            </a:extLst>
+          </a:blip>
+          <a:srcRect/>
+          <a:stretch>
+            <a:fillRect/>
+          </a:stretch>
+        </p:blipFill>
+        <p:spPr bwMode="auto">
+          <a:xfrm>
+            <a:off x="444738" y="1300930"/>
+            <a:ext cx="1828800" cy="4351094"/>
+          </a:xfrm>
+          <a:prstGeom prst="rect">
+            <a:avLst/>
+          </a:prstGeom>
+          <a:noFill/>
+          <a:ln>
+            <a:noFill/>
+          </a:ln>
+        </p:spPr>
+      </p:pic>
+      <p:pic>
+        <p:nvPicPr>
+          <p:cNvPr id="10" name="Рисунок 9">
+            <a:extLst>
+              <a:ext uri="{FF2B5EF4-FFF2-40B4-BE49-F238E27FC236}">
+                <a16:creationId xmlns:a16="http://schemas.microsoft.com/office/drawing/2014/main" id="{FFD4CF21-ED35-496F-AC86-5DBC51F0562D}"/>
+              </a:ext>
+            </a:extLst>
+          </p:cNvPr>
+          <p:cNvPicPr/>
+          <p:nvPr/>
+        </p:nvPicPr>
+        <p:blipFill>
+          <a:blip r:embed="rId4">
+            <a:extLst>
+              <a:ext uri="{BEBA8EAE-BF5A-486C-A8C5-ECC9F3942E4B}">
+                <a14:imgProps xmlns:a14="http://schemas.microsoft.com/office/drawing/2010/main">
+                  <a14:imgLayer r:embed="rId5">
+                    <a14:imgEffect>
+                      <a14:sharpenSoften amount="50000"/>
+                    </a14:imgEffect>
+                  </a14:imgLayer>
+                </a14:imgProps>
+              </a:ext>
+              <a:ext uri="{28A0092B-C50C-407E-A947-70E740481C1C}">
+                <a14:useLocalDpi xmlns:a14="http://schemas.microsoft.com/office/drawing/2010/main" val="0"/>
+              </a:ext>
+            </a:extLst>
+          </a:blip>
+          <a:srcRect/>
+          <a:stretch>
+            <a:fillRect/>
+          </a:stretch>
+        </p:blipFill>
+        <p:spPr bwMode="auto">
+          <a:xfrm>
+            <a:off x="2657904" y="1300930"/>
+            <a:ext cx="1828800" cy="4351094"/>
+          </a:xfrm>
+          <a:prstGeom prst="rect">
+            <a:avLst/>
+          </a:prstGeom>
+          <a:noFill/>
+          <a:ln>
+            <a:noFill/>
+          </a:ln>
+        </p:spPr>
+      </p:pic>
+      <p:pic>
+        <p:nvPicPr>
+          <p:cNvPr id="11" name="Рисунок 10">
+            <a:extLst>
+              <a:ext uri="{FF2B5EF4-FFF2-40B4-BE49-F238E27FC236}">
+                <a16:creationId xmlns:a16="http://schemas.microsoft.com/office/drawing/2014/main" id="{AED95EAA-765A-4D9C-AE45-40A8DC717FB0}"/>
+              </a:ext>
+            </a:extLst>
+          </p:cNvPr>
+          <p:cNvPicPr/>
+          <p:nvPr/>
+        </p:nvPicPr>
+        <p:blipFill>
+          <a:blip r:embed="rId6">
+            <a:extLst>
+              <a:ext uri="{BEBA8EAE-BF5A-486C-A8C5-ECC9F3942E4B}">
+                <a14:imgProps xmlns:a14="http://schemas.microsoft.com/office/drawing/2010/main">
+                  <a14:imgLayer r:embed="rId7">
+                    <a14:imgEffect>
+                      <a14:sharpenSoften amount="50000"/>
+                    </a14:imgEffect>
+                  </a14:imgLayer>
+                </a14:imgProps>
+              </a:ext>
+              <a:ext uri="{28A0092B-C50C-407E-A947-70E740481C1C}">
+                <a14:useLocalDpi xmlns:a14="http://schemas.microsoft.com/office/drawing/2010/main" val="0"/>
+              </a:ext>
+            </a:extLst>
+          </a:blip>
+          <a:srcRect/>
+          <a:stretch>
+            <a:fillRect/>
+          </a:stretch>
+        </p:blipFill>
+        <p:spPr bwMode="auto">
+          <a:xfrm>
+            <a:off x="4871070" y="1187528"/>
+            <a:ext cx="1828800" cy="4482944"/>
+          </a:xfrm>
+          <a:prstGeom prst="rect">
+            <a:avLst/>
+          </a:prstGeom>
+          <a:noFill/>
+          <a:ln>
+            <a:noFill/>
+          </a:ln>
+        </p:spPr>
+      </p:pic>
+      <p:pic>
+        <p:nvPicPr>
+          <p:cNvPr id="12" name="Рисунок 11">
+            <a:extLst>
+              <a:ext uri="{FF2B5EF4-FFF2-40B4-BE49-F238E27FC236}">
+                <a16:creationId xmlns:a16="http://schemas.microsoft.com/office/drawing/2014/main" id="{2DCD0A00-EDFC-44CC-917D-63C9911AC4C8}"/>
+              </a:ext>
+            </a:extLst>
+          </p:cNvPr>
+          <p:cNvPicPr/>
+          <p:nvPr/>
+        </p:nvPicPr>
+        <p:blipFill>
+          <a:blip r:embed="rId8">
+            <a:extLst>
+              <a:ext uri="{BEBA8EAE-BF5A-486C-A8C5-ECC9F3942E4B}">
+                <a14:imgProps xmlns:a14="http://schemas.microsoft.com/office/drawing/2010/main">
+                  <a14:imgLayer r:embed="rId9">
+                    <a14:imgEffect>
+                      <a14:sharpenSoften amount="50000"/>
+                    </a14:imgEffect>
+                  </a14:imgLayer>
+                </a14:imgProps>
+              </a:ext>
+              <a:ext uri="{28A0092B-C50C-407E-A947-70E740481C1C}">
+                <a14:useLocalDpi xmlns:a14="http://schemas.microsoft.com/office/drawing/2010/main" val="0"/>
+              </a:ext>
+            </a:extLst>
+          </a:blip>
+          <a:srcRect/>
+          <a:stretch>
+            <a:fillRect/>
+          </a:stretch>
+        </p:blipFill>
+        <p:spPr bwMode="auto">
+          <a:xfrm>
+            <a:off x="7084236" y="1300930"/>
+            <a:ext cx="1828800" cy="4351094"/>
+          </a:xfrm>
+          <a:prstGeom prst="rect">
+            <a:avLst/>
+          </a:prstGeom>
+          <a:noFill/>
+          <a:ln>
+            <a:noFill/>
+          </a:ln>
+        </p:spPr>
+      </p:pic>
+      <p:pic>
+        <p:nvPicPr>
+          <p:cNvPr id="13" name="Рисунок 12">
+            <a:extLst>
+              <a:ext uri="{FF2B5EF4-FFF2-40B4-BE49-F238E27FC236}">
+                <a16:creationId xmlns:a16="http://schemas.microsoft.com/office/drawing/2014/main" id="{1D415073-831B-4BA7-BA79-1E56474F292F}"/>
+              </a:ext>
+            </a:extLst>
+          </p:cNvPr>
+          <p:cNvPicPr/>
+          <p:nvPr/>
+        </p:nvPicPr>
+        <p:blipFill>
+          <a:blip r:embed="rId10">
+            <a:extLst>
+              <a:ext uri="{BEBA8EAE-BF5A-486C-A8C5-ECC9F3942E4B}">
+                <a14:imgProps xmlns:a14="http://schemas.microsoft.com/office/drawing/2010/main">
+                  <a14:imgLayer r:embed="rId11">
+                    <a14:imgEffect>
+                      <a14:sharpenSoften amount="50000"/>
+                    </a14:imgEffect>
+                  </a14:imgLayer>
+                </a14:imgProps>
+              </a:ext>
+              <a:ext uri="{28A0092B-C50C-407E-A947-70E740481C1C}">
+                <a14:useLocalDpi xmlns:a14="http://schemas.microsoft.com/office/drawing/2010/main" val="0"/>
+              </a:ext>
+            </a:extLst>
+          </a:blip>
+          <a:srcRect/>
+          <a:stretch>
+            <a:fillRect/>
+          </a:stretch>
+        </p:blipFill>
+        <p:spPr bwMode="auto">
+          <a:xfrm>
+            <a:off x="9297402" y="1300930"/>
+            <a:ext cx="1828800" cy="4351094"/>
+          </a:xfrm>
+          <a:prstGeom prst="rect">
+            <a:avLst/>
+          </a:prstGeom>
+          <a:noFill/>
+          <a:ln>
+            <a:noFill/>
+          </a:ln>
+        </p:spPr>
+      </p:pic>
+    </p:spTree>
+    <p:extLst>
+      <p:ext uri="{BB962C8B-B14F-4D97-AF65-F5344CB8AC3E}">
+        <p14:creationId xmlns:p14="http://schemas.microsoft.com/office/powerpoint/2010/main" val="1457085305"/>
+      </p:ext>
+    </p:extLst>
+  </p:cSld>
+  <p:clrMapOvr>
+    <a:masterClrMapping/>
+  </p:clrMapOvr>
+</p:sld>
+</file>
+
+<file path=ppt/slides/slide11.xml><?xml version="1.0" encoding="utf-8"?>
+<p:sld xmlns:a="http://schemas.openxmlformats.org/drawingml/2006/main" xmlns:r="http://schemas.openxmlformats.org/officeDocument/2006/relationships" xmlns:p="http://schemas.openxmlformats.org/presentationml/2006/main">
+  <p:cSld>
+    <p:spTree>
+      <p:nvGrpSpPr>
+        <p:cNvPr id="1" name=""/>
+        <p:cNvGrpSpPr/>
+        <p:nvPr/>
+      </p:nvGrpSpPr>
+      <p:grpSpPr>
+        <a:xfrm>
+          <a:off x="0" y="0"/>
+          <a:ext cx="0" cy="0"/>
+          <a:chOff x="0" y="0"/>
+          <a:chExt cx="0" cy="0"/>
+        </a:xfrm>
+      </p:grpSpPr>
+      <p:sp>
+        <p:nvSpPr>
+          <p:cNvPr id="4" name="TextBox 3"/>
+          <p:cNvSpPr txBox="1"/>
+          <p:nvPr/>
+        </p:nvSpPr>
+        <p:spPr>
+          <a:xfrm>
+            <a:off x="2351319" y="215407"/>
+            <a:ext cx="7898675" cy="523220"/>
+          </a:xfrm>
+          <a:prstGeom prst="rect">
+            <a:avLst/>
+          </a:prstGeom>
+          <a:noFill/>
+        </p:spPr>
+        <p:txBody>
+          <a:bodyPr wrap="square" rtlCol="0" anchor="ctr" anchorCtr="1">
+            <a:spAutoFit/>
+          </a:bodyPr>
+          <a:lstStyle/>
+          <a:p>
+            <a:pPr algn="ctr"/>
+            <a:r>
+              <a:rPr lang="ru-RU" sz="2800" dirty="0">
+                <a:solidFill>
+                  <a:schemeClr val="bg1"/>
+                </a:solidFill>
+                <a:latin typeface="Elektra Text Pro" panose="02000503030000020004" pitchFamily="50" charset="-52"/>
+              </a:rPr>
               <a:t>Заключение</a:t>
             </a:r>
           </a:p>
@@ -6905,7 +6475,7 @@
                   <a:schemeClr val="tx1"/>
                 </a:solidFill>
               </a:rPr>
-              <a:t>10</a:t>
+              <a:t>11</a:t>
             </a:fld>
             <a:endParaRPr lang="ru-RU" sz="2000" b="1" dirty="0">
               <a:solidFill>
@@ -6928,7 +6498,7 @@
 </p:sld>
 </file>
 
-<file path=ppt/slides/slide11.xml><?xml version="1.0" encoding="utf-8"?>
+<file path=ppt/slides/slide12.xml><?xml version="1.0" encoding="utf-8"?>
 <p:sld xmlns:a="http://schemas.openxmlformats.org/drawingml/2006/main" xmlns:r="http://schemas.openxmlformats.org/officeDocument/2006/relationships" xmlns:p="http://schemas.openxmlformats.org/presentationml/2006/main">
   <p:cSld>
     <p:spTree>
@@ -7044,7 +6614,7 @@
           <a:p>
             <a:fld id="{E2656834-4BAB-4DB1-9FED-8310CA017EAF}" type="slidenum">
               <a:rPr lang="ru-RU" smtClean="0"/>
-              <a:t>11</a:t>
+              <a:t>12</a:t>
             </a:fld>
             <a:endParaRPr lang="ru-RU"/>
           </a:p>
@@ -7064,211 +6634,6 @@
 </file>
 
 <file path=ppt/slides/slide2.xml><?xml version="1.0" encoding="utf-8"?>
-<p:sld xmlns:a="http://schemas.openxmlformats.org/drawingml/2006/main" xmlns:r="http://schemas.openxmlformats.org/officeDocument/2006/relationships" xmlns:p="http://schemas.openxmlformats.org/presentationml/2006/main">
-  <p:cSld>
-    <p:spTree>
-      <p:nvGrpSpPr>
-        <p:cNvPr id="1" name=""/>
-        <p:cNvGrpSpPr/>
-        <p:nvPr/>
-      </p:nvGrpSpPr>
-      <p:grpSpPr>
-        <a:xfrm>
-          <a:off x="0" y="0"/>
-          <a:ext cx="0" cy="0"/>
-          <a:chOff x="0" y="0"/>
-          <a:chExt cx="0" cy="0"/>
-        </a:xfrm>
-      </p:grpSpPr>
-      <p:sp>
-        <p:nvSpPr>
-          <p:cNvPr id="2" name="Заголовок 1"/>
-          <p:cNvSpPr>
-            <a:spLocks noGrp="1"/>
-          </p:cNvSpPr>
-          <p:nvPr>
-            <p:ph type="title"/>
-          </p:nvPr>
-        </p:nvSpPr>
-        <p:spPr/>
-        <p:txBody>
-          <a:bodyPr/>
-          <a:lstStyle/>
-          <a:p>
-            <a:r>
-              <a:rPr lang="ru-RU" dirty="0"/>
-              <a:t> </a:t>
-            </a:r>
-          </a:p>
-        </p:txBody>
-      </p:sp>
-      <p:sp>
-        <p:nvSpPr>
-          <p:cNvPr id="7" name="TextBox 6"/>
-          <p:cNvSpPr txBox="1"/>
-          <p:nvPr/>
-        </p:nvSpPr>
-        <p:spPr>
-          <a:xfrm>
-            <a:off x="550590" y="908720"/>
-            <a:ext cx="11208508" cy="830997"/>
-          </a:xfrm>
-          <a:prstGeom prst="rect">
-            <a:avLst/>
-          </a:prstGeom>
-          <a:noFill/>
-        </p:spPr>
-        <p:txBody>
-          <a:bodyPr wrap="square" rtlCol="0">
-            <a:spAutoFit/>
-          </a:bodyPr>
-          <a:lstStyle/>
-          <a:p>
-            <a:pPr algn="just"/>
-            <a:r>
-              <a:rPr lang="ru-RU" sz="2400" b="1" dirty="0"/>
-              <a:t>Цель работы </a:t>
-            </a:r>
-            <a:r>
-              <a:rPr lang="ru-RU" sz="2400" dirty="0"/>
-              <a:t>– разработать навигационную систему, которая будет автономно и независимо от других систем вести навигацию внутри помещений.</a:t>
-            </a:r>
-          </a:p>
-        </p:txBody>
-      </p:sp>
-      <p:graphicFrame>
-        <p:nvGraphicFramePr>
-          <p:cNvPr id="8" name="Схема 7"/>
-          <p:cNvGraphicFramePr/>
-          <p:nvPr>
-            <p:extLst>
-              <p:ext uri="{D42A27DB-BD31-4B8C-83A1-F6EECF244321}">
-                <p14:modId xmlns:p14="http://schemas.microsoft.com/office/powerpoint/2010/main" val="2724839956"/>
-              </p:ext>
-            </p:extLst>
-          </p:nvPr>
-        </p:nvGraphicFramePr>
-        <p:xfrm>
-          <a:off x="430583" y="2201383"/>
-          <a:ext cx="11233248" cy="4395970"/>
-        </p:xfrm>
-        <a:graphic>
-          <a:graphicData uri="http://schemas.openxmlformats.org/drawingml/2006/diagram">
-            <dgm:relIds xmlns:dgm="http://schemas.openxmlformats.org/drawingml/2006/diagram" xmlns:r="http://schemas.openxmlformats.org/officeDocument/2006/relationships" r:dm="rId2" r:lo="rId3" r:qs="rId4" r:cs="rId5"/>
-          </a:graphicData>
-        </a:graphic>
-      </p:graphicFrame>
-      <p:sp>
-        <p:nvSpPr>
-          <p:cNvPr id="10" name="TextBox 9"/>
-          <p:cNvSpPr txBox="1"/>
-          <p:nvPr/>
-        </p:nvSpPr>
-        <p:spPr>
-          <a:xfrm>
-            <a:off x="2351321" y="224589"/>
-            <a:ext cx="7898675" cy="523220"/>
-          </a:xfrm>
-          <a:prstGeom prst="rect">
-            <a:avLst/>
-          </a:prstGeom>
-          <a:noFill/>
-        </p:spPr>
-        <p:txBody>
-          <a:bodyPr wrap="square" rtlCol="0" anchor="ctr" anchorCtr="1">
-            <a:spAutoFit/>
-          </a:bodyPr>
-          <a:lstStyle/>
-          <a:p>
-            <a:pPr algn="ctr"/>
-            <a:r>
-              <a:rPr lang="ru-RU" sz="2800" dirty="0">
-                <a:solidFill>
-                  <a:schemeClr val="bg1"/>
-                </a:solidFill>
-                <a:latin typeface="Elektra Text Pro" panose="02000503030000020004" pitchFamily="50" charset="-52"/>
-              </a:rPr>
-              <a:t>Цели и задачи</a:t>
-            </a:r>
-          </a:p>
-        </p:txBody>
-      </p:sp>
-      <p:sp>
-        <p:nvSpPr>
-          <p:cNvPr id="9" name="TextBox 8"/>
-          <p:cNvSpPr txBox="1"/>
-          <p:nvPr/>
-        </p:nvSpPr>
-        <p:spPr>
-          <a:xfrm>
-            <a:off x="609521" y="1739717"/>
-            <a:ext cx="11208508" cy="461665"/>
-          </a:xfrm>
-          <a:prstGeom prst="rect">
-            <a:avLst/>
-          </a:prstGeom>
-          <a:noFill/>
-        </p:spPr>
-        <p:txBody>
-          <a:bodyPr wrap="square" rtlCol="0">
-            <a:spAutoFit/>
-          </a:bodyPr>
-          <a:lstStyle/>
-          <a:p>
-            <a:pPr algn="just"/>
-            <a:r>
-              <a:rPr lang="ru-RU" sz="2400" b="1" dirty="0"/>
-              <a:t>Задачи, которые стоит решить:</a:t>
-            </a:r>
-            <a:endParaRPr lang="ru-RU" sz="2400" dirty="0"/>
-          </a:p>
-        </p:txBody>
-      </p:sp>
-      <p:sp>
-        <p:nvSpPr>
-          <p:cNvPr id="3" name="Номер слайда 2"/>
-          <p:cNvSpPr>
-            <a:spLocks noGrp="1"/>
-          </p:cNvSpPr>
-          <p:nvPr>
-            <p:ph type="sldNum" sz="quarter" idx="12"/>
-          </p:nvPr>
-        </p:nvSpPr>
-        <p:spPr/>
-        <p:txBody>
-          <a:bodyPr/>
-          <a:lstStyle/>
-          <a:p>
-            <a:fld id="{E2656834-4BAB-4DB1-9FED-8310CA017EAF}" type="slidenum">
-              <a:rPr lang="ru-RU" sz="2000" b="1" smtClean="0">
-                <a:solidFill>
-                  <a:schemeClr val="tx1"/>
-                </a:solidFill>
-              </a:rPr>
-              <a:t>2</a:t>
-            </a:fld>
-            <a:endParaRPr lang="ru-RU" sz="2000" b="1" dirty="0">
-              <a:solidFill>
-                <a:schemeClr val="tx1"/>
-              </a:solidFill>
-            </a:endParaRPr>
-          </a:p>
-        </p:txBody>
-      </p:sp>
-    </p:spTree>
-    <p:extLst>
-      <p:ext uri="{BB962C8B-B14F-4D97-AF65-F5344CB8AC3E}">
-        <p14:creationId xmlns:p14="http://schemas.microsoft.com/office/powerpoint/2010/main" val="292644534"/>
-      </p:ext>
-    </p:extLst>
-  </p:cSld>
-  <p:clrMapOvr>
-    <a:masterClrMapping/>
-  </p:clrMapOvr>
-</p:sld>
-</file>
-
-<file path=ppt/slides/slide3.xml><?xml version="1.0" encoding="utf-8"?>
 <p:sld xmlns:a="http://schemas.openxmlformats.org/drawingml/2006/main" xmlns:r="http://schemas.openxmlformats.org/officeDocument/2006/relationships" xmlns:p="http://schemas.openxmlformats.org/presentationml/2006/main">
   <p:cSld>
     <p:spTree>
@@ -7387,7 +6752,7 @@
                   <a:schemeClr val="tx1"/>
                 </a:solidFill>
               </a:rPr>
-              <a:t>3</a:t>
+              <a:t>2</a:t>
             </a:fld>
             <a:endParaRPr lang="ru-RU" sz="2000" b="1" dirty="0">
               <a:solidFill>
@@ -7397,6 +6762,53 @@
           </a:p>
         </p:txBody>
       </p:sp>
+      <p:pic>
+        <p:nvPicPr>
+          <p:cNvPr id="1026" name="Picture 2">
+            <a:extLst>
+              <a:ext uri="{FF2B5EF4-FFF2-40B4-BE49-F238E27FC236}">
+                <a16:creationId xmlns:a16="http://schemas.microsoft.com/office/drawing/2014/main" id="{ACDB40C9-0CFA-4A02-A99F-0D0ABFA54053}"/>
+              </a:ext>
+            </a:extLst>
+          </p:cNvPr>
+          <p:cNvPicPr>
+            <a:picLocks noChangeAspect="1" noChangeArrowheads="1"/>
+          </p:cNvPicPr>
+          <p:nvPr/>
+        </p:nvPicPr>
+        <p:blipFill>
+          <a:blip r:embed="rId2" cstate="print">
+            <a:extLst>
+              <a:ext uri="{28A0092B-C50C-407E-A947-70E740481C1C}">
+                <a14:useLocalDpi xmlns:a14="http://schemas.microsoft.com/office/drawing/2010/main" val="0"/>
+              </a:ext>
+            </a:extLst>
+          </a:blip>
+          <a:srcRect/>
+          <a:stretch>
+            <a:fillRect/>
+          </a:stretch>
+        </p:blipFill>
+        <p:spPr bwMode="auto">
+          <a:xfrm>
+            <a:off x="8300826" y="4365104"/>
+            <a:ext cx="3358902" cy="1889191"/>
+          </a:xfrm>
+          <a:prstGeom prst="rect">
+            <a:avLst/>
+          </a:prstGeom>
+          <a:noFill/>
+          <a:extLst>
+            <a:ext uri="{909E8E84-426E-40DD-AFC4-6F175D3DCCD1}">
+              <a14:hiddenFill xmlns:a14="http://schemas.microsoft.com/office/drawing/2010/main">
+                <a:solidFill>
+                  <a:srgbClr val="FFFFFF"/>
+                </a:solidFill>
+              </a14:hiddenFill>
+            </a:ext>
+          </a:extLst>
+        </p:spPr>
+      </p:pic>
     </p:spTree>
     <p:extLst>
       <p:ext uri="{BB962C8B-B14F-4D97-AF65-F5344CB8AC3E}">
@@ -7410,7 +6822,436 @@
 </p:sld>
 </file>
 
+<file path=ppt/slides/slide3.xml><?xml version="1.0" encoding="utf-8"?>
+<p:sld xmlns:a="http://schemas.openxmlformats.org/drawingml/2006/main" xmlns:r="http://schemas.openxmlformats.org/officeDocument/2006/relationships" xmlns:p="http://schemas.openxmlformats.org/presentationml/2006/main">
+  <p:cSld>
+    <p:spTree>
+      <p:nvGrpSpPr>
+        <p:cNvPr id="1" name=""/>
+        <p:cNvGrpSpPr/>
+        <p:nvPr/>
+      </p:nvGrpSpPr>
+      <p:grpSpPr>
+        <a:xfrm>
+          <a:off x="0" y="0"/>
+          <a:ext cx="0" cy="0"/>
+          <a:chOff x="0" y="0"/>
+          <a:chExt cx="0" cy="0"/>
+        </a:xfrm>
+      </p:grpSpPr>
+      <p:sp>
+        <p:nvSpPr>
+          <p:cNvPr id="2" name="Заголовок 1"/>
+          <p:cNvSpPr>
+            <a:spLocks noGrp="1"/>
+          </p:cNvSpPr>
+          <p:nvPr>
+            <p:ph type="title"/>
+          </p:nvPr>
+        </p:nvSpPr>
+        <p:spPr/>
+        <p:txBody>
+          <a:bodyPr/>
+          <a:lstStyle/>
+          <a:p>
+            <a:r>
+              <a:rPr lang="ru-RU" dirty="0"/>
+              <a:t> </a:t>
+            </a:r>
+          </a:p>
+        </p:txBody>
+      </p:sp>
+      <p:sp>
+        <p:nvSpPr>
+          <p:cNvPr id="7" name="TextBox 6"/>
+          <p:cNvSpPr txBox="1"/>
+          <p:nvPr/>
+        </p:nvSpPr>
+        <p:spPr>
+          <a:xfrm>
+            <a:off x="550590" y="908720"/>
+            <a:ext cx="11208508" cy="830997"/>
+          </a:xfrm>
+          <a:prstGeom prst="rect">
+            <a:avLst/>
+          </a:prstGeom>
+          <a:noFill/>
+        </p:spPr>
+        <p:txBody>
+          <a:bodyPr wrap="square" rtlCol="0">
+            <a:spAutoFit/>
+          </a:bodyPr>
+          <a:lstStyle/>
+          <a:p>
+            <a:pPr algn="just"/>
+            <a:r>
+              <a:rPr lang="ru-RU" sz="2400" b="1" dirty="0"/>
+              <a:t>Цель работы </a:t>
+            </a:r>
+            <a:r>
+              <a:rPr lang="ru-RU" sz="2400" dirty="0"/>
+              <a:t>– разработать навигационную систему, которая будет автономно и независимо от других систем вести навигацию внутри помещений.</a:t>
+            </a:r>
+          </a:p>
+        </p:txBody>
+      </p:sp>
+      <p:graphicFrame>
+        <p:nvGraphicFramePr>
+          <p:cNvPr id="8" name="Схема 7"/>
+          <p:cNvGraphicFramePr/>
+          <p:nvPr>
+            <p:extLst>
+              <p:ext uri="{D42A27DB-BD31-4B8C-83A1-F6EECF244321}">
+                <p14:modId xmlns:p14="http://schemas.microsoft.com/office/powerpoint/2010/main" val="1134883299"/>
+              </p:ext>
+            </p:extLst>
+          </p:nvPr>
+        </p:nvGraphicFramePr>
+        <p:xfrm>
+          <a:off x="430583" y="2201383"/>
+          <a:ext cx="11233248" cy="4395970"/>
+        </p:xfrm>
+        <a:graphic>
+          <a:graphicData uri="http://schemas.openxmlformats.org/drawingml/2006/diagram">
+            <dgm:relIds xmlns:dgm="http://schemas.openxmlformats.org/drawingml/2006/diagram" xmlns:r="http://schemas.openxmlformats.org/officeDocument/2006/relationships" r:dm="rId2" r:lo="rId3" r:qs="rId4" r:cs="rId5"/>
+          </a:graphicData>
+        </a:graphic>
+      </p:graphicFrame>
+      <p:sp>
+        <p:nvSpPr>
+          <p:cNvPr id="10" name="TextBox 9"/>
+          <p:cNvSpPr txBox="1"/>
+          <p:nvPr/>
+        </p:nvSpPr>
+        <p:spPr>
+          <a:xfrm>
+            <a:off x="2351321" y="224589"/>
+            <a:ext cx="7898675" cy="523220"/>
+          </a:xfrm>
+          <a:prstGeom prst="rect">
+            <a:avLst/>
+          </a:prstGeom>
+          <a:noFill/>
+        </p:spPr>
+        <p:txBody>
+          <a:bodyPr wrap="square" rtlCol="0" anchor="ctr" anchorCtr="1">
+            <a:spAutoFit/>
+          </a:bodyPr>
+          <a:lstStyle/>
+          <a:p>
+            <a:pPr algn="ctr"/>
+            <a:r>
+              <a:rPr lang="ru-RU" sz="2800" dirty="0">
+                <a:solidFill>
+                  <a:schemeClr val="bg1"/>
+                </a:solidFill>
+                <a:latin typeface="Elektra Text Pro" panose="02000503030000020004" pitchFamily="50" charset="-52"/>
+              </a:rPr>
+              <a:t>Цели и задачи</a:t>
+            </a:r>
+          </a:p>
+        </p:txBody>
+      </p:sp>
+      <p:sp>
+        <p:nvSpPr>
+          <p:cNvPr id="9" name="TextBox 8"/>
+          <p:cNvSpPr txBox="1"/>
+          <p:nvPr/>
+        </p:nvSpPr>
+        <p:spPr>
+          <a:xfrm>
+            <a:off x="609521" y="1739717"/>
+            <a:ext cx="11208508" cy="461665"/>
+          </a:xfrm>
+          <a:prstGeom prst="rect">
+            <a:avLst/>
+          </a:prstGeom>
+          <a:noFill/>
+        </p:spPr>
+        <p:txBody>
+          <a:bodyPr wrap="square" rtlCol="0">
+            <a:spAutoFit/>
+          </a:bodyPr>
+          <a:lstStyle/>
+          <a:p>
+            <a:pPr algn="just"/>
+            <a:r>
+              <a:rPr lang="ru-RU" sz="2400" b="1" dirty="0"/>
+              <a:t>На защиту выносятся:</a:t>
+            </a:r>
+            <a:endParaRPr lang="ru-RU" sz="2400" dirty="0"/>
+          </a:p>
+        </p:txBody>
+      </p:sp>
+      <p:sp>
+        <p:nvSpPr>
+          <p:cNvPr id="3" name="Номер слайда 2"/>
+          <p:cNvSpPr>
+            <a:spLocks noGrp="1"/>
+          </p:cNvSpPr>
+          <p:nvPr>
+            <p:ph type="sldNum" sz="quarter" idx="12"/>
+          </p:nvPr>
+        </p:nvSpPr>
+        <p:spPr/>
+        <p:txBody>
+          <a:bodyPr/>
+          <a:lstStyle/>
+          <a:p>
+            <a:fld id="{E2656834-4BAB-4DB1-9FED-8310CA017EAF}" type="slidenum">
+              <a:rPr lang="ru-RU" sz="2000" b="1" smtClean="0">
+                <a:solidFill>
+                  <a:schemeClr val="tx1"/>
+                </a:solidFill>
+              </a:rPr>
+              <a:t>3</a:t>
+            </a:fld>
+            <a:endParaRPr lang="ru-RU" sz="2000" b="1" dirty="0">
+              <a:solidFill>
+                <a:schemeClr val="tx1"/>
+              </a:solidFill>
+            </a:endParaRPr>
+          </a:p>
+        </p:txBody>
+      </p:sp>
+    </p:spTree>
+    <p:extLst>
+      <p:ext uri="{BB962C8B-B14F-4D97-AF65-F5344CB8AC3E}">
+        <p14:creationId xmlns:p14="http://schemas.microsoft.com/office/powerpoint/2010/main" val="292644534"/>
+      </p:ext>
+    </p:extLst>
+  </p:cSld>
+  <p:clrMapOvr>
+    <a:masterClrMapping/>
+  </p:clrMapOvr>
+</p:sld>
+</file>
+
 <file path=ppt/slides/slide4.xml><?xml version="1.0" encoding="utf-8"?>
+<p:sld xmlns:a="http://schemas.openxmlformats.org/drawingml/2006/main" xmlns:r="http://schemas.openxmlformats.org/officeDocument/2006/relationships" xmlns:p="http://schemas.openxmlformats.org/presentationml/2006/main">
+  <p:cSld>
+    <p:spTree>
+      <p:nvGrpSpPr>
+        <p:cNvPr id="1" name=""/>
+        <p:cNvGrpSpPr/>
+        <p:nvPr/>
+      </p:nvGrpSpPr>
+      <p:grpSpPr>
+        <a:xfrm>
+          <a:off x="0" y="0"/>
+          <a:ext cx="0" cy="0"/>
+          <a:chOff x="0" y="0"/>
+          <a:chExt cx="0" cy="0"/>
+        </a:xfrm>
+      </p:grpSpPr>
+      <p:sp>
+        <p:nvSpPr>
+          <p:cNvPr id="2" name="Заголовок 1"/>
+          <p:cNvSpPr>
+            <a:spLocks noGrp="1"/>
+          </p:cNvSpPr>
+          <p:nvPr>
+            <p:ph type="title"/>
+          </p:nvPr>
+        </p:nvSpPr>
+        <p:spPr/>
+        <p:txBody>
+          <a:bodyPr/>
+          <a:lstStyle/>
+          <a:p>
+            <a:r>
+              <a:rPr lang="ru-RU" dirty="0"/>
+              <a:t> </a:t>
+            </a:r>
+          </a:p>
+        </p:txBody>
+      </p:sp>
+      <p:sp>
+        <p:nvSpPr>
+          <p:cNvPr id="7" name="TextBox 6"/>
+          <p:cNvSpPr txBox="1"/>
+          <p:nvPr/>
+        </p:nvSpPr>
+        <p:spPr>
+          <a:xfrm>
+            <a:off x="550590" y="908720"/>
+            <a:ext cx="11208508" cy="2251065"/>
+          </a:xfrm>
+          <a:prstGeom prst="rect">
+            <a:avLst/>
+          </a:prstGeom>
+        </p:spPr>
+        <p:txBody>
+          <a:bodyPr wrap="square" rtlCol="0">
+            <a:spAutoFit/>
+          </a:bodyPr>
+          <a:lstStyle/>
+          <a:p>
+            <a:pPr algn="just">
+              <a:lnSpc>
+                <a:spcPct val="150000"/>
+              </a:lnSpc>
+            </a:pPr>
+            <a:r>
+              <a:rPr lang="ru-RU" sz="2400" b="1" dirty="0"/>
+              <a:t>1. </a:t>
+            </a:r>
+            <a:r>
+              <a:rPr lang="ru-RU" sz="2400" dirty="0"/>
+              <a:t>Новый метод навигации по датчикам смартфона, а также трехконтурная архитектура инерциальной навигационной системы для мобильного устройства.</a:t>
+            </a:r>
+          </a:p>
+          <a:p>
+            <a:pPr algn="just">
+              <a:lnSpc>
+                <a:spcPct val="150000"/>
+              </a:lnSpc>
+            </a:pPr>
+            <a:r>
+              <a:rPr lang="ru-RU" sz="2400" b="1" dirty="0"/>
+              <a:t>2. </a:t>
+            </a:r>
+            <a:r>
+              <a:rPr lang="ru-RU" sz="2400" dirty="0"/>
+              <a:t>Алгоритмы функционирования и программное обеспечение автоматизированной системы, реализующие предложенный метод построения маршрута.</a:t>
+            </a:r>
+          </a:p>
+        </p:txBody>
+      </p:sp>
+      <p:sp>
+        <p:nvSpPr>
+          <p:cNvPr id="10" name="TextBox 9"/>
+          <p:cNvSpPr txBox="1"/>
+          <p:nvPr/>
+        </p:nvSpPr>
+        <p:spPr>
+          <a:xfrm>
+            <a:off x="2351321" y="224589"/>
+            <a:ext cx="7898675" cy="523220"/>
+          </a:xfrm>
+          <a:prstGeom prst="rect">
+            <a:avLst/>
+          </a:prstGeom>
+          <a:noFill/>
+        </p:spPr>
+        <p:txBody>
+          <a:bodyPr wrap="square" rtlCol="0" anchor="ctr" anchorCtr="1">
+            <a:spAutoFit/>
+          </a:bodyPr>
+          <a:lstStyle/>
+          <a:p>
+            <a:pPr algn="ctr"/>
+            <a:r>
+              <a:rPr lang="ru-RU" sz="2800" dirty="0">
+                <a:solidFill>
+                  <a:schemeClr val="bg1"/>
+                </a:solidFill>
+                <a:latin typeface="Elektra Text Pro" panose="02000503030000020004" pitchFamily="50" charset="-52"/>
+              </a:rPr>
+              <a:t>Научная новизна</a:t>
+            </a:r>
+          </a:p>
+        </p:txBody>
+      </p:sp>
+      <p:sp>
+        <p:nvSpPr>
+          <p:cNvPr id="3" name="Номер слайда 2"/>
+          <p:cNvSpPr>
+            <a:spLocks noGrp="1"/>
+          </p:cNvSpPr>
+          <p:nvPr>
+            <p:ph type="sldNum" sz="quarter" idx="12"/>
+          </p:nvPr>
+        </p:nvSpPr>
+        <p:spPr/>
+        <p:txBody>
+          <a:bodyPr/>
+          <a:lstStyle/>
+          <a:p>
+            <a:fld id="{E2656834-4BAB-4DB1-9FED-8310CA017EAF}" type="slidenum">
+              <a:rPr lang="ru-RU" sz="2000" b="1" smtClean="0">
+                <a:solidFill>
+                  <a:schemeClr val="tx1"/>
+                </a:solidFill>
+              </a:rPr>
+              <a:t>4</a:t>
+            </a:fld>
+            <a:endParaRPr lang="ru-RU" sz="2000" b="1" dirty="0">
+              <a:solidFill>
+                <a:schemeClr val="tx1"/>
+              </a:solidFill>
+            </a:endParaRPr>
+          </a:p>
+        </p:txBody>
+      </p:sp>
+      <p:sp>
+        <p:nvSpPr>
+          <p:cNvPr id="11" name="TextBox 10">
+            <a:extLst>
+              <a:ext uri="{FF2B5EF4-FFF2-40B4-BE49-F238E27FC236}">
+                <a16:creationId xmlns:a16="http://schemas.microsoft.com/office/drawing/2014/main" id="{A4E7E061-527F-4523-8A6F-274448E65583}"/>
+              </a:ext>
+            </a:extLst>
+          </p:cNvPr>
+          <p:cNvSpPr txBox="1"/>
+          <p:nvPr/>
+        </p:nvSpPr>
+        <p:spPr>
+          <a:xfrm>
+            <a:off x="504858" y="3462781"/>
+            <a:ext cx="11180695" cy="2805063"/>
+          </a:xfrm>
+          <a:prstGeom prst="rect">
+            <a:avLst/>
+          </a:prstGeom>
+          <a:noFill/>
+        </p:spPr>
+        <p:txBody>
+          <a:bodyPr wrap="square">
+            <a:spAutoFit/>
+          </a:bodyPr>
+          <a:lstStyle/>
+          <a:p>
+            <a:pPr algn="just">
+              <a:lnSpc>
+                <a:spcPct val="150000"/>
+              </a:lnSpc>
+              <a:buFontTx/>
+              <a:buNone/>
+            </a:pPr>
+            <a:r>
+              <a:rPr lang="ru-RU" altLang="ru-RU" sz="2400" b="1" dirty="0"/>
+              <a:t>Практическая ценность работы</a:t>
+            </a:r>
+            <a:r>
+              <a:rPr lang="ru-RU" altLang="ru-RU" sz="2400" dirty="0"/>
+              <a:t> заключается в разработке автоматизированной </a:t>
+            </a:r>
+            <a:r>
+              <a:rPr lang="ru-RU" sz="2400" dirty="0">
+                <a:effectLst/>
+                <a:ea typeface="Times New Roman" panose="02020603050405020304" pitchFamily="18" charset="0"/>
+              </a:rPr>
+              <a:t>системы навигации внутри помещений с помощью инерциальной технологии локального позиционирования мобильных устройств, которая может применяться для решения задачи поиска и построения маршрута в помещениях, например, торговые центры.</a:t>
+            </a:r>
+            <a:endParaRPr lang="ru-RU" altLang="ru-RU" sz="2400" dirty="0"/>
+          </a:p>
+        </p:txBody>
+      </p:sp>
+    </p:spTree>
+    <p:extLst>
+      <p:ext uri="{BB962C8B-B14F-4D97-AF65-F5344CB8AC3E}">
+        <p14:creationId xmlns:p14="http://schemas.microsoft.com/office/powerpoint/2010/main" val="798790406"/>
+      </p:ext>
+    </p:extLst>
+  </p:cSld>
+  <p:clrMapOvr>
+    <a:masterClrMapping/>
+  </p:clrMapOvr>
+</p:sld>
+</file>
+
+<file path=ppt/slides/slide5.xml><?xml version="1.0" encoding="utf-8"?>
 <p:sld xmlns:a="http://schemas.openxmlformats.org/drawingml/2006/main" xmlns:r="http://schemas.openxmlformats.org/officeDocument/2006/relationships" xmlns:p="http://schemas.openxmlformats.org/presentationml/2006/main">
   <p:cSld>
     <p:spTree>
@@ -7450,7 +7291,7 @@
           <a:p>
             <a:fld id="{E2656834-4BAB-4DB1-9FED-8310CA017EAF}" type="slidenum">
               <a:rPr lang="ru-RU" smtClean="0"/>
-              <a:t>4</a:t>
+              <a:t>5</a:t>
             </a:fld>
             <a:endParaRPr lang="ru-RU"/>
           </a:p>
@@ -7740,7 +7581,650 @@
 </p:sld>
 </file>
 
-<file path=ppt/slides/slide5.xml><?xml version="1.0" encoding="utf-8"?>
+<file path=ppt/slides/slide6.xml><?xml version="1.0" encoding="utf-8"?>
+<p:sld xmlns:a="http://schemas.openxmlformats.org/drawingml/2006/main" xmlns:r="http://schemas.openxmlformats.org/officeDocument/2006/relationships" xmlns:p="http://schemas.openxmlformats.org/presentationml/2006/main">
+  <p:cSld>
+    <p:spTree>
+      <p:nvGrpSpPr>
+        <p:cNvPr id="1" name=""/>
+        <p:cNvGrpSpPr/>
+        <p:nvPr/>
+      </p:nvGrpSpPr>
+      <p:grpSpPr>
+        <a:xfrm>
+          <a:off x="0" y="0"/>
+          <a:ext cx="0" cy="0"/>
+          <a:chOff x="0" y="0"/>
+          <a:chExt cx="0" cy="0"/>
+        </a:xfrm>
+      </p:grpSpPr>
+      <p:sp>
+        <p:nvSpPr>
+          <p:cNvPr id="4" name="TextBox 3"/>
+          <p:cNvSpPr txBox="1"/>
+          <p:nvPr/>
+        </p:nvSpPr>
+        <p:spPr>
+          <a:xfrm>
+            <a:off x="2351319" y="215407"/>
+            <a:ext cx="7898675" cy="523220"/>
+          </a:xfrm>
+          <a:prstGeom prst="rect">
+            <a:avLst/>
+          </a:prstGeom>
+          <a:noFill/>
+        </p:spPr>
+        <p:txBody>
+          <a:bodyPr wrap="square" rtlCol="0" anchor="ctr" anchorCtr="1">
+            <a:spAutoFit/>
+          </a:bodyPr>
+          <a:lstStyle/>
+          <a:p>
+            <a:pPr algn="ctr"/>
+            <a:r>
+              <a:rPr lang="ru-RU" sz="2800" dirty="0">
+                <a:solidFill>
+                  <a:schemeClr val="bg1"/>
+                </a:solidFill>
+                <a:latin typeface="Elektra Text Pro" panose="02000503030000020004" pitchFamily="50" charset="-52"/>
+              </a:rPr>
+              <a:t>Системы-аналоги</a:t>
+            </a:r>
+          </a:p>
+        </p:txBody>
+      </p:sp>
+      <p:sp>
+        <p:nvSpPr>
+          <p:cNvPr id="6" name="TextBox 5"/>
+          <p:cNvSpPr txBox="1"/>
+          <p:nvPr/>
+        </p:nvSpPr>
+        <p:spPr>
+          <a:xfrm>
+            <a:off x="565620" y="1018787"/>
+            <a:ext cx="2582438" cy="369332"/>
+          </a:xfrm>
+          <a:prstGeom prst="rect">
+            <a:avLst/>
+          </a:prstGeom>
+        </p:spPr>
+        <p:txBody>
+          <a:bodyPr vert="horz" wrap="none" lIns="91440" tIns="45720" rIns="91440" bIns="45720" rtlCol="0" anchor="ctr">
+            <a:spAutoFit/>
+          </a:bodyPr>
+          <a:lstStyle/>
+          <a:p>
+            <a:r>
+              <a:rPr lang="ru-RU" dirty="0"/>
+              <a:t>БИНС МЭМС «ГЛ-ВГ110»</a:t>
+            </a:r>
+          </a:p>
+        </p:txBody>
+      </p:sp>
+      <p:sp>
+        <p:nvSpPr>
+          <p:cNvPr id="11" name="Номер слайда 2"/>
+          <p:cNvSpPr>
+            <a:spLocks noGrp="1"/>
+          </p:cNvSpPr>
+          <p:nvPr>
+            <p:ph type="sldNum" sz="quarter" idx="12"/>
+          </p:nvPr>
+        </p:nvSpPr>
+        <p:spPr>
+          <a:xfrm>
+            <a:off x="8736463" y="6356351"/>
+            <a:ext cx="2844430" cy="365125"/>
+          </a:xfrm>
+        </p:spPr>
+        <p:txBody>
+          <a:bodyPr/>
+          <a:lstStyle/>
+          <a:p>
+            <a:fld id="{E2656834-4BAB-4DB1-9FED-8310CA017EAF}" type="slidenum">
+              <a:rPr lang="ru-RU" sz="2000" b="1" smtClean="0">
+                <a:solidFill>
+                  <a:schemeClr val="tx1"/>
+                </a:solidFill>
+              </a:rPr>
+              <a:t>6</a:t>
+            </a:fld>
+            <a:endParaRPr lang="ru-RU" sz="2000" b="1" dirty="0">
+              <a:solidFill>
+                <a:schemeClr val="tx1"/>
+              </a:solidFill>
+            </a:endParaRPr>
+          </a:p>
+        </p:txBody>
+      </p:sp>
+      <p:pic>
+        <p:nvPicPr>
+          <p:cNvPr id="10" name="Рисунок 9">
+            <a:extLst>
+              <a:ext uri="{FF2B5EF4-FFF2-40B4-BE49-F238E27FC236}">
+                <a16:creationId xmlns:a16="http://schemas.microsoft.com/office/drawing/2014/main" id="{A10925FD-E0FA-48A1-802A-77079D834C4F}"/>
+              </a:ext>
+            </a:extLst>
+          </p:cNvPr>
+          <p:cNvPicPr/>
+          <p:nvPr/>
+        </p:nvPicPr>
+        <p:blipFill>
+          <a:blip r:embed="rId2"/>
+          <a:stretch>
+            <a:fillRect/>
+          </a:stretch>
+        </p:blipFill>
+        <p:spPr>
+          <a:xfrm>
+            <a:off x="313377" y="1608203"/>
+            <a:ext cx="3785602" cy="2139098"/>
+          </a:xfrm>
+          <a:prstGeom prst="rect">
+            <a:avLst/>
+          </a:prstGeom>
+        </p:spPr>
+      </p:pic>
+      <p:sp>
+        <p:nvSpPr>
+          <p:cNvPr id="2" name="Прямоугольник 1">
+            <a:extLst>
+              <a:ext uri="{FF2B5EF4-FFF2-40B4-BE49-F238E27FC236}">
+                <a16:creationId xmlns:a16="http://schemas.microsoft.com/office/drawing/2014/main" id="{C605E239-8033-461C-B962-DBEC55CA1C57}"/>
+              </a:ext>
+            </a:extLst>
+          </p:cNvPr>
+          <p:cNvSpPr/>
+          <p:nvPr/>
+        </p:nvSpPr>
+        <p:spPr>
+          <a:xfrm>
+            <a:off x="226440" y="3973457"/>
+            <a:ext cx="3959477" cy="2308324"/>
+          </a:xfrm>
+          <a:prstGeom prst="rect">
+            <a:avLst/>
+          </a:prstGeom>
+        </p:spPr>
+        <p:txBody>
+          <a:bodyPr wrap="square">
+            <a:spAutoFit/>
+          </a:bodyPr>
+          <a:lstStyle/>
+          <a:p>
+            <a:pPr indent="450215" algn="just">
+              <a:spcAft>
+                <a:spcPts val="0"/>
+              </a:spcAft>
+            </a:pPr>
+            <a:r>
+              <a:rPr lang="ru-RU" dirty="0">
+                <a:latin typeface="Times New Roman CYR" panose="02020603050405020304" pitchFamily="18" charset="0"/>
+                <a:ea typeface="Calibri" panose="020F0502020204030204" pitchFamily="34" charset="0"/>
+                <a:cs typeface="Times New Roman" panose="02020603050405020304" pitchFamily="18" charset="0"/>
+              </a:rPr>
+              <a:t>Минус этой системы состоит в том, что это отдельный блок, который никак не интегрируешь в телефон и представляет интерес для компаний – разработчиков, интеграторов и производителей навигационного оборудования, систем и комплексов стабилизации и ориентации.</a:t>
+            </a:r>
+          </a:p>
+        </p:txBody>
+      </p:sp>
+      <p:sp>
+        <p:nvSpPr>
+          <p:cNvPr id="12" name="TextBox 11">
+            <a:extLst>
+              <a:ext uri="{FF2B5EF4-FFF2-40B4-BE49-F238E27FC236}">
+                <a16:creationId xmlns:a16="http://schemas.microsoft.com/office/drawing/2014/main" id="{4FAEAA32-CCD0-476E-A145-DD2AB49C7E35}"/>
+              </a:ext>
+            </a:extLst>
+          </p:cNvPr>
+          <p:cNvSpPr txBox="1"/>
+          <p:nvPr/>
+        </p:nvSpPr>
+        <p:spPr>
+          <a:xfrm>
+            <a:off x="5242280" y="906156"/>
+            <a:ext cx="1705852" cy="369332"/>
+          </a:xfrm>
+          <a:prstGeom prst="rect">
+            <a:avLst/>
+          </a:prstGeom>
+        </p:spPr>
+        <p:txBody>
+          <a:bodyPr vert="horz" wrap="none" lIns="91440" tIns="45720" rIns="91440" bIns="45720" rtlCol="0" anchor="ctr">
+            <a:spAutoFit/>
+          </a:bodyPr>
+          <a:lstStyle/>
+          <a:p>
+            <a:r>
+              <a:rPr lang="en-GB" dirty="0" err="1"/>
+              <a:t>Navigine</a:t>
+            </a:r>
+            <a:r>
+              <a:rPr lang="en-GB" dirty="0"/>
+              <a:t> Indoor</a:t>
+            </a:r>
+            <a:endParaRPr lang="ru-RU" dirty="0"/>
+          </a:p>
+        </p:txBody>
+      </p:sp>
+      <p:sp>
+        <p:nvSpPr>
+          <p:cNvPr id="14" name="Прямоугольник 13">
+            <a:extLst>
+              <a:ext uri="{FF2B5EF4-FFF2-40B4-BE49-F238E27FC236}">
+                <a16:creationId xmlns:a16="http://schemas.microsoft.com/office/drawing/2014/main" id="{A2A32763-C025-4580-AE76-8FEBE8431F7C}"/>
+              </a:ext>
+            </a:extLst>
+          </p:cNvPr>
+          <p:cNvSpPr/>
+          <p:nvPr/>
+        </p:nvSpPr>
+        <p:spPr>
+          <a:xfrm>
+            <a:off x="4218896" y="3973457"/>
+            <a:ext cx="3959477" cy="2308324"/>
+          </a:xfrm>
+          <a:prstGeom prst="rect">
+            <a:avLst/>
+          </a:prstGeom>
+        </p:spPr>
+        <p:txBody>
+          <a:bodyPr wrap="square">
+            <a:spAutoFit/>
+          </a:bodyPr>
+          <a:lstStyle/>
+          <a:p>
+            <a:pPr indent="450215" algn="just">
+              <a:spcAft>
+                <a:spcPts val="0"/>
+              </a:spcAft>
+            </a:pPr>
+            <a:r>
+              <a:rPr lang="en-GB" dirty="0" err="1"/>
+              <a:t>Главный</a:t>
+            </a:r>
+            <a:r>
+              <a:rPr lang="en-GB" dirty="0"/>
+              <a:t> </a:t>
+            </a:r>
+            <a:r>
+              <a:rPr lang="en-GB" dirty="0" err="1"/>
+              <a:t>недостаток</a:t>
+            </a:r>
+            <a:r>
+              <a:rPr lang="en-GB" dirty="0"/>
+              <a:t> </a:t>
+            </a:r>
+            <a:r>
+              <a:rPr lang="en-GB" dirty="0" err="1"/>
+              <a:t>системы</a:t>
+            </a:r>
+            <a:r>
+              <a:rPr lang="en-GB" dirty="0"/>
+              <a:t> </a:t>
+            </a:r>
+            <a:r>
+              <a:rPr lang="en-GB" dirty="0" err="1"/>
+              <a:t>заключается</a:t>
+            </a:r>
+            <a:r>
+              <a:rPr lang="en-GB" dirty="0"/>
+              <a:t> в </a:t>
+            </a:r>
+            <a:r>
+              <a:rPr lang="en-GB" dirty="0" err="1"/>
+              <a:t>том</a:t>
+            </a:r>
+            <a:r>
+              <a:rPr lang="en-GB" dirty="0"/>
+              <a:t>, </a:t>
+            </a:r>
+            <a:r>
+              <a:rPr lang="en-GB" dirty="0" err="1"/>
+              <a:t>что</a:t>
+            </a:r>
+            <a:r>
+              <a:rPr lang="en-GB" dirty="0"/>
+              <a:t> </a:t>
+            </a:r>
+            <a:r>
+              <a:rPr lang="en-GB" dirty="0" err="1"/>
+              <a:t>для</a:t>
+            </a:r>
+            <a:r>
+              <a:rPr lang="en-GB" dirty="0"/>
+              <a:t> </a:t>
+            </a:r>
+            <a:r>
+              <a:rPr lang="en-GB" dirty="0" err="1"/>
+              <a:t>навигации</a:t>
+            </a:r>
+            <a:r>
+              <a:rPr lang="en-GB" dirty="0"/>
+              <a:t> </a:t>
+            </a:r>
+            <a:r>
+              <a:rPr lang="en-GB" dirty="0" err="1"/>
+              <a:t>используются</a:t>
+            </a:r>
+            <a:r>
+              <a:rPr lang="en-GB" dirty="0"/>
+              <a:t> </a:t>
+            </a:r>
+            <a:r>
+              <a:rPr lang="en-GB" dirty="0" err="1"/>
+              <a:t>метки</a:t>
+            </a:r>
+            <a:r>
+              <a:rPr lang="en-GB" dirty="0"/>
+              <a:t>. </a:t>
+            </a:r>
+            <a:r>
+              <a:rPr lang="en-GB" dirty="0" err="1"/>
+              <a:t>Там</a:t>
+            </a:r>
+            <a:r>
+              <a:rPr lang="en-GB" dirty="0"/>
+              <a:t> </a:t>
+            </a:r>
+            <a:r>
+              <a:rPr lang="en-GB" dirty="0" err="1"/>
+              <a:t>где</a:t>
+            </a:r>
+            <a:r>
+              <a:rPr lang="en-GB" dirty="0"/>
+              <a:t> </a:t>
+            </a:r>
+            <a:r>
+              <a:rPr lang="en-GB" dirty="0" err="1"/>
+              <a:t>заканчиваются</a:t>
+            </a:r>
+            <a:r>
+              <a:rPr lang="en-GB" dirty="0"/>
+              <a:t> </a:t>
+            </a:r>
+            <a:r>
+              <a:rPr lang="en-GB" dirty="0" err="1"/>
+              <a:t>метки</a:t>
+            </a:r>
+            <a:r>
+              <a:rPr lang="en-GB" dirty="0"/>
+              <a:t>, </a:t>
+            </a:r>
+            <a:r>
+              <a:rPr lang="en-GB" dirty="0" err="1"/>
+              <a:t>заканчивается</a:t>
+            </a:r>
+            <a:r>
+              <a:rPr lang="en-GB" dirty="0"/>
+              <a:t>, и </a:t>
+            </a:r>
+            <a:r>
+              <a:rPr lang="en-GB" dirty="0" err="1"/>
+              <a:t>определятся</a:t>
+            </a:r>
+            <a:r>
+              <a:rPr lang="en-GB" dirty="0"/>
+              <a:t> </a:t>
+            </a:r>
+            <a:r>
+              <a:rPr lang="en-GB" dirty="0" err="1"/>
+              <a:t>местоположение</a:t>
+            </a:r>
+            <a:r>
+              <a:rPr lang="en-GB" dirty="0"/>
+              <a:t>. </a:t>
+            </a:r>
+            <a:r>
+              <a:rPr lang="en-GB" dirty="0" err="1"/>
+              <a:t>Данный</a:t>
+            </a:r>
+            <a:r>
+              <a:rPr lang="en-GB" dirty="0"/>
+              <a:t> </a:t>
+            </a:r>
+            <a:r>
+              <a:rPr lang="en-GB" dirty="0" err="1"/>
+              <a:t>метод</a:t>
+            </a:r>
+            <a:r>
+              <a:rPr lang="en-GB" dirty="0"/>
+              <a:t> </a:t>
+            </a:r>
+            <a:r>
+              <a:rPr lang="en-GB" dirty="0" err="1"/>
+              <a:t>не</a:t>
+            </a:r>
+            <a:r>
+              <a:rPr lang="en-GB" dirty="0"/>
+              <a:t> </a:t>
+            </a:r>
+            <a:r>
+              <a:rPr lang="en-GB" dirty="0" err="1"/>
+              <a:t>подходит</a:t>
+            </a:r>
+            <a:r>
+              <a:rPr lang="en-GB" dirty="0"/>
+              <a:t>, </a:t>
+            </a:r>
+            <a:r>
+              <a:rPr lang="en-GB" dirty="0" err="1"/>
+              <a:t>если</a:t>
+            </a:r>
+            <a:r>
+              <a:rPr lang="en-GB" dirty="0"/>
+              <a:t> </a:t>
+            </a:r>
+            <a:r>
+              <a:rPr lang="en-GB" dirty="0" err="1"/>
+              <a:t>осуществлять</a:t>
+            </a:r>
+            <a:r>
+              <a:rPr lang="en-GB" dirty="0"/>
+              <a:t> </a:t>
+            </a:r>
+            <a:r>
+              <a:rPr lang="en-GB" dirty="0" err="1"/>
+              <a:t>навигацию</a:t>
+            </a:r>
+            <a:r>
+              <a:rPr lang="en-GB" dirty="0"/>
+              <a:t> в </a:t>
+            </a:r>
+            <a:r>
+              <a:rPr lang="en-GB" dirty="0" err="1"/>
+              <a:t>любой</a:t>
+            </a:r>
+            <a:r>
+              <a:rPr lang="en-GB" dirty="0"/>
+              <a:t> </a:t>
+            </a:r>
+            <a:r>
+              <a:rPr lang="en-GB" dirty="0" err="1"/>
+              <a:t>точке</a:t>
+            </a:r>
+            <a:r>
+              <a:rPr lang="en-GB" dirty="0"/>
+              <a:t> </a:t>
+            </a:r>
+            <a:r>
+              <a:rPr lang="en-GB" dirty="0" err="1"/>
+              <a:t>мира</a:t>
+            </a:r>
+            <a:r>
+              <a:rPr lang="en-GB" dirty="0"/>
+              <a:t>.</a:t>
+            </a:r>
+            <a:endParaRPr lang="ru-RU" dirty="0">
+              <a:latin typeface="Times New Roman CYR" panose="02020603050405020304" pitchFamily="18" charset="0"/>
+              <a:ea typeface="Calibri" panose="020F0502020204030204" pitchFamily="34" charset="0"/>
+              <a:cs typeface="Times New Roman" panose="02020603050405020304" pitchFamily="18" charset="0"/>
+            </a:endParaRPr>
+          </a:p>
+        </p:txBody>
+      </p:sp>
+      <p:pic>
+        <p:nvPicPr>
+          <p:cNvPr id="15" name="Рисунок 14" descr="https://modscheats.ru/uploads/posts/2017-08/thumbs/rossiyskaya-startap-kompaniya-navigine-privlekla-900-000-dollarov_1.png">
+            <a:extLst>
+              <a:ext uri="{FF2B5EF4-FFF2-40B4-BE49-F238E27FC236}">
+                <a16:creationId xmlns:a16="http://schemas.microsoft.com/office/drawing/2014/main" id="{496EDE30-D37D-428E-B01D-F1C5CFDA0C26}"/>
+              </a:ext>
+            </a:extLst>
+          </p:cNvPr>
+          <p:cNvPicPr/>
+          <p:nvPr/>
+        </p:nvPicPr>
+        <p:blipFill>
+          <a:blip r:embed="rId3">
+            <a:extLst>
+              <a:ext uri="{28A0092B-C50C-407E-A947-70E740481C1C}">
+                <a14:useLocalDpi xmlns:a14="http://schemas.microsoft.com/office/drawing/2010/main" val="0"/>
+              </a:ext>
+            </a:extLst>
+          </a:blip>
+          <a:srcRect/>
+          <a:stretch>
+            <a:fillRect/>
+          </a:stretch>
+        </p:blipFill>
+        <p:spPr bwMode="auto">
+          <a:xfrm>
+            <a:off x="4502088" y="1713691"/>
+            <a:ext cx="3393318" cy="2139098"/>
+          </a:xfrm>
+          <a:prstGeom prst="rect">
+            <a:avLst/>
+          </a:prstGeom>
+          <a:noFill/>
+          <a:ln>
+            <a:noFill/>
+          </a:ln>
+        </p:spPr>
+      </p:pic>
+      <p:sp>
+        <p:nvSpPr>
+          <p:cNvPr id="16" name="TextBox 15">
+            <a:extLst>
+              <a:ext uri="{FF2B5EF4-FFF2-40B4-BE49-F238E27FC236}">
+                <a16:creationId xmlns:a16="http://schemas.microsoft.com/office/drawing/2014/main" id="{0C95893D-4636-4FDF-9E2D-55FE85D340E4}"/>
+              </a:ext>
+            </a:extLst>
+          </p:cNvPr>
+          <p:cNvSpPr txBox="1"/>
+          <p:nvPr/>
+        </p:nvSpPr>
+        <p:spPr>
+          <a:xfrm>
+            <a:off x="8640451" y="834121"/>
+            <a:ext cx="1609543" cy="369332"/>
+          </a:xfrm>
+          <a:prstGeom prst="rect">
+            <a:avLst/>
+          </a:prstGeom>
+        </p:spPr>
+        <p:txBody>
+          <a:bodyPr vert="horz" wrap="square" lIns="91440" tIns="45720" rIns="91440" bIns="45720" rtlCol="0" anchor="ctr">
+            <a:spAutoFit/>
+          </a:bodyPr>
+          <a:lstStyle/>
+          <a:p>
+            <a:pPr lvl="2"/>
+            <a:r>
+              <a:rPr lang="en-US" dirty="0" err="1"/>
+              <a:t>DaRe</a:t>
+            </a:r>
+            <a:endParaRPr lang="ru-RU" dirty="0"/>
+          </a:p>
+        </p:txBody>
+      </p:sp>
+      <p:sp>
+        <p:nvSpPr>
+          <p:cNvPr id="17" name="Прямоугольник 16">
+            <a:extLst>
+              <a:ext uri="{FF2B5EF4-FFF2-40B4-BE49-F238E27FC236}">
+                <a16:creationId xmlns:a16="http://schemas.microsoft.com/office/drawing/2014/main" id="{1E314EFB-78EF-45DF-9C27-2856793B6774}"/>
+              </a:ext>
+            </a:extLst>
+          </p:cNvPr>
+          <p:cNvSpPr/>
+          <p:nvPr/>
+        </p:nvSpPr>
+        <p:spPr>
+          <a:xfrm>
+            <a:off x="8144987" y="1342725"/>
+            <a:ext cx="3959477" cy="1754326"/>
+          </a:xfrm>
+          <a:prstGeom prst="rect">
+            <a:avLst/>
+          </a:prstGeom>
+        </p:spPr>
+        <p:txBody>
+          <a:bodyPr wrap="square">
+            <a:spAutoFit/>
+          </a:bodyPr>
+          <a:lstStyle/>
+          <a:p>
+            <a:r>
+              <a:rPr lang="ru-RU" dirty="0"/>
+              <a:t>К недостаткам данной системы необходимо отнести датчик обуви. Потому что это очень неудобно и не практично, так как отдельный датчик это повышение стоимости и сложности системы.</a:t>
+            </a:r>
+          </a:p>
+        </p:txBody>
+      </p:sp>
+      <p:pic>
+        <p:nvPicPr>
+          <p:cNvPr id="19" name="Рисунок 18" descr="https://sun9-7.userapi.com/c857124/v857124560/4d5b6/zaqnGLipJ9c.jpg">
+            <a:extLst>
+              <a:ext uri="{FF2B5EF4-FFF2-40B4-BE49-F238E27FC236}">
+                <a16:creationId xmlns:a16="http://schemas.microsoft.com/office/drawing/2014/main" id="{8F56BE9C-11D5-4990-94E8-FFFBE6BB1CB0}"/>
+              </a:ext>
+            </a:extLst>
+          </p:cNvPr>
+          <p:cNvPicPr/>
+          <p:nvPr/>
+        </p:nvPicPr>
+        <p:blipFill>
+          <a:blip r:embed="rId4" cstate="print">
+            <a:extLst>
+              <a:ext uri="{28A0092B-C50C-407E-A947-70E740481C1C}">
+                <a14:useLocalDpi xmlns:a14="http://schemas.microsoft.com/office/drawing/2010/main" val="0"/>
+              </a:ext>
+            </a:extLst>
+          </a:blip>
+          <a:srcRect/>
+          <a:stretch>
+            <a:fillRect/>
+          </a:stretch>
+        </p:blipFill>
+        <p:spPr bwMode="auto">
+          <a:xfrm>
+            <a:off x="8975526" y="3281244"/>
+            <a:ext cx="2016224" cy="3286939"/>
+          </a:xfrm>
+          <a:prstGeom prst="rect">
+            <a:avLst/>
+          </a:prstGeom>
+          <a:noFill/>
+          <a:ln>
+            <a:noFill/>
+          </a:ln>
+        </p:spPr>
+      </p:pic>
+    </p:spTree>
+    <p:extLst>
+      <p:ext uri="{BB962C8B-B14F-4D97-AF65-F5344CB8AC3E}">
+        <p14:creationId xmlns:p14="http://schemas.microsoft.com/office/powerpoint/2010/main" val="1962536191"/>
+      </p:ext>
+    </p:extLst>
+  </p:cSld>
+  <p:clrMapOvr>
+    <a:masterClrMapping/>
+  </p:clrMapOvr>
+</p:sld>
+</file>
+
+<file path=ppt/slides/slide7.xml><?xml version="1.0" encoding="utf-8"?>
 <p:sld xmlns:a="http://schemas.openxmlformats.org/drawingml/2006/main" xmlns:r="http://schemas.openxmlformats.org/officeDocument/2006/relationships" xmlns:p="http://schemas.openxmlformats.org/presentationml/2006/main">
   <p:cSld>
     <p:spTree>
@@ -7938,7 +8422,7 @@
                   <a:schemeClr val="tx1"/>
                 </a:solidFill>
               </a:rPr>
-              <a:t>5</a:t>
+              <a:t>7</a:t>
             </a:fld>
             <a:endParaRPr lang="ru-RU" sz="2000" b="1" dirty="0">
               <a:solidFill>
@@ -8408,650 +8892,7 @@
 </p:sld>
 </file>
 
-<file path=ppt/slides/slide6.xml><?xml version="1.0" encoding="utf-8"?>
-<p:sld xmlns:a="http://schemas.openxmlformats.org/drawingml/2006/main" xmlns:r="http://schemas.openxmlformats.org/officeDocument/2006/relationships" xmlns:p="http://schemas.openxmlformats.org/presentationml/2006/main">
-  <p:cSld>
-    <p:spTree>
-      <p:nvGrpSpPr>
-        <p:cNvPr id="1" name=""/>
-        <p:cNvGrpSpPr/>
-        <p:nvPr/>
-      </p:nvGrpSpPr>
-      <p:grpSpPr>
-        <a:xfrm>
-          <a:off x="0" y="0"/>
-          <a:ext cx="0" cy="0"/>
-          <a:chOff x="0" y="0"/>
-          <a:chExt cx="0" cy="0"/>
-        </a:xfrm>
-      </p:grpSpPr>
-      <p:sp>
-        <p:nvSpPr>
-          <p:cNvPr id="4" name="TextBox 3"/>
-          <p:cNvSpPr txBox="1"/>
-          <p:nvPr/>
-        </p:nvSpPr>
-        <p:spPr>
-          <a:xfrm>
-            <a:off x="2351319" y="215407"/>
-            <a:ext cx="7898675" cy="523220"/>
-          </a:xfrm>
-          <a:prstGeom prst="rect">
-            <a:avLst/>
-          </a:prstGeom>
-          <a:noFill/>
-        </p:spPr>
-        <p:txBody>
-          <a:bodyPr wrap="square" rtlCol="0" anchor="ctr" anchorCtr="1">
-            <a:spAutoFit/>
-          </a:bodyPr>
-          <a:lstStyle/>
-          <a:p>
-            <a:pPr algn="ctr"/>
-            <a:r>
-              <a:rPr lang="ru-RU" sz="2800" dirty="0">
-                <a:solidFill>
-                  <a:schemeClr val="bg1"/>
-                </a:solidFill>
-                <a:latin typeface="Elektra Text Pro" panose="02000503030000020004" pitchFamily="50" charset="-52"/>
-              </a:rPr>
-              <a:t>Системы-аналоги</a:t>
-            </a:r>
-          </a:p>
-        </p:txBody>
-      </p:sp>
-      <p:sp>
-        <p:nvSpPr>
-          <p:cNvPr id="6" name="TextBox 5"/>
-          <p:cNvSpPr txBox="1"/>
-          <p:nvPr/>
-        </p:nvSpPr>
-        <p:spPr>
-          <a:xfrm>
-            <a:off x="565620" y="1018787"/>
-            <a:ext cx="2582438" cy="369332"/>
-          </a:xfrm>
-          <a:prstGeom prst="rect">
-            <a:avLst/>
-          </a:prstGeom>
-        </p:spPr>
-        <p:txBody>
-          <a:bodyPr vert="horz" wrap="none" lIns="91440" tIns="45720" rIns="91440" bIns="45720" rtlCol="0" anchor="ctr">
-            <a:spAutoFit/>
-          </a:bodyPr>
-          <a:lstStyle/>
-          <a:p>
-            <a:r>
-              <a:rPr lang="ru-RU" dirty="0"/>
-              <a:t>БИНС МЭМС «ГЛ-ВГ110»</a:t>
-            </a:r>
-          </a:p>
-        </p:txBody>
-      </p:sp>
-      <p:sp>
-        <p:nvSpPr>
-          <p:cNvPr id="11" name="Номер слайда 2"/>
-          <p:cNvSpPr>
-            <a:spLocks noGrp="1"/>
-          </p:cNvSpPr>
-          <p:nvPr>
-            <p:ph type="sldNum" sz="quarter" idx="12"/>
-          </p:nvPr>
-        </p:nvSpPr>
-        <p:spPr>
-          <a:xfrm>
-            <a:off x="8736463" y="6356351"/>
-            <a:ext cx="2844430" cy="365125"/>
-          </a:xfrm>
-        </p:spPr>
-        <p:txBody>
-          <a:bodyPr/>
-          <a:lstStyle/>
-          <a:p>
-            <a:fld id="{E2656834-4BAB-4DB1-9FED-8310CA017EAF}" type="slidenum">
-              <a:rPr lang="ru-RU" sz="2000" b="1" smtClean="0">
-                <a:solidFill>
-                  <a:schemeClr val="tx1"/>
-                </a:solidFill>
-              </a:rPr>
-              <a:t>6</a:t>
-            </a:fld>
-            <a:endParaRPr lang="ru-RU" sz="2000" b="1" dirty="0">
-              <a:solidFill>
-                <a:schemeClr val="tx1"/>
-              </a:solidFill>
-            </a:endParaRPr>
-          </a:p>
-        </p:txBody>
-      </p:sp>
-      <p:pic>
-        <p:nvPicPr>
-          <p:cNvPr id="10" name="Рисунок 9">
-            <a:extLst>
-              <a:ext uri="{FF2B5EF4-FFF2-40B4-BE49-F238E27FC236}">
-                <a16:creationId xmlns:a16="http://schemas.microsoft.com/office/drawing/2014/main" id="{A10925FD-E0FA-48A1-802A-77079D834C4F}"/>
-              </a:ext>
-            </a:extLst>
-          </p:cNvPr>
-          <p:cNvPicPr/>
-          <p:nvPr/>
-        </p:nvPicPr>
-        <p:blipFill>
-          <a:blip r:embed="rId2"/>
-          <a:stretch>
-            <a:fillRect/>
-          </a:stretch>
-        </p:blipFill>
-        <p:spPr>
-          <a:xfrm>
-            <a:off x="313377" y="1608203"/>
-            <a:ext cx="3785602" cy="2139098"/>
-          </a:xfrm>
-          <a:prstGeom prst="rect">
-            <a:avLst/>
-          </a:prstGeom>
-        </p:spPr>
-      </p:pic>
-      <p:sp>
-        <p:nvSpPr>
-          <p:cNvPr id="2" name="Прямоугольник 1">
-            <a:extLst>
-              <a:ext uri="{FF2B5EF4-FFF2-40B4-BE49-F238E27FC236}">
-                <a16:creationId xmlns:a16="http://schemas.microsoft.com/office/drawing/2014/main" id="{C605E239-8033-461C-B962-DBEC55CA1C57}"/>
-              </a:ext>
-            </a:extLst>
-          </p:cNvPr>
-          <p:cNvSpPr/>
-          <p:nvPr/>
-        </p:nvSpPr>
-        <p:spPr>
-          <a:xfrm>
-            <a:off x="226440" y="3973457"/>
-            <a:ext cx="3959477" cy="2308324"/>
-          </a:xfrm>
-          <a:prstGeom prst="rect">
-            <a:avLst/>
-          </a:prstGeom>
-        </p:spPr>
-        <p:txBody>
-          <a:bodyPr wrap="square">
-            <a:spAutoFit/>
-          </a:bodyPr>
-          <a:lstStyle/>
-          <a:p>
-            <a:pPr indent="450215" algn="just">
-              <a:spcAft>
-                <a:spcPts val="0"/>
-              </a:spcAft>
-            </a:pPr>
-            <a:r>
-              <a:rPr lang="ru-RU" dirty="0">
-                <a:latin typeface="Times New Roman CYR" panose="02020603050405020304" pitchFamily="18" charset="0"/>
-                <a:ea typeface="Calibri" panose="020F0502020204030204" pitchFamily="34" charset="0"/>
-                <a:cs typeface="Times New Roman" panose="02020603050405020304" pitchFamily="18" charset="0"/>
-              </a:rPr>
-              <a:t>Минус этой системы состоит в том, что это отдельный блок, который никак не интегрируешь в телефон и представляет интерес для компаний – разработчиков, интеграторов и производителей навигационного оборудования, систем и комплексов стабилизации и ориентации.</a:t>
-            </a:r>
-          </a:p>
-        </p:txBody>
-      </p:sp>
-      <p:sp>
-        <p:nvSpPr>
-          <p:cNvPr id="12" name="TextBox 11">
-            <a:extLst>
-              <a:ext uri="{FF2B5EF4-FFF2-40B4-BE49-F238E27FC236}">
-                <a16:creationId xmlns:a16="http://schemas.microsoft.com/office/drawing/2014/main" id="{4FAEAA32-CCD0-476E-A145-DD2AB49C7E35}"/>
-              </a:ext>
-            </a:extLst>
-          </p:cNvPr>
-          <p:cNvSpPr txBox="1"/>
-          <p:nvPr/>
-        </p:nvSpPr>
-        <p:spPr>
-          <a:xfrm>
-            <a:off x="5242280" y="906156"/>
-            <a:ext cx="1705852" cy="369332"/>
-          </a:xfrm>
-          <a:prstGeom prst="rect">
-            <a:avLst/>
-          </a:prstGeom>
-        </p:spPr>
-        <p:txBody>
-          <a:bodyPr vert="horz" wrap="none" lIns="91440" tIns="45720" rIns="91440" bIns="45720" rtlCol="0" anchor="ctr">
-            <a:spAutoFit/>
-          </a:bodyPr>
-          <a:lstStyle/>
-          <a:p>
-            <a:r>
-              <a:rPr lang="en-GB" dirty="0" err="1"/>
-              <a:t>Navigine</a:t>
-            </a:r>
-            <a:r>
-              <a:rPr lang="en-GB" dirty="0"/>
-              <a:t> Indoor</a:t>
-            </a:r>
-            <a:endParaRPr lang="ru-RU" dirty="0"/>
-          </a:p>
-        </p:txBody>
-      </p:sp>
-      <p:sp>
-        <p:nvSpPr>
-          <p:cNvPr id="14" name="Прямоугольник 13">
-            <a:extLst>
-              <a:ext uri="{FF2B5EF4-FFF2-40B4-BE49-F238E27FC236}">
-                <a16:creationId xmlns:a16="http://schemas.microsoft.com/office/drawing/2014/main" id="{A2A32763-C025-4580-AE76-8FEBE8431F7C}"/>
-              </a:ext>
-            </a:extLst>
-          </p:cNvPr>
-          <p:cNvSpPr/>
-          <p:nvPr/>
-        </p:nvSpPr>
-        <p:spPr>
-          <a:xfrm>
-            <a:off x="4218896" y="3973457"/>
-            <a:ext cx="3959477" cy="2308324"/>
-          </a:xfrm>
-          <a:prstGeom prst="rect">
-            <a:avLst/>
-          </a:prstGeom>
-        </p:spPr>
-        <p:txBody>
-          <a:bodyPr wrap="square">
-            <a:spAutoFit/>
-          </a:bodyPr>
-          <a:lstStyle/>
-          <a:p>
-            <a:pPr indent="450215" algn="just">
-              <a:spcAft>
-                <a:spcPts val="0"/>
-              </a:spcAft>
-            </a:pPr>
-            <a:r>
-              <a:rPr lang="en-GB" dirty="0" err="1"/>
-              <a:t>Главный</a:t>
-            </a:r>
-            <a:r>
-              <a:rPr lang="en-GB" dirty="0"/>
-              <a:t> </a:t>
-            </a:r>
-            <a:r>
-              <a:rPr lang="en-GB" dirty="0" err="1"/>
-              <a:t>недостаток</a:t>
-            </a:r>
-            <a:r>
-              <a:rPr lang="en-GB" dirty="0"/>
-              <a:t> </a:t>
-            </a:r>
-            <a:r>
-              <a:rPr lang="en-GB" dirty="0" err="1"/>
-              <a:t>системы</a:t>
-            </a:r>
-            <a:r>
-              <a:rPr lang="en-GB" dirty="0"/>
-              <a:t> </a:t>
-            </a:r>
-            <a:r>
-              <a:rPr lang="en-GB" dirty="0" err="1"/>
-              <a:t>заключается</a:t>
-            </a:r>
-            <a:r>
-              <a:rPr lang="en-GB" dirty="0"/>
-              <a:t> в </a:t>
-            </a:r>
-            <a:r>
-              <a:rPr lang="en-GB" dirty="0" err="1"/>
-              <a:t>том</a:t>
-            </a:r>
-            <a:r>
-              <a:rPr lang="en-GB" dirty="0"/>
-              <a:t>, </a:t>
-            </a:r>
-            <a:r>
-              <a:rPr lang="en-GB" dirty="0" err="1"/>
-              <a:t>что</a:t>
-            </a:r>
-            <a:r>
-              <a:rPr lang="en-GB" dirty="0"/>
-              <a:t> </a:t>
-            </a:r>
-            <a:r>
-              <a:rPr lang="en-GB" dirty="0" err="1"/>
-              <a:t>для</a:t>
-            </a:r>
-            <a:r>
-              <a:rPr lang="en-GB" dirty="0"/>
-              <a:t> </a:t>
-            </a:r>
-            <a:r>
-              <a:rPr lang="en-GB" dirty="0" err="1"/>
-              <a:t>навигации</a:t>
-            </a:r>
-            <a:r>
-              <a:rPr lang="en-GB" dirty="0"/>
-              <a:t> </a:t>
-            </a:r>
-            <a:r>
-              <a:rPr lang="en-GB" dirty="0" err="1"/>
-              <a:t>используются</a:t>
-            </a:r>
-            <a:r>
-              <a:rPr lang="en-GB" dirty="0"/>
-              <a:t> </a:t>
-            </a:r>
-            <a:r>
-              <a:rPr lang="en-GB" dirty="0" err="1"/>
-              <a:t>метки</a:t>
-            </a:r>
-            <a:r>
-              <a:rPr lang="en-GB" dirty="0"/>
-              <a:t>. </a:t>
-            </a:r>
-            <a:r>
-              <a:rPr lang="en-GB" dirty="0" err="1"/>
-              <a:t>Там</a:t>
-            </a:r>
-            <a:r>
-              <a:rPr lang="en-GB" dirty="0"/>
-              <a:t> </a:t>
-            </a:r>
-            <a:r>
-              <a:rPr lang="en-GB" dirty="0" err="1"/>
-              <a:t>где</a:t>
-            </a:r>
-            <a:r>
-              <a:rPr lang="en-GB" dirty="0"/>
-              <a:t> </a:t>
-            </a:r>
-            <a:r>
-              <a:rPr lang="en-GB" dirty="0" err="1"/>
-              <a:t>заканчиваются</a:t>
-            </a:r>
-            <a:r>
-              <a:rPr lang="en-GB" dirty="0"/>
-              <a:t> </a:t>
-            </a:r>
-            <a:r>
-              <a:rPr lang="en-GB" dirty="0" err="1"/>
-              <a:t>метки</a:t>
-            </a:r>
-            <a:r>
-              <a:rPr lang="en-GB" dirty="0"/>
-              <a:t>, </a:t>
-            </a:r>
-            <a:r>
-              <a:rPr lang="en-GB" dirty="0" err="1"/>
-              <a:t>заканчивается</a:t>
-            </a:r>
-            <a:r>
-              <a:rPr lang="en-GB" dirty="0"/>
-              <a:t>, и </a:t>
-            </a:r>
-            <a:r>
-              <a:rPr lang="en-GB" dirty="0" err="1"/>
-              <a:t>определятся</a:t>
-            </a:r>
-            <a:r>
-              <a:rPr lang="en-GB" dirty="0"/>
-              <a:t> </a:t>
-            </a:r>
-            <a:r>
-              <a:rPr lang="en-GB" dirty="0" err="1"/>
-              <a:t>местоположение</a:t>
-            </a:r>
-            <a:r>
-              <a:rPr lang="en-GB" dirty="0"/>
-              <a:t>. </a:t>
-            </a:r>
-            <a:r>
-              <a:rPr lang="en-GB" dirty="0" err="1"/>
-              <a:t>Данный</a:t>
-            </a:r>
-            <a:r>
-              <a:rPr lang="en-GB" dirty="0"/>
-              <a:t> </a:t>
-            </a:r>
-            <a:r>
-              <a:rPr lang="en-GB" dirty="0" err="1"/>
-              <a:t>метод</a:t>
-            </a:r>
-            <a:r>
-              <a:rPr lang="en-GB" dirty="0"/>
-              <a:t> </a:t>
-            </a:r>
-            <a:r>
-              <a:rPr lang="en-GB" dirty="0" err="1"/>
-              <a:t>не</a:t>
-            </a:r>
-            <a:r>
-              <a:rPr lang="en-GB" dirty="0"/>
-              <a:t> </a:t>
-            </a:r>
-            <a:r>
-              <a:rPr lang="en-GB" dirty="0" err="1"/>
-              <a:t>подходит</a:t>
-            </a:r>
-            <a:r>
-              <a:rPr lang="en-GB" dirty="0"/>
-              <a:t>, </a:t>
-            </a:r>
-            <a:r>
-              <a:rPr lang="en-GB" dirty="0" err="1"/>
-              <a:t>если</a:t>
-            </a:r>
-            <a:r>
-              <a:rPr lang="en-GB" dirty="0"/>
-              <a:t> </a:t>
-            </a:r>
-            <a:r>
-              <a:rPr lang="en-GB" dirty="0" err="1"/>
-              <a:t>осуществлять</a:t>
-            </a:r>
-            <a:r>
-              <a:rPr lang="en-GB" dirty="0"/>
-              <a:t> </a:t>
-            </a:r>
-            <a:r>
-              <a:rPr lang="en-GB" dirty="0" err="1"/>
-              <a:t>навигацию</a:t>
-            </a:r>
-            <a:r>
-              <a:rPr lang="en-GB" dirty="0"/>
-              <a:t> в </a:t>
-            </a:r>
-            <a:r>
-              <a:rPr lang="en-GB" dirty="0" err="1"/>
-              <a:t>любой</a:t>
-            </a:r>
-            <a:r>
-              <a:rPr lang="en-GB" dirty="0"/>
-              <a:t> </a:t>
-            </a:r>
-            <a:r>
-              <a:rPr lang="en-GB" dirty="0" err="1"/>
-              <a:t>точке</a:t>
-            </a:r>
-            <a:r>
-              <a:rPr lang="en-GB" dirty="0"/>
-              <a:t> </a:t>
-            </a:r>
-            <a:r>
-              <a:rPr lang="en-GB" dirty="0" err="1"/>
-              <a:t>мира</a:t>
-            </a:r>
-            <a:r>
-              <a:rPr lang="en-GB" dirty="0"/>
-              <a:t>.</a:t>
-            </a:r>
-            <a:endParaRPr lang="ru-RU" dirty="0">
-              <a:latin typeface="Times New Roman CYR" panose="02020603050405020304" pitchFamily="18" charset="0"/>
-              <a:ea typeface="Calibri" panose="020F0502020204030204" pitchFamily="34" charset="0"/>
-              <a:cs typeface="Times New Roman" panose="02020603050405020304" pitchFamily="18" charset="0"/>
-            </a:endParaRPr>
-          </a:p>
-        </p:txBody>
-      </p:sp>
-      <p:pic>
-        <p:nvPicPr>
-          <p:cNvPr id="15" name="Рисунок 14" descr="https://modscheats.ru/uploads/posts/2017-08/thumbs/rossiyskaya-startap-kompaniya-navigine-privlekla-900-000-dollarov_1.png">
-            <a:extLst>
-              <a:ext uri="{FF2B5EF4-FFF2-40B4-BE49-F238E27FC236}">
-                <a16:creationId xmlns:a16="http://schemas.microsoft.com/office/drawing/2014/main" id="{496EDE30-D37D-428E-B01D-F1C5CFDA0C26}"/>
-              </a:ext>
-            </a:extLst>
-          </p:cNvPr>
-          <p:cNvPicPr/>
-          <p:nvPr/>
-        </p:nvPicPr>
-        <p:blipFill>
-          <a:blip r:embed="rId3">
-            <a:extLst>
-              <a:ext uri="{28A0092B-C50C-407E-A947-70E740481C1C}">
-                <a14:useLocalDpi xmlns:a14="http://schemas.microsoft.com/office/drawing/2010/main" val="0"/>
-              </a:ext>
-            </a:extLst>
-          </a:blip>
-          <a:srcRect/>
-          <a:stretch>
-            <a:fillRect/>
-          </a:stretch>
-        </p:blipFill>
-        <p:spPr bwMode="auto">
-          <a:xfrm>
-            <a:off x="4502088" y="1713691"/>
-            <a:ext cx="3393318" cy="2139098"/>
-          </a:xfrm>
-          <a:prstGeom prst="rect">
-            <a:avLst/>
-          </a:prstGeom>
-          <a:noFill/>
-          <a:ln>
-            <a:noFill/>
-          </a:ln>
-        </p:spPr>
-      </p:pic>
-      <p:sp>
-        <p:nvSpPr>
-          <p:cNvPr id="16" name="TextBox 15">
-            <a:extLst>
-              <a:ext uri="{FF2B5EF4-FFF2-40B4-BE49-F238E27FC236}">
-                <a16:creationId xmlns:a16="http://schemas.microsoft.com/office/drawing/2014/main" id="{0C95893D-4636-4FDF-9E2D-55FE85D340E4}"/>
-              </a:ext>
-            </a:extLst>
-          </p:cNvPr>
-          <p:cNvSpPr txBox="1"/>
-          <p:nvPr/>
-        </p:nvSpPr>
-        <p:spPr>
-          <a:xfrm>
-            <a:off x="8640451" y="834121"/>
-            <a:ext cx="1609543" cy="369332"/>
-          </a:xfrm>
-          <a:prstGeom prst="rect">
-            <a:avLst/>
-          </a:prstGeom>
-        </p:spPr>
-        <p:txBody>
-          <a:bodyPr vert="horz" wrap="square" lIns="91440" tIns="45720" rIns="91440" bIns="45720" rtlCol="0" anchor="ctr">
-            <a:spAutoFit/>
-          </a:bodyPr>
-          <a:lstStyle/>
-          <a:p>
-            <a:pPr lvl="2"/>
-            <a:r>
-              <a:rPr lang="en-US" dirty="0" err="1"/>
-              <a:t>DaRe</a:t>
-            </a:r>
-            <a:endParaRPr lang="ru-RU" dirty="0"/>
-          </a:p>
-        </p:txBody>
-      </p:sp>
-      <p:sp>
-        <p:nvSpPr>
-          <p:cNvPr id="17" name="Прямоугольник 16">
-            <a:extLst>
-              <a:ext uri="{FF2B5EF4-FFF2-40B4-BE49-F238E27FC236}">
-                <a16:creationId xmlns:a16="http://schemas.microsoft.com/office/drawing/2014/main" id="{1E314EFB-78EF-45DF-9C27-2856793B6774}"/>
-              </a:ext>
-            </a:extLst>
-          </p:cNvPr>
-          <p:cNvSpPr/>
-          <p:nvPr/>
-        </p:nvSpPr>
-        <p:spPr>
-          <a:xfrm>
-            <a:off x="8144987" y="1342725"/>
-            <a:ext cx="3959477" cy="1754326"/>
-          </a:xfrm>
-          <a:prstGeom prst="rect">
-            <a:avLst/>
-          </a:prstGeom>
-        </p:spPr>
-        <p:txBody>
-          <a:bodyPr wrap="square">
-            <a:spAutoFit/>
-          </a:bodyPr>
-          <a:lstStyle/>
-          <a:p>
-            <a:r>
-              <a:rPr lang="ru-RU" dirty="0"/>
-              <a:t>К недостаткам данной системы необходимо отнести датчик обуви. Потому что это очень неудобно и не практично, так как отдельный датчик это повышение стоимости и сложности системы.</a:t>
-            </a:r>
-          </a:p>
-        </p:txBody>
-      </p:sp>
-      <p:pic>
-        <p:nvPicPr>
-          <p:cNvPr id="19" name="Рисунок 18" descr="https://sun9-7.userapi.com/c857124/v857124560/4d5b6/zaqnGLipJ9c.jpg">
-            <a:extLst>
-              <a:ext uri="{FF2B5EF4-FFF2-40B4-BE49-F238E27FC236}">
-                <a16:creationId xmlns:a16="http://schemas.microsoft.com/office/drawing/2014/main" id="{8F56BE9C-11D5-4990-94E8-FFFBE6BB1CB0}"/>
-              </a:ext>
-            </a:extLst>
-          </p:cNvPr>
-          <p:cNvPicPr/>
-          <p:nvPr/>
-        </p:nvPicPr>
-        <p:blipFill>
-          <a:blip r:embed="rId4" cstate="print">
-            <a:extLst>
-              <a:ext uri="{28A0092B-C50C-407E-A947-70E740481C1C}">
-                <a14:useLocalDpi xmlns:a14="http://schemas.microsoft.com/office/drawing/2010/main" val="0"/>
-              </a:ext>
-            </a:extLst>
-          </a:blip>
-          <a:srcRect/>
-          <a:stretch>
-            <a:fillRect/>
-          </a:stretch>
-        </p:blipFill>
-        <p:spPr bwMode="auto">
-          <a:xfrm>
-            <a:off x="8975526" y="3281244"/>
-            <a:ext cx="2016224" cy="3286939"/>
-          </a:xfrm>
-          <a:prstGeom prst="rect">
-            <a:avLst/>
-          </a:prstGeom>
-          <a:noFill/>
-          <a:ln>
-            <a:noFill/>
-          </a:ln>
-        </p:spPr>
-      </p:pic>
-    </p:spTree>
-    <p:extLst>
-      <p:ext uri="{BB962C8B-B14F-4D97-AF65-F5344CB8AC3E}">
-        <p14:creationId xmlns:p14="http://schemas.microsoft.com/office/powerpoint/2010/main" val="1962536191"/>
-      </p:ext>
-    </p:extLst>
-  </p:cSld>
-  <p:clrMapOvr>
-    <a:masterClrMapping/>
-  </p:clrMapOvr>
-</p:sld>
-</file>
-
-<file path=ppt/slides/slide7.xml><?xml version="1.0" encoding="utf-8"?>
+<file path=ppt/slides/slide8.xml><?xml version="1.0" encoding="utf-8"?>
 <p:sld xmlns:a="http://schemas.openxmlformats.org/drawingml/2006/main" xmlns:r="http://schemas.openxmlformats.org/officeDocument/2006/relationships" xmlns:p="http://schemas.openxmlformats.org/presentationml/2006/main">
   <p:cSld>
     <p:spTree>
@@ -9168,7 +9009,7 @@
                   <a:schemeClr val="tx1"/>
                 </a:solidFill>
               </a:rPr>
-              <a:t>7</a:t>
+              <a:t>8</a:t>
             </a:fld>
             <a:endParaRPr lang="ru-RU" sz="2000" b="1" dirty="0">
               <a:solidFill>
@@ -9191,7 +9032,7 @@
 </p:sld>
 </file>
 
-<file path=ppt/slides/slide8.xml><?xml version="1.0" encoding="utf-8"?>
+<file path=ppt/slides/slide9.xml><?xml version="1.0" encoding="utf-8"?>
 <p:sld xmlns:a="http://schemas.openxmlformats.org/drawingml/2006/main" xmlns:r="http://schemas.openxmlformats.org/officeDocument/2006/relationships" xmlns:p="http://schemas.openxmlformats.org/presentationml/2006/main">
   <p:cSld>
     <p:spTree>
@@ -9264,7 +9105,7 @@
                   <a:schemeClr val="tx1"/>
                 </a:solidFill>
               </a:rPr>
-              <a:t>8</a:t>
+              <a:t>9</a:t>
             </a:fld>
             <a:endParaRPr lang="ru-RU" sz="2000" b="1">
               <a:solidFill>
@@ -9274,8 +9115,8 @@
           </a:p>
         </p:txBody>
       </p:sp>
-      <mc:AlternateContent xmlns:mc="http://schemas.openxmlformats.org/markup-compatibility/2006">
-        <mc:Choice xmlns:a14="http://schemas.microsoft.com/office/drawing/2010/main" Requires="a14">
+      <mc:AlternateContent xmlns:mc="http://schemas.openxmlformats.org/markup-compatibility/2006" xmlns:a14="http://schemas.microsoft.com/office/drawing/2010/main">
+        <mc:Choice Requires="a14">
           <p:sp>
             <p:nvSpPr>
               <p:cNvPr id="3" name="Прямоугольник 2">
@@ -9571,7 +9412,7 @@
             </p:txBody>
           </p:sp>
         </mc:Choice>
-        <mc:Fallback>
+        <mc:Fallback xmlns="">
           <p:sp>
             <p:nvSpPr>
               <p:cNvPr id="3" name="Прямоугольник 2">
@@ -9616,8 +9457,8 @@
           </p:sp>
         </mc:Fallback>
       </mc:AlternateContent>
-      <mc:AlternateContent xmlns:mc="http://schemas.openxmlformats.org/markup-compatibility/2006">
-        <mc:Choice xmlns:a14="http://schemas.microsoft.com/office/drawing/2010/main" Requires="a14">
+      <mc:AlternateContent xmlns:mc="http://schemas.openxmlformats.org/markup-compatibility/2006" xmlns:a14="http://schemas.microsoft.com/office/drawing/2010/main">
+        <mc:Choice Requires="a14">
           <p:sp>
             <p:nvSpPr>
               <p:cNvPr id="4" name="Прямоугольник 3">
@@ -9645,6 +9486,7 @@
               </a:bodyPr>
               <a:lstStyle/>
               <a:p>
+                <a:pPr/>
                 <a14:m>
                   <m:oMathPara xmlns:m="http://schemas.openxmlformats.org/officeDocument/2006/math">
                     <m:oMathParaPr>
@@ -9654,7 +9496,7 @@
                       <m:sSub>
                         <m:sSubPr>
                           <m:ctrlPr>
-                            <a:rPr lang="ru-RU">
+                            <a:rPr lang="ru-RU" i="1">
                               <a:latin typeface="Cambria Math" panose="02040503050406030204" pitchFamily="18" charset="0"/>
                             </a:rPr>
                           </m:ctrlPr>
@@ -9851,7 +9693,7 @@
             </p:txBody>
           </p:sp>
         </mc:Choice>
-        <mc:Fallback>
+        <mc:Fallback xmlns="">
           <p:sp>
             <p:nvSpPr>
               <p:cNvPr id="4" name="Прямоугольник 3">
@@ -9896,8 +9738,8 @@
           </p:sp>
         </mc:Fallback>
       </mc:AlternateContent>
-      <mc:AlternateContent xmlns:mc="http://schemas.openxmlformats.org/markup-compatibility/2006">
-        <mc:Choice xmlns:a14="http://schemas.microsoft.com/office/drawing/2010/main" Requires="a14">
+      <mc:AlternateContent xmlns:mc="http://schemas.openxmlformats.org/markup-compatibility/2006" xmlns:a14="http://schemas.microsoft.com/office/drawing/2010/main">
+        <mc:Choice Requires="a14">
           <p:sp>
             <p:nvSpPr>
               <p:cNvPr id="6" name="Прямоугольник 5">
@@ -9925,6 +9767,7 @@
               </a:bodyPr>
               <a:lstStyle/>
               <a:p>
+                <a:pPr/>
                 <a14:m>
                   <m:oMathPara xmlns:m="http://schemas.openxmlformats.org/officeDocument/2006/math">
                     <m:oMathParaPr>
@@ -9934,7 +9777,7 @@
                       <m:sSub>
                         <m:sSubPr>
                           <m:ctrlPr>
-                            <a:rPr lang="ru-RU">
+                            <a:rPr lang="ru-RU" i="1">
                               <a:latin typeface="Cambria Math" panose="02040503050406030204" pitchFamily="18" charset="0"/>
                             </a:rPr>
                           </m:ctrlPr>
@@ -10131,7 +9974,7 @@
             </p:txBody>
           </p:sp>
         </mc:Choice>
-        <mc:Fallback>
+        <mc:Fallback xmlns="">
           <p:sp>
             <p:nvSpPr>
               <p:cNvPr id="6" name="Прямоугольник 5">
@@ -10176,8 +10019,8 @@
           </p:sp>
         </mc:Fallback>
       </mc:AlternateContent>
-      <mc:AlternateContent xmlns:mc="http://schemas.openxmlformats.org/markup-compatibility/2006">
-        <mc:Choice xmlns:a14="http://schemas.microsoft.com/office/drawing/2010/main" Requires="a14">
+      <mc:AlternateContent xmlns:mc="http://schemas.openxmlformats.org/markup-compatibility/2006" xmlns:a14="http://schemas.microsoft.com/office/drawing/2010/main">
+        <mc:Choice Requires="a14">
           <p:sp>
             <p:nvSpPr>
               <p:cNvPr id="7" name="Прямоугольник 6">
@@ -10262,7 +10105,7 @@
             </p:txBody>
           </p:sp>
         </mc:Choice>
-        <mc:Fallback>
+        <mc:Fallback xmlns="">
           <p:sp>
             <p:nvSpPr>
               <p:cNvPr id="7" name="Прямоугольник 6">
@@ -10307,8 +10150,8 @@
           </p:sp>
         </mc:Fallback>
       </mc:AlternateContent>
-      <mc:AlternateContent xmlns:mc="http://schemas.openxmlformats.org/markup-compatibility/2006">
-        <mc:Choice xmlns:a14="http://schemas.microsoft.com/office/drawing/2010/main" Requires="a14">
+      <mc:AlternateContent xmlns:mc="http://schemas.openxmlformats.org/markup-compatibility/2006" xmlns:a14="http://schemas.microsoft.com/office/drawing/2010/main">
+        <mc:Choice Requires="a14">
           <p:sp>
             <p:nvSpPr>
               <p:cNvPr id="8" name="Прямоугольник 7">
@@ -10336,6 +10179,7 @@
               </a:bodyPr>
               <a:lstStyle/>
               <a:p>
+                <a:pPr/>
                 <a14:m>
                   <m:oMathPara xmlns:m="http://schemas.openxmlformats.org/officeDocument/2006/math">
                     <m:oMathParaPr>
@@ -10345,7 +10189,7 @@
                       <m:func>
                         <m:funcPr>
                           <m:ctrlPr>
-                            <a:rPr lang="ru-RU">
+                            <a:rPr lang="ru-RU" i="1">
                               <a:latin typeface="Cambria Math" panose="02040503050406030204" pitchFamily="18" charset="0"/>
                             </a:rPr>
                           </m:ctrlPr>
@@ -10697,7 +10541,7 @@
             </p:txBody>
           </p:sp>
         </mc:Choice>
-        <mc:Fallback>
+        <mc:Fallback xmlns="">
           <p:sp>
             <p:nvSpPr>
               <p:cNvPr id="8" name="Прямоугольник 7">
@@ -10742,8 +10586,8 @@
           </p:sp>
         </mc:Fallback>
       </mc:AlternateContent>
-      <mc:AlternateContent xmlns:mc="http://schemas.openxmlformats.org/markup-compatibility/2006">
-        <mc:Choice xmlns:a14="http://schemas.microsoft.com/office/drawing/2010/main" Requires="a14">
+      <mc:AlternateContent xmlns:mc="http://schemas.openxmlformats.org/markup-compatibility/2006" xmlns:a14="http://schemas.microsoft.com/office/drawing/2010/main">
+        <mc:Choice Requires="a14">
           <p:sp>
             <p:nvSpPr>
               <p:cNvPr id="9" name="Прямоугольник 8">
@@ -10919,7 +10763,7 @@
             </p:txBody>
           </p:sp>
         </mc:Choice>
-        <mc:Fallback>
+        <mc:Fallback xmlns="">
           <p:sp>
             <p:nvSpPr>
               <p:cNvPr id="9" name="Прямоугольник 8">
@@ -10968,215 +10812,6 @@
     <p:extLst>
       <p:ext uri="{BB962C8B-B14F-4D97-AF65-F5344CB8AC3E}">
         <p14:creationId xmlns:p14="http://schemas.microsoft.com/office/powerpoint/2010/main" val="250409295"/>
-      </p:ext>
-    </p:extLst>
-  </p:cSld>
-  <p:clrMapOvr>
-    <a:masterClrMapping/>
-  </p:clrMapOvr>
-</p:sld>
-</file>
-
-<file path=ppt/slides/slide9.xml><?xml version="1.0" encoding="utf-8"?>
-<p:sld xmlns:a="http://schemas.openxmlformats.org/drawingml/2006/main" xmlns:r="http://schemas.openxmlformats.org/officeDocument/2006/relationships" xmlns:p="http://schemas.openxmlformats.org/presentationml/2006/main">
-  <p:cSld>
-    <p:spTree>
-      <p:nvGrpSpPr>
-        <p:cNvPr id="1" name=""/>
-        <p:cNvGrpSpPr/>
-        <p:nvPr/>
-      </p:nvGrpSpPr>
-      <p:grpSpPr>
-        <a:xfrm>
-          <a:off x="0" y="0"/>
-          <a:ext cx="0" cy="0"/>
-          <a:chOff x="0" y="0"/>
-          <a:chExt cx="0" cy="0"/>
-        </a:xfrm>
-      </p:grpSpPr>
-      <p:sp>
-        <p:nvSpPr>
-          <p:cNvPr id="4" name="TextBox 3"/>
-          <p:cNvSpPr txBox="1"/>
-          <p:nvPr/>
-        </p:nvSpPr>
-        <p:spPr>
-          <a:xfrm>
-            <a:off x="2351319" y="215407"/>
-            <a:ext cx="7898675" cy="523220"/>
-          </a:xfrm>
-          <a:prstGeom prst="rect">
-            <a:avLst/>
-          </a:prstGeom>
-          <a:noFill/>
-        </p:spPr>
-        <p:txBody>
-          <a:bodyPr wrap="square" rtlCol="0" anchor="ctr" anchorCtr="1">
-            <a:spAutoFit/>
-          </a:bodyPr>
-          <a:lstStyle/>
-          <a:p>
-            <a:pPr algn="ctr"/>
-            <a:r>
-              <a:rPr lang="ru-RU" sz="2800" dirty="0">
-                <a:solidFill>
-                  <a:schemeClr val="bg1"/>
-                </a:solidFill>
-                <a:latin typeface="Elektra Text Pro" panose="02000503030000020004" pitchFamily="50" charset="-52"/>
-              </a:rPr>
-              <a:t>Прототип пользовательского интерфейса</a:t>
-            </a:r>
-          </a:p>
-        </p:txBody>
-      </p:sp>
-      <p:sp>
-        <p:nvSpPr>
-          <p:cNvPr id="7" name="Номер слайда 2"/>
-          <p:cNvSpPr>
-            <a:spLocks noGrp="1"/>
-          </p:cNvSpPr>
-          <p:nvPr>
-            <p:ph type="sldNum" sz="quarter" idx="12"/>
-          </p:nvPr>
-        </p:nvSpPr>
-        <p:spPr>
-          <a:xfrm>
-            <a:off x="8736463" y="6356351"/>
-            <a:ext cx="2844430" cy="365125"/>
-          </a:xfrm>
-        </p:spPr>
-        <p:txBody>
-          <a:bodyPr/>
-          <a:lstStyle/>
-          <a:p>
-            <a:fld id="{E2656834-4BAB-4DB1-9FED-8310CA017EAF}" type="slidenum">
-              <a:rPr lang="ru-RU" sz="2000" b="1" smtClean="0">
-                <a:solidFill>
-                  <a:schemeClr val="tx1"/>
-                </a:solidFill>
-              </a:rPr>
-              <a:t>9</a:t>
-            </a:fld>
-            <a:endParaRPr lang="ru-RU" sz="2000" b="1" dirty="0">
-              <a:solidFill>
-                <a:schemeClr val="tx1"/>
-              </a:solidFill>
-            </a:endParaRPr>
-          </a:p>
-        </p:txBody>
-      </p:sp>
-      <p:pic>
-        <p:nvPicPr>
-          <p:cNvPr id="3" name="Рисунок 2">
-            <a:extLst>
-              <a:ext uri="{FF2B5EF4-FFF2-40B4-BE49-F238E27FC236}">
-                <a16:creationId xmlns:a16="http://schemas.microsoft.com/office/drawing/2014/main" id="{9890CF00-DEDF-43E9-A451-11A90864E67F}"/>
-              </a:ext>
-            </a:extLst>
-          </p:cNvPr>
-          <p:cNvPicPr>
-            <a:picLocks noChangeAspect="1"/>
-          </p:cNvPicPr>
-          <p:nvPr/>
-        </p:nvPicPr>
-        <p:blipFill>
-          <a:blip r:embed="rId2">
-            <a:extLst>
-              <a:ext uri="{28A0092B-C50C-407E-A947-70E740481C1C}">
-                <a14:useLocalDpi xmlns:a14="http://schemas.microsoft.com/office/drawing/2010/main" val="0"/>
-              </a:ext>
-            </a:extLst>
-          </a:blip>
-          <a:stretch>
-            <a:fillRect/>
-          </a:stretch>
-        </p:blipFill>
-        <p:spPr>
-          <a:xfrm>
-            <a:off x="960140" y="946082"/>
-            <a:ext cx="2844430" cy="5550639"/>
-          </a:xfrm>
-          <a:prstGeom prst="rect">
-            <a:avLst/>
-          </a:prstGeom>
-        </p:spPr>
-      </p:pic>
-      <p:pic>
-        <p:nvPicPr>
-          <p:cNvPr id="6" name="Рисунок 5">
-            <a:extLst>
-              <a:ext uri="{FF2B5EF4-FFF2-40B4-BE49-F238E27FC236}">
-                <a16:creationId xmlns:a16="http://schemas.microsoft.com/office/drawing/2014/main" id="{F9E51486-34B3-4C51-BE81-4DFEB83D642B}"/>
-              </a:ext>
-            </a:extLst>
-          </p:cNvPr>
-          <p:cNvPicPr>
-            <a:picLocks noChangeAspect="1"/>
-          </p:cNvPicPr>
-          <p:nvPr/>
-        </p:nvPicPr>
-        <p:blipFill>
-          <a:blip r:embed="rId3">
-            <a:extLst>
-              <a:ext uri="{28A0092B-C50C-407E-A947-70E740481C1C}">
-                <a14:useLocalDpi xmlns:a14="http://schemas.microsoft.com/office/drawing/2010/main" val="0"/>
-              </a:ext>
-            </a:extLst>
-          </a:blip>
-          <a:stretch>
-            <a:fillRect/>
-          </a:stretch>
-        </p:blipFill>
-        <p:spPr>
-          <a:xfrm>
-            <a:off x="5303118" y="960474"/>
-            <a:ext cx="4737932" cy="2427957"/>
-          </a:xfrm>
-          <a:prstGeom prst="rect">
-            <a:avLst/>
-          </a:prstGeom>
-        </p:spPr>
-      </p:pic>
-      <p:pic>
-        <p:nvPicPr>
-          <p:cNvPr id="9" name="Рисунок 8">
-            <a:extLst>
-              <a:ext uri="{FF2B5EF4-FFF2-40B4-BE49-F238E27FC236}">
-                <a16:creationId xmlns:a16="http://schemas.microsoft.com/office/drawing/2014/main" id="{146DD482-A25A-4A96-9466-DCAAE4DF207E}"/>
-              </a:ext>
-            </a:extLst>
-          </p:cNvPr>
-          <p:cNvPicPr>
-            <a:picLocks noChangeAspect="1"/>
-          </p:cNvPicPr>
-          <p:nvPr/>
-        </p:nvPicPr>
-        <p:blipFill>
-          <a:blip r:embed="rId4">
-            <a:extLst>
-              <a:ext uri="{28A0092B-C50C-407E-A947-70E740481C1C}">
-                <a14:useLocalDpi xmlns:a14="http://schemas.microsoft.com/office/drawing/2010/main" val="0"/>
-              </a:ext>
-            </a:extLst>
-          </a:blip>
-          <a:stretch>
-            <a:fillRect/>
-          </a:stretch>
-        </p:blipFill>
-        <p:spPr>
-          <a:xfrm>
-            <a:off x="5409935" y="3808297"/>
-            <a:ext cx="4737932" cy="2431144"/>
-          </a:xfrm>
-          <a:prstGeom prst="rect">
-            <a:avLst/>
-          </a:prstGeom>
-        </p:spPr>
-      </p:pic>
-    </p:spTree>
-    <p:extLst>
-      <p:ext uri="{BB962C8B-B14F-4D97-AF65-F5344CB8AC3E}">
-        <p14:creationId xmlns:p14="http://schemas.microsoft.com/office/powerpoint/2010/main" val="1457085305"/>
       </p:ext>
     </p:extLst>
   </p:cSld>

--- a/Mavlyutov_V_D презентация.pptx
+++ b/Mavlyutov_V_D презентация.pptx
@@ -5,7 +5,7 @@
     <p:sldMasterId id="2147483648" r:id="rId1"/>
   </p:sldMasterIdLst>
   <p:notesMasterIdLst>
-    <p:notesMasterId r:id="rId14"/>
+    <p:notesMasterId r:id="rId16"/>
   </p:notesMasterIdLst>
   <p:sldIdLst>
     <p:sldId id="260" r:id="rId2"/>
@@ -15,11 +15,13 @@
     <p:sldId id="271" r:id="rId6"/>
     <p:sldId id="261" r:id="rId7"/>
     <p:sldId id="258" r:id="rId8"/>
-    <p:sldId id="266" r:id="rId9"/>
-    <p:sldId id="263" r:id="rId10"/>
-    <p:sldId id="270" r:id="rId11"/>
-    <p:sldId id="268" r:id="rId12"/>
-    <p:sldId id="267" r:id="rId13"/>
+    <p:sldId id="273" r:id="rId9"/>
+    <p:sldId id="274" r:id="rId10"/>
+    <p:sldId id="266" r:id="rId11"/>
+    <p:sldId id="263" r:id="rId12"/>
+    <p:sldId id="270" r:id="rId13"/>
+    <p:sldId id="268" r:id="rId14"/>
+    <p:sldId id="267" r:id="rId15"/>
   </p:sldIdLst>
   <p:sldSz cx="12190413" cy="6858000"/>
   <p:notesSz cx="6858000" cy="9144000"/>
@@ -2539,7 +2541,7 @@
           <a:p>
             <a:fld id="{53C77590-BFB8-41C1-9934-3E9D93CB747F}" type="datetimeFigureOut">
               <a:rPr lang="ru-RU" smtClean="0"/>
-              <a:t>06.05.2021</a:t>
+              <a:t>07.05.2021</a:t>
             </a:fld>
             <a:endParaRPr lang="ru-RU"/>
           </a:p>
@@ -2985,7 +2987,7 @@
           <a:p>
             <a:fld id="{2E1FEAF3-9EA9-4E4D-ACE9-F210CFF472D4}" type="datetime1">
               <a:rPr lang="ru-RU" smtClean="0"/>
-              <a:t>06.05.2021</a:t>
+              <a:t>07.05.2021</a:t>
             </a:fld>
             <a:endParaRPr lang="ru-RU"/>
           </a:p>
@@ -3153,7 +3155,7 @@
           <a:p>
             <a:fld id="{6072DF79-AD55-4BBF-AF0E-B3006BD9FC63}" type="datetime1">
               <a:rPr lang="ru-RU" smtClean="0"/>
-              <a:t>06.05.2021</a:t>
+              <a:t>07.05.2021</a:t>
             </a:fld>
             <a:endParaRPr lang="ru-RU"/>
           </a:p>
@@ -3331,7 +3333,7 @@
           <a:p>
             <a:fld id="{A8D09B17-A5AA-4114-B340-E9B3D535CAF1}" type="datetime1">
               <a:rPr lang="ru-RU" smtClean="0"/>
-              <a:t>06.05.2021</a:t>
+              <a:t>07.05.2021</a:t>
             </a:fld>
             <a:endParaRPr lang="ru-RU"/>
           </a:p>
@@ -3499,7 +3501,7 @@
           <a:p>
             <a:fld id="{BBDF64E6-2A5B-429D-84D2-1CEB73CFD494}" type="datetime1">
               <a:rPr lang="ru-RU" smtClean="0"/>
-              <a:t>06.05.2021</a:t>
+              <a:t>07.05.2021</a:t>
             </a:fld>
             <a:endParaRPr lang="ru-RU"/>
           </a:p>
@@ -3744,7 +3746,7 @@
           <a:p>
             <a:fld id="{9D7D6FD7-2330-440F-8729-44A50140D3A0}" type="datetime1">
               <a:rPr lang="ru-RU" smtClean="0"/>
-              <a:t>06.05.2021</a:t>
+              <a:t>07.05.2021</a:t>
             </a:fld>
             <a:endParaRPr lang="ru-RU"/>
           </a:p>
@@ -4029,7 +4031,7 @@
           <a:p>
             <a:fld id="{AD67EAE2-7930-4E8D-B42F-C75B0C353EE8}" type="datetime1">
               <a:rPr lang="ru-RU" smtClean="0"/>
-              <a:t>06.05.2021</a:t>
+              <a:t>07.05.2021</a:t>
             </a:fld>
             <a:endParaRPr lang="ru-RU"/>
           </a:p>
@@ -4448,7 +4450,7 @@
           <a:p>
             <a:fld id="{F5D6F513-D6BA-4B35-B772-88E770267A04}" type="datetime1">
               <a:rPr lang="ru-RU" smtClean="0"/>
-              <a:t>06.05.2021</a:t>
+              <a:t>07.05.2021</a:t>
             </a:fld>
             <a:endParaRPr lang="ru-RU"/>
           </a:p>
@@ -4565,7 +4567,7 @@
           <a:p>
             <a:fld id="{98307C8F-3427-4E0C-8A2A-E5C00596762D}" type="datetime1">
               <a:rPr lang="ru-RU" smtClean="0"/>
-              <a:t>06.05.2021</a:t>
+              <a:t>07.05.2021</a:t>
             </a:fld>
             <a:endParaRPr lang="ru-RU"/>
           </a:p>
@@ -4660,7 +4662,7 @@
           <a:p>
             <a:fld id="{ADE8478E-AABB-42F7-8174-B5FAD693316E}" type="datetime1">
               <a:rPr lang="ru-RU" smtClean="0"/>
-              <a:t>06.05.2021</a:t>
+              <a:t>07.05.2021</a:t>
             </a:fld>
             <a:endParaRPr lang="ru-RU"/>
           </a:p>
@@ -4935,7 +4937,7 @@
           <a:p>
             <a:fld id="{18E1BB3D-0B3A-4730-BB8B-C96F0F23C850}" type="datetime1">
               <a:rPr lang="ru-RU" smtClean="0"/>
-              <a:t>06.05.2021</a:t>
+              <a:t>07.05.2021</a:t>
             </a:fld>
             <a:endParaRPr lang="ru-RU"/>
           </a:p>
@@ -5187,7 +5189,7 @@
           <a:p>
             <a:fld id="{515F4F15-E020-44F3-BCC8-24320E990345}" type="datetime1">
               <a:rPr lang="ru-RU" smtClean="0"/>
-              <a:t>06.05.2021</a:t>
+              <a:t>07.05.2021</a:t>
             </a:fld>
             <a:endParaRPr lang="ru-RU"/>
           </a:p>
@@ -5407,7 +5409,7 @@
           <a:p>
             <a:fld id="{A22415F4-83CD-4779-9756-B7C80E8C6DAD}" type="datetime1">
               <a:rPr lang="ru-RU" smtClean="0"/>
-              <a:t>06.05.2021</a:t>
+              <a:t>07.05.2021</a:t>
             </a:fld>
             <a:endParaRPr lang="ru-RU"/>
           </a:p>
@@ -6011,2904 +6013,6 @@
           <a:chExt cx="0" cy="0"/>
         </a:xfrm>
       </p:grpSpPr>
-      <p:sp>
-        <p:nvSpPr>
-          <p:cNvPr id="4" name="TextBox 3"/>
-          <p:cNvSpPr txBox="1"/>
-          <p:nvPr/>
-        </p:nvSpPr>
-        <p:spPr>
-          <a:xfrm>
-            <a:off x="2351319" y="215407"/>
-            <a:ext cx="7898675" cy="523220"/>
-          </a:xfrm>
-          <a:prstGeom prst="rect">
-            <a:avLst/>
-          </a:prstGeom>
-          <a:noFill/>
-        </p:spPr>
-        <p:txBody>
-          <a:bodyPr wrap="square" rtlCol="0" anchor="ctr" anchorCtr="1">
-            <a:spAutoFit/>
-          </a:bodyPr>
-          <a:lstStyle/>
-          <a:p>
-            <a:pPr algn="ctr"/>
-            <a:r>
-              <a:rPr lang="ru-RU" sz="2800" dirty="0">
-                <a:solidFill>
-                  <a:schemeClr val="bg1"/>
-                </a:solidFill>
-                <a:latin typeface="Elektra Text Pro" panose="02000503030000020004" pitchFamily="50" charset="-52"/>
-              </a:rPr>
-              <a:t>Прототип пользовательского интерфейса</a:t>
-            </a:r>
-          </a:p>
-        </p:txBody>
-      </p:sp>
-      <p:sp>
-        <p:nvSpPr>
-          <p:cNvPr id="7" name="Номер слайда 2"/>
-          <p:cNvSpPr>
-            <a:spLocks noGrp="1"/>
-          </p:cNvSpPr>
-          <p:nvPr>
-            <p:ph type="sldNum" sz="quarter" idx="12"/>
-          </p:nvPr>
-        </p:nvSpPr>
-        <p:spPr>
-          <a:xfrm>
-            <a:off x="8736463" y="6356351"/>
-            <a:ext cx="2844430" cy="365125"/>
-          </a:xfrm>
-        </p:spPr>
-        <p:txBody>
-          <a:bodyPr/>
-          <a:lstStyle/>
-          <a:p>
-            <a:fld id="{E2656834-4BAB-4DB1-9FED-8310CA017EAF}" type="slidenum">
-              <a:rPr lang="ru-RU" sz="2000" b="1" smtClean="0">
-                <a:solidFill>
-                  <a:schemeClr val="tx1"/>
-                </a:solidFill>
-              </a:rPr>
-              <a:t>10</a:t>
-            </a:fld>
-            <a:endParaRPr lang="ru-RU" sz="2000" b="1" dirty="0">
-              <a:solidFill>
-                <a:schemeClr val="tx1"/>
-              </a:solidFill>
-            </a:endParaRPr>
-          </a:p>
-        </p:txBody>
-      </p:sp>
-      <p:pic>
-        <p:nvPicPr>
-          <p:cNvPr id="8" name="Рисунок 7">
-            <a:extLst>
-              <a:ext uri="{FF2B5EF4-FFF2-40B4-BE49-F238E27FC236}">
-                <a16:creationId xmlns:a16="http://schemas.microsoft.com/office/drawing/2014/main" id="{AA4A74FC-9F08-49FB-B66D-B3F1ECAD9116}"/>
-              </a:ext>
-            </a:extLst>
-          </p:cNvPr>
-          <p:cNvPicPr/>
-          <p:nvPr/>
-        </p:nvPicPr>
-        <p:blipFill>
-          <a:blip r:embed="rId2">
-            <a:extLst>
-              <a:ext uri="{BEBA8EAE-BF5A-486C-A8C5-ECC9F3942E4B}">
-                <a14:imgProps xmlns:a14="http://schemas.microsoft.com/office/drawing/2010/main">
-                  <a14:imgLayer r:embed="rId3">
-                    <a14:imgEffect>
-                      <a14:sharpenSoften amount="50000"/>
-                    </a14:imgEffect>
-                  </a14:imgLayer>
-                </a14:imgProps>
-              </a:ext>
-              <a:ext uri="{28A0092B-C50C-407E-A947-70E740481C1C}">
-                <a14:useLocalDpi xmlns:a14="http://schemas.microsoft.com/office/drawing/2010/main" val="0"/>
-              </a:ext>
-            </a:extLst>
-          </a:blip>
-          <a:srcRect/>
-          <a:stretch>
-            <a:fillRect/>
-          </a:stretch>
-        </p:blipFill>
-        <p:spPr bwMode="auto">
-          <a:xfrm>
-            <a:off x="444738" y="1300930"/>
-            <a:ext cx="1828800" cy="4351094"/>
-          </a:xfrm>
-          <a:prstGeom prst="rect">
-            <a:avLst/>
-          </a:prstGeom>
-          <a:noFill/>
-          <a:ln>
-            <a:noFill/>
-          </a:ln>
-        </p:spPr>
-      </p:pic>
-      <p:pic>
-        <p:nvPicPr>
-          <p:cNvPr id="10" name="Рисунок 9">
-            <a:extLst>
-              <a:ext uri="{FF2B5EF4-FFF2-40B4-BE49-F238E27FC236}">
-                <a16:creationId xmlns:a16="http://schemas.microsoft.com/office/drawing/2014/main" id="{FFD4CF21-ED35-496F-AC86-5DBC51F0562D}"/>
-              </a:ext>
-            </a:extLst>
-          </p:cNvPr>
-          <p:cNvPicPr/>
-          <p:nvPr/>
-        </p:nvPicPr>
-        <p:blipFill>
-          <a:blip r:embed="rId4">
-            <a:extLst>
-              <a:ext uri="{BEBA8EAE-BF5A-486C-A8C5-ECC9F3942E4B}">
-                <a14:imgProps xmlns:a14="http://schemas.microsoft.com/office/drawing/2010/main">
-                  <a14:imgLayer r:embed="rId5">
-                    <a14:imgEffect>
-                      <a14:sharpenSoften amount="50000"/>
-                    </a14:imgEffect>
-                  </a14:imgLayer>
-                </a14:imgProps>
-              </a:ext>
-              <a:ext uri="{28A0092B-C50C-407E-A947-70E740481C1C}">
-                <a14:useLocalDpi xmlns:a14="http://schemas.microsoft.com/office/drawing/2010/main" val="0"/>
-              </a:ext>
-            </a:extLst>
-          </a:blip>
-          <a:srcRect/>
-          <a:stretch>
-            <a:fillRect/>
-          </a:stretch>
-        </p:blipFill>
-        <p:spPr bwMode="auto">
-          <a:xfrm>
-            <a:off x="2657904" y="1300930"/>
-            <a:ext cx="1828800" cy="4351094"/>
-          </a:xfrm>
-          <a:prstGeom prst="rect">
-            <a:avLst/>
-          </a:prstGeom>
-          <a:noFill/>
-          <a:ln>
-            <a:noFill/>
-          </a:ln>
-        </p:spPr>
-      </p:pic>
-      <p:pic>
-        <p:nvPicPr>
-          <p:cNvPr id="11" name="Рисунок 10">
-            <a:extLst>
-              <a:ext uri="{FF2B5EF4-FFF2-40B4-BE49-F238E27FC236}">
-                <a16:creationId xmlns:a16="http://schemas.microsoft.com/office/drawing/2014/main" id="{AED95EAA-765A-4D9C-AE45-40A8DC717FB0}"/>
-              </a:ext>
-            </a:extLst>
-          </p:cNvPr>
-          <p:cNvPicPr/>
-          <p:nvPr/>
-        </p:nvPicPr>
-        <p:blipFill>
-          <a:blip r:embed="rId6">
-            <a:extLst>
-              <a:ext uri="{BEBA8EAE-BF5A-486C-A8C5-ECC9F3942E4B}">
-                <a14:imgProps xmlns:a14="http://schemas.microsoft.com/office/drawing/2010/main">
-                  <a14:imgLayer r:embed="rId7">
-                    <a14:imgEffect>
-                      <a14:sharpenSoften amount="50000"/>
-                    </a14:imgEffect>
-                  </a14:imgLayer>
-                </a14:imgProps>
-              </a:ext>
-              <a:ext uri="{28A0092B-C50C-407E-A947-70E740481C1C}">
-                <a14:useLocalDpi xmlns:a14="http://schemas.microsoft.com/office/drawing/2010/main" val="0"/>
-              </a:ext>
-            </a:extLst>
-          </a:blip>
-          <a:srcRect/>
-          <a:stretch>
-            <a:fillRect/>
-          </a:stretch>
-        </p:blipFill>
-        <p:spPr bwMode="auto">
-          <a:xfrm>
-            <a:off x="4871070" y="1187528"/>
-            <a:ext cx="1828800" cy="4482944"/>
-          </a:xfrm>
-          <a:prstGeom prst="rect">
-            <a:avLst/>
-          </a:prstGeom>
-          <a:noFill/>
-          <a:ln>
-            <a:noFill/>
-          </a:ln>
-        </p:spPr>
-      </p:pic>
-      <p:pic>
-        <p:nvPicPr>
-          <p:cNvPr id="12" name="Рисунок 11">
-            <a:extLst>
-              <a:ext uri="{FF2B5EF4-FFF2-40B4-BE49-F238E27FC236}">
-                <a16:creationId xmlns:a16="http://schemas.microsoft.com/office/drawing/2014/main" id="{2DCD0A00-EDFC-44CC-917D-63C9911AC4C8}"/>
-              </a:ext>
-            </a:extLst>
-          </p:cNvPr>
-          <p:cNvPicPr/>
-          <p:nvPr/>
-        </p:nvPicPr>
-        <p:blipFill>
-          <a:blip r:embed="rId8">
-            <a:extLst>
-              <a:ext uri="{BEBA8EAE-BF5A-486C-A8C5-ECC9F3942E4B}">
-                <a14:imgProps xmlns:a14="http://schemas.microsoft.com/office/drawing/2010/main">
-                  <a14:imgLayer r:embed="rId9">
-                    <a14:imgEffect>
-                      <a14:sharpenSoften amount="50000"/>
-                    </a14:imgEffect>
-                  </a14:imgLayer>
-                </a14:imgProps>
-              </a:ext>
-              <a:ext uri="{28A0092B-C50C-407E-A947-70E740481C1C}">
-                <a14:useLocalDpi xmlns:a14="http://schemas.microsoft.com/office/drawing/2010/main" val="0"/>
-              </a:ext>
-            </a:extLst>
-          </a:blip>
-          <a:srcRect/>
-          <a:stretch>
-            <a:fillRect/>
-          </a:stretch>
-        </p:blipFill>
-        <p:spPr bwMode="auto">
-          <a:xfrm>
-            <a:off x="7084236" y="1300930"/>
-            <a:ext cx="1828800" cy="4351094"/>
-          </a:xfrm>
-          <a:prstGeom prst="rect">
-            <a:avLst/>
-          </a:prstGeom>
-          <a:noFill/>
-          <a:ln>
-            <a:noFill/>
-          </a:ln>
-        </p:spPr>
-      </p:pic>
-      <p:pic>
-        <p:nvPicPr>
-          <p:cNvPr id="13" name="Рисунок 12">
-            <a:extLst>
-              <a:ext uri="{FF2B5EF4-FFF2-40B4-BE49-F238E27FC236}">
-                <a16:creationId xmlns:a16="http://schemas.microsoft.com/office/drawing/2014/main" id="{1D415073-831B-4BA7-BA79-1E56474F292F}"/>
-              </a:ext>
-            </a:extLst>
-          </p:cNvPr>
-          <p:cNvPicPr/>
-          <p:nvPr/>
-        </p:nvPicPr>
-        <p:blipFill>
-          <a:blip r:embed="rId10">
-            <a:extLst>
-              <a:ext uri="{BEBA8EAE-BF5A-486C-A8C5-ECC9F3942E4B}">
-                <a14:imgProps xmlns:a14="http://schemas.microsoft.com/office/drawing/2010/main">
-                  <a14:imgLayer r:embed="rId11">
-                    <a14:imgEffect>
-                      <a14:sharpenSoften amount="50000"/>
-                    </a14:imgEffect>
-                  </a14:imgLayer>
-                </a14:imgProps>
-              </a:ext>
-              <a:ext uri="{28A0092B-C50C-407E-A947-70E740481C1C}">
-                <a14:useLocalDpi xmlns:a14="http://schemas.microsoft.com/office/drawing/2010/main" val="0"/>
-              </a:ext>
-            </a:extLst>
-          </a:blip>
-          <a:srcRect/>
-          <a:stretch>
-            <a:fillRect/>
-          </a:stretch>
-        </p:blipFill>
-        <p:spPr bwMode="auto">
-          <a:xfrm>
-            <a:off x="9297402" y="1300930"/>
-            <a:ext cx="1828800" cy="4351094"/>
-          </a:xfrm>
-          <a:prstGeom prst="rect">
-            <a:avLst/>
-          </a:prstGeom>
-          <a:noFill/>
-          <a:ln>
-            <a:noFill/>
-          </a:ln>
-        </p:spPr>
-      </p:pic>
-    </p:spTree>
-    <p:extLst>
-      <p:ext uri="{BB962C8B-B14F-4D97-AF65-F5344CB8AC3E}">
-        <p14:creationId xmlns:p14="http://schemas.microsoft.com/office/powerpoint/2010/main" val="1457085305"/>
-      </p:ext>
-    </p:extLst>
-  </p:cSld>
-  <p:clrMapOvr>
-    <a:masterClrMapping/>
-  </p:clrMapOvr>
-</p:sld>
-</file>
-
-<file path=ppt/slides/slide11.xml><?xml version="1.0" encoding="utf-8"?>
-<p:sld xmlns:a="http://schemas.openxmlformats.org/drawingml/2006/main" xmlns:r="http://schemas.openxmlformats.org/officeDocument/2006/relationships" xmlns:p="http://schemas.openxmlformats.org/presentationml/2006/main">
-  <p:cSld>
-    <p:spTree>
-      <p:nvGrpSpPr>
-        <p:cNvPr id="1" name=""/>
-        <p:cNvGrpSpPr/>
-        <p:nvPr/>
-      </p:nvGrpSpPr>
-      <p:grpSpPr>
-        <a:xfrm>
-          <a:off x="0" y="0"/>
-          <a:ext cx="0" cy="0"/>
-          <a:chOff x="0" y="0"/>
-          <a:chExt cx="0" cy="0"/>
-        </a:xfrm>
-      </p:grpSpPr>
-      <p:sp>
-        <p:nvSpPr>
-          <p:cNvPr id="4" name="TextBox 3"/>
-          <p:cNvSpPr txBox="1"/>
-          <p:nvPr/>
-        </p:nvSpPr>
-        <p:spPr>
-          <a:xfrm>
-            <a:off x="2351319" y="215407"/>
-            <a:ext cx="7898675" cy="523220"/>
-          </a:xfrm>
-          <a:prstGeom prst="rect">
-            <a:avLst/>
-          </a:prstGeom>
-          <a:noFill/>
-        </p:spPr>
-        <p:txBody>
-          <a:bodyPr wrap="square" rtlCol="0" anchor="ctr" anchorCtr="1">
-            <a:spAutoFit/>
-          </a:bodyPr>
-          <a:lstStyle/>
-          <a:p>
-            <a:pPr algn="ctr"/>
-            <a:r>
-              <a:rPr lang="ru-RU" sz="2800" dirty="0">
-                <a:solidFill>
-                  <a:schemeClr val="bg1"/>
-                </a:solidFill>
-                <a:latin typeface="Elektra Text Pro" panose="02000503030000020004" pitchFamily="50" charset="-52"/>
-              </a:rPr>
-              <a:t>Заключение</a:t>
-            </a:r>
-          </a:p>
-        </p:txBody>
-      </p:sp>
-      <p:sp>
-        <p:nvSpPr>
-          <p:cNvPr id="6" name="TextBox 5"/>
-          <p:cNvSpPr txBox="1"/>
-          <p:nvPr/>
-        </p:nvSpPr>
-        <p:spPr>
-          <a:xfrm>
-            <a:off x="447512" y="980728"/>
-            <a:ext cx="11295387" cy="3785652"/>
-          </a:xfrm>
-          <a:prstGeom prst="rect">
-            <a:avLst/>
-          </a:prstGeom>
-        </p:spPr>
-        <p:txBody>
-          <a:bodyPr vert="horz" wrap="square" lIns="91440" tIns="45720" rIns="91440" bIns="45720" rtlCol="0" anchor="ctr">
-            <a:spAutoFit/>
-          </a:bodyPr>
-          <a:lstStyle/>
-          <a:p>
-            <a:pPr marL="285750" indent="-285750">
-              <a:buFont typeface="Arial" panose="020B0604020202020204" pitchFamily="34" charset="0"/>
-              <a:buChar char="•"/>
-            </a:pPr>
-            <a:r>
-              <a:rPr lang="ru-RU" sz="4800" dirty="0"/>
-              <a:t>Проведен анализ предметной области</a:t>
-            </a:r>
-          </a:p>
-          <a:p>
-            <a:pPr marL="285750" indent="-285750">
-              <a:buFont typeface="Arial" panose="020B0604020202020204" pitchFamily="34" charset="0"/>
-              <a:buChar char="•"/>
-            </a:pPr>
-            <a:r>
-              <a:rPr lang="ru-RU" sz="4800" dirty="0"/>
-              <a:t>Проведен обзор систем-аналогов</a:t>
-            </a:r>
-          </a:p>
-          <a:p>
-            <a:pPr marL="285750" indent="-285750">
-              <a:buFont typeface="Arial" panose="020B0604020202020204" pitchFamily="34" charset="0"/>
-              <a:buChar char="•"/>
-            </a:pPr>
-            <a:r>
-              <a:rPr lang="ru-RU" sz="4800" dirty="0"/>
-              <a:t>Поставлена задача</a:t>
-            </a:r>
-          </a:p>
-          <a:p>
-            <a:pPr marL="285750" indent="-285750">
-              <a:buFont typeface="Arial" panose="020B0604020202020204" pitchFamily="34" charset="0"/>
-              <a:buChar char="•"/>
-            </a:pPr>
-            <a:r>
-              <a:rPr lang="ru-RU" sz="4800" dirty="0"/>
-              <a:t>Разработаны прототипы пользовательского интерфейса</a:t>
-            </a:r>
-          </a:p>
-        </p:txBody>
-      </p:sp>
-      <p:sp>
-        <p:nvSpPr>
-          <p:cNvPr id="7" name="Номер слайда 2"/>
-          <p:cNvSpPr>
-            <a:spLocks noGrp="1"/>
-          </p:cNvSpPr>
-          <p:nvPr>
-            <p:ph type="sldNum" sz="quarter" idx="12"/>
-          </p:nvPr>
-        </p:nvSpPr>
-        <p:spPr>
-          <a:xfrm>
-            <a:off x="8736463" y="6356351"/>
-            <a:ext cx="2844430" cy="365125"/>
-          </a:xfrm>
-        </p:spPr>
-        <p:txBody>
-          <a:bodyPr/>
-          <a:lstStyle/>
-          <a:p>
-            <a:fld id="{E2656834-4BAB-4DB1-9FED-8310CA017EAF}" type="slidenum">
-              <a:rPr lang="ru-RU" sz="2000" b="1" smtClean="0">
-                <a:solidFill>
-                  <a:schemeClr val="tx1"/>
-                </a:solidFill>
-              </a:rPr>
-              <a:t>11</a:t>
-            </a:fld>
-            <a:endParaRPr lang="ru-RU" sz="2000" b="1" dirty="0">
-              <a:solidFill>
-                <a:schemeClr val="tx1"/>
-              </a:solidFill>
-            </a:endParaRPr>
-          </a:p>
-        </p:txBody>
-      </p:sp>
-    </p:spTree>
-    <p:extLst>
-      <p:ext uri="{BB962C8B-B14F-4D97-AF65-F5344CB8AC3E}">
-        <p14:creationId xmlns:p14="http://schemas.microsoft.com/office/powerpoint/2010/main" val="2474415876"/>
-      </p:ext>
-    </p:extLst>
-  </p:cSld>
-  <p:clrMapOvr>
-    <a:masterClrMapping/>
-  </p:clrMapOvr>
-</p:sld>
-</file>
-
-<file path=ppt/slides/slide12.xml><?xml version="1.0" encoding="utf-8"?>
-<p:sld xmlns:a="http://schemas.openxmlformats.org/drawingml/2006/main" xmlns:r="http://schemas.openxmlformats.org/officeDocument/2006/relationships" xmlns:p="http://schemas.openxmlformats.org/presentationml/2006/main">
-  <p:cSld>
-    <p:spTree>
-      <p:nvGrpSpPr>
-        <p:cNvPr id="1" name=""/>
-        <p:cNvGrpSpPr/>
-        <p:nvPr/>
-      </p:nvGrpSpPr>
-      <p:grpSpPr>
-        <a:xfrm>
-          <a:off x="0" y="0"/>
-          <a:ext cx="0" cy="0"/>
-          <a:chOff x="0" y="0"/>
-          <a:chExt cx="0" cy="0"/>
-        </a:xfrm>
-      </p:grpSpPr>
-      <p:sp>
-        <p:nvSpPr>
-          <p:cNvPr id="2" name="Заголовок 1"/>
-          <p:cNvSpPr>
-            <a:spLocks noGrp="1"/>
-          </p:cNvSpPr>
-          <p:nvPr>
-            <p:ph type="title"/>
-          </p:nvPr>
-        </p:nvSpPr>
-        <p:spPr/>
-        <p:txBody>
-          <a:bodyPr/>
-          <a:lstStyle/>
-          <a:p>
-            <a:endParaRPr lang="ru-RU"/>
-          </a:p>
-        </p:txBody>
-      </p:sp>
-      <p:pic>
-        <p:nvPicPr>
-          <p:cNvPr id="4" name="Рисунок 3"/>
-          <p:cNvPicPr>
-            <a:picLocks noChangeAspect="1"/>
-          </p:cNvPicPr>
-          <p:nvPr/>
-        </p:nvPicPr>
-        <p:blipFill>
-          <a:blip r:embed="rId2" cstate="print">
-            <a:extLst>
-              <a:ext uri="{28A0092B-C50C-407E-A947-70E740481C1C}">
-                <a14:useLocalDpi xmlns:a14="http://schemas.microsoft.com/office/drawing/2010/main" val="0"/>
-              </a:ext>
-            </a:extLst>
-          </a:blip>
-          <a:stretch>
-            <a:fillRect/>
-          </a:stretch>
-        </p:blipFill>
-        <p:spPr>
-          <a:xfrm>
-            <a:off x="0" y="1713"/>
-            <a:ext cx="12192000" cy="6854573"/>
-          </a:xfrm>
-          <a:prstGeom prst="rect">
-            <a:avLst/>
-          </a:prstGeom>
-        </p:spPr>
-      </p:pic>
-      <p:sp>
-        <p:nvSpPr>
-          <p:cNvPr id="5" name="TextBox 4"/>
-          <p:cNvSpPr txBox="1"/>
-          <p:nvPr/>
-        </p:nvSpPr>
-        <p:spPr>
-          <a:xfrm>
-            <a:off x="4655046" y="3121627"/>
-            <a:ext cx="7260321" cy="1015663"/>
-          </a:xfrm>
-          <a:prstGeom prst="rect">
-            <a:avLst/>
-          </a:prstGeom>
-        </p:spPr>
-        <p:txBody>
-          <a:bodyPr vert="horz" wrap="none" lIns="91440" tIns="45720" rIns="91440" bIns="45720" rtlCol="0" anchor="ctr">
-            <a:spAutoFit/>
-          </a:bodyPr>
-          <a:lstStyle/>
-          <a:p>
-            <a:r>
-              <a:rPr lang="ru-RU" sz="6000" dirty="0">
-                <a:solidFill>
-                  <a:schemeClr val="bg1"/>
-                </a:solidFill>
-                <a:latin typeface="+mj-lt"/>
-              </a:rPr>
-              <a:t>Спасибо за внимание</a:t>
-            </a:r>
-          </a:p>
-        </p:txBody>
-      </p:sp>
-      <p:sp>
-        <p:nvSpPr>
-          <p:cNvPr id="3" name="Номер слайда 2"/>
-          <p:cNvSpPr>
-            <a:spLocks noGrp="1"/>
-          </p:cNvSpPr>
-          <p:nvPr>
-            <p:ph type="sldNum" sz="quarter" idx="12"/>
-          </p:nvPr>
-        </p:nvSpPr>
-        <p:spPr/>
-        <p:txBody>
-          <a:bodyPr/>
-          <a:lstStyle/>
-          <a:p>
-            <a:fld id="{E2656834-4BAB-4DB1-9FED-8310CA017EAF}" type="slidenum">
-              <a:rPr lang="ru-RU" smtClean="0"/>
-              <a:t>12</a:t>
-            </a:fld>
-            <a:endParaRPr lang="ru-RU"/>
-          </a:p>
-        </p:txBody>
-      </p:sp>
-    </p:spTree>
-    <p:extLst>
-      <p:ext uri="{BB962C8B-B14F-4D97-AF65-F5344CB8AC3E}">
-        <p14:creationId xmlns:p14="http://schemas.microsoft.com/office/powerpoint/2010/main" val="3032140843"/>
-      </p:ext>
-    </p:extLst>
-  </p:cSld>
-  <p:clrMapOvr>
-    <a:masterClrMapping/>
-  </p:clrMapOvr>
-</p:sld>
-</file>
-
-<file path=ppt/slides/slide2.xml><?xml version="1.0" encoding="utf-8"?>
-<p:sld xmlns:a="http://schemas.openxmlformats.org/drawingml/2006/main" xmlns:r="http://schemas.openxmlformats.org/officeDocument/2006/relationships" xmlns:p="http://schemas.openxmlformats.org/presentationml/2006/main">
-  <p:cSld>
-    <p:spTree>
-      <p:nvGrpSpPr>
-        <p:cNvPr id="1" name=""/>
-        <p:cNvGrpSpPr/>
-        <p:nvPr/>
-      </p:nvGrpSpPr>
-      <p:grpSpPr>
-        <a:xfrm>
-          <a:off x="0" y="0"/>
-          <a:ext cx="0" cy="0"/>
-          <a:chOff x="0" y="0"/>
-          <a:chExt cx="0" cy="0"/>
-        </a:xfrm>
-      </p:grpSpPr>
-      <p:sp>
-        <p:nvSpPr>
-          <p:cNvPr id="3" name="Объект 2"/>
-          <p:cNvSpPr>
-            <a:spLocks noGrp="1"/>
-          </p:cNvSpPr>
-          <p:nvPr>
-            <p:ph idx="1"/>
-          </p:nvPr>
-        </p:nvSpPr>
-        <p:spPr>
-          <a:xfrm>
-            <a:off x="550590" y="1412776"/>
-            <a:ext cx="11030303" cy="4392488"/>
-          </a:xfrm>
-        </p:spPr>
-        <p:txBody>
-          <a:bodyPr>
-            <a:noAutofit/>
-          </a:bodyPr>
-          <a:lstStyle/>
-          <a:p>
-            <a:r>
-              <a:rPr lang="ru-RU" sz="4400" dirty="0"/>
-              <a:t>Рост вычислительной мощности смартфона</a:t>
-            </a:r>
-          </a:p>
-          <a:p>
-            <a:r>
-              <a:rPr lang="ru-RU" sz="4400" dirty="0"/>
-              <a:t>Внедрение передовых и точных датчиков на смартфон</a:t>
-            </a:r>
-          </a:p>
-          <a:p>
-            <a:r>
-              <a:rPr lang="ru-RU" sz="4400" dirty="0"/>
-              <a:t>Увеличение количества зданий, в которых необходимо вести навигацию</a:t>
-            </a:r>
-          </a:p>
-        </p:txBody>
-      </p:sp>
-      <p:sp>
-        <p:nvSpPr>
-          <p:cNvPr id="5" name="TextBox 4"/>
-          <p:cNvSpPr txBox="1"/>
-          <p:nvPr/>
-        </p:nvSpPr>
-        <p:spPr>
-          <a:xfrm>
-            <a:off x="2351319" y="215407"/>
-            <a:ext cx="7898675" cy="523220"/>
-          </a:xfrm>
-          <a:prstGeom prst="rect">
-            <a:avLst/>
-          </a:prstGeom>
-          <a:noFill/>
-        </p:spPr>
-        <p:txBody>
-          <a:bodyPr wrap="square" rtlCol="0" anchor="ctr" anchorCtr="1">
-            <a:spAutoFit/>
-          </a:bodyPr>
-          <a:lstStyle/>
-          <a:p>
-            <a:pPr algn="ctr"/>
-            <a:r>
-              <a:rPr lang="ru-RU" sz="2800" dirty="0">
-                <a:solidFill>
-                  <a:schemeClr val="bg1"/>
-                </a:solidFill>
-                <a:latin typeface="Elektra Text Pro" panose="02000503030000020004" pitchFamily="50" charset="-52"/>
-              </a:rPr>
-              <a:t>Актуальность</a:t>
-            </a:r>
-          </a:p>
-        </p:txBody>
-      </p:sp>
-      <p:sp>
-        <p:nvSpPr>
-          <p:cNvPr id="7" name="Номер слайда 2"/>
-          <p:cNvSpPr>
-            <a:spLocks noGrp="1"/>
-          </p:cNvSpPr>
-          <p:nvPr>
-            <p:ph type="sldNum" sz="quarter" idx="12"/>
-          </p:nvPr>
-        </p:nvSpPr>
-        <p:spPr>
-          <a:xfrm>
-            <a:off x="8736463" y="6356351"/>
-            <a:ext cx="2844430" cy="365125"/>
-          </a:xfrm>
-        </p:spPr>
-        <p:txBody>
-          <a:bodyPr/>
-          <a:lstStyle/>
-          <a:p>
-            <a:fld id="{E2656834-4BAB-4DB1-9FED-8310CA017EAF}" type="slidenum">
-              <a:rPr lang="ru-RU" sz="2000" b="1" smtClean="0">
-                <a:solidFill>
-                  <a:schemeClr val="tx1"/>
-                </a:solidFill>
-              </a:rPr>
-              <a:t>2</a:t>
-            </a:fld>
-            <a:endParaRPr lang="ru-RU" sz="2000" b="1" dirty="0">
-              <a:solidFill>
-                <a:schemeClr val="tx1"/>
-              </a:solidFill>
-            </a:endParaRPr>
-          </a:p>
-        </p:txBody>
-      </p:sp>
-      <p:pic>
-        <p:nvPicPr>
-          <p:cNvPr id="1026" name="Picture 2">
-            <a:extLst>
-              <a:ext uri="{FF2B5EF4-FFF2-40B4-BE49-F238E27FC236}">
-                <a16:creationId xmlns:a16="http://schemas.microsoft.com/office/drawing/2014/main" id="{ACDB40C9-0CFA-4A02-A99F-0D0ABFA54053}"/>
-              </a:ext>
-            </a:extLst>
-          </p:cNvPr>
-          <p:cNvPicPr>
-            <a:picLocks noChangeAspect="1" noChangeArrowheads="1"/>
-          </p:cNvPicPr>
-          <p:nvPr/>
-        </p:nvPicPr>
-        <p:blipFill>
-          <a:blip r:embed="rId2" cstate="print">
-            <a:extLst>
-              <a:ext uri="{28A0092B-C50C-407E-A947-70E740481C1C}">
-                <a14:useLocalDpi xmlns:a14="http://schemas.microsoft.com/office/drawing/2010/main" val="0"/>
-              </a:ext>
-            </a:extLst>
-          </a:blip>
-          <a:srcRect/>
-          <a:stretch>
-            <a:fillRect/>
-          </a:stretch>
-        </p:blipFill>
-        <p:spPr bwMode="auto">
-          <a:xfrm>
-            <a:off x="8300826" y="4365104"/>
-            <a:ext cx="3358902" cy="1889191"/>
-          </a:xfrm>
-          <a:prstGeom prst="rect">
-            <a:avLst/>
-          </a:prstGeom>
-          <a:noFill/>
-          <a:extLst>
-            <a:ext uri="{909E8E84-426E-40DD-AFC4-6F175D3DCCD1}">
-              <a14:hiddenFill xmlns:a14="http://schemas.microsoft.com/office/drawing/2010/main">
-                <a:solidFill>
-                  <a:srgbClr val="FFFFFF"/>
-                </a:solidFill>
-              </a14:hiddenFill>
-            </a:ext>
-          </a:extLst>
-        </p:spPr>
-      </p:pic>
-    </p:spTree>
-    <p:extLst>
-      <p:ext uri="{BB962C8B-B14F-4D97-AF65-F5344CB8AC3E}">
-        <p14:creationId xmlns:p14="http://schemas.microsoft.com/office/powerpoint/2010/main" val="348746377"/>
-      </p:ext>
-    </p:extLst>
-  </p:cSld>
-  <p:clrMapOvr>
-    <a:masterClrMapping/>
-  </p:clrMapOvr>
-</p:sld>
-</file>
-
-<file path=ppt/slides/slide3.xml><?xml version="1.0" encoding="utf-8"?>
-<p:sld xmlns:a="http://schemas.openxmlformats.org/drawingml/2006/main" xmlns:r="http://schemas.openxmlformats.org/officeDocument/2006/relationships" xmlns:p="http://schemas.openxmlformats.org/presentationml/2006/main">
-  <p:cSld>
-    <p:spTree>
-      <p:nvGrpSpPr>
-        <p:cNvPr id="1" name=""/>
-        <p:cNvGrpSpPr/>
-        <p:nvPr/>
-      </p:nvGrpSpPr>
-      <p:grpSpPr>
-        <a:xfrm>
-          <a:off x="0" y="0"/>
-          <a:ext cx="0" cy="0"/>
-          <a:chOff x="0" y="0"/>
-          <a:chExt cx="0" cy="0"/>
-        </a:xfrm>
-      </p:grpSpPr>
-      <p:sp>
-        <p:nvSpPr>
-          <p:cNvPr id="2" name="Заголовок 1"/>
-          <p:cNvSpPr>
-            <a:spLocks noGrp="1"/>
-          </p:cNvSpPr>
-          <p:nvPr>
-            <p:ph type="title"/>
-          </p:nvPr>
-        </p:nvSpPr>
-        <p:spPr/>
-        <p:txBody>
-          <a:bodyPr/>
-          <a:lstStyle/>
-          <a:p>
-            <a:r>
-              <a:rPr lang="ru-RU" dirty="0"/>
-              <a:t> </a:t>
-            </a:r>
-          </a:p>
-        </p:txBody>
-      </p:sp>
-      <p:sp>
-        <p:nvSpPr>
-          <p:cNvPr id="7" name="TextBox 6"/>
-          <p:cNvSpPr txBox="1"/>
-          <p:nvPr/>
-        </p:nvSpPr>
-        <p:spPr>
-          <a:xfrm>
-            <a:off x="550590" y="908720"/>
-            <a:ext cx="11208508" cy="830997"/>
-          </a:xfrm>
-          <a:prstGeom prst="rect">
-            <a:avLst/>
-          </a:prstGeom>
-          <a:noFill/>
-        </p:spPr>
-        <p:txBody>
-          <a:bodyPr wrap="square" rtlCol="0">
-            <a:spAutoFit/>
-          </a:bodyPr>
-          <a:lstStyle/>
-          <a:p>
-            <a:pPr algn="just"/>
-            <a:r>
-              <a:rPr lang="ru-RU" sz="2400" b="1" dirty="0"/>
-              <a:t>Цель работы </a:t>
-            </a:r>
-            <a:r>
-              <a:rPr lang="ru-RU" sz="2400" dirty="0"/>
-              <a:t>– разработать навигационную систему, которая будет автономно и независимо от других систем вести навигацию внутри помещений.</a:t>
-            </a:r>
-          </a:p>
-        </p:txBody>
-      </p:sp>
-      <p:graphicFrame>
-        <p:nvGraphicFramePr>
-          <p:cNvPr id="8" name="Схема 7"/>
-          <p:cNvGraphicFramePr/>
-          <p:nvPr>
-            <p:extLst>
-              <p:ext uri="{D42A27DB-BD31-4B8C-83A1-F6EECF244321}">
-                <p14:modId xmlns:p14="http://schemas.microsoft.com/office/powerpoint/2010/main" val="1134883299"/>
-              </p:ext>
-            </p:extLst>
-          </p:nvPr>
-        </p:nvGraphicFramePr>
-        <p:xfrm>
-          <a:off x="430583" y="2201383"/>
-          <a:ext cx="11233248" cy="4395970"/>
-        </p:xfrm>
-        <a:graphic>
-          <a:graphicData uri="http://schemas.openxmlformats.org/drawingml/2006/diagram">
-            <dgm:relIds xmlns:dgm="http://schemas.openxmlformats.org/drawingml/2006/diagram" xmlns:r="http://schemas.openxmlformats.org/officeDocument/2006/relationships" r:dm="rId2" r:lo="rId3" r:qs="rId4" r:cs="rId5"/>
-          </a:graphicData>
-        </a:graphic>
-      </p:graphicFrame>
-      <p:sp>
-        <p:nvSpPr>
-          <p:cNvPr id="10" name="TextBox 9"/>
-          <p:cNvSpPr txBox="1"/>
-          <p:nvPr/>
-        </p:nvSpPr>
-        <p:spPr>
-          <a:xfrm>
-            <a:off x="2351321" y="224589"/>
-            <a:ext cx="7898675" cy="523220"/>
-          </a:xfrm>
-          <a:prstGeom prst="rect">
-            <a:avLst/>
-          </a:prstGeom>
-          <a:noFill/>
-        </p:spPr>
-        <p:txBody>
-          <a:bodyPr wrap="square" rtlCol="0" anchor="ctr" anchorCtr="1">
-            <a:spAutoFit/>
-          </a:bodyPr>
-          <a:lstStyle/>
-          <a:p>
-            <a:pPr algn="ctr"/>
-            <a:r>
-              <a:rPr lang="ru-RU" sz="2800" dirty="0">
-                <a:solidFill>
-                  <a:schemeClr val="bg1"/>
-                </a:solidFill>
-                <a:latin typeface="Elektra Text Pro" panose="02000503030000020004" pitchFamily="50" charset="-52"/>
-              </a:rPr>
-              <a:t>Цели и задачи</a:t>
-            </a:r>
-          </a:p>
-        </p:txBody>
-      </p:sp>
-      <p:sp>
-        <p:nvSpPr>
-          <p:cNvPr id="9" name="TextBox 8"/>
-          <p:cNvSpPr txBox="1"/>
-          <p:nvPr/>
-        </p:nvSpPr>
-        <p:spPr>
-          <a:xfrm>
-            <a:off x="609521" y="1739717"/>
-            <a:ext cx="11208508" cy="461665"/>
-          </a:xfrm>
-          <a:prstGeom prst="rect">
-            <a:avLst/>
-          </a:prstGeom>
-          <a:noFill/>
-        </p:spPr>
-        <p:txBody>
-          <a:bodyPr wrap="square" rtlCol="0">
-            <a:spAutoFit/>
-          </a:bodyPr>
-          <a:lstStyle/>
-          <a:p>
-            <a:pPr algn="just"/>
-            <a:r>
-              <a:rPr lang="ru-RU" sz="2400" b="1" dirty="0"/>
-              <a:t>На защиту выносятся:</a:t>
-            </a:r>
-            <a:endParaRPr lang="ru-RU" sz="2400" dirty="0"/>
-          </a:p>
-        </p:txBody>
-      </p:sp>
-      <p:sp>
-        <p:nvSpPr>
-          <p:cNvPr id="3" name="Номер слайда 2"/>
-          <p:cNvSpPr>
-            <a:spLocks noGrp="1"/>
-          </p:cNvSpPr>
-          <p:nvPr>
-            <p:ph type="sldNum" sz="quarter" idx="12"/>
-          </p:nvPr>
-        </p:nvSpPr>
-        <p:spPr/>
-        <p:txBody>
-          <a:bodyPr/>
-          <a:lstStyle/>
-          <a:p>
-            <a:fld id="{E2656834-4BAB-4DB1-9FED-8310CA017EAF}" type="slidenum">
-              <a:rPr lang="ru-RU" sz="2000" b="1" smtClean="0">
-                <a:solidFill>
-                  <a:schemeClr val="tx1"/>
-                </a:solidFill>
-              </a:rPr>
-              <a:t>3</a:t>
-            </a:fld>
-            <a:endParaRPr lang="ru-RU" sz="2000" b="1" dirty="0">
-              <a:solidFill>
-                <a:schemeClr val="tx1"/>
-              </a:solidFill>
-            </a:endParaRPr>
-          </a:p>
-        </p:txBody>
-      </p:sp>
-    </p:spTree>
-    <p:extLst>
-      <p:ext uri="{BB962C8B-B14F-4D97-AF65-F5344CB8AC3E}">
-        <p14:creationId xmlns:p14="http://schemas.microsoft.com/office/powerpoint/2010/main" val="292644534"/>
-      </p:ext>
-    </p:extLst>
-  </p:cSld>
-  <p:clrMapOvr>
-    <a:masterClrMapping/>
-  </p:clrMapOvr>
-</p:sld>
-</file>
-
-<file path=ppt/slides/slide4.xml><?xml version="1.0" encoding="utf-8"?>
-<p:sld xmlns:a="http://schemas.openxmlformats.org/drawingml/2006/main" xmlns:r="http://schemas.openxmlformats.org/officeDocument/2006/relationships" xmlns:p="http://schemas.openxmlformats.org/presentationml/2006/main">
-  <p:cSld>
-    <p:spTree>
-      <p:nvGrpSpPr>
-        <p:cNvPr id="1" name=""/>
-        <p:cNvGrpSpPr/>
-        <p:nvPr/>
-      </p:nvGrpSpPr>
-      <p:grpSpPr>
-        <a:xfrm>
-          <a:off x="0" y="0"/>
-          <a:ext cx="0" cy="0"/>
-          <a:chOff x="0" y="0"/>
-          <a:chExt cx="0" cy="0"/>
-        </a:xfrm>
-      </p:grpSpPr>
-      <p:sp>
-        <p:nvSpPr>
-          <p:cNvPr id="2" name="Заголовок 1"/>
-          <p:cNvSpPr>
-            <a:spLocks noGrp="1"/>
-          </p:cNvSpPr>
-          <p:nvPr>
-            <p:ph type="title"/>
-          </p:nvPr>
-        </p:nvSpPr>
-        <p:spPr/>
-        <p:txBody>
-          <a:bodyPr/>
-          <a:lstStyle/>
-          <a:p>
-            <a:r>
-              <a:rPr lang="ru-RU" dirty="0"/>
-              <a:t> </a:t>
-            </a:r>
-          </a:p>
-        </p:txBody>
-      </p:sp>
-      <p:sp>
-        <p:nvSpPr>
-          <p:cNvPr id="7" name="TextBox 6"/>
-          <p:cNvSpPr txBox="1"/>
-          <p:nvPr/>
-        </p:nvSpPr>
-        <p:spPr>
-          <a:xfrm>
-            <a:off x="550590" y="908720"/>
-            <a:ext cx="11208508" cy="2251065"/>
-          </a:xfrm>
-          <a:prstGeom prst="rect">
-            <a:avLst/>
-          </a:prstGeom>
-        </p:spPr>
-        <p:txBody>
-          <a:bodyPr wrap="square" rtlCol="0">
-            <a:spAutoFit/>
-          </a:bodyPr>
-          <a:lstStyle/>
-          <a:p>
-            <a:pPr algn="just">
-              <a:lnSpc>
-                <a:spcPct val="150000"/>
-              </a:lnSpc>
-            </a:pPr>
-            <a:r>
-              <a:rPr lang="ru-RU" sz="2400" b="1" dirty="0"/>
-              <a:t>1. </a:t>
-            </a:r>
-            <a:r>
-              <a:rPr lang="ru-RU" sz="2400" dirty="0"/>
-              <a:t>Новый метод навигации по датчикам смартфона, а также трехконтурная архитектура инерциальной навигационной системы для мобильного устройства.</a:t>
-            </a:r>
-          </a:p>
-          <a:p>
-            <a:pPr algn="just">
-              <a:lnSpc>
-                <a:spcPct val="150000"/>
-              </a:lnSpc>
-            </a:pPr>
-            <a:r>
-              <a:rPr lang="ru-RU" sz="2400" b="1" dirty="0"/>
-              <a:t>2. </a:t>
-            </a:r>
-            <a:r>
-              <a:rPr lang="ru-RU" sz="2400" dirty="0"/>
-              <a:t>Алгоритмы функционирования и программное обеспечение автоматизированной системы, реализующие предложенный метод построения маршрута.</a:t>
-            </a:r>
-          </a:p>
-        </p:txBody>
-      </p:sp>
-      <p:sp>
-        <p:nvSpPr>
-          <p:cNvPr id="10" name="TextBox 9"/>
-          <p:cNvSpPr txBox="1"/>
-          <p:nvPr/>
-        </p:nvSpPr>
-        <p:spPr>
-          <a:xfrm>
-            <a:off x="2351321" y="224589"/>
-            <a:ext cx="7898675" cy="523220"/>
-          </a:xfrm>
-          <a:prstGeom prst="rect">
-            <a:avLst/>
-          </a:prstGeom>
-          <a:noFill/>
-        </p:spPr>
-        <p:txBody>
-          <a:bodyPr wrap="square" rtlCol="0" anchor="ctr" anchorCtr="1">
-            <a:spAutoFit/>
-          </a:bodyPr>
-          <a:lstStyle/>
-          <a:p>
-            <a:pPr algn="ctr"/>
-            <a:r>
-              <a:rPr lang="ru-RU" sz="2800" dirty="0">
-                <a:solidFill>
-                  <a:schemeClr val="bg1"/>
-                </a:solidFill>
-                <a:latin typeface="Elektra Text Pro" panose="02000503030000020004" pitchFamily="50" charset="-52"/>
-              </a:rPr>
-              <a:t>Научная новизна</a:t>
-            </a:r>
-          </a:p>
-        </p:txBody>
-      </p:sp>
-      <p:sp>
-        <p:nvSpPr>
-          <p:cNvPr id="3" name="Номер слайда 2"/>
-          <p:cNvSpPr>
-            <a:spLocks noGrp="1"/>
-          </p:cNvSpPr>
-          <p:nvPr>
-            <p:ph type="sldNum" sz="quarter" idx="12"/>
-          </p:nvPr>
-        </p:nvSpPr>
-        <p:spPr/>
-        <p:txBody>
-          <a:bodyPr/>
-          <a:lstStyle/>
-          <a:p>
-            <a:fld id="{E2656834-4BAB-4DB1-9FED-8310CA017EAF}" type="slidenum">
-              <a:rPr lang="ru-RU" sz="2000" b="1" smtClean="0">
-                <a:solidFill>
-                  <a:schemeClr val="tx1"/>
-                </a:solidFill>
-              </a:rPr>
-              <a:t>4</a:t>
-            </a:fld>
-            <a:endParaRPr lang="ru-RU" sz="2000" b="1" dirty="0">
-              <a:solidFill>
-                <a:schemeClr val="tx1"/>
-              </a:solidFill>
-            </a:endParaRPr>
-          </a:p>
-        </p:txBody>
-      </p:sp>
-      <p:sp>
-        <p:nvSpPr>
-          <p:cNvPr id="11" name="TextBox 10">
-            <a:extLst>
-              <a:ext uri="{FF2B5EF4-FFF2-40B4-BE49-F238E27FC236}">
-                <a16:creationId xmlns:a16="http://schemas.microsoft.com/office/drawing/2014/main" id="{A4E7E061-527F-4523-8A6F-274448E65583}"/>
-              </a:ext>
-            </a:extLst>
-          </p:cNvPr>
-          <p:cNvSpPr txBox="1"/>
-          <p:nvPr/>
-        </p:nvSpPr>
-        <p:spPr>
-          <a:xfrm>
-            <a:off x="504858" y="3462781"/>
-            <a:ext cx="11180695" cy="2805063"/>
-          </a:xfrm>
-          <a:prstGeom prst="rect">
-            <a:avLst/>
-          </a:prstGeom>
-          <a:noFill/>
-        </p:spPr>
-        <p:txBody>
-          <a:bodyPr wrap="square">
-            <a:spAutoFit/>
-          </a:bodyPr>
-          <a:lstStyle/>
-          <a:p>
-            <a:pPr algn="just">
-              <a:lnSpc>
-                <a:spcPct val="150000"/>
-              </a:lnSpc>
-              <a:buFontTx/>
-              <a:buNone/>
-            </a:pPr>
-            <a:r>
-              <a:rPr lang="ru-RU" altLang="ru-RU" sz="2400" b="1" dirty="0"/>
-              <a:t>Практическая ценность работы</a:t>
-            </a:r>
-            <a:r>
-              <a:rPr lang="ru-RU" altLang="ru-RU" sz="2400" dirty="0"/>
-              <a:t> заключается в разработке автоматизированной </a:t>
-            </a:r>
-            <a:r>
-              <a:rPr lang="ru-RU" sz="2400" dirty="0">
-                <a:effectLst/>
-                <a:ea typeface="Times New Roman" panose="02020603050405020304" pitchFamily="18" charset="0"/>
-              </a:rPr>
-              <a:t>системы навигации внутри помещений с помощью инерциальной технологии локального позиционирования мобильных устройств, которая может применяться для решения задачи поиска и построения маршрута в помещениях, например, торговые центры.</a:t>
-            </a:r>
-            <a:endParaRPr lang="ru-RU" altLang="ru-RU" sz="2400" dirty="0"/>
-          </a:p>
-        </p:txBody>
-      </p:sp>
-    </p:spTree>
-    <p:extLst>
-      <p:ext uri="{BB962C8B-B14F-4D97-AF65-F5344CB8AC3E}">
-        <p14:creationId xmlns:p14="http://schemas.microsoft.com/office/powerpoint/2010/main" val="798790406"/>
-      </p:ext>
-    </p:extLst>
-  </p:cSld>
-  <p:clrMapOvr>
-    <a:masterClrMapping/>
-  </p:clrMapOvr>
-</p:sld>
-</file>
-
-<file path=ppt/slides/slide5.xml><?xml version="1.0" encoding="utf-8"?>
-<p:sld xmlns:a="http://schemas.openxmlformats.org/drawingml/2006/main" xmlns:r="http://schemas.openxmlformats.org/officeDocument/2006/relationships" xmlns:p="http://schemas.openxmlformats.org/presentationml/2006/main">
-  <p:cSld>
-    <p:spTree>
-      <p:nvGrpSpPr>
-        <p:cNvPr id="1" name=""/>
-        <p:cNvGrpSpPr/>
-        <p:nvPr/>
-      </p:nvGrpSpPr>
-      <p:grpSpPr>
-        <a:xfrm>
-          <a:off x="0" y="0"/>
-          <a:ext cx="0" cy="0"/>
-          <a:chOff x="0" y="0"/>
-          <a:chExt cx="0" cy="0"/>
-        </a:xfrm>
-      </p:grpSpPr>
-      <p:sp>
-        <p:nvSpPr>
-          <p:cNvPr id="4" name="Номер слайда 3">
-            <a:extLst>
-              <a:ext uri="{FF2B5EF4-FFF2-40B4-BE49-F238E27FC236}">
-                <a16:creationId xmlns:a16="http://schemas.microsoft.com/office/drawing/2014/main" id="{56158B43-F518-4EF9-BBF0-31ABA90A39F7}"/>
-              </a:ext>
-            </a:extLst>
-          </p:cNvPr>
-          <p:cNvSpPr>
-            <a:spLocks noGrp="1"/>
-          </p:cNvSpPr>
-          <p:nvPr>
-            <p:ph type="sldNum" sz="quarter" idx="12"/>
-          </p:nvPr>
-        </p:nvSpPr>
-        <p:spPr/>
-        <p:txBody>
-          <a:bodyPr/>
-          <a:lstStyle/>
-          <a:p>
-            <a:fld id="{E2656834-4BAB-4DB1-9FED-8310CA017EAF}" type="slidenum">
-              <a:rPr lang="ru-RU" smtClean="0"/>
-              <a:t>5</a:t>
-            </a:fld>
-            <a:endParaRPr lang="ru-RU"/>
-          </a:p>
-        </p:txBody>
-      </p:sp>
-      <p:sp>
-        <p:nvSpPr>
-          <p:cNvPr id="5" name="TextBox 4">
-            <a:extLst>
-              <a:ext uri="{FF2B5EF4-FFF2-40B4-BE49-F238E27FC236}">
-                <a16:creationId xmlns:a16="http://schemas.microsoft.com/office/drawing/2014/main" id="{F68C2F41-0FAB-425F-9F24-C9B49BF1A4D7}"/>
-              </a:ext>
-            </a:extLst>
-          </p:cNvPr>
-          <p:cNvSpPr txBox="1"/>
-          <p:nvPr/>
-        </p:nvSpPr>
-        <p:spPr>
-          <a:xfrm>
-            <a:off x="2351319" y="215407"/>
-            <a:ext cx="7898675" cy="523220"/>
-          </a:xfrm>
-          <a:prstGeom prst="rect">
-            <a:avLst/>
-          </a:prstGeom>
-          <a:noFill/>
-        </p:spPr>
-        <p:txBody>
-          <a:bodyPr wrap="square" rtlCol="0" anchor="ctr" anchorCtr="1">
-            <a:spAutoFit/>
-          </a:bodyPr>
-          <a:lstStyle/>
-          <a:p>
-            <a:pPr algn="ctr"/>
-            <a:r>
-              <a:rPr lang="ru-RU" sz="2800" dirty="0">
-                <a:solidFill>
-                  <a:schemeClr val="bg1"/>
-                </a:solidFill>
-                <a:latin typeface="Elektra Text Pro" panose="02000503030000020004" pitchFamily="50" charset="-52"/>
-              </a:rPr>
-              <a:t>Цели работы (постановка задачи)</a:t>
-            </a:r>
-          </a:p>
-        </p:txBody>
-      </p:sp>
-      <p:sp>
-        <p:nvSpPr>
-          <p:cNvPr id="6" name="Прямоугольник 5">
-            <a:extLst>
-              <a:ext uri="{FF2B5EF4-FFF2-40B4-BE49-F238E27FC236}">
-                <a16:creationId xmlns:a16="http://schemas.microsoft.com/office/drawing/2014/main" id="{C8AFD873-780F-4168-B60A-C8068E10D543}"/>
-              </a:ext>
-            </a:extLst>
-          </p:cNvPr>
-          <p:cNvSpPr/>
-          <p:nvPr/>
-        </p:nvSpPr>
-        <p:spPr>
-          <a:xfrm>
-            <a:off x="838622" y="914722"/>
-            <a:ext cx="10945216" cy="5565947"/>
-          </a:xfrm>
-          <a:prstGeom prst="rect">
-            <a:avLst/>
-          </a:prstGeom>
-        </p:spPr>
-        <p:txBody>
-          <a:bodyPr wrap="square">
-            <a:spAutoFit/>
-          </a:bodyPr>
-          <a:lstStyle/>
-          <a:p>
-            <a:pPr algn="just">
-              <a:lnSpc>
-                <a:spcPct val="150000"/>
-              </a:lnSpc>
-              <a:spcAft>
-                <a:spcPts val="0"/>
-              </a:spcAft>
-              <a:tabLst>
-                <a:tab pos="540385" algn="l"/>
-                <a:tab pos="589280" algn="l"/>
-              </a:tabLst>
-            </a:pPr>
-            <a:r>
-              <a:rPr lang="ru-RU" sz="2400" dirty="0">
-                <a:ea typeface="Times New Roman" panose="02020603050405020304" pitchFamily="18" charset="0"/>
-              </a:rPr>
-              <a:t>Требуется разработать мобильное приложение, которое обеспечит инерциальную навигацию с использованием методов, технологий и датчиков.</a:t>
-            </a:r>
-          </a:p>
-          <a:p>
-            <a:pPr lvl="0" algn="just">
-              <a:lnSpc>
-                <a:spcPct val="150000"/>
-              </a:lnSpc>
-              <a:spcAft>
-                <a:spcPts val="0"/>
-              </a:spcAft>
-              <a:buSzPts val="1400"/>
-              <a:tabLst>
-                <a:tab pos="900430" algn="l"/>
-              </a:tabLst>
-            </a:pPr>
-            <a:r>
-              <a:rPr lang="ru-RU" sz="2400" dirty="0">
-                <a:ea typeface="Times New Roman" panose="02020603050405020304" pitchFamily="18" charset="0"/>
-                <a:cs typeface="Palatino Linotype" panose="02040502050505030304" pitchFamily="18" charset="0"/>
-              </a:rPr>
-              <a:t>Мобильное приложение должно:</a:t>
-            </a:r>
-          </a:p>
-          <a:p>
-            <a:pPr marL="342900" lvl="0" indent="-342900" algn="just">
-              <a:lnSpc>
-                <a:spcPct val="150000"/>
-              </a:lnSpc>
-              <a:spcAft>
-                <a:spcPts val="0"/>
-              </a:spcAft>
-              <a:buSzPts val="1400"/>
-              <a:buFont typeface="Arial" panose="020B0604020202020204" pitchFamily="34" charset="0"/>
-              <a:buChar char="•"/>
-              <a:tabLst>
-                <a:tab pos="900430" algn="l"/>
-              </a:tabLst>
-            </a:pPr>
-            <a:r>
-              <a:rPr lang="ru-RU" sz="2400" dirty="0">
-                <a:ea typeface="Times New Roman" panose="02020603050405020304" pitchFamily="18" charset="0"/>
-                <a:cs typeface="Palatino Linotype" panose="02040502050505030304" pitchFamily="18" charset="0"/>
-              </a:rPr>
-              <a:t> иметь карту;</a:t>
-            </a:r>
-          </a:p>
-          <a:p>
-            <a:pPr marL="342900" lvl="0" indent="-342900" algn="just">
-              <a:lnSpc>
-                <a:spcPct val="150000"/>
-              </a:lnSpc>
-              <a:spcAft>
-                <a:spcPts val="0"/>
-              </a:spcAft>
-              <a:buSzPts val="1400"/>
-              <a:buFont typeface="Arial" panose="020B0604020202020204" pitchFamily="34" charset="0"/>
-              <a:buChar char="•"/>
-              <a:tabLst>
-                <a:tab pos="900430" algn="l"/>
-              </a:tabLst>
-            </a:pPr>
-            <a:r>
-              <a:rPr lang="ru-RU" sz="2400" dirty="0">
-                <a:ea typeface="Times New Roman" panose="02020603050405020304" pitchFamily="18" charset="0"/>
-                <a:cs typeface="Palatino Linotype" panose="02040502050505030304" pitchFamily="18" charset="0"/>
-              </a:rPr>
-              <a:t>строить маршруты;</a:t>
-            </a:r>
-          </a:p>
-          <a:p>
-            <a:pPr marL="342900" lvl="0" indent="-342900" algn="just">
-              <a:lnSpc>
-                <a:spcPct val="150000"/>
-              </a:lnSpc>
-              <a:spcAft>
-                <a:spcPts val="0"/>
-              </a:spcAft>
-              <a:buSzPts val="1400"/>
-              <a:buFont typeface="Arial" panose="020B0604020202020204" pitchFamily="34" charset="0"/>
-              <a:buChar char="•"/>
-              <a:tabLst>
-                <a:tab pos="900430" algn="l"/>
-              </a:tabLst>
-            </a:pPr>
-            <a:r>
-              <a:rPr lang="ru-RU" sz="2400" dirty="0">
-                <a:ea typeface="Times New Roman" panose="02020603050405020304" pitchFamily="18" charset="0"/>
-                <a:cs typeface="Palatino Linotype" panose="02040502050505030304" pitchFamily="18" charset="0"/>
-              </a:rPr>
-              <a:t>вести базу данных пройденных маршрутов;</a:t>
-            </a:r>
-          </a:p>
-          <a:p>
-            <a:pPr marL="342900" lvl="0" indent="-342900" algn="just">
-              <a:lnSpc>
-                <a:spcPct val="150000"/>
-              </a:lnSpc>
-              <a:spcAft>
-                <a:spcPts val="0"/>
-              </a:spcAft>
-              <a:buSzPts val="1400"/>
-              <a:buFont typeface="Arial" panose="020B0604020202020204" pitchFamily="34" charset="0"/>
-              <a:buChar char="•"/>
-              <a:tabLst>
-                <a:tab pos="900430" algn="l"/>
-              </a:tabLst>
-            </a:pPr>
-            <a:r>
-              <a:rPr lang="ru-RU" sz="2400" dirty="0">
-                <a:ea typeface="Times New Roman" panose="02020603050405020304" pitchFamily="18" charset="0"/>
-                <a:cs typeface="Palatino Linotype" panose="02040502050505030304" pitchFamily="18" charset="0"/>
-              </a:rPr>
-              <a:t>обеспечить доступ к данным;</a:t>
-            </a:r>
-          </a:p>
-          <a:p>
-            <a:pPr marL="342900" lvl="0" indent="-342900" algn="just">
-              <a:lnSpc>
-                <a:spcPct val="150000"/>
-              </a:lnSpc>
-              <a:spcAft>
-                <a:spcPts val="0"/>
-              </a:spcAft>
-              <a:buSzPts val="1400"/>
-              <a:buFont typeface="Arial" panose="020B0604020202020204" pitchFamily="34" charset="0"/>
-              <a:buChar char="•"/>
-              <a:tabLst>
-                <a:tab pos="900430" algn="l"/>
-              </a:tabLst>
-            </a:pPr>
-            <a:r>
-              <a:rPr lang="ru-RU" sz="2400" dirty="0">
-                <a:ea typeface="Times New Roman" panose="02020603050405020304" pitchFamily="18" charset="0"/>
-                <a:cs typeface="Palatino Linotype" panose="02040502050505030304" pitchFamily="18" charset="0"/>
-              </a:rPr>
-              <a:t>предоставить пользователю настраивать гибкую настройку датчиков;</a:t>
-            </a:r>
-          </a:p>
-          <a:p>
-            <a:pPr marL="342900" lvl="0" indent="-342900" algn="just">
-              <a:lnSpc>
-                <a:spcPct val="150000"/>
-              </a:lnSpc>
-              <a:spcAft>
-                <a:spcPts val="0"/>
-              </a:spcAft>
-              <a:buSzPts val="1400"/>
-              <a:buFont typeface="Arial" panose="020B0604020202020204" pitchFamily="34" charset="0"/>
-              <a:buChar char="•"/>
-              <a:tabLst>
-                <a:tab pos="900430" algn="l"/>
-              </a:tabLst>
-            </a:pPr>
-            <a:r>
-              <a:rPr lang="ru-RU" sz="2400" dirty="0">
-                <a:ea typeface="Times New Roman" panose="02020603050405020304" pitchFamily="18" charset="0"/>
-                <a:cs typeface="Palatino Linotype" panose="02040502050505030304" pitchFamily="18" charset="0"/>
-              </a:rPr>
-              <a:t>строить гладкий маршрут;</a:t>
-            </a:r>
-          </a:p>
-          <a:p>
-            <a:pPr marL="342900" lvl="0" indent="-342900" algn="just">
-              <a:lnSpc>
-                <a:spcPct val="150000"/>
-              </a:lnSpc>
-              <a:spcAft>
-                <a:spcPts val="0"/>
-              </a:spcAft>
-              <a:buSzPts val="1400"/>
-              <a:buFont typeface="Arial" panose="020B0604020202020204" pitchFamily="34" charset="0"/>
-              <a:buChar char="•"/>
-              <a:tabLst>
-                <a:tab pos="900430" algn="l"/>
-              </a:tabLst>
-            </a:pPr>
-            <a:r>
-              <a:rPr lang="ru-RU" sz="2400" dirty="0">
-                <a:ea typeface="Times New Roman" panose="02020603050405020304" pitchFamily="18" charset="0"/>
-                <a:cs typeface="Palatino Linotype" panose="02040502050505030304" pitchFamily="18" charset="0"/>
-              </a:rPr>
-              <a:t>вести мониторинг показателей с датчиков. </a:t>
-            </a:r>
-          </a:p>
-        </p:txBody>
-      </p:sp>
-    </p:spTree>
-    <p:extLst>
-      <p:ext uri="{BB962C8B-B14F-4D97-AF65-F5344CB8AC3E}">
-        <p14:creationId xmlns:p14="http://schemas.microsoft.com/office/powerpoint/2010/main" val="1088008408"/>
-      </p:ext>
-    </p:extLst>
-  </p:cSld>
-  <p:clrMapOvr>
-    <a:masterClrMapping/>
-  </p:clrMapOvr>
-</p:sld>
-</file>
-
-<file path=ppt/slides/slide6.xml><?xml version="1.0" encoding="utf-8"?>
-<p:sld xmlns:a="http://schemas.openxmlformats.org/drawingml/2006/main" xmlns:r="http://schemas.openxmlformats.org/officeDocument/2006/relationships" xmlns:p="http://schemas.openxmlformats.org/presentationml/2006/main">
-  <p:cSld>
-    <p:spTree>
-      <p:nvGrpSpPr>
-        <p:cNvPr id="1" name=""/>
-        <p:cNvGrpSpPr/>
-        <p:nvPr/>
-      </p:nvGrpSpPr>
-      <p:grpSpPr>
-        <a:xfrm>
-          <a:off x="0" y="0"/>
-          <a:ext cx="0" cy="0"/>
-          <a:chOff x="0" y="0"/>
-          <a:chExt cx="0" cy="0"/>
-        </a:xfrm>
-      </p:grpSpPr>
-      <p:sp>
-        <p:nvSpPr>
-          <p:cNvPr id="4" name="TextBox 3"/>
-          <p:cNvSpPr txBox="1"/>
-          <p:nvPr/>
-        </p:nvSpPr>
-        <p:spPr>
-          <a:xfrm>
-            <a:off x="2351319" y="215407"/>
-            <a:ext cx="7898675" cy="523220"/>
-          </a:xfrm>
-          <a:prstGeom prst="rect">
-            <a:avLst/>
-          </a:prstGeom>
-          <a:noFill/>
-        </p:spPr>
-        <p:txBody>
-          <a:bodyPr wrap="square" rtlCol="0" anchor="ctr" anchorCtr="1">
-            <a:spAutoFit/>
-          </a:bodyPr>
-          <a:lstStyle/>
-          <a:p>
-            <a:pPr algn="ctr"/>
-            <a:r>
-              <a:rPr lang="ru-RU" sz="2800" dirty="0">
-                <a:solidFill>
-                  <a:schemeClr val="bg1"/>
-                </a:solidFill>
-                <a:latin typeface="Elektra Text Pro" panose="02000503030000020004" pitchFamily="50" charset="-52"/>
-              </a:rPr>
-              <a:t>Системы-аналоги</a:t>
-            </a:r>
-          </a:p>
-        </p:txBody>
-      </p:sp>
-      <p:sp>
-        <p:nvSpPr>
-          <p:cNvPr id="6" name="TextBox 5"/>
-          <p:cNvSpPr txBox="1"/>
-          <p:nvPr/>
-        </p:nvSpPr>
-        <p:spPr>
-          <a:xfrm>
-            <a:off x="565620" y="1018787"/>
-            <a:ext cx="2582438" cy="369332"/>
-          </a:xfrm>
-          <a:prstGeom prst="rect">
-            <a:avLst/>
-          </a:prstGeom>
-        </p:spPr>
-        <p:txBody>
-          <a:bodyPr vert="horz" wrap="none" lIns="91440" tIns="45720" rIns="91440" bIns="45720" rtlCol="0" anchor="ctr">
-            <a:spAutoFit/>
-          </a:bodyPr>
-          <a:lstStyle/>
-          <a:p>
-            <a:r>
-              <a:rPr lang="ru-RU" dirty="0"/>
-              <a:t>БИНС МЭМС «ГЛ-ВГ110»</a:t>
-            </a:r>
-          </a:p>
-        </p:txBody>
-      </p:sp>
-      <p:sp>
-        <p:nvSpPr>
-          <p:cNvPr id="11" name="Номер слайда 2"/>
-          <p:cNvSpPr>
-            <a:spLocks noGrp="1"/>
-          </p:cNvSpPr>
-          <p:nvPr>
-            <p:ph type="sldNum" sz="quarter" idx="12"/>
-          </p:nvPr>
-        </p:nvSpPr>
-        <p:spPr>
-          <a:xfrm>
-            <a:off x="8736463" y="6356351"/>
-            <a:ext cx="2844430" cy="365125"/>
-          </a:xfrm>
-        </p:spPr>
-        <p:txBody>
-          <a:bodyPr/>
-          <a:lstStyle/>
-          <a:p>
-            <a:fld id="{E2656834-4BAB-4DB1-9FED-8310CA017EAF}" type="slidenum">
-              <a:rPr lang="ru-RU" sz="2000" b="1" smtClean="0">
-                <a:solidFill>
-                  <a:schemeClr val="tx1"/>
-                </a:solidFill>
-              </a:rPr>
-              <a:t>6</a:t>
-            </a:fld>
-            <a:endParaRPr lang="ru-RU" sz="2000" b="1" dirty="0">
-              <a:solidFill>
-                <a:schemeClr val="tx1"/>
-              </a:solidFill>
-            </a:endParaRPr>
-          </a:p>
-        </p:txBody>
-      </p:sp>
-      <p:pic>
-        <p:nvPicPr>
-          <p:cNvPr id="10" name="Рисунок 9">
-            <a:extLst>
-              <a:ext uri="{FF2B5EF4-FFF2-40B4-BE49-F238E27FC236}">
-                <a16:creationId xmlns:a16="http://schemas.microsoft.com/office/drawing/2014/main" id="{A10925FD-E0FA-48A1-802A-77079D834C4F}"/>
-              </a:ext>
-            </a:extLst>
-          </p:cNvPr>
-          <p:cNvPicPr/>
-          <p:nvPr/>
-        </p:nvPicPr>
-        <p:blipFill>
-          <a:blip r:embed="rId2"/>
-          <a:stretch>
-            <a:fillRect/>
-          </a:stretch>
-        </p:blipFill>
-        <p:spPr>
-          <a:xfrm>
-            <a:off x="313377" y="1608203"/>
-            <a:ext cx="3785602" cy="2139098"/>
-          </a:xfrm>
-          <a:prstGeom prst="rect">
-            <a:avLst/>
-          </a:prstGeom>
-        </p:spPr>
-      </p:pic>
-      <p:sp>
-        <p:nvSpPr>
-          <p:cNvPr id="2" name="Прямоугольник 1">
-            <a:extLst>
-              <a:ext uri="{FF2B5EF4-FFF2-40B4-BE49-F238E27FC236}">
-                <a16:creationId xmlns:a16="http://schemas.microsoft.com/office/drawing/2014/main" id="{C605E239-8033-461C-B962-DBEC55CA1C57}"/>
-              </a:ext>
-            </a:extLst>
-          </p:cNvPr>
-          <p:cNvSpPr/>
-          <p:nvPr/>
-        </p:nvSpPr>
-        <p:spPr>
-          <a:xfrm>
-            <a:off x="226440" y="3973457"/>
-            <a:ext cx="3959477" cy="2308324"/>
-          </a:xfrm>
-          <a:prstGeom prst="rect">
-            <a:avLst/>
-          </a:prstGeom>
-        </p:spPr>
-        <p:txBody>
-          <a:bodyPr wrap="square">
-            <a:spAutoFit/>
-          </a:bodyPr>
-          <a:lstStyle/>
-          <a:p>
-            <a:pPr indent="450215" algn="just">
-              <a:spcAft>
-                <a:spcPts val="0"/>
-              </a:spcAft>
-            </a:pPr>
-            <a:r>
-              <a:rPr lang="ru-RU" dirty="0">
-                <a:latin typeface="Times New Roman CYR" panose="02020603050405020304" pitchFamily="18" charset="0"/>
-                <a:ea typeface="Calibri" panose="020F0502020204030204" pitchFamily="34" charset="0"/>
-                <a:cs typeface="Times New Roman" panose="02020603050405020304" pitchFamily="18" charset="0"/>
-              </a:rPr>
-              <a:t>Минус этой системы состоит в том, что это отдельный блок, который никак не интегрируешь в телефон и представляет интерес для компаний – разработчиков, интеграторов и производителей навигационного оборудования, систем и комплексов стабилизации и ориентации.</a:t>
-            </a:r>
-          </a:p>
-        </p:txBody>
-      </p:sp>
-      <p:sp>
-        <p:nvSpPr>
-          <p:cNvPr id="12" name="TextBox 11">
-            <a:extLst>
-              <a:ext uri="{FF2B5EF4-FFF2-40B4-BE49-F238E27FC236}">
-                <a16:creationId xmlns:a16="http://schemas.microsoft.com/office/drawing/2014/main" id="{4FAEAA32-CCD0-476E-A145-DD2AB49C7E35}"/>
-              </a:ext>
-            </a:extLst>
-          </p:cNvPr>
-          <p:cNvSpPr txBox="1"/>
-          <p:nvPr/>
-        </p:nvSpPr>
-        <p:spPr>
-          <a:xfrm>
-            <a:off x="5242280" y="906156"/>
-            <a:ext cx="1705852" cy="369332"/>
-          </a:xfrm>
-          <a:prstGeom prst="rect">
-            <a:avLst/>
-          </a:prstGeom>
-        </p:spPr>
-        <p:txBody>
-          <a:bodyPr vert="horz" wrap="none" lIns="91440" tIns="45720" rIns="91440" bIns="45720" rtlCol="0" anchor="ctr">
-            <a:spAutoFit/>
-          </a:bodyPr>
-          <a:lstStyle/>
-          <a:p>
-            <a:r>
-              <a:rPr lang="en-GB" dirty="0" err="1"/>
-              <a:t>Navigine</a:t>
-            </a:r>
-            <a:r>
-              <a:rPr lang="en-GB" dirty="0"/>
-              <a:t> Indoor</a:t>
-            </a:r>
-            <a:endParaRPr lang="ru-RU" dirty="0"/>
-          </a:p>
-        </p:txBody>
-      </p:sp>
-      <p:sp>
-        <p:nvSpPr>
-          <p:cNvPr id="14" name="Прямоугольник 13">
-            <a:extLst>
-              <a:ext uri="{FF2B5EF4-FFF2-40B4-BE49-F238E27FC236}">
-                <a16:creationId xmlns:a16="http://schemas.microsoft.com/office/drawing/2014/main" id="{A2A32763-C025-4580-AE76-8FEBE8431F7C}"/>
-              </a:ext>
-            </a:extLst>
-          </p:cNvPr>
-          <p:cNvSpPr/>
-          <p:nvPr/>
-        </p:nvSpPr>
-        <p:spPr>
-          <a:xfrm>
-            <a:off x="4218896" y="3973457"/>
-            <a:ext cx="3959477" cy="2308324"/>
-          </a:xfrm>
-          <a:prstGeom prst="rect">
-            <a:avLst/>
-          </a:prstGeom>
-        </p:spPr>
-        <p:txBody>
-          <a:bodyPr wrap="square">
-            <a:spAutoFit/>
-          </a:bodyPr>
-          <a:lstStyle/>
-          <a:p>
-            <a:pPr indent="450215" algn="just">
-              <a:spcAft>
-                <a:spcPts val="0"/>
-              </a:spcAft>
-            </a:pPr>
-            <a:r>
-              <a:rPr lang="en-GB" dirty="0" err="1"/>
-              <a:t>Главный</a:t>
-            </a:r>
-            <a:r>
-              <a:rPr lang="en-GB" dirty="0"/>
-              <a:t> </a:t>
-            </a:r>
-            <a:r>
-              <a:rPr lang="en-GB" dirty="0" err="1"/>
-              <a:t>недостаток</a:t>
-            </a:r>
-            <a:r>
-              <a:rPr lang="en-GB" dirty="0"/>
-              <a:t> </a:t>
-            </a:r>
-            <a:r>
-              <a:rPr lang="en-GB" dirty="0" err="1"/>
-              <a:t>системы</a:t>
-            </a:r>
-            <a:r>
-              <a:rPr lang="en-GB" dirty="0"/>
-              <a:t> </a:t>
-            </a:r>
-            <a:r>
-              <a:rPr lang="en-GB" dirty="0" err="1"/>
-              <a:t>заключается</a:t>
-            </a:r>
-            <a:r>
-              <a:rPr lang="en-GB" dirty="0"/>
-              <a:t> в </a:t>
-            </a:r>
-            <a:r>
-              <a:rPr lang="en-GB" dirty="0" err="1"/>
-              <a:t>том</a:t>
-            </a:r>
-            <a:r>
-              <a:rPr lang="en-GB" dirty="0"/>
-              <a:t>, </a:t>
-            </a:r>
-            <a:r>
-              <a:rPr lang="en-GB" dirty="0" err="1"/>
-              <a:t>что</a:t>
-            </a:r>
-            <a:r>
-              <a:rPr lang="en-GB" dirty="0"/>
-              <a:t> </a:t>
-            </a:r>
-            <a:r>
-              <a:rPr lang="en-GB" dirty="0" err="1"/>
-              <a:t>для</a:t>
-            </a:r>
-            <a:r>
-              <a:rPr lang="en-GB" dirty="0"/>
-              <a:t> </a:t>
-            </a:r>
-            <a:r>
-              <a:rPr lang="en-GB" dirty="0" err="1"/>
-              <a:t>навигации</a:t>
-            </a:r>
-            <a:r>
-              <a:rPr lang="en-GB" dirty="0"/>
-              <a:t> </a:t>
-            </a:r>
-            <a:r>
-              <a:rPr lang="en-GB" dirty="0" err="1"/>
-              <a:t>используются</a:t>
-            </a:r>
-            <a:r>
-              <a:rPr lang="en-GB" dirty="0"/>
-              <a:t> </a:t>
-            </a:r>
-            <a:r>
-              <a:rPr lang="en-GB" dirty="0" err="1"/>
-              <a:t>метки</a:t>
-            </a:r>
-            <a:r>
-              <a:rPr lang="en-GB" dirty="0"/>
-              <a:t>. </a:t>
-            </a:r>
-            <a:r>
-              <a:rPr lang="en-GB" dirty="0" err="1"/>
-              <a:t>Там</a:t>
-            </a:r>
-            <a:r>
-              <a:rPr lang="en-GB" dirty="0"/>
-              <a:t> </a:t>
-            </a:r>
-            <a:r>
-              <a:rPr lang="en-GB" dirty="0" err="1"/>
-              <a:t>где</a:t>
-            </a:r>
-            <a:r>
-              <a:rPr lang="en-GB" dirty="0"/>
-              <a:t> </a:t>
-            </a:r>
-            <a:r>
-              <a:rPr lang="en-GB" dirty="0" err="1"/>
-              <a:t>заканчиваются</a:t>
-            </a:r>
-            <a:r>
-              <a:rPr lang="en-GB" dirty="0"/>
-              <a:t> </a:t>
-            </a:r>
-            <a:r>
-              <a:rPr lang="en-GB" dirty="0" err="1"/>
-              <a:t>метки</a:t>
-            </a:r>
-            <a:r>
-              <a:rPr lang="en-GB" dirty="0"/>
-              <a:t>, </a:t>
-            </a:r>
-            <a:r>
-              <a:rPr lang="en-GB" dirty="0" err="1"/>
-              <a:t>заканчивается</a:t>
-            </a:r>
-            <a:r>
-              <a:rPr lang="en-GB" dirty="0"/>
-              <a:t>, и </a:t>
-            </a:r>
-            <a:r>
-              <a:rPr lang="en-GB" dirty="0" err="1"/>
-              <a:t>определятся</a:t>
-            </a:r>
-            <a:r>
-              <a:rPr lang="en-GB" dirty="0"/>
-              <a:t> </a:t>
-            </a:r>
-            <a:r>
-              <a:rPr lang="en-GB" dirty="0" err="1"/>
-              <a:t>местоположение</a:t>
-            </a:r>
-            <a:r>
-              <a:rPr lang="en-GB" dirty="0"/>
-              <a:t>. </a:t>
-            </a:r>
-            <a:r>
-              <a:rPr lang="en-GB" dirty="0" err="1"/>
-              <a:t>Данный</a:t>
-            </a:r>
-            <a:r>
-              <a:rPr lang="en-GB" dirty="0"/>
-              <a:t> </a:t>
-            </a:r>
-            <a:r>
-              <a:rPr lang="en-GB" dirty="0" err="1"/>
-              <a:t>метод</a:t>
-            </a:r>
-            <a:r>
-              <a:rPr lang="en-GB" dirty="0"/>
-              <a:t> </a:t>
-            </a:r>
-            <a:r>
-              <a:rPr lang="en-GB" dirty="0" err="1"/>
-              <a:t>не</a:t>
-            </a:r>
-            <a:r>
-              <a:rPr lang="en-GB" dirty="0"/>
-              <a:t> </a:t>
-            </a:r>
-            <a:r>
-              <a:rPr lang="en-GB" dirty="0" err="1"/>
-              <a:t>подходит</a:t>
-            </a:r>
-            <a:r>
-              <a:rPr lang="en-GB" dirty="0"/>
-              <a:t>, </a:t>
-            </a:r>
-            <a:r>
-              <a:rPr lang="en-GB" dirty="0" err="1"/>
-              <a:t>если</a:t>
-            </a:r>
-            <a:r>
-              <a:rPr lang="en-GB" dirty="0"/>
-              <a:t> </a:t>
-            </a:r>
-            <a:r>
-              <a:rPr lang="en-GB" dirty="0" err="1"/>
-              <a:t>осуществлять</a:t>
-            </a:r>
-            <a:r>
-              <a:rPr lang="en-GB" dirty="0"/>
-              <a:t> </a:t>
-            </a:r>
-            <a:r>
-              <a:rPr lang="en-GB" dirty="0" err="1"/>
-              <a:t>навигацию</a:t>
-            </a:r>
-            <a:r>
-              <a:rPr lang="en-GB" dirty="0"/>
-              <a:t> в </a:t>
-            </a:r>
-            <a:r>
-              <a:rPr lang="en-GB" dirty="0" err="1"/>
-              <a:t>любой</a:t>
-            </a:r>
-            <a:r>
-              <a:rPr lang="en-GB" dirty="0"/>
-              <a:t> </a:t>
-            </a:r>
-            <a:r>
-              <a:rPr lang="en-GB" dirty="0" err="1"/>
-              <a:t>точке</a:t>
-            </a:r>
-            <a:r>
-              <a:rPr lang="en-GB" dirty="0"/>
-              <a:t> </a:t>
-            </a:r>
-            <a:r>
-              <a:rPr lang="en-GB" dirty="0" err="1"/>
-              <a:t>мира</a:t>
-            </a:r>
-            <a:r>
-              <a:rPr lang="en-GB" dirty="0"/>
-              <a:t>.</a:t>
-            </a:r>
-            <a:endParaRPr lang="ru-RU" dirty="0">
-              <a:latin typeface="Times New Roman CYR" panose="02020603050405020304" pitchFamily="18" charset="0"/>
-              <a:ea typeface="Calibri" panose="020F0502020204030204" pitchFamily="34" charset="0"/>
-              <a:cs typeface="Times New Roman" panose="02020603050405020304" pitchFamily="18" charset="0"/>
-            </a:endParaRPr>
-          </a:p>
-        </p:txBody>
-      </p:sp>
-      <p:pic>
-        <p:nvPicPr>
-          <p:cNvPr id="15" name="Рисунок 14" descr="https://modscheats.ru/uploads/posts/2017-08/thumbs/rossiyskaya-startap-kompaniya-navigine-privlekla-900-000-dollarov_1.png">
-            <a:extLst>
-              <a:ext uri="{FF2B5EF4-FFF2-40B4-BE49-F238E27FC236}">
-                <a16:creationId xmlns:a16="http://schemas.microsoft.com/office/drawing/2014/main" id="{496EDE30-D37D-428E-B01D-F1C5CFDA0C26}"/>
-              </a:ext>
-            </a:extLst>
-          </p:cNvPr>
-          <p:cNvPicPr/>
-          <p:nvPr/>
-        </p:nvPicPr>
-        <p:blipFill>
-          <a:blip r:embed="rId3">
-            <a:extLst>
-              <a:ext uri="{28A0092B-C50C-407E-A947-70E740481C1C}">
-                <a14:useLocalDpi xmlns:a14="http://schemas.microsoft.com/office/drawing/2010/main" val="0"/>
-              </a:ext>
-            </a:extLst>
-          </a:blip>
-          <a:srcRect/>
-          <a:stretch>
-            <a:fillRect/>
-          </a:stretch>
-        </p:blipFill>
-        <p:spPr bwMode="auto">
-          <a:xfrm>
-            <a:off x="4502088" y="1713691"/>
-            <a:ext cx="3393318" cy="2139098"/>
-          </a:xfrm>
-          <a:prstGeom prst="rect">
-            <a:avLst/>
-          </a:prstGeom>
-          <a:noFill/>
-          <a:ln>
-            <a:noFill/>
-          </a:ln>
-        </p:spPr>
-      </p:pic>
-      <p:sp>
-        <p:nvSpPr>
-          <p:cNvPr id="16" name="TextBox 15">
-            <a:extLst>
-              <a:ext uri="{FF2B5EF4-FFF2-40B4-BE49-F238E27FC236}">
-                <a16:creationId xmlns:a16="http://schemas.microsoft.com/office/drawing/2014/main" id="{0C95893D-4636-4FDF-9E2D-55FE85D340E4}"/>
-              </a:ext>
-            </a:extLst>
-          </p:cNvPr>
-          <p:cNvSpPr txBox="1"/>
-          <p:nvPr/>
-        </p:nvSpPr>
-        <p:spPr>
-          <a:xfrm>
-            <a:off x="8640451" y="834121"/>
-            <a:ext cx="1609543" cy="369332"/>
-          </a:xfrm>
-          <a:prstGeom prst="rect">
-            <a:avLst/>
-          </a:prstGeom>
-        </p:spPr>
-        <p:txBody>
-          <a:bodyPr vert="horz" wrap="square" lIns="91440" tIns="45720" rIns="91440" bIns="45720" rtlCol="0" anchor="ctr">
-            <a:spAutoFit/>
-          </a:bodyPr>
-          <a:lstStyle/>
-          <a:p>
-            <a:pPr lvl="2"/>
-            <a:r>
-              <a:rPr lang="en-US" dirty="0" err="1"/>
-              <a:t>DaRe</a:t>
-            </a:r>
-            <a:endParaRPr lang="ru-RU" dirty="0"/>
-          </a:p>
-        </p:txBody>
-      </p:sp>
-      <p:sp>
-        <p:nvSpPr>
-          <p:cNvPr id="17" name="Прямоугольник 16">
-            <a:extLst>
-              <a:ext uri="{FF2B5EF4-FFF2-40B4-BE49-F238E27FC236}">
-                <a16:creationId xmlns:a16="http://schemas.microsoft.com/office/drawing/2014/main" id="{1E314EFB-78EF-45DF-9C27-2856793B6774}"/>
-              </a:ext>
-            </a:extLst>
-          </p:cNvPr>
-          <p:cNvSpPr/>
-          <p:nvPr/>
-        </p:nvSpPr>
-        <p:spPr>
-          <a:xfrm>
-            <a:off x="8144987" y="1342725"/>
-            <a:ext cx="3959477" cy="1754326"/>
-          </a:xfrm>
-          <a:prstGeom prst="rect">
-            <a:avLst/>
-          </a:prstGeom>
-        </p:spPr>
-        <p:txBody>
-          <a:bodyPr wrap="square">
-            <a:spAutoFit/>
-          </a:bodyPr>
-          <a:lstStyle/>
-          <a:p>
-            <a:r>
-              <a:rPr lang="ru-RU" dirty="0"/>
-              <a:t>К недостаткам данной системы необходимо отнести датчик обуви. Потому что это очень неудобно и не практично, так как отдельный датчик это повышение стоимости и сложности системы.</a:t>
-            </a:r>
-          </a:p>
-        </p:txBody>
-      </p:sp>
-      <p:pic>
-        <p:nvPicPr>
-          <p:cNvPr id="19" name="Рисунок 18" descr="https://sun9-7.userapi.com/c857124/v857124560/4d5b6/zaqnGLipJ9c.jpg">
-            <a:extLst>
-              <a:ext uri="{FF2B5EF4-FFF2-40B4-BE49-F238E27FC236}">
-                <a16:creationId xmlns:a16="http://schemas.microsoft.com/office/drawing/2014/main" id="{8F56BE9C-11D5-4990-94E8-FFFBE6BB1CB0}"/>
-              </a:ext>
-            </a:extLst>
-          </p:cNvPr>
-          <p:cNvPicPr/>
-          <p:nvPr/>
-        </p:nvPicPr>
-        <p:blipFill>
-          <a:blip r:embed="rId4" cstate="print">
-            <a:extLst>
-              <a:ext uri="{28A0092B-C50C-407E-A947-70E740481C1C}">
-                <a14:useLocalDpi xmlns:a14="http://schemas.microsoft.com/office/drawing/2010/main" val="0"/>
-              </a:ext>
-            </a:extLst>
-          </a:blip>
-          <a:srcRect/>
-          <a:stretch>
-            <a:fillRect/>
-          </a:stretch>
-        </p:blipFill>
-        <p:spPr bwMode="auto">
-          <a:xfrm>
-            <a:off x="8975526" y="3281244"/>
-            <a:ext cx="2016224" cy="3286939"/>
-          </a:xfrm>
-          <a:prstGeom prst="rect">
-            <a:avLst/>
-          </a:prstGeom>
-          <a:noFill/>
-          <a:ln>
-            <a:noFill/>
-          </a:ln>
-        </p:spPr>
-      </p:pic>
-    </p:spTree>
-    <p:extLst>
-      <p:ext uri="{BB962C8B-B14F-4D97-AF65-F5344CB8AC3E}">
-        <p14:creationId xmlns:p14="http://schemas.microsoft.com/office/powerpoint/2010/main" val="1962536191"/>
-      </p:ext>
-    </p:extLst>
-  </p:cSld>
-  <p:clrMapOvr>
-    <a:masterClrMapping/>
-  </p:clrMapOvr>
-</p:sld>
-</file>
-
-<file path=ppt/slides/slide7.xml><?xml version="1.0" encoding="utf-8"?>
-<p:sld xmlns:a="http://schemas.openxmlformats.org/drawingml/2006/main" xmlns:r="http://schemas.openxmlformats.org/officeDocument/2006/relationships" xmlns:p="http://schemas.openxmlformats.org/presentationml/2006/main">
-  <p:cSld>
-    <p:spTree>
-      <p:nvGrpSpPr>
-        <p:cNvPr id="1" name=""/>
-        <p:cNvGrpSpPr/>
-        <p:nvPr/>
-      </p:nvGrpSpPr>
-      <p:grpSpPr>
-        <a:xfrm>
-          <a:off x="0" y="0"/>
-          <a:ext cx="0" cy="0"/>
-          <a:chOff x="0" y="0"/>
-          <a:chExt cx="0" cy="0"/>
-        </a:xfrm>
-      </p:grpSpPr>
-      <p:sp>
-        <p:nvSpPr>
-          <p:cNvPr id="3" name="Объект 2"/>
-          <p:cNvSpPr>
-            <a:spLocks noGrp="1"/>
-          </p:cNvSpPr>
-          <p:nvPr>
-            <p:ph idx="1"/>
-          </p:nvPr>
-        </p:nvSpPr>
-        <p:spPr>
-          <a:xfrm>
-            <a:off x="239318" y="908719"/>
-            <a:ext cx="3551632" cy="1845702"/>
-          </a:xfrm>
-        </p:spPr>
-        <p:txBody>
-          <a:bodyPr>
-            <a:noAutofit/>
-          </a:bodyPr>
-          <a:lstStyle/>
-          <a:p>
-            <a:pPr marL="0" indent="0" algn="just">
-              <a:buNone/>
-            </a:pPr>
-            <a:r>
-              <a:rPr lang="en-GB" sz="2400" dirty="0"/>
-              <a:t>Акселерометр – </a:t>
-            </a:r>
-            <a:r>
-              <a:rPr lang="en-GB" sz="2400" dirty="0" err="1"/>
-              <a:t>это</a:t>
-            </a:r>
-            <a:r>
-              <a:rPr lang="en-GB" sz="2400" dirty="0"/>
-              <a:t> </a:t>
-            </a:r>
-            <a:r>
-              <a:rPr lang="en-GB" sz="2400" dirty="0" err="1"/>
-              <a:t>устройство</a:t>
-            </a:r>
-            <a:r>
-              <a:rPr lang="en-GB" sz="2400" dirty="0"/>
-              <a:t>, </a:t>
-            </a:r>
-            <a:r>
-              <a:rPr lang="en-GB" sz="2400" dirty="0" err="1"/>
-              <a:t>измеряющее</a:t>
-            </a:r>
-            <a:r>
-              <a:rPr lang="en-GB" sz="2400" dirty="0"/>
-              <a:t> </a:t>
-            </a:r>
-            <a:r>
-              <a:rPr lang="en-GB" sz="2400" dirty="0" err="1"/>
-              <a:t>проекцию</a:t>
-            </a:r>
-            <a:r>
-              <a:rPr lang="en-GB" sz="2400" dirty="0"/>
-              <a:t> </a:t>
-            </a:r>
-            <a:r>
-              <a:rPr lang="en-GB" sz="2400" dirty="0" err="1"/>
-              <a:t>кажущегося</a:t>
-            </a:r>
-            <a:r>
-              <a:rPr lang="en-GB" sz="2400" dirty="0"/>
-              <a:t> </a:t>
-            </a:r>
-            <a:r>
-              <a:rPr lang="en-GB" sz="2400" dirty="0" err="1"/>
-              <a:t>ускорения</a:t>
-            </a:r>
-            <a:r>
-              <a:rPr lang="en-GB" sz="2400" dirty="0"/>
-              <a:t> </a:t>
-            </a:r>
-            <a:r>
-              <a:rPr lang="en-GB" sz="2400" dirty="0" err="1"/>
-              <a:t>на</a:t>
-            </a:r>
-            <a:r>
-              <a:rPr lang="en-GB" sz="2400" dirty="0"/>
-              <a:t> </a:t>
-            </a:r>
-            <a:r>
-              <a:rPr lang="en-GB" sz="2400" dirty="0" err="1"/>
-              <a:t>одну</a:t>
-            </a:r>
-            <a:r>
-              <a:rPr lang="en-GB" sz="2400" dirty="0"/>
-              <a:t> </a:t>
-            </a:r>
-            <a:r>
-              <a:rPr lang="en-GB" sz="2400" dirty="0" err="1"/>
-              <a:t>или</a:t>
-            </a:r>
-            <a:r>
-              <a:rPr lang="en-GB" sz="2400" dirty="0"/>
-              <a:t> </a:t>
-            </a:r>
-            <a:r>
-              <a:rPr lang="en-GB" sz="2400" dirty="0" err="1"/>
-              <a:t>несколько</a:t>
-            </a:r>
-            <a:r>
-              <a:rPr lang="en-GB" sz="2400" dirty="0"/>
-              <a:t> </a:t>
-            </a:r>
-            <a:r>
-              <a:rPr lang="en-GB" sz="2400" dirty="0" err="1"/>
-              <a:t>осей</a:t>
-            </a:r>
-            <a:r>
-              <a:rPr lang="ru-RU" sz="2400" dirty="0"/>
-              <a:t>.</a:t>
-            </a:r>
-          </a:p>
-        </p:txBody>
-      </p:sp>
-      <p:sp>
-        <p:nvSpPr>
-          <p:cNvPr id="13" name="TextBox 12"/>
-          <p:cNvSpPr txBox="1"/>
-          <p:nvPr/>
-        </p:nvSpPr>
-        <p:spPr>
-          <a:xfrm>
-            <a:off x="2351319" y="215407"/>
-            <a:ext cx="7898675" cy="523220"/>
-          </a:xfrm>
-          <a:prstGeom prst="rect">
-            <a:avLst/>
-          </a:prstGeom>
-          <a:noFill/>
-        </p:spPr>
-        <p:txBody>
-          <a:bodyPr wrap="square" rtlCol="0" anchor="ctr" anchorCtr="1">
-            <a:spAutoFit/>
-          </a:bodyPr>
-          <a:lstStyle/>
-          <a:p>
-            <a:pPr algn="ctr"/>
-            <a:r>
-              <a:rPr lang="ru-RU" sz="2800" dirty="0">
-                <a:solidFill>
-                  <a:schemeClr val="bg1"/>
-                </a:solidFill>
-                <a:latin typeface="Elektra Text Pro" panose="02000503030000020004" pitchFamily="50" charset="-52"/>
-              </a:rPr>
-              <a:t>Датчики смартфона</a:t>
-            </a:r>
-          </a:p>
-        </p:txBody>
-      </p:sp>
-      <p:sp>
-        <p:nvSpPr>
-          <p:cNvPr id="9" name="Номер слайда 2"/>
-          <p:cNvSpPr>
-            <a:spLocks noGrp="1"/>
-          </p:cNvSpPr>
-          <p:nvPr>
-            <p:ph type="sldNum" sz="quarter" idx="12"/>
-          </p:nvPr>
-        </p:nvSpPr>
-        <p:spPr>
-          <a:xfrm>
-            <a:off x="8736463" y="6356351"/>
-            <a:ext cx="2844430" cy="365125"/>
-          </a:xfrm>
-        </p:spPr>
-        <p:txBody>
-          <a:bodyPr/>
-          <a:lstStyle/>
-          <a:p>
-            <a:fld id="{E2656834-4BAB-4DB1-9FED-8310CA017EAF}" type="slidenum">
-              <a:rPr lang="ru-RU" sz="2000" b="1" smtClean="0">
-                <a:solidFill>
-                  <a:schemeClr val="tx1"/>
-                </a:solidFill>
-              </a:rPr>
-              <a:t>7</a:t>
-            </a:fld>
-            <a:endParaRPr lang="ru-RU" sz="2000" b="1" dirty="0">
-              <a:solidFill>
-                <a:schemeClr val="tx1"/>
-              </a:solidFill>
-            </a:endParaRPr>
-          </a:p>
-        </p:txBody>
-      </p:sp>
-      <p:sp>
-        <p:nvSpPr>
-          <p:cNvPr id="10" name="Объект 2">
-            <a:extLst>
-              <a:ext uri="{FF2B5EF4-FFF2-40B4-BE49-F238E27FC236}">
-                <a16:creationId xmlns:a16="http://schemas.microsoft.com/office/drawing/2014/main" id="{9BE50F74-A7E4-431F-89D2-9888EE34A7BB}"/>
-              </a:ext>
-            </a:extLst>
-          </p:cNvPr>
-          <p:cNvSpPr txBox="1">
-            <a:spLocks/>
-          </p:cNvSpPr>
-          <p:nvPr/>
-        </p:nvSpPr>
-        <p:spPr>
-          <a:xfrm>
-            <a:off x="8190807" y="946940"/>
-            <a:ext cx="3851583" cy="1799221"/>
-          </a:xfrm>
-          <a:prstGeom prst="rect">
-            <a:avLst/>
-          </a:prstGeom>
-        </p:spPr>
-        <p:txBody>
-          <a:bodyPr vert="horz" lIns="91440" tIns="45720" rIns="91440" bIns="45720" rtlCol="0">
-            <a:noAutofit/>
-          </a:bodyPr>
-          <a:lstStyle>
-            <a:lvl1pPr marL="342900" indent="-342900" algn="l" defTabSz="914400" rtl="0" eaLnBrk="1" latinLnBrk="0" hangingPunct="1">
-              <a:spcBef>
-                <a:spcPct val="20000"/>
-              </a:spcBef>
-              <a:buFont typeface="Arial" panose="020B0604020202020204" pitchFamily="34" charset="0"/>
-              <a:buChar char="•"/>
-              <a:defRPr sz="3200" kern="1200">
-                <a:solidFill>
-                  <a:schemeClr val="tx1"/>
-                </a:solidFill>
-                <a:latin typeface="+mn-lt"/>
-                <a:ea typeface="+mn-ea"/>
-                <a:cs typeface="+mn-cs"/>
-              </a:defRPr>
-            </a:lvl1pPr>
-            <a:lvl2pPr marL="742950" indent="-285750" algn="l" defTabSz="914400" rtl="0" eaLnBrk="1" latinLnBrk="0" hangingPunct="1">
-              <a:spcBef>
-                <a:spcPct val="20000"/>
-              </a:spcBef>
-              <a:buFont typeface="Arial" panose="020B0604020202020204" pitchFamily="34" charset="0"/>
-              <a:buChar char="–"/>
-              <a:defRPr sz="2800" kern="1200">
-                <a:solidFill>
-                  <a:schemeClr val="tx1"/>
-                </a:solidFill>
-                <a:latin typeface="+mn-lt"/>
-                <a:ea typeface="+mn-ea"/>
-                <a:cs typeface="+mn-cs"/>
-              </a:defRPr>
-            </a:lvl2pPr>
-            <a:lvl3pPr marL="1143000" indent="-228600" algn="l" defTabSz="914400" rtl="0" eaLnBrk="1" latinLnBrk="0" hangingPunct="1">
-              <a:spcBef>
-                <a:spcPct val="20000"/>
-              </a:spcBef>
-              <a:buFont typeface="Arial" panose="020B0604020202020204" pitchFamily="34" charset="0"/>
-              <a:buChar char="•"/>
-              <a:defRPr sz="2400" kern="1200">
-                <a:solidFill>
-                  <a:schemeClr val="tx1"/>
-                </a:solidFill>
-                <a:latin typeface="+mn-lt"/>
-                <a:ea typeface="+mn-ea"/>
-                <a:cs typeface="+mn-cs"/>
-              </a:defRPr>
-            </a:lvl3pPr>
-            <a:lvl4pPr marL="1600200" indent="-228600" algn="l" defTabSz="914400" rtl="0" eaLnBrk="1" latinLnBrk="0" hangingPunct="1">
-              <a:spcBef>
-                <a:spcPct val="20000"/>
-              </a:spcBef>
-              <a:buFont typeface="Arial" panose="020B0604020202020204" pitchFamily="34" charset="0"/>
-              <a:buChar char="–"/>
-              <a:defRPr sz="2000" kern="1200">
-                <a:solidFill>
-                  <a:schemeClr val="tx1"/>
-                </a:solidFill>
-                <a:latin typeface="+mn-lt"/>
-                <a:ea typeface="+mn-ea"/>
-                <a:cs typeface="+mn-cs"/>
-              </a:defRPr>
-            </a:lvl4pPr>
-            <a:lvl5pPr marL="2057400" indent="-228600" algn="l" defTabSz="914400" rtl="0" eaLnBrk="1" latinLnBrk="0" hangingPunct="1">
-              <a:spcBef>
-                <a:spcPct val="20000"/>
-              </a:spcBef>
-              <a:buFont typeface="Arial" panose="020B0604020202020204" pitchFamily="34" charset="0"/>
-              <a:buChar char="»"/>
-              <a:defRPr sz="2000" kern="1200">
-                <a:solidFill>
-                  <a:schemeClr val="tx1"/>
-                </a:solidFill>
-                <a:latin typeface="+mn-lt"/>
-                <a:ea typeface="+mn-ea"/>
-                <a:cs typeface="+mn-cs"/>
-              </a:defRPr>
-            </a:lvl5pPr>
-            <a:lvl6pPr marL="2514600" indent="-228600" algn="l" defTabSz="914400" rtl="0" eaLnBrk="1" latinLnBrk="0" hangingPunct="1">
-              <a:spcBef>
-                <a:spcPct val="20000"/>
-              </a:spcBef>
-              <a:buFont typeface="Arial" panose="020B0604020202020204" pitchFamily="34" charset="0"/>
-              <a:buChar char="•"/>
-              <a:defRPr sz="2000" kern="1200">
-                <a:solidFill>
-                  <a:schemeClr val="tx1"/>
-                </a:solidFill>
-                <a:latin typeface="+mn-lt"/>
-                <a:ea typeface="+mn-ea"/>
-                <a:cs typeface="+mn-cs"/>
-              </a:defRPr>
-            </a:lvl6pPr>
-            <a:lvl7pPr marL="2971800" indent="-228600" algn="l" defTabSz="914400" rtl="0" eaLnBrk="1" latinLnBrk="0" hangingPunct="1">
-              <a:spcBef>
-                <a:spcPct val="20000"/>
-              </a:spcBef>
-              <a:buFont typeface="Arial" panose="020B0604020202020204" pitchFamily="34" charset="0"/>
-              <a:buChar char="•"/>
-              <a:defRPr sz="2000" kern="1200">
-                <a:solidFill>
-                  <a:schemeClr val="tx1"/>
-                </a:solidFill>
-                <a:latin typeface="+mn-lt"/>
-                <a:ea typeface="+mn-ea"/>
-                <a:cs typeface="+mn-cs"/>
-              </a:defRPr>
-            </a:lvl7pPr>
-            <a:lvl8pPr marL="3429000" indent="-228600" algn="l" defTabSz="914400" rtl="0" eaLnBrk="1" latinLnBrk="0" hangingPunct="1">
-              <a:spcBef>
-                <a:spcPct val="20000"/>
-              </a:spcBef>
-              <a:buFont typeface="Arial" panose="020B0604020202020204" pitchFamily="34" charset="0"/>
-              <a:buChar char="•"/>
-              <a:defRPr sz="2000" kern="1200">
-                <a:solidFill>
-                  <a:schemeClr val="tx1"/>
-                </a:solidFill>
-                <a:latin typeface="+mn-lt"/>
-                <a:ea typeface="+mn-ea"/>
-                <a:cs typeface="+mn-cs"/>
-              </a:defRPr>
-            </a:lvl8pPr>
-            <a:lvl9pPr marL="3886200" indent="-228600" algn="l" defTabSz="914400" rtl="0" eaLnBrk="1" latinLnBrk="0" hangingPunct="1">
-              <a:spcBef>
-                <a:spcPct val="20000"/>
-              </a:spcBef>
-              <a:buFont typeface="Arial" panose="020B0604020202020204" pitchFamily="34" charset="0"/>
-              <a:buChar char="•"/>
-              <a:defRPr sz="2000" kern="1200">
-                <a:solidFill>
-                  <a:schemeClr val="tx1"/>
-                </a:solidFill>
-                <a:latin typeface="+mn-lt"/>
-                <a:ea typeface="+mn-ea"/>
-                <a:cs typeface="+mn-cs"/>
-              </a:defRPr>
-            </a:lvl9pPr>
-          </a:lstStyle>
-          <a:p>
-            <a:pPr marL="0" indent="0" algn="just">
-              <a:buNone/>
-            </a:pPr>
-            <a:r>
-              <a:rPr lang="ru-RU" sz="2400" dirty="0"/>
-              <a:t>Датчики Холла (или датчики положения) – это чувствительные элементы, реагирующие на величину воздействующего на них магнитного поля.</a:t>
-            </a:r>
-          </a:p>
-        </p:txBody>
-      </p:sp>
-      <p:sp>
-        <p:nvSpPr>
-          <p:cNvPr id="2" name="Прямоугольник 1">
-            <a:extLst>
-              <a:ext uri="{FF2B5EF4-FFF2-40B4-BE49-F238E27FC236}">
-                <a16:creationId xmlns:a16="http://schemas.microsoft.com/office/drawing/2014/main" id="{97AA40AC-87C3-4BB0-8790-D431B5241148}"/>
-              </a:ext>
-            </a:extLst>
-          </p:cNvPr>
-          <p:cNvSpPr/>
-          <p:nvPr/>
-        </p:nvSpPr>
-        <p:spPr>
-          <a:xfrm>
-            <a:off x="4344146" y="940539"/>
-            <a:ext cx="3551632" cy="2308324"/>
-          </a:xfrm>
-          <a:prstGeom prst="rect">
-            <a:avLst/>
-          </a:prstGeom>
-        </p:spPr>
-        <p:txBody>
-          <a:bodyPr wrap="square">
-            <a:spAutoFit/>
-          </a:bodyPr>
-          <a:lstStyle/>
-          <a:p>
-            <a:r>
-              <a:rPr lang="en-GB" sz="2400" dirty="0" err="1">
-                <a:latin typeface="Times New Roman" panose="02020603050405020304" pitchFamily="18" charset="0"/>
-                <a:ea typeface="Times New Roman" panose="02020603050405020304" pitchFamily="18" charset="0"/>
-              </a:rPr>
-              <a:t>Гироскоп</a:t>
-            </a:r>
-            <a:r>
-              <a:rPr lang="en-GB" sz="2400" dirty="0">
-                <a:latin typeface="Times New Roman" panose="02020603050405020304" pitchFamily="18" charset="0"/>
-                <a:ea typeface="Times New Roman" panose="02020603050405020304" pitchFamily="18" charset="0"/>
-              </a:rPr>
-              <a:t> в </a:t>
-            </a:r>
-            <a:r>
-              <a:rPr lang="en-GB" sz="2400" dirty="0" err="1">
-                <a:latin typeface="Times New Roman" panose="02020603050405020304" pitchFamily="18" charset="0"/>
-                <a:ea typeface="Times New Roman" panose="02020603050405020304" pitchFamily="18" charset="0"/>
-              </a:rPr>
-              <a:t>телефоне</a:t>
-            </a:r>
-            <a:r>
-              <a:rPr lang="en-GB" sz="2400" dirty="0">
-                <a:latin typeface="Times New Roman" panose="02020603050405020304" pitchFamily="18" charset="0"/>
-                <a:ea typeface="Times New Roman" panose="02020603050405020304" pitchFamily="18" charset="0"/>
-              </a:rPr>
-              <a:t> – </a:t>
-            </a:r>
-            <a:r>
-              <a:rPr lang="en-GB" sz="2400" dirty="0" err="1">
-                <a:latin typeface="Times New Roman" panose="02020603050405020304" pitchFamily="18" charset="0"/>
-                <a:ea typeface="Times New Roman" panose="02020603050405020304" pitchFamily="18" charset="0"/>
-              </a:rPr>
-              <a:t>это</a:t>
-            </a:r>
-            <a:r>
-              <a:rPr lang="en-GB" sz="2400" dirty="0">
-                <a:latin typeface="Times New Roman" panose="02020603050405020304" pitchFamily="18" charset="0"/>
-                <a:ea typeface="Times New Roman" panose="02020603050405020304" pitchFamily="18" charset="0"/>
-              </a:rPr>
-              <a:t> </a:t>
-            </a:r>
-            <a:r>
-              <a:rPr lang="en-GB" sz="2400" dirty="0" err="1">
-                <a:latin typeface="Times New Roman" panose="02020603050405020304" pitchFamily="18" charset="0"/>
-                <a:ea typeface="Times New Roman" panose="02020603050405020304" pitchFamily="18" charset="0"/>
-              </a:rPr>
-              <a:t>специальный</a:t>
-            </a:r>
-            <a:r>
-              <a:rPr lang="en-GB" sz="2400" dirty="0">
-                <a:latin typeface="Times New Roman" panose="02020603050405020304" pitchFamily="18" charset="0"/>
-                <a:ea typeface="Times New Roman" panose="02020603050405020304" pitchFamily="18" charset="0"/>
-              </a:rPr>
-              <a:t> </a:t>
-            </a:r>
-            <a:r>
-              <a:rPr lang="en-GB" sz="2400" dirty="0" err="1">
-                <a:latin typeface="Times New Roman" panose="02020603050405020304" pitchFamily="18" charset="0"/>
-                <a:ea typeface="Times New Roman" panose="02020603050405020304" pitchFamily="18" charset="0"/>
-              </a:rPr>
-              <a:t>датчик</a:t>
-            </a:r>
-            <a:r>
-              <a:rPr lang="en-GB" sz="2400" dirty="0">
-                <a:latin typeface="Times New Roman" panose="02020603050405020304" pitchFamily="18" charset="0"/>
-                <a:ea typeface="Times New Roman" panose="02020603050405020304" pitchFamily="18" charset="0"/>
-              </a:rPr>
-              <a:t>, </a:t>
-            </a:r>
-            <a:r>
-              <a:rPr lang="en-GB" sz="2400" dirty="0" err="1">
-                <a:latin typeface="Times New Roman" panose="02020603050405020304" pitchFamily="18" charset="0"/>
-                <a:ea typeface="Times New Roman" panose="02020603050405020304" pitchFamily="18" charset="0"/>
-              </a:rPr>
-              <a:t>предназначенный</a:t>
-            </a:r>
-            <a:r>
-              <a:rPr lang="en-GB" sz="2400" dirty="0">
-                <a:latin typeface="Times New Roman" panose="02020603050405020304" pitchFamily="18" charset="0"/>
-                <a:ea typeface="Times New Roman" panose="02020603050405020304" pitchFamily="18" charset="0"/>
-              </a:rPr>
-              <a:t> </a:t>
-            </a:r>
-            <a:r>
-              <a:rPr lang="en-GB" sz="2400" dirty="0" err="1">
-                <a:latin typeface="Times New Roman" panose="02020603050405020304" pitchFamily="18" charset="0"/>
-                <a:ea typeface="Times New Roman" panose="02020603050405020304" pitchFamily="18" charset="0"/>
-              </a:rPr>
-              <a:t>для</a:t>
-            </a:r>
-            <a:r>
-              <a:rPr lang="en-GB" sz="2400" dirty="0">
-                <a:latin typeface="Times New Roman" panose="02020603050405020304" pitchFamily="18" charset="0"/>
-                <a:ea typeface="Times New Roman" panose="02020603050405020304" pitchFamily="18" charset="0"/>
-              </a:rPr>
-              <a:t> </a:t>
-            </a:r>
-            <a:r>
-              <a:rPr lang="en-GB" sz="2400" dirty="0" err="1">
-                <a:latin typeface="Times New Roman" panose="02020603050405020304" pitchFamily="18" charset="0"/>
-                <a:ea typeface="Times New Roman" panose="02020603050405020304" pitchFamily="18" charset="0"/>
-              </a:rPr>
-              <a:t>определения</a:t>
-            </a:r>
-            <a:r>
-              <a:rPr lang="en-GB" sz="2400" dirty="0">
-                <a:latin typeface="Times New Roman" panose="02020603050405020304" pitchFamily="18" charset="0"/>
-                <a:ea typeface="Times New Roman" panose="02020603050405020304" pitchFamily="18" charset="0"/>
-              </a:rPr>
-              <a:t> </a:t>
-            </a:r>
-            <a:r>
-              <a:rPr lang="en-GB" sz="2400" dirty="0" err="1">
-                <a:latin typeface="Times New Roman" panose="02020603050405020304" pitchFamily="18" charset="0"/>
-                <a:ea typeface="Times New Roman" panose="02020603050405020304" pitchFamily="18" charset="0"/>
-              </a:rPr>
-              <a:t>положения</a:t>
-            </a:r>
-            <a:r>
-              <a:rPr lang="en-GB" sz="2400" dirty="0">
-                <a:latin typeface="Times New Roman" panose="02020603050405020304" pitchFamily="18" charset="0"/>
-                <a:ea typeface="Times New Roman" panose="02020603050405020304" pitchFamily="18" charset="0"/>
-              </a:rPr>
-              <a:t> </a:t>
-            </a:r>
-            <a:r>
-              <a:rPr lang="en-GB" sz="2400" dirty="0" err="1">
-                <a:latin typeface="Times New Roman" panose="02020603050405020304" pitchFamily="18" charset="0"/>
-                <a:ea typeface="Times New Roman" panose="02020603050405020304" pitchFamily="18" charset="0"/>
-              </a:rPr>
-              <a:t>устройства</a:t>
-            </a:r>
-            <a:r>
-              <a:rPr lang="en-GB" sz="2400" dirty="0">
-                <a:latin typeface="Times New Roman" panose="02020603050405020304" pitchFamily="18" charset="0"/>
-                <a:ea typeface="Times New Roman" panose="02020603050405020304" pitchFamily="18" charset="0"/>
-              </a:rPr>
-              <a:t> в </a:t>
-            </a:r>
-            <a:r>
-              <a:rPr lang="en-GB" sz="2400" dirty="0" err="1">
-                <a:latin typeface="Times New Roman" panose="02020603050405020304" pitchFamily="18" charset="0"/>
-                <a:ea typeface="Times New Roman" panose="02020603050405020304" pitchFamily="18" charset="0"/>
-              </a:rPr>
-              <a:t>пространстве</a:t>
-            </a:r>
-            <a:endParaRPr lang="ru-RU" sz="2400" dirty="0"/>
-          </a:p>
-        </p:txBody>
-      </p:sp>
-      <p:pic>
-        <p:nvPicPr>
-          <p:cNvPr id="1026" name="Picture 2" descr="https://avatars.mds.yandex.net/get-snippets_images/1408404/17a480efd9bbccdca3c288f7c6e1dbe3/414x310">
-            <a:extLst>
-              <a:ext uri="{FF2B5EF4-FFF2-40B4-BE49-F238E27FC236}">
-                <a16:creationId xmlns:a16="http://schemas.microsoft.com/office/drawing/2014/main" id="{0D5B4070-AD8A-45AD-874E-B13BB21A9B6F}"/>
-              </a:ext>
-            </a:extLst>
-          </p:cNvPr>
-          <p:cNvPicPr>
-            <a:picLocks noChangeAspect="1" noChangeArrowheads="1"/>
-          </p:cNvPicPr>
-          <p:nvPr/>
-        </p:nvPicPr>
-        <p:blipFill>
-          <a:blip r:embed="rId2">
-            <a:extLst>
-              <a:ext uri="{28A0092B-C50C-407E-A947-70E740481C1C}">
-                <a14:useLocalDpi xmlns:a14="http://schemas.microsoft.com/office/drawing/2010/main" val="0"/>
-              </a:ext>
-            </a:extLst>
-          </a:blip>
-          <a:srcRect/>
-          <a:stretch>
-            <a:fillRect/>
-          </a:stretch>
-        </p:blipFill>
-        <p:spPr bwMode="auto">
-          <a:xfrm>
-            <a:off x="8471470" y="3505631"/>
-            <a:ext cx="2971800" cy="2952750"/>
-          </a:xfrm>
-          <a:prstGeom prst="rect">
-            <a:avLst/>
-          </a:prstGeom>
-          <a:noFill/>
-          <a:extLst>
-            <a:ext uri="{909E8E84-426E-40DD-AFC4-6F175D3DCCD1}">
-              <a14:hiddenFill xmlns:a14="http://schemas.microsoft.com/office/drawing/2010/main">
-                <a:solidFill>
-                  <a:srgbClr val="FFFFFF"/>
-                </a:solidFill>
-              </a14:hiddenFill>
-            </a:ext>
-          </a:extLst>
-        </p:spPr>
-      </p:pic>
-      <p:pic>
-        <p:nvPicPr>
-          <p:cNvPr id="1028" name="Picture 4" descr="Акселерометр: что это и зачем нужен?">
-            <a:extLst>
-              <a:ext uri="{FF2B5EF4-FFF2-40B4-BE49-F238E27FC236}">
-                <a16:creationId xmlns:a16="http://schemas.microsoft.com/office/drawing/2014/main" id="{A94D6D6E-32ED-4676-BD81-447680D59132}"/>
-              </a:ext>
-            </a:extLst>
-          </p:cNvPr>
-          <p:cNvPicPr>
-            <a:picLocks noChangeAspect="1" noChangeArrowheads="1"/>
-          </p:cNvPicPr>
-          <p:nvPr/>
-        </p:nvPicPr>
-        <p:blipFill>
-          <a:blip r:embed="rId3">
-            <a:extLst>
-              <a:ext uri="{28A0092B-C50C-407E-A947-70E740481C1C}">
-                <a14:useLocalDpi xmlns:a14="http://schemas.microsoft.com/office/drawing/2010/main" val="0"/>
-              </a:ext>
-            </a:extLst>
-          </a:blip>
-          <a:srcRect/>
-          <a:stretch>
-            <a:fillRect/>
-          </a:stretch>
-        </p:blipFill>
-        <p:spPr bwMode="auto">
-          <a:xfrm>
-            <a:off x="406574" y="3530801"/>
-            <a:ext cx="7620000" cy="2762250"/>
-          </a:xfrm>
-          <a:prstGeom prst="rect">
-            <a:avLst/>
-          </a:prstGeom>
-          <a:noFill/>
-          <a:extLst>
-            <a:ext uri="{909E8E84-426E-40DD-AFC4-6F175D3DCCD1}">
-              <a14:hiddenFill xmlns:a14="http://schemas.microsoft.com/office/drawing/2010/main">
-                <a:solidFill>
-                  <a:srgbClr val="FFFFFF"/>
-                </a:solidFill>
-              </a14:hiddenFill>
-            </a:ext>
-          </a:extLst>
-        </p:spPr>
-      </p:pic>
-    </p:spTree>
-    <p:extLst>
-      <p:ext uri="{BB962C8B-B14F-4D97-AF65-F5344CB8AC3E}">
-        <p14:creationId xmlns:p14="http://schemas.microsoft.com/office/powerpoint/2010/main" val="670338688"/>
-      </p:ext>
-    </p:extLst>
-  </p:cSld>
-  <p:clrMapOvr>
-    <a:masterClrMapping/>
-  </p:clrMapOvr>
-</p:sld>
-</file>
-
-<file path=ppt/slides/slide8.xml><?xml version="1.0" encoding="utf-8"?>
-<p:sld xmlns:a="http://schemas.openxmlformats.org/drawingml/2006/main" xmlns:r="http://schemas.openxmlformats.org/officeDocument/2006/relationships" xmlns:p="http://schemas.openxmlformats.org/presentationml/2006/main">
-  <p:cSld>
-    <p:spTree>
-      <p:nvGrpSpPr>
-        <p:cNvPr id="1" name=""/>
-        <p:cNvGrpSpPr/>
-        <p:nvPr/>
-      </p:nvGrpSpPr>
-      <p:grpSpPr>
-        <a:xfrm>
-          <a:off x="0" y="0"/>
-          <a:ext cx="0" cy="0"/>
-          <a:chOff x="0" y="0"/>
-          <a:chExt cx="0" cy="0"/>
-        </a:xfrm>
-      </p:grpSpPr>
       <p:pic>
         <p:nvPicPr>
           <p:cNvPr id="7" name="Рисунок 6" descr="C:\Users\monah\OneDrive\Рабочий стол\Диплом Магистра\ПИТ-2020\Схема работы.jpg">
@@ -9009,7 +6113,7 @@
                   <a:schemeClr val="tx1"/>
                 </a:solidFill>
               </a:rPr>
-              <a:t>8</a:t>
+              <a:t>10</a:t>
             </a:fld>
             <a:endParaRPr lang="ru-RU" sz="2000" b="1" dirty="0">
               <a:solidFill>
@@ -9032,7 +6136,7 @@
 </p:sld>
 </file>
 
-<file path=ppt/slides/slide9.xml><?xml version="1.0" encoding="utf-8"?>
+<file path=ppt/slides/slide11.xml><?xml version="1.0" encoding="utf-8"?>
 <p:sld xmlns:a="http://schemas.openxmlformats.org/drawingml/2006/main" xmlns:r="http://schemas.openxmlformats.org/officeDocument/2006/relationships" xmlns:p="http://schemas.openxmlformats.org/presentationml/2006/main">
   <p:cSld>
     <p:spTree>
@@ -9105,7 +6209,7 @@
                   <a:schemeClr val="tx1"/>
                 </a:solidFill>
               </a:rPr>
-              <a:t>9</a:t>
+              <a:t>11</a:t>
             </a:fld>
             <a:endParaRPr lang="ru-RU" sz="2000" b="1">
               <a:solidFill>
@@ -10821,6 +7925,3182 @@
 </p:sld>
 </file>
 
+<file path=ppt/slides/slide12.xml><?xml version="1.0" encoding="utf-8"?>
+<p:sld xmlns:a="http://schemas.openxmlformats.org/drawingml/2006/main" xmlns:r="http://schemas.openxmlformats.org/officeDocument/2006/relationships" xmlns:p="http://schemas.openxmlformats.org/presentationml/2006/main">
+  <p:cSld>
+    <p:spTree>
+      <p:nvGrpSpPr>
+        <p:cNvPr id="1" name=""/>
+        <p:cNvGrpSpPr/>
+        <p:nvPr/>
+      </p:nvGrpSpPr>
+      <p:grpSpPr>
+        <a:xfrm>
+          <a:off x="0" y="0"/>
+          <a:ext cx="0" cy="0"/>
+          <a:chOff x="0" y="0"/>
+          <a:chExt cx="0" cy="0"/>
+        </a:xfrm>
+      </p:grpSpPr>
+      <p:sp>
+        <p:nvSpPr>
+          <p:cNvPr id="4" name="TextBox 3"/>
+          <p:cNvSpPr txBox="1"/>
+          <p:nvPr/>
+        </p:nvSpPr>
+        <p:spPr>
+          <a:xfrm>
+            <a:off x="2351319" y="215407"/>
+            <a:ext cx="7898675" cy="523220"/>
+          </a:xfrm>
+          <a:prstGeom prst="rect">
+            <a:avLst/>
+          </a:prstGeom>
+          <a:noFill/>
+        </p:spPr>
+        <p:txBody>
+          <a:bodyPr wrap="square" rtlCol="0" anchor="ctr" anchorCtr="1">
+            <a:spAutoFit/>
+          </a:bodyPr>
+          <a:lstStyle/>
+          <a:p>
+            <a:pPr algn="ctr"/>
+            <a:r>
+              <a:rPr lang="ru-RU" sz="2800" dirty="0">
+                <a:solidFill>
+                  <a:schemeClr val="bg1"/>
+                </a:solidFill>
+                <a:latin typeface="Elektra Text Pro" panose="02000503030000020004" pitchFamily="50" charset="-52"/>
+              </a:rPr>
+              <a:t>Прототип пользовательского интерфейса</a:t>
+            </a:r>
+          </a:p>
+        </p:txBody>
+      </p:sp>
+      <p:sp>
+        <p:nvSpPr>
+          <p:cNvPr id="7" name="Номер слайда 2"/>
+          <p:cNvSpPr>
+            <a:spLocks noGrp="1"/>
+          </p:cNvSpPr>
+          <p:nvPr>
+            <p:ph type="sldNum" sz="quarter" idx="12"/>
+          </p:nvPr>
+        </p:nvSpPr>
+        <p:spPr>
+          <a:xfrm>
+            <a:off x="8736463" y="6356351"/>
+            <a:ext cx="2844430" cy="365125"/>
+          </a:xfrm>
+        </p:spPr>
+        <p:txBody>
+          <a:bodyPr/>
+          <a:lstStyle/>
+          <a:p>
+            <a:fld id="{E2656834-4BAB-4DB1-9FED-8310CA017EAF}" type="slidenum">
+              <a:rPr lang="ru-RU" sz="2000" b="1" smtClean="0">
+                <a:solidFill>
+                  <a:schemeClr val="tx1"/>
+                </a:solidFill>
+              </a:rPr>
+              <a:t>12</a:t>
+            </a:fld>
+            <a:endParaRPr lang="ru-RU" sz="2000" b="1" dirty="0">
+              <a:solidFill>
+                <a:schemeClr val="tx1"/>
+              </a:solidFill>
+            </a:endParaRPr>
+          </a:p>
+        </p:txBody>
+      </p:sp>
+      <p:pic>
+        <p:nvPicPr>
+          <p:cNvPr id="8" name="Рисунок 7">
+            <a:extLst>
+              <a:ext uri="{FF2B5EF4-FFF2-40B4-BE49-F238E27FC236}">
+                <a16:creationId xmlns:a16="http://schemas.microsoft.com/office/drawing/2014/main" id="{AA4A74FC-9F08-49FB-B66D-B3F1ECAD9116}"/>
+              </a:ext>
+            </a:extLst>
+          </p:cNvPr>
+          <p:cNvPicPr/>
+          <p:nvPr/>
+        </p:nvPicPr>
+        <p:blipFill>
+          <a:blip r:embed="rId2">
+            <a:extLst>
+              <a:ext uri="{BEBA8EAE-BF5A-486C-A8C5-ECC9F3942E4B}">
+                <a14:imgProps xmlns:a14="http://schemas.microsoft.com/office/drawing/2010/main">
+                  <a14:imgLayer r:embed="rId3">
+                    <a14:imgEffect>
+                      <a14:sharpenSoften amount="50000"/>
+                    </a14:imgEffect>
+                  </a14:imgLayer>
+                </a14:imgProps>
+              </a:ext>
+              <a:ext uri="{28A0092B-C50C-407E-A947-70E740481C1C}">
+                <a14:useLocalDpi xmlns:a14="http://schemas.microsoft.com/office/drawing/2010/main" val="0"/>
+              </a:ext>
+            </a:extLst>
+          </a:blip>
+          <a:srcRect/>
+          <a:stretch>
+            <a:fillRect/>
+          </a:stretch>
+        </p:blipFill>
+        <p:spPr bwMode="auto">
+          <a:xfrm>
+            <a:off x="444738" y="1300930"/>
+            <a:ext cx="1828800" cy="4351094"/>
+          </a:xfrm>
+          <a:prstGeom prst="rect">
+            <a:avLst/>
+          </a:prstGeom>
+          <a:noFill/>
+          <a:ln>
+            <a:noFill/>
+          </a:ln>
+        </p:spPr>
+      </p:pic>
+      <p:pic>
+        <p:nvPicPr>
+          <p:cNvPr id="10" name="Рисунок 9">
+            <a:extLst>
+              <a:ext uri="{FF2B5EF4-FFF2-40B4-BE49-F238E27FC236}">
+                <a16:creationId xmlns:a16="http://schemas.microsoft.com/office/drawing/2014/main" id="{FFD4CF21-ED35-496F-AC86-5DBC51F0562D}"/>
+              </a:ext>
+            </a:extLst>
+          </p:cNvPr>
+          <p:cNvPicPr/>
+          <p:nvPr/>
+        </p:nvPicPr>
+        <p:blipFill>
+          <a:blip r:embed="rId4">
+            <a:extLst>
+              <a:ext uri="{BEBA8EAE-BF5A-486C-A8C5-ECC9F3942E4B}">
+                <a14:imgProps xmlns:a14="http://schemas.microsoft.com/office/drawing/2010/main">
+                  <a14:imgLayer r:embed="rId5">
+                    <a14:imgEffect>
+                      <a14:sharpenSoften amount="50000"/>
+                    </a14:imgEffect>
+                  </a14:imgLayer>
+                </a14:imgProps>
+              </a:ext>
+              <a:ext uri="{28A0092B-C50C-407E-A947-70E740481C1C}">
+                <a14:useLocalDpi xmlns:a14="http://schemas.microsoft.com/office/drawing/2010/main" val="0"/>
+              </a:ext>
+            </a:extLst>
+          </a:blip>
+          <a:srcRect/>
+          <a:stretch>
+            <a:fillRect/>
+          </a:stretch>
+        </p:blipFill>
+        <p:spPr bwMode="auto">
+          <a:xfrm>
+            <a:off x="2657904" y="1300930"/>
+            <a:ext cx="1828800" cy="4351094"/>
+          </a:xfrm>
+          <a:prstGeom prst="rect">
+            <a:avLst/>
+          </a:prstGeom>
+          <a:noFill/>
+          <a:ln>
+            <a:noFill/>
+          </a:ln>
+        </p:spPr>
+      </p:pic>
+      <p:pic>
+        <p:nvPicPr>
+          <p:cNvPr id="11" name="Рисунок 10">
+            <a:extLst>
+              <a:ext uri="{FF2B5EF4-FFF2-40B4-BE49-F238E27FC236}">
+                <a16:creationId xmlns:a16="http://schemas.microsoft.com/office/drawing/2014/main" id="{AED95EAA-765A-4D9C-AE45-40A8DC717FB0}"/>
+              </a:ext>
+            </a:extLst>
+          </p:cNvPr>
+          <p:cNvPicPr/>
+          <p:nvPr/>
+        </p:nvPicPr>
+        <p:blipFill>
+          <a:blip r:embed="rId6">
+            <a:extLst>
+              <a:ext uri="{BEBA8EAE-BF5A-486C-A8C5-ECC9F3942E4B}">
+                <a14:imgProps xmlns:a14="http://schemas.microsoft.com/office/drawing/2010/main">
+                  <a14:imgLayer r:embed="rId7">
+                    <a14:imgEffect>
+                      <a14:sharpenSoften amount="50000"/>
+                    </a14:imgEffect>
+                  </a14:imgLayer>
+                </a14:imgProps>
+              </a:ext>
+              <a:ext uri="{28A0092B-C50C-407E-A947-70E740481C1C}">
+                <a14:useLocalDpi xmlns:a14="http://schemas.microsoft.com/office/drawing/2010/main" val="0"/>
+              </a:ext>
+            </a:extLst>
+          </a:blip>
+          <a:srcRect/>
+          <a:stretch>
+            <a:fillRect/>
+          </a:stretch>
+        </p:blipFill>
+        <p:spPr bwMode="auto">
+          <a:xfrm>
+            <a:off x="4871070" y="1187528"/>
+            <a:ext cx="1828800" cy="4482944"/>
+          </a:xfrm>
+          <a:prstGeom prst="rect">
+            <a:avLst/>
+          </a:prstGeom>
+          <a:noFill/>
+          <a:ln>
+            <a:noFill/>
+          </a:ln>
+        </p:spPr>
+      </p:pic>
+      <p:pic>
+        <p:nvPicPr>
+          <p:cNvPr id="12" name="Рисунок 11">
+            <a:extLst>
+              <a:ext uri="{FF2B5EF4-FFF2-40B4-BE49-F238E27FC236}">
+                <a16:creationId xmlns:a16="http://schemas.microsoft.com/office/drawing/2014/main" id="{2DCD0A00-EDFC-44CC-917D-63C9911AC4C8}"/>
+              </a:ext>
+            </a:extLst>
+          </p:cNvPr>
+          <p:cNvPicPr/>
+          <p:nvPr/>
+        </p:nvPicPr>
+        <p:blipFill>
+          <a:blip r:embed="rId8">
+            <a:extLst>
+              <a:ext uri="{BEBA8EAE-BF5A-486C-A8C5-ECC9F3942E4B}">
+                <a14:imgProps xmlns:a14="http://schemas.microsoft.com/office/drawing/2010/main">
+                  <a14:imgLayer r:embed="rId9">
+                    <a14:imgEffect>
+                      <a14:sharpenSoften amount="50000"/>
+                    </a14:imgEffect>
+                  </a14:imgLayer>
+                </a14:imgProps>
+              </a:ext>
+              <a:ext uri="{28A0092B-C50C-407E-A947-70E740481C1C}">
+                <a14:useLocalDpi xmlns:a14="http://schemas.microsoft.com/office/drawing/2010/main" val="0"/>
+              </a:ext>
+            </a:extLst>
+          </a:blip>
+          <a:srcRect/>
+          <a:stretch>
+            <a:fillRect/>
+          </a:stretch>
+        </p:blipFill>
+        <p:spPr bwMode="auto">
+          <a:xfrm>
+            <a:off x="7084236" y="1300930"/>
+            <a:ext cx="1828800" cy="4351094"/>
+          </a:xfrm>
+          <a:prstGeom prst="rect">
+            <a:avLst/>
+          </a:prstGeom>
+          <a:noFill/>
+          <a:ln>
+            <a:noFill/>
+          </a:ln>
+        </p:spPr>
+      </p:pic>
+      <p:pic>
+        <p:nvPicPr>
+          <p:cNvPr id="13" name="Рисунок 12">
+            <a:extLst>
+              <a:ext uri="{FF2B5EF4-FFF2-40B4-BE49-F238E27FC236}">
+                <a16:creationId xmlns:a16="http://schemas.microsoft.com/office/drawing/2014/main" id="{1D415073-831B-4BA7-BA79-1E56474F292F}"/>
+              </a:ext>
+            </a:extLst>
+          </p:cNvPr>
+          <p:cNvPicPr/>
+          <p:nvPr/>
+        </p:nvPicPr>
+        <p:blipFill>
+          <a:blip r:embed="rId10">
+            <a:extLst>
+              <a:ext uri="{BEBA8EAE-BF5A-486C-A8C5-ECC9F3942E4B}">
+                <a14:imgProps xmlns:a14="http://schemas.microsoft.com/office/drawing/2010/main">
+                  <a14:imgLayer r:embed="rId11">
+                    <a14:imgEffect>
+                      <a14:sharpenSoften amount="50000"/>
+                    </a14:imgEffect>
+                  </a14:imgLayer>
+                </a14:imgProps>
+              </a:ext>
+              <a:ext uri="{28A0092B-C50C-407E-A947-70E740481C1C}">
+                <a14:useLocalDpi xmlns:a14="http://schemas.microsoft.com/office/drawing/2010/main" val="0"/>
+              </a:ext>
+            </a:extLst>
+          </a:blip>
+          <a:srcRect/>
+          <a:stretch>
+            <a:fillRect/>
+          </a:stretch>
+        </p:blipFill>
+        <p:spPr bwMode="auto">
+          <a:xfrm>
+            <a:off x="9297402" y="1300930"/>
+            <a:ext cx="1828800" cy="4351094"/>
+          </a:xfrm>
+          <a:prstGeom prst="rect">
+            <a:avLst/>
+          </a:prstGeom>
+          <a:noFill/>
+          <a:ln>
+            <a:noFill/>
+          </a:ln>
+        </p:spPr>
+      </p:pic>
+    </p:spTree>
+    <p:extLst>
+      <p:ext uri="{BB962C8B-B14F-4D97-AF65-F5344CB8AC3E}">
+        <p14:creationId xmlns:p14="http://schemas.microsoft.com/office/powerpoint/2010/main" val="1457085305"/>
+      </p:ext>
+    </p:extLst>
+  </p:cSld>
+  <p:clrMapOvr>
+    <a:masterClrMapping/>
+  </p:clrMapOvr>
+</p:sld>
+</file>
+
+<file path=ppt/slides/slide13.xml><?xml version="1.0" encoding="utf-8"?>
+<p:sld xmlns:a="http://schemas.openxmlformats.org/drawingml/2006/main" xmlns:r="http://schemas.openxmlformats.org/officeDocument/2006/relationships" xmlns:p="http://schemas.openxmlformats.org/presentationml/2006/main">
+  <p:cSld>
+    <p:spTree>
+      <p:nvGrpSpPr>
+        <p:cNvPr id="1" name=""/>
+        <p:cNvGrpSpPr/>
+        <p:nvPr/>
+      </p:nvGrpSpPr>
+      <p:grpSpPr>
+        <a:xfrm>
+          <a:off x="0" y="0"/>
+          <a:ext cx="0" cy="0"/>
+          <a:chOff x="0" y="0"/>
+          <a:chExt cx="0" cy="0"/>
+        </a:xfrm>
+      </p:grpSpPr>
+      <p:sp>
+        <p:nvSpPr>
+          <p:cNvPr id="4" name="TextBox 3"/>
+          <p:cNvSpPr txBox="1"/>
+          <p:nvPr/>
+        </p:nvSpPr>
+        <p:spPr>
+          <a:xfrm>
+            <a:off x="2351319" y="215407"/>
+            <a:ext cx="7898675" cy="523220"/>
+          </a:xfrm>
+          <a:prstGeom prst="rect">
+            <a:avLst/>
+          </a:prstGeom>
+          <a:noFill/>
+        </p:spPr>
+        <p:txBody>
+          <a:bodyPr wrap="square" rtlCol="0" anchor="ctr" anchorCtr="1">
+            <a:spAutoFit/>
+          </a:bodyPr>
+          <a:lstStyle/>
+          <a:p>
+            <a:pPr algn="ctr"/>
+            <a:r>
+              <a:rPr lang="ru-RU" sz="2800" dirty="0">
+                <a:solidFill>
+                  <a:schemeClr val="bg1"/>
+                </a:solidFill>
+                <a:latin typeface="Elektra Text Pro" panose="02000503030000020004" pitchFamily="50" charset="-52"/>
+              </a:rPr>
+              <a:t>Заключение</a:t>
+            </a:r>
+          </a:p>
+        </p:txBody>
+      </p:sp>
+      <p:sp>
+        <p:nvSpPr>
+          <p:cNvPr id="6" name="TextBox 5"/>
+          <p:cNvSpPr txBox="1"/>
+          <p:nvPr/>
+        </p:nvSpPr>
+        <p:spPr>
+          <a:xfrm>
+            <a:off x="447512" y="980728"/>
+            <a:ext cx="11295387" cy="3785652"/>
+          </a:xfrm>
+          <a:prstGeom prst="rect">
+            <a:avLst/>
+          </a:prstGeom>
+        </p:spPr>
+        <p:txBody>
+          <a:bodyPr vert="horz" wrap="square" lIns="91440" tIns="45720" rIns="91440" bIns="45720" rtlCol="0" anchor="ctr">
+            <a:spAutoFit/>
+          </a:bodyPr>
+          <a:lstStyle/>
+          <a:p>
+            <a:pPr marL="285750" indent="-285750">
+              <a:buFont typeface="Arial" panose="020B0604020202020204" pitchFamily="34" charset="0"/>
+              <a:buChar char="•"/>
+            </a:pPr>
+            <a:r>
+              <a:rPr lang="ru-RU" sz="4800" dirty="0"/>
+              <a:t>Проведен анализ предметной области</a:t>
+            </a:r>
+          </a:p>
+          <a:p>
+            <a:pPr marL="285750" indent="-285750">
+              <a:buFont typeface="Arial" panose="020B0604020202020204" pitchFamily="34" charset="0"/>
+              <a:buChar char="•"/>
+            </a:pPr>
+            <a:r>
+              <a:rPr lang="ru-RU" sz="4800" dirty="0"/>
+              <a:t>Проведен обзор систем-аналогов</a:t>
+            </a:r>
+          </a:p>
+          <a:p>
+            <a:pPr marL="285750" indent="-285750">
+              <a:buFont typeface="Arial" panose="020B0604020202020204" pitchFamily="34" charset="0"/>
+              <a:buChar char="•"/>
+            </a:pPr>
+            <a:r>
+              <a:rPr lang="ru-RU" sz="4800" dirty="0"/>
+              <a:t>Поставлена задача</a:t>
+            </a:r>
+          </a:p>
+          <a:p>
+            <a:pPr marL="285750" indent="-285750">
+              <a:buFont typeface="Arial" panose="020B0604020202020204" pitchFamily="34" charset="0"/>
+              <a:buChar char="•"/>
+            </a:pPr>
+            <a:r>
+              <a:rPr lang="ru-RU" sz="4800" dirty="0"/>
+              <a:t>Разработаны прототипы пользовательского интерфейса</a:t>
+            </a:r>
+          </a:p>
+        </p:txBody>
+      </p:sp>
+      <p:sp>
+        <p:nvSpPr>
+          <p:cNvPr id="7" name="Номер слайда 2"/>
+          <p:cNvSpPr>
+            <a:spLocks noGrp="1"/>
+          </p:cNvSpPr>
+          <p:nvPr>
+            <p:ph type="sldNum" sz="quarter" idx="12"/>
+          </p:nvPr>
+        </p:nvSpPr>
+        <p:spPr>
+          <a:xfrm>
+            <a:off x="8736463" y="6356351"/>
+            <a:ext cx="2844430" cy="365125"/>
+          </a:xfrm>
+        </p:spPr>
+        <p:txBody>
+          <a:bodyPr/>
+          <a:lstStyle/>
+          <a:p>
+            <a:fld id="{E2656834-4BAB-4DB1-9FED-8310CA017EAF}" type="slidenum">
+              <a:rPr lang="ru-RU" sz="2000" b="1" smtClean="0">
+                <a:solidFill>
+                  <a:schemeClr val="tx1"/>
+                </a:solidFill>
+              </a:rPr>
+              <a:t>13</a:t>
+            </a:fld>
+            <a:endParaRPr lang="ru-RU" sz="2000" b="1" dirty="0">
+              <a:solidFill>
+                <a:schemeClr val="tx1"/>
+              </a:solidFill>
+            </a:endParaRPr>
+          </a:p>
+        </p:txBody>
+      </p:sp>
+    </p:spTree>
+    <p:extLst>
+      <p:ext uri="{BB962C8B-B14F-4D97-AF65-F5344CB8AC3E}">
+        <p14:creationId xmlns:p14="http://schemas.microsoft.com/office/powerpoint/2010/main" val="2474415876"/>
+      </p:ext>
+    </p:extLst>
+  </p:cSld>
+  <p:clrMapOvr>
+    <a:masterClrMapping/>
+  </p:clrMapOvr>
+</p:sld>
+</file>
+
+<file path=ppt/slides/slide14.xml><?xml version="1.0" encoding="utf-8"?>
+<p:sld xmlns:a="http://schemas.openxmlformats.org/drawingml/2006/main" xmlns:r="http://schemas.openxmlformats.org/officeDocument/2006/relationships" xmlns:p="http://schemas.openxmlformats.org/presentationml/2006/main">
+  <p:cSld>
+    <p:spTree>
+      <p:nvGrpSpPr>
+        <p:cNvPr id="1" name=""/>
+        <p:cNvGrpSpPr/>
+        <p:nvPr/>
+      </p:nvGrpSpPr>
+      <p:grpSpPr>
+        <a:xfrm>
+          <a:off x="0" y="0"/>
+          <a:ext cx="0" cy="0"/>
+          <a:chOff x="0" y="0"/>
+          <a:chExt cx="0" cy="0"/>
+        </a:xfrm>
+      </p:grpSpPr>
+      <p:sp>
+        <p:nvSpPr>
+          <p:cNvPr id="2" name="Заголовок 1"/>
+          <p:cNvSpPr>
+            <a:spLocks noGrp="1"/>
+          </p:cNvSpPr>
+          <p:nvPr>
+            <p:ph type="title"/>
+          </p:nvPr>
+        </p:nvSpPr>
+        <p:spPr/>
+        <p:txBody>
+          <a:bodyPr/>
+          <a:lstStyle/>
+          <a:p>
+            <a:endParaRPr lang="ru-RU"/>
+          </a:p>
+        </p:txBody>
+      </p:sp>
+      <p:pic>
+        <p:nvPicPr>
+          <p:cNvPr id="4" name="Рисунок 3"/>
+          <p:cNvPicPr>
+            <a:picLocks noChangeAspect="1"/>
+          </p:cNvPicPr>
+          <p:nvPr/>
+        </p:nvPicPr>
+        <p:blipFill>
+          <a:blip r:embed="rId2" cstate="print">
+            <a:extLst>
+              <a:ext uri="{28A0092B-C50C-407E-A947-70E740481C1C}">
+                <a14:useLocalDpi xmlns:a14="http://schemas.microsoft.com/office/drawing/2010/main" val="0"/>
+              </a:ext>
+            </a:extLst>
+          </a:blip>
+          <a:stretch>
+            <a:fillRect/>
+          </a:stretch>
+        </p:blipFill>
+        <p:spPr>
+          <a:xfrm>
+            <a:off x="0" y="1713"/>
+            <a:ext cx="12192000" cy="6854573"/>
+          </a:xfrm>
+          <a:prstGeom prst="rect">
+            <a:avLst/>
+          </a:prstGeom>
+        </p:spPr>
+      </p:pic>
+      <p:sp>
+        <p:nvSpPr>
+          <p:cNvPr id="5" name="TextBox 4"/>
+          <p:cNvSpPr txBox="1"/>
+          <p:nvPr/>
+        </p:nvSpPr>
+        <p:spPr>
+          <a:xfrm>
+            <a:off x="4655046" y="3121627"/>
+            <a:ext cx="7260321" cy="1015663"/>
+          </a:xfrm>
+          <a:prstGeom prst="rect">
+            <a:avLst/>
+          </a:prstGeom>
+        </p:spPr>
+        <p:txBody>
+          <a:bodyPr vert="horz" wrap="none" lIns="91440" tIns="45720" rIns="91440" bIns="45720" rtlCol="0" anchor="ctr">
+            <a:spAutoFit/>
+          </a:bodyPr>
+          <a:lstStyle/>
+          <a:p>
+            <a:r>
+              <a:rPr lang="ru-RU" sz="6000" dirty="0">
+                <a:solidFill>
+                  <a:schemeClr val="bg1"/>
+                </a:solidFill>
+                <a:latin typeface="+mj-lt"/>
+              </a:rPr>
+              <a:t>Спасибо за внимание</a:t>
+            </a:r>
+          </a:p>
+        </p:txBody>
+      </p:sp>
+      <p:sp>
+        <p:nvSpPr>
+          <p:cNvPr id="3" name="Номер слайда 2"/>
+          <p:cNvSpPr>
+            <a:spLocks noGrp="1"/>
+          </p:cNvSpPr>
+          <p:nvPr>
+            <p:ph type="sldNum" sz="quarter" idx="12"/>
+          </p:nvPr>
+        </p:nvSpPr>
+        <p:spPr/>
+        <p:txBody>
+          <a:bodyPr/>
+          <a:lstStyle/>
+          <a:p>
+            <a:fld id="{E2656834-4BAB-4DB1-9FED-8310CA017EAF}" type="slidenum">
+              <a:rPr lang="ru-RU" smtClean="0"/>
+              <a:t>14</a:t>
+            </a:fld>
+            <a:endParaRPr lang="ru-RU"/>
+          </a:p>
+        </p:txBody>
+      </p:sp>
+    </p:spTree>
+    <p:extLst>
+      <p:ext uri="{BB962C8B-B14F-4D97-AF65-F5344CB8AC3E}">
+        <p14:creationId xmlns:p14="http://schemas.microsoft.com/office/powerpoint/2010/main" val="3032140843"/>
+      </p:ext>
+    </p:extLst>
+  </p:cSld>
+  <p:clrMapOvr>
+    <a:masterClrMapping/>
+  </p:clrMapOvr>
+</p:sld>
+</file>
+
+<file path=ppt/slides/slide2.xml><?xml version="1.0" encoding="utf-8"?>
+<p:sld xmlns:a="http://schemas.openxmlformats.org/drawingml/2006/main" xmlns:r="http://schemas.openxmlformats.org/officeDocument/2006/relationships" xmlns:p="http://schemas.openxmlformats.org/presentationml/2006/main">
+  <p:cSld>
+    <p:spTree>
+      <p:nvGrpSpPr>
+        <p:cNvPr id="1" name=""/>
+        <p:cNvGrpSpPr/>
+        <p:nvPr/>
+      </p:nvGrpSpPr>
+      <p:grpSpPr>
+        <a:xfrm>
+          <a:off x="0" y="0"/>
+          <a:ext cx="0" cy="0"/>
+          <a:chOff x="0" y="0"/>
+          <a:chExt cx="0" cy="0"/>
+        </a:xfrm>
+      </p:grpSpPr>
+      <p:sp>
+        <p:nvSpPr>
+          <p:cNvPr id="3" name="Объект 2"/>
+          <p:cNvSpPr>
+            <a:spLocks noGrp="1"/>
+          </p:cNvSpPr>
+          <p:nvPr>
+            <p:ph idx="1"/>
+          </p:nvPr>
+        </p:nvSpPr>
+        <p:spPr>
+          <a:xfrm>
+            <a:off x="550590" y="1412776"/>
+            <a:ext cx="11030303" cy="4392488"/>
+          </a:xfrm>
+        </p:spPr>
+        <p:txBody>
+          <a:bodyPr>
+            <a:noAutofit/>
+          </a:bodyPr>
+          <a:lstStyle/>
+          <a:p>
+            <a:r>
+              <a:rPr lang="ru-RU" sz="4400" dirty="0"/>
+              <a:t>Рост вычислительной мощности смартфона</a:t>
+            </a:r>
+          </a:p>
+          <a:p>
+            <a:r>
+              <a:rPr lang="ru-RU" sz="4400" dirty="0"/>
+              <a:t>Внедрение передовых и точных датчиков на смартфон</a:t>
+            </a:r>
+          </a:p>
+          <a:p>
+            <a:r>
+              <a:rPr lang="ru-RU" sz="4400" dirty="0"/>
+              <a:t>Увеличение количества зданий, в которых необходимо вести навигацию</a:t>
+            </a:r>
+          </a:p>
+        </p:txBody>
+      </p:sp>
+      <p:sp>
+        <p:nvSpPr>
+          <p:cNvPr id="5" name="TextBox 4"/>
+          <p:cNvSpPr txBox="1"/>
+          <p:nvPr/>
+        </p:nvSpPr>
+        <p:spPr>
+          <a:xfrm>
+            <a:off x="2351319" y="215407"/>
+            <a:ext cx="7898675" cy="523220"/>
+          </a:xfrm>
+          <a:prstGeom prst="rect">
+            <a:avLst/>
+          </a:prstGeom>
+          <a:noFill/>
+        </p:spPr>
+        <p:txBody>
+          <a:bodyPr wrap="square" rtlCol="0" anchor="ctr" anchorCtr="1">
+            <a:spAutoFit/>
+          </a:bodyPr>
+          <a:lstStyle/>
+          <a:p>
+            <a:pPr algn="ctr"/>
+            <a:r>
+              <a:rPr lang="ru-RU" sz="2800" dirty="0">
+                <a:solidFill>
+                  <a:schemeClr val="bg1"/>
+                </a:solidFill>
+                <a:latin typeface="Elektra Text Pro" panose="02000503030000020004" pitchFamily="50" charset="-52"/>
+              </a:rPr>
+              <a:t>Актуальность</a:t>
+            </a:r>
+          </a:p>
+        </p:txBody>
+      </p:sp>
+      <p:sp>
+        <p:nvSpPr>
+          <p:cNvPr id="7" name="Номер слайда 2"/>
+          <p:cNvSpPr>
+            <a:spLocks noGrp="1"/>
+          </p:cNvSpPr>
+          <p:nvPr>
+            <p:ph type="sldNum" sz="quarter" idx="12"/>
+          </p:nvPr>
+        </p:nvSpPr>
+        <p:spPr>
+          <a:xfrm>
+            <a:off x="8736463" y="6356351"/>
+            <a:ext cx="2844430" cy="365125"/>
+          </a:xfrm>
+        </p:spPr>
+        <p:txBody>
+          <a:bodyPr/>
+          <a:lstStyle/>
+          <a:p>
+            <a:fld id="{E2656834-4BAB-4DB1-9FED-8310CA017EAF}" type="slidenum">
+              <a:rPr lang="ru-RU" sz="2000" b="1" smtClean="0">
+                <a:solidFill>
+                  <a:schemeClr val="tx1"/>
+                </a:solidFill>
+              </a:rPr>
+              <a:t>2</a:t>
+            </a:fld>
+            <a:endParaRPr lang="ru-RU" sz="2000" b="1" dirty="0">
+              <a:solidFill>
+                <a:schemeClr val="tx1"/>
+              </a:solidFill>
+            </a:endParaRPr>
+          </a:p>
+        </p:txBody>
+      </p:sp>
+      <p:pic>
+        <p:nvPicPr>
+          <p:cNvPr id="1026" name="Picture 2">
+            <a:extLst>
+              <a:ext uri="{FF2B5EF4-FFF2-40B4-BE49-F238E27FC236}">
+                <a16:creationId xmlns:a16="http://schemas.microsoft.com/office/drawing/2014/main" id="{ACDB40C9-0CFA-4A02-A99F-0D0ABFA54053}"/>
+              </a:ext>
+            </a:extLst>
+          </p:cNvPr>
+          <p:cNvPicPr>
+            <a:picLocks noChangeAspect="1" noChangeArrowheads="1"/>
+          </p:cNvPicPr>
+          <p:nvPr/>
+        </p:nvPicPr>
+        <p:blipFill>
+          <a:blip r:embed="rId2" cstate="print">
+            <a:extLst>
+              <a:ext uri="{28A0092B-C50C-407E-A947-70E740481C1C}">
+                <a14:useLocalDpi xmlns:a14="http://schemas.microsoft.com/office/drawing/2010/main" val="0"/>
+              </a:ext>
+            </a:extLst>
+          </a:blip>
+          <a:srcRect/>
+          <a:stretch>
+            <a:fillRect/>
+          </a:stretch>
+        </p:blipFill>
+        <p:spPr bwMode="auto">
+          <a:xfrm>
+            <a:off x="8300826" y="4365104"/>
+            <a:ext cx="3358902" cy="1889191"/>
+          </a:xfrm>
+          <a:prstGeom prst="rect">
+            <a:avLst/>
+          </a:prstGeom>
+          <a:noFill/>
+          <a:extLst>
+            <a:ext uri="{909E8E84-426E-40DD-AFC4-6F175D3DCCD1}">
+              <a14:hiddenFill xmlns:a14="http://schemas.microsoft.com/office/drawing/2010/main">
+                <a:solidFill>
+                  <a:srgbClr val="FFFFFF"/>
+                </a:solidFill>
+              </a14:hiddenFill>
+            </a:ext>
+          </a:extLst>
+        </p:spPr>
+      </p:pic>
+    </p:spTree>
+    <p:extLst>
+      <p:ext uri="{BB962C8B-B14F-4D97-AF65-F5344CB8AC3E}">
+        <p14:creationId xmlns:p14="http://schemas.microsoft.com/office/powerpoint/2010/main" val="348746377"/>
+      </p:ext>
+    </p:extLst>
+  </p:cSld>
+  <p:clrMapOvr>
+    <a:masterClrMapping/>
+  </p:clrMapOvr>
+</p:sld>
+</file>
+
+<file path=ppt/slides/slide3.xml><?xml version="1.0" encoding="utf-8"?>
+<p:sld xmlns:a="http://schemas.openxmlformats.org/drawingml/2006/main" xmlns:r="http://schemas.openxmlformats.org/officeDocument/2006/relationships" xmlns:p="http://schemas.openxmlformats.org/presentationml/2006/main">
+  <p:cSld>
+    <p:spTree>
+      <p:nvGrpSpPr>
+        <p:cNvPr id="1" name=""/>
+        <p:cNvGrpSpPr/>
+        <p:nvPr/>
+      </p:nvGrpSpPr>
+      <p:grpSpPr>
+        <a:xfrm>
+          <a:off x="0" y="0"/>
+          <a:ext cx="0" cy="0"/>
+          <a:chOff x="0" y="0"/>
+          <a:chExt cx="0" cy="0"/>
+        </a:xfrm>
+      </p:grpSpPr>
+      <p:sp>
+        <p:nvSpPr>
+          <p:cNvPr id="2" name="Заголовок 1"/>
+          <p:cNvSpPr>
+            <a:spLocks noGrp="1"/>
+          </p:cNvSpPr>
+          <p:nvPr>
+            <p:ph type="title"/>
+          </p:nvPr>
+        </p:nvSpPr>
+        <p:spPr/>
+        <p:txBody>
+          <a:bodyPr/>
+          <a:lstStyle/>
+          <a:p>
+            <a:r>
+              <a:rPr lang="ru-RU" dirty="0"/>
+              <a:t> </a:t>
+            </a:r>
+          </a:p>
+        </p:txBody>
+      </p:sp>
+      <p:sp>
+        <p:nvSpPr>
+          <p:cNvPr id="7" name="TextBox 6"/>
+          <p:cNvSpPr txBox="1"/>
+          <p:nvPr/>
+        </p:nvSpPr>
+        <p:spPr>
+          <a:xfrm>
+            <a:off x="550590" y="908720"/>
+            <a:ext cx="11208508" cy="830997"/>
+          </a:xfrm>
+          <a:prstGeom prst="rect">
+            <a:avLst/>
+          </a:prstGeom>
+          <a:noFill/>
+        </p:spPr>
+        <p:txBody>
+          <a:bodyPr wrap="square" rtlCol="0">
+            <a:spAutoFit/>
+          </a:bodyPr>
+          <a:lstStyle/>
+          <a:p>
+            <a:pPr algn="just"/>
+            <a:r>
+              <a:rPr lang="ru-RU" sz="2400" b="1" dirty="0"/>
+              <a:t>Цель работы </a:t>
+            </a:r>
+            <a:r>
+              <a:rPr lang="ru-RU" sz="2400" dirty="0"/>
+              <a:t>– разработать навигационную систему, которая будет автономно и независимо от других систем вести навигацию внутри помещений.</a:t>
+            </a:r>
+          </a:p>
+        </p:txBody>
+      </p:sp>
+      <p:graphicFrame>
+        <p:nvGraphicFramePr>
+          <p:cNvPr id="8" name="Схема 7"/>
+          <p:cNvGraphicFramePr/>
+          <p:nvPr>
+            <p:extLst>
+              <p:ext uri="{D42A27DB-BD31-4B8C-83A1-F6EECF244321}">
+                <p14:modId xmlns:p14="http://schemas.microsoft.com/office/powerpoint/2010/main" val="1134883299"/>
+              </p:ext>
+            </p:extLst>
+          </p:nvPr>
+        </p:nvGraphicFramePr>
+        <p:xfrm>
+          <a:off x="430583" y="2201383"/>
+          <a:ext cx="11233248" cy="4395970"/>
+        </p:xfrm>
+        <a:graphic>
+          <a:graphicData uri="http://schemas.openxmlformats.org/drawingml/2006/diagram">
+            <dgm:relIds xmlns:dgm="http://schemas.openxmlformats.org/drawingml/2006/diagram" xmlns:r="http://schemas.openxmlformats.org/officeDocument/2006/relationships" r:dm="rId2" r:lo="rId3" r:qs="rId4" r:cs="rId5"/>
+          </a:graphicData>
+        </a:graphic>
+      </p:graphicFrame>
+      <p:sp>
+        <p:nvSpPr>
+          <p:cNvPr id="10" name="TextBox 9"/>
+          <p:cNvSpPr txBox="1"/>
+          <p:nvPr/>
+        </p:nvSpPr>
+        <p:spPr>
+          <a:xfrm>
+            <a:off x="2351321" y="224589"/>
+            <a:ext cx="7898675" cy="523220"/>
+          </a:xfrm>
+          <a:prstGeom prst="rect">
+            <a:avLst/>
+          </a:prstGeom>
+          <a:noFill/>
+        </p:spPr>
+        <p:txBody>
+          <a:bodyPr wrap="square" rtlCol="0" anchor="ctr" anchorCtr="1">
+            <a:spAutoFit/>
+          </a:bodyPr>
+          <a:lstStyle/>
+          <a:p>
+            <a:pPr algn="ctr"/>
+            <a:r>
+              <a:rPr lang="ru-RU" sz="2800" dirty="0">
+                <a:solidFill>
+                  <a:schemeClr val="bg1"/>
+                </a:solidFill>
+                <a:latin typeface="Elektra Text Pro" panose="02000503030000020004" pitchFamily="50" charset="-52"/>
+              </a:rPr>
+              <a:t>Цели и задачи</a:t>
+            </a:r>
+          </a:p>
+        </p:txBody>
+      </p:sp>
+      <p:sp>
+        <p:nvSpPr>
+          <p:cNvPr id="9" name="TextBox 8"/>
+          <p:cNvSpPr txBox="1"/>
+          <p:nvPr/>
+        </p:nvSpPr>
+        <p:spPr>
+          <a:xfrm>
+            <a:off x="609521" y="1739717"/>
+            <a:ext cx="11208508" cy="461665"/>
+          </a:xfrm>
+          <a:prstGeom prst="rect">
+            <a:avLst/>
+          </a:prstGeom>
+          <a:noFill/>
+        </p:spPr>
+        <p:txBody>
+          <a:bodyPr wrap="square" rtlCol="0">
+            <a:spAutoFit/>
+          </a:bodyPr>
+          <a:lstStyle/>
+          <a:p>
+            <a:pPr algn="just"/>
+            <a:r>
+              <a:rPr lang="ru-RU" sz="2400" b="1" dirty="0"/>
+              <a:t>На защиту выносятся:</a:t>
+            </a:r>
+            <a:endParaRPr lang="ru-RU" sz="2400" dirty="0"/>
+          </a:p>
+        </p:txBody>
+      </p:sp>
+      <p:sp>
+        <p:nvSpPr>
+          <p:cNvPr id="3" name="Номер слайда 2"/>
+          <p:cNvSpPr>
+            <a:spLocks noGrp="1"/>
+          </p:cNvSpPr>
+          <p:nvPr>
+            <p:ph type="sldNum" sz="quarter" idx="12"/>
+          </p:nvPr>
+        </p:nvSpPr>
+        <p:spPr/>
+        <p:txBody>
+          <a:bodyPr/>
+          <a:lstStyle/>
+          <a:p>
+            <a:fld id="{E2656834-4BAB-4DB1-9FED-8310CA017EAF}" type="slidenum">
+              <a:rPr lang="ru-RU" sz="2000" b="1" smtClean="0">
+                <a:solidFill>
+                  <a:schemeClr val="tx1"/>
+                </a:solidFill>
+              </a:rPr>
+              <a:t>3</a:t>
+            </a:fld>
+            <a:endParaRPr lang="ru-RU" sz="2000" b="1" dirty="0">
+              <a:solidFill>
+                <a:schemeClr val="tx1"/>
+              </a:solidFill>
+            </a:endParaRPr>
+          </a:p>
+        </p:txBody>
+      </p:sp>
+    </p:spTree>
+    <p:extLst>
+      <p:ext uri="{BB962C8B-B14F-4D97-AF65-F5344CB8AC3E}">
+        <p14:creationId xmlns:p14="http://schemas.microsoft.com/office/powerpoint/2010/main" val="292644534"/>
+      </p:ext>
+    </p:extLst>
+  </p:cSld>
+  <p:clrMapOvr>
+    <a:masterClrMapping/>
+  </p:clrMapOvr>
+</p:sld>
+</file>
+
+<file path=ppt/slides/slide4.xml><?xml version="1.0" encoding="utf-8"?>
+<p:sld xmlns:a="http://schemas.openxmlformats.org/drawingml/2006/main" xmlns:r="http://schemas.openxmlformats.org/officeDocument/2006/relationships" xmlns:p="http://schemas.openxmlformats.org/presentationml/2006/main">
+  <p:cSld>
+    <p:spTree>
+      <p:nvGrpSpPr>
+        <p:cNvPr id="1" name=""/>
+        <p:cNvGrpSpPr/>
+        <p:nvPr/>
+      </p:nvGrpSpPr>
+      <p:grpSpPr>
+        <a:xfrm>
+          <a:off x="0" y="0"/>
+          <a:ext cx="0" cy="0"/>
+          <a:chOff x="0" y="0"/>
+          <a:chExt cx="0" cy="0"/>
+        </a:xfrm>
+      </p:grpSpPr>
+      <p:sp>
+        <p:nvSpPr>
+          <p:cNvPr id="2" name="Заголовок 1"/>
+          <p:cNvSpPr>
+            <a:spLocks noGrp="1"/>
+          </p:cNvSpPr>
+          <p:nvPr>
+            <p:ph type="title"/>
+          </p:nvPr>
+        </p:nvSpPr>
+        <p:spPr/>
+        <p:txBody>
+          <a:bodyPr/>
+          <a:lstStyle/>
+          <a:p>
+            <a:r>
+              <a:rPr lang="ru-RU" dirty="0"/>
+              <a:t> </a:t>
+            </a:r>
+          </a:p>
+        </p:txBody>
+      </p:sp>
+      <p:sp>
+        <p:nvSpPr>
+          <p:cNvPr id="7" name="TextBox 6"/>
+          <p:cNvSpPr txBox="1"/>
+          <p:nvPr/>
+        </p:nvSpPr>
+        <p:spPr>
+          <a:xfrm>
+            <a:off x="550590" y="908720"/>
+            <a:ext cx="11208508" cy="2251065"/>
+          </a:xfrm>
+          <a:prstGeom prst="rect">
+            <a:avLst/>
+          </a:prstGeom>
+        </p:spPr>
+        <p:txBody>
+          <a:bodyPr wrap="square" rtlCol="0">
+            <a:spAutoFit/>
+          </a:bodyPr>
+          <a:lstStyle/>
+          <a:p>
+            <a:pPr algn="just">
+              <a:lnSpc>
+                <a:spcPct val="150000"/>
+              </a:lnSpc>
+            </a:pPr>
+            <a:r>
+              <a:rPr lang="ru-RU" sz="2400" b="1" dirty="0"/>
+              <a:t>1. </a:t>
+            </a:r>
+            <a:r>
+              <a:rPr lang="ru-RU" sz="2400" dirty="0"/>
+              <a:t>Новый метод навигации по датчикам смартфона, а также трехконтурная архитектура инерциальной навигационной системы для мобильного устройства.</a:t>
+            </a:r>
+          </a:p>
+          <a:p>
+            <a:pPr algn="just">
+              <a:lnSpc>
+                <a:spcPct val="150000"/>
+              </a:lnSpc>
+            </a:pPr>
+            <a:r>
+              <a:rPr lang="ru-RU" sz="2400" b="1" dirty="0"/>
+              <a:t>2. </a:t>
+            </a:r>
+            <a:r>
+              <a:rPr lang="ru-RU" sz="2400" dirty="0"/>
+              <a:t>Алгоритмы функционирования и программное обеспечение автоматизированной системы, реализующие предложенный метод построения маршрута.</a:t>
+            </a:r>
+          </a:p>
+        </p:txBody>
+      </p:sp>
+      <p:sp>
+        <p:nvSpPr>
+          <p:cNvPr id="10" name="TextBox 9"/>
+          <p:cNvSpPr txBox="1"/>
+          <p:nvPr/>
+        </p:nvSpPr>
+        <p:spPr>
+          <a:xfrm>
+            <a:off x="2351321" y="224589"/>
+            <a:ext cx="7898675" cy="523220"/>
+          </a:xfrm>
+          <a:prstGeom prst="rect">
+            <a:avLst/>
+          </a:prstGeom>
+          <a:noFill/>
+        </p:spPr>
+        <p:txBody>
+          <a:bodyPr wrap="square" rtlCol="0" anchor="ctr" anchorCtr="1">
+            <a:spAutoFit/>
+          </a:bodyPr>
+          <a:lstStyle/>
+          <a:p>
+            <a:pPr algn="ctr"/>
+            <a:r>
+              <a:rPr lang="ru-RU" sz="2800" dirty="0">
+                <a:solidFill>
+                  <a:schemeClr val="bg1"/>
+                </a:solidFill>
+                <a:latin typeface="Elektra Text Pro" panose="02000503030000020004" pitchFamily="50" charset="-52"/>
+              </a:rPr>
+              <a:t>Научная новизна</a:t>
+            </a:r>
+          </a:p>
+        </p:txBody>
+      </p:sp>
+      <p:sp>
+        <p:nvSpPr>
+          <p:cNvPr id="3" name="Номер слайда 2"/>
+          <p:cNvSpPr>
+            <a:spLocks noGrp="1"/>
+          </p:cNvSpPr>
+          <p:nvPr>
+            <p:ph type="sldNum" sz="quarter" idx="12"/>
+          </p:nvPr>
+        </p:nvSpPr>
+        <p:spPr/>
+        <p:txBody>
+          <a:bodyPr/>
+          <a:lstStyle/>
+          <a:p>
+            <a:fld id="{E2656834-4BAB-4DB1-9FED-8310CA017EAF}" type="slidenum">
+              <a:rPr lang="ru-RU" sz="2000" b="1" smtClean="0">
+                <a:solidFill>
+                  <a:schemeClr val="tx1"/>
+                </a:solidFill>
+              </a:rPr>
+              <a:t>4</a:t>
+            </a:fld>
+            <a:endParaRPr lang="ru-RU" sz="2000" b="1" dirty="0">
+              <a:solidFill>
+                <a:schemeClr val="tx1"/>
+              </a:solidFill>
+            </a:endParaRPr>
+          </a:p>
+        </p:txBody>
+      </p:sp>
+      <p:sp>
+        <p:nvSpPr>
+          <p:cNvPr id="11" name="TextBox 10">
+            <a:extLst>
+              <a:ext uri="{FF2B5EF4-FFF2-40B4-BE49-F238E27FC236}">
+                <a16:creationId xmlns:a16="http://schemas.microsoft.com/office/drawing/2014/main" id="{A4E7E061-527F-4523-8A6F-274448E65583}"/>
+              </a:ext>
+            </a:extLst>
+          </p:cNvPr>
+          <p:cNvSpPr txBox="1"/>
+          <p:nvPr/>
+        </p:nvSpPr>
+        <p:spPr>
+          <a:xfrm>
+            <a:off x="504858" y="3462781"/>
+            <a:ext cx="11180695" cy="2805063"/>
+          </a:xfrm>
+          <a:prstGeom prst="rect">
+            <a:avLst/>
+          </a:prstGeom>
+          <a:noFill/>
+        </p:spPr>
+        <p:txBody>
+          <a:bodyPr wrap="square">
+            <a:spAutoFit/>
+          </a:bodyPr>
+          <a:lstStyle/>
+          <a:p>
+            <a:pPr algn="just">
+              <a:lnSpc>
+                <a:spcPct val="150000"/>
+              </a:lnSpc>
+              <a:buFontTx/>
+              <a:buNone/>
+            </a:pPr>
+            <a:r>
+              <a:rPr lang="ru-RU" altLang="ru-RU" sz="2400" b="1" dirty="0"/>
+              <a:t>Практическая ценность работы</a:t>
+            </a:r>
+            <a:r>
+              <a:rPr lang="ru-RU" altLang="ru-RU" sz="2400" dirty="0"/>
+              <a:t> заключается в разработке автоматизированной </a:t>
+            </a:r>
+            <a:r>
+              <a:rPr lang="ru-RU" sz="2400" dirty="0">
+                <a:effectLst/>
+                <a:ea typeface="Times New Roman" panose="02020603050405020304" pitchFamily="18" charset="0"/>
+              </a:rPr>
+              <a:t>системы навигации внутри помещений с помощью инерциальной технологии локального позиционирования мобильных устройств, которая может применяться для решения задачи поиска и построения маршрута в помещениях, например, торговые центры.</a:t>
+            </a:r>
+            <a:endParaRPr lang="ru-RU" altLang="ru-RU" sz="2400" dirty="0"/>
+          </a:p>
+        </p:txBody>
+      </p:sp>
+    </p:spTree>
+    <p:extLst>
+      <p:ext uri="{BB962C8B-B14F-4D97-AF65-F5344CB8AC3E}">
+        <p14:creationId xmlns:p14="http://schemas.microsoft.com/office/powerpoint/2010/main" val="798790406"/>
+      </p:ext>
+    </p:extLst>
+  </p:cSld>
+  <p:clrMapOvr>
+    <a:masterClrMapping/>
+  </p:clrMapOvr>
+</p:sld>
+</file>
+
+<file path=ppt/slides/slide5.xml><?xml version="1.0" encoding="utf-8"?>
+<p:sld xmlns:a="http://schemas.openxmlformats.org/drawingml/2006/main" xmlns:r="http://schemas.openxmlformats.org/officeDocument/2006/relationships" xmlns:p="http://schemas.openxmlformats.org/presentationml/2006/main">
+  <p:cSld>
+    <p:spTree>
+      <p:nvGrpSpPr>
+        <p:cNvPr id="1" name=""/>
+        <p:cNvGrpSpPr/>
+        <p:nvPr/>
+      </p:nvGrpSpPr>
+      <p:grpSpPr>
+        <a:xfrm>
+          <a:off x="0" y="0"/>
+          <a:ext cx="0" cy="0"/>
+          <a:chOff x="0" y="0"/>
+          <a:chExt cx="0" cy="0"/>
+        </a:xfrm>
+      </p:grpSpPr>
+      <p:sp>
+        <p:nvSpPr>
+          <p:cNvPr id="4" name="Номер слайда 3">
+            <a:extLst>
+              <a:ext uri="{FF2B5EF4-FFF2-40B4-BE49-F238E27FC236}">
+                <a16:creationId xmlns:a16="http://schemas.microsoft.com/office/drawing/2014/main" id="{56158B43-F518-4EF9-BBF0-31ABA90A39F7}"/>
+              </a:ext>
+            </a:extLst>
+          </p:cNvPr>
+          <p:cNvSpPr>
+            <a:spLocks noGrp="1"/>
+          </p:cNvSpPr>
+          <p:nvPr>
+            <p:ph type="sldNum" sz="quarter" idx="12"/>
+          </p:nvPr>
+        </p:nvSpPr>
+        <p:spPr/>
+        <p:txBody>
+          <a:bodyPr/>
+          <a:lstStyle/>
+          <a:p>
+            <a:fld id="{E2656834-4BAB-4DB1-9FED-8310CA017EAF}" type="slidenum">
+              <a:rPr lang="ru-RU" smtClean="0"/>
+              <a:t>5</a:t>
+            </a:fld>
+            <a:endParaRPr lang="ru-RU"/>
+          </a:p>
+        </p:txBody>
+      </p:sp>
+      <p:sp>
+        <p:nvSpPr>
+          <p:cNvPr id="5" name="TextBox 4">
+            <a:extLst>
+              <a:ext uri="{FF2B5EF4-FFF2-40B4-BE49-F238E27FC236}">
+                <a16:creationId xmlns:a16="http://schemas.microsoft.com/office/drawing/2014/main" id="{F68C2F41-0FAB-425F-9F24-C9B49BF1A4D7}"/>
+              </a:ext>
+            </a:extLst>
+          </p:cNvPr>
+          <p:cNvSpPr txBox="1"/>
+          <p:nvPr/>
+        </p:nvSpPr>
+        <p:spPr>
+          <a:xfrm>
+            <a:off x="2351319" y="215407"/>
+            <a:ext cx="7898675" cy="523220"/>
+          </a:xfrm>
+          <a:prstGeom prst="rect">
+            <a:avLst/>
+          </a:prstGeom>
+          <a:noFill/>
+        </p:spPr>
+        <p:txBody>
+          <a:bodyPr wrap="square" rtlCol="0" anchor="ctr" anchorCtr="1">
+            <a:spAutoFit/>
+          </a:bodyPr>
+          <a:lstStyle/>
+          <a:p>
+            <a:pPr algn="ctr"/>
+            <a:r>
+              <a:rPr lang="ru-RU" sz="2800" dirty="0">
+                <a:solidFill>
+                  <a:schemeClr val="bg1"/>
+                </a:solidFill>
+                <a:latin typeface="Elektra Text Pro" panose="02000503030000020004" pitchFamily="50" charset="-52"/>
+              </a:rPr>
+              <a:t>Цели работы (постановка задачи)</a:t>
+            </a:r>
+          </a:p>
+        </p:txBody>
+      </p:sp>
+      <p:sp>
+        <p:nvSpPr>
+          <p:cNvPr id="6" name="Прямоугольник 5">
+            <a:extLst>
+              <a:ext uri="{FF2B5EF4-FFF2-40B4-BE49-F238E27FC236}">
+                <a16:creationId xmlns:a16="http://schemas.microsoft.com/office/drawing/2014/main" id="{C8AFD873-780F-4168-B60A-C8068E10D543}"/>
+              </a:ext>
+            </a:extLst>
+          </p:cNvPr>
+          <p:cNvSpPr/>
+          <p:nvPr/>
+        </p:nvSpPr>
+        <p:spPr>
+          <a:xfrm>
+            <a:off x="838622" y="914722"/>
+            <a:ext cx="10945216" cy="5565947"/>
+          </a:xfrm>
+          <a:prstGeom prst="rect">
+            <a:avLst/>
+          </a:prstGeom>
+        </p:spPr>
+        <p:txBody>
+          <a:bodyPr wrap="square">
+            <a:spAutoFit/>
+          </a:bodyPr>
+          <a:lstStyle/>
+          <a:p>
+            <a:pPr algn="just">
+              <a:lnSpc>
+                <a:spcPct val="150000"/>
+              </a:lnSpc>
+              <a:spcAft>
+                <a:spcPts val="0"/>
+              </a:spcAft>
+              <a:tabLst>
+                <a:tab pos="540385" algn="l"/>
+                <a:tab pos="589280" algn="l"/>
+              </a:tabLst>
+            </a:pPr>
+            <a:r>
+              <a:rPr lang="ru-RU" sz="2400" dirty="0">
+                <a:ea typeface="Times New Roman" panose="02020603050405020304" pitchFamily="18" charset="0"/>
+              </a:rPr>
+              <a:t>Требуется разработать мобильное приложение, которое обеспечит инерциальную навигацию с использованием методов, технологий и датчиков.</a:t>
+            </a:r>
+          </a:p>
+          <a:p>
+            <a:pPr lvl="0" algn="just">
+              <a:lnSpc>
+                <a:spcPct val="150000"/>
+              </a:lnSpc>
+              <a:spcAft>
+                <a:spcPts val="0"/>
+              </a:spcAft>
+              <a:buSzPts val="1400"/>
+              <a:tabLst>
+                <a:tab pos="900430" algn="l"/>
+              </a:tabLst>
+            </a:pPr>
+            <a:r>
+              <a:rPr lang="ru-RU" sz="2400" dirty="0">
+                <a:ea typeface="Times New Roman" panose="02020603050405020304" pitchFamily="18" charset="0"/>
+                <a:cs typeface="Palatino Linotype" panose="02040502050505030304" pitchFamily="18" charset="0"/>
+              </a:rPr>
+              <a:t>Мобильное приложение должно:</a:t>
+            </a:r>
+          </a:p>
+          <a:p>
+            <a:pPr marL="342900" lvl="0" indent="-342900" algn="just">
+              <a:lnSpc>
+                <a:spcPct val="150000"/>
+              </a:lnSpc>
+              <a:spcAft>
+                <a:spcPts val="0"/>
+              </a:spcAft>
+              <a:buSzPts val="1400"/>
+              <a:buFont typeface="Arial" panose="020B0604020202020204" pitchFamily="34" charset="0"/>
+              <a:buChar char="•"/>
+              <a:tabLst>
+                <a:tab pos="900430" algn="l"/>
+              </a:tabLst>
+            </a:pPr>
+            <a:r>
+              <a:rPr lang="ru-RU" sz="2400" dirty="0">
+                <a:ea typeface="Times New Roman" panose="02020603050405020304" pitchFamily="18" charset="0"/>
+                <a:cs typeface="Palatino Linotype" panose="02040502050505030304" pitchFamily="18" charset="0"/>
+              </a:rPr>
+              <a:t> иметь карту;</a:t>
+            </a:r>
+          </a:p>
+          <a:p>
+            <a:pPr marL="342900" lvl="0" indent="-342900" algn="just">
+              <a:lnSpc>
+                <a:spcPct val="150000"/>
+              </a:lnSpc>
+              <a:spcAft>
+                <a:spcPts val="0"/>
+              </a:spcAft>
+              <a:buSzPts val="1400"/>
+              <a:buFont typeface="Arial" panose="020B0604020202020204" pitchFamily="34" charset="0"/>
+              <a:buChar char="•"/>
+              <a:tabLst>
+                <a:tab pos="900430" algn="l"/>
+              </a:tabLst>
+            </a:pPr>
+            <a:r>
+              <a:rPr lang="ru-RU" sz="2400" dirty="0">
+                <a:ea typeface="Times New Roman" panose="02020603050405020304" pitchFamily="18" charset="0"/>
+                <a:cs typeface="Palatino Linotype" panose="02040502050505030304" pitchFamily="18" charset="0"/>
+              </a:rPr>
+              <a:t>строить маршруты;</a:t>
+            </a:r>
+          </a:p>
+          <a:p>
+            <a:pPr marL="342900" lvl="0" indent="-342900" algn="just">
+              <a:lnSpc>
+                <a:spcPct val="150000"/>
+              </a:lnSpc>
+              <a:spcAft>
+                <a:spcPts val="0"/>
+              </a:spcAft>
+              <a:buSzPts val="1400"/>
+              <a:buFont typeface="Arial" panose="020B0604020202020204" pitchFamily="34" charset="0"/>
+              <a:buChar char="•"/>
+              <a:tabLst>
+                <a:tab pos="900430" algn="l"/>
+              </a:tabLst>
+            </a:pPr>
+            <a:r>
+              <a:rPr lang="ru-RU" sz="2400" dirty="0">
+                <a:ea typeface="Times New Roman" panose="02020603050405020304" pitchFamily="18" charset="0"/>
+                <a:cs typeface="Palatino Linotype" panose="02040502050505030304" pitchFamily="18" charset="0"/>
+              </a:rPr>
+              <a:t>вести базу данных пройденных маршрутов;</a:t>
+            </a:r>
+          </a:p>
+          <a:p>
+            <a:pPr marL="342900" lvl="0" indent="-342900" algn="just">
+              <a:lnSpc>
+                <a:spcPct val="150000"/>
+              </a:lnSpc>
+              <a:spcAft>
+                <a:spcPts val="0"/>
+              </a:spcAft>
+              <a:buSzPts val="1400"/>
+              <a:buFont typeface="Arial" panose="020B0604020202020204" pitchFamily="34" charset="0"/>
+              <a:buChar char="•"/>
+              <a:tabLst>
+                <a:tab pos="900430" algn="l"/>
+              </a:tabLst>
+            </a:pPr>
+            <a:r>
+              <a:rPr lang="ru-RU" sz="2400" dirty="0">
+                <a:ea typeface="Times New Roman" panose="02020603050405020304" pitchFamily="18" charset="0"/>
+                <a:cs typeface="Palatino Linotype" panose="02040502050505030304" pitchFamily="18" charset="0"/>
+              </a:rPr>
+              <a:t>обеспечить доступ к данным;</a:t>
+            </a:r>
+          </a:p>
+          <a:p>
+            <a:pPr marL="342900" lvl="0" indent="-342900" algn="just">
+              <a:lnSpc>
+                <a:spcPct val="150000"/>
+              </a:lnSpc>
+              <a:spcAft>
+                <a:spcPts val="0"/>
+              </a:spcAft>
+              <a:buSzPts val="1400"/>
+              <a:buFont typeface="Arial" panose="020B0604020202020204" pitchFamily="34" charset="0"/>
+              <a:buChar char="•"/>
+              <a:tabLst>
+                <a:tab pos="900430" algn="l"/>
+              </a:tabLst>
+            </a:pPr>
+            <a:r>
+              <a:rPr lang="ru-RU" sz="2400" dirty="0">
+                <a:ea typeface="Times New Roman" panose="02020603050405020304" pitchFamily="18" charset="0"/>
+                <a:cs typeface="Palatino Linotype" panose="02040502050505030304" pitchFamily="18" charset="0"/>
+              </a:rPr>
+              <a:t>предоставить пользователю настраивать гибкую настройку датчиков;</a:t>
+            </a:r>
+          </a:p>
+          <a:p>
+            <a:pPr marL="342900" lvl="0" indent="-342900" algn="just">
+              <a:lnSpc>
+                <a:spcPct val="150000"/>
+              </a:lnSpc>
+              <a:spcAft>
+                <a:spcPts val="0"/>
+              </a:spcAft>
+              <a:buSzPts val="1400"/>
+              <a:buFont typeface="Arial" panose="020B0604020202020204" pitchFamily="34" charset="0"/>
+              <a:buChar char="•"/>
+              <a:tabLst>
+                <a:tab pos="900430" algn="l"/>
+              </a:tabLst>
+            </a:pPr>
+            <a:r>
+              <a:rPr lang="ru-RU" sz="2400" dirty="0">
+                <a:ea typeface="Times New Roman" panose="02020603050405020304" pitchFamily="18" charset="0"/>
+                <a:cs typeface="Palatino Linotype" panose="02040502050505030304" pitchFamily="18" charset="0"/>
+              </a:rPr>
+              <a:t>строить гладкий маршрут;</a:t>
+            </a:r>
+          </a:p>
+          <a:p>
+            <a:pPr marL="342900" lvl="0" indent="-342900" algn="just">
+              <a:lnSpc>
+                <a:spcPct val="150000"/>
+              </a:lnSpc>
+              <a:spcAft>
+                <a:spcPts val="0"/>
+              </a:spcAft>
+              <a:buSzPts val="1400"/>
+              <a:buFont typeface="Arial" panose="020B0604020202020204" pitchFamily="34" charset="0"/>
+              <a:buChar char="•"/>
+              <a:tabLst>
+                <a:tab pos="900430" algn="l"/>
+              </a:tabLst>
+            </a:pPr>
+            <a:r>
+              <a:rPr lang="ru-RU" sz="2400" dirty="0">
+                <a:ea typeface="Times New Roman" panose="02020603050405020304" pitchFamily="18" charset="0"/>
+                <a:cs typeface="Palatino Linotype" panose="02040502050505030304" pitchFamily="18" charset="0"/>
+              </a:rPr>
+              <a:t>вести мониторинг показателей с датчиков. </a:t>
+            </a:r>
+          </a:p>
+        </p:txBody>
+      </p:sp>
+    </p:spTree>
+    <p:extLst>
+      <p:ext uri="{BB962C8B-B14F-4D97-AF65-F5344CB8AC3E}">
+        <p14:creationId xmlns:p14="http://schemas.microsoft.com/office/powerpoint/2010/main" val="1088008408"/>
+      </p:ext>
+    </p:extLst>
+  </p:cSld>
+  <p:clrMapOvr>
+    <a:masterClrMapping/>
+  </p:clrMapOvr>
+</p:sld>
+</file>
+
+<file path=ppt/slides/slide6.xml><?xml version="1.0" encoding="utf-8"?>
+<p:sld xmlns:a="http://schemas.openxmlformats.org/drawingml/2006/main" xmlns:r="http://schemas.openxmlformats.org/officeDocument/2006/relationships" xmlns:p="http://schemas.openxmlformats.org/presentationml/2006/main">
+  <p:cSld>
+    <p:spTree>
+      <p:nvGrpSpPr>
+        <p:cNvPr id="1" name=""/>
+        <p:cNvGrpSpPr/>
+        <p:nvPr/>
+      </p:nvGrpSpPr>
+      <p:grpSpPr>
+        <a:xfrm>
+          <a:off x="0" y="0"/>
+          <a:ext cx="0" cy="0"/>
+          <a:chOff x="0" y="0"/>
+          <a:chExt cx="0" cy="0"/>
+        </a:xfrm>
+      </p:grpSpPr>
+      <p:sp>
+        <p:nvSpPr>
+          <p:cNvPr id="4" name="TextBox 3"/>
+          <p:cNvSpPr txBox="1"/>
+          <p:nvPr/>
+        </p:nvSpPr>
+        <p:spPr>
+          <a:xfrm>
+            <a:off x="2351319" y="215407"/>
+            <a:ext cx="7898675" cy="523220"/>
+          </a:xfrm>
+          <a:prstGeom prst="rect">
+            <a:avLst/>
+          </a:prstGeom>
+          <a:noFill/>
+        </p:spPr>
+        <p:txBody>
+          <a:bodyPr wrap="square" rtlCol="0" anchor="ctr" anchorCtr="1">
+            <a:spAutoFit/>
+          </a:bodyPr>
+          <a:lstStyle/>
+          <a:p>
+            <a:pPr algn="ctr"/>
+            <a:r>
+              <a:rPr lang="ru-RU" sz="2800" dirty="0">
+                <a:solidFill>
+                  <a:schemeClr val="bg1"/>
+                </a:solidFill>
+                <a:latin typeface="Elektra Text Pro" panose="02000503030000020004" pitchFamily="50" charset="-52"/>
+              </a:rPr>
+              <a:t>Системы-аналоги</a:t>
+            </a:r>
+          </a:p>
+        </p:txBody>
+      </p:sp>
+      <p:sp>
+        <p:nvSpPr>
+          <p:cNvPr id="6" name="TextBox 5"/>
+          <p:cNvSpPr txBox="1"/>
+          <p:nvPr/>
+        </p:nvSpPr>
+        <p:spPr>
+          <a:xfrm>
+            <a:off x="565620" y="1018787"/>
+            <a:ext cx="2582438" cy="369332"/>
+          </a:xfrm>
+          <a:prstGeom prst="rect">
+            <a:avLst/>
+          </a:prstGeom>
+        </p:spPr>
+        <p:txBody>
+          <a:bodyPr vert="horz" wrap="none" lIns="91440" tIns="45720" rIns="91440" bIns="45720" rtlCol="0" anchor="ctr">
+            <a:spAutoFit/>
+          </a:bodyPr>
+          <a:lstStyle/>
+          <a:p>
+            <a:r>
+              <a:rPr lang="ru-RU" dirty="0"/>
+              <a:t>БИНС МЭМС «ГЛ-ВГ110»</a:t>
+            </a:r>
+          </a:p>
+        </p:txBody>
+      </p:sp>
+      <p:sp>
+        <p:nvSpPr>
+          <p:cNvPr id="11" name="Номер слайда 2"/>
+          <p:cNvSpPr>
+            <a:spLocks noGrp="1"/>
+          </p:cNvSpPr>
+          <p:nvPr>
+            <p:ph type="sldNum" sz="quarter" idx="12"/>
+          </p:nvPr>
+        </p:nvSpPr>
+        <p:spPr>
+          <a:xfrm>
+            <a:off x="8736463" y="6356351"/>
+            <a:ext cx="2844430" cy="365125"/>
+          </a:xfrm>
+        </p:spPr>
+        <p:txBody>
+          <a:bodyPr/>
+          <a:lstStyle/>
+          <a:p>
+            <a:fld id="{E2656834-4BAB-4DB1-9FED-8310CA017EAF}" type="slidenum">
+              <a:rPr lang="ru-RU" sz="2000" b="1" smtClean="0">
+                <a:solidFill>
+                  <a:schemeClr val="tx1"/>
+                </a:solidFill>
+              </a:rPr>
+              <a:t>6</a:t>
+            </a:fld>
+            <a:endParaRPr lang="ru-RU" sz="2000" b="1" dirty="0">
+              <a:solidFill>
+                <a:schemeClr val="tx1"/>
+              </a:solidFill>
+            </a:endParaRPr>
+          </a:p>
+        </p:txBody>
+      </p:sp>
+      <p:pic>
+        <p:nvPicPr>
+          <p:cNvPr id="10" name="Рисунок 9">
+            <a:extLst>
+              <a:ext uri="{FF2B5EF4-FFF2-40B4-BE49-F238E27FC236}">
+                <a16:creationId xmlns:a16="http://schemas.microsoft.com/office/drawing/2014/main" id="{A10925FD-E0FA-48A1-802A-77079D834C4F}"/>
+              </a:ext>
+            </a:extLst>
+          </p:cNvPr>
+          <p:cNvPicPr/>
+          <p:nvPr/>
+        </p:nvPicPr>
+        <p:blipFill>
+          <a:blip r:embed="rId2"/>
+          <a:stretch>
+            <a:fillRect/>
+          </a:stretch>
+        </p:blipFill>
+        <p:spPr>
+          <a:xfrm>
+            <a:off x="313377" y="1608203"/>
+            <a:ext cx="3785602" cy="2139098"/>
+          </a:xfrm>
+          <a:prstGeom prst="rect">
+            <a:avLst/>
+          </a:prstGeom>
+        </p:spPr>
+      </p:pic>
+      <p:sp>
+        <p:nvSpPr>
+          <p:cNvPr id="2" name="Прямоугольник 1">
+            <a:extLst>
+              <a:ext uri="{FF2B5EF4-FFF2-40B4-BE49-F238E27FC236}">
+                <a16:creationId xmlns:a16="http://schemas.microsoft.com/office/drawing/2014/main" id="{C605E239-8033-461C-B962-DBEC55CA1C57}"/>
+              </a:ext>
+            </a:extLst>
+          </p:cNvPr>
+          <p:cNvSpPr/>
+          <p:nvPr/>
+        </p:nvSpPr>
+        <p:spPr>
+          <a:xfrm>
+            <a:off x="226440" y="3973457"/>
+            <a:ext cx="3959477" cy="2308324"/>
+          </a:xfrm>
+          <a:prstGeom prst="rect">
+            <a:avLst/>
+          </a:prstGeom>
+        </p:spPr>
+        <p:txBody>
+          <a:bodyPr wrap="square">
+            <a:spAutoFit/>
+          </a:bodyPr>
+          <a:lstStyle/>
+          <a:p>
+            <a:pPr indent="450215" algn="just">
+              <a:spcAft>
+                <a:spcPts val="0"/>
+              </a:spcAft>
+            </a:pPr>
+            <a:r>
+              <a:rPr lang="ru-RU" dirty="0">
+                <a:latin typeface="Times New Roman CYR" panose="02020603050405020304" pitchFamily="18" charset="0"/>
+                <a:ea typeface="Calibri" panose="020F0502020204030204" pitchFamily="34" charset="0"/>
+                <a:cs typeface="Times New Roman" panose="02020603050405020304" pitchFamily="18" charset="0"/>
+              </a:rPr>
+              <a:t>Минус этой системы состоит в том, что это отдельный блок, который никак не интегрируешь в телефон и представляет интерес для компаний – разработчиков, интеграторов и производителей навигационного оборудования, систем и комплексов стабилизации и ориентации.</a:t>
+            </a:r>
+          </a:p>
+        </p:txBody>
+      </p:sp>
+      <p:sp>
+        <p:nvSpPr>
+          <p:cNvPr id="12" name="TextBox 11">
+            <a:extLst>
+              <a:ext uri="{FF2B5EF4-FFF2-40B4-BE49-F238E27FC236}">
+                <a16:creationId xmlns:a16="http://schemas.microsoft.com/office/drawing/2014/main" id="{4FAEAA32-CCD0-476E-A145-DD2AB49C7E35}"/>
+              </a:ext>
+            </a:extLst>
+          </p:cNvPr>
+          <p:cNvSpPr txBox="1"/>
+          <p:nvPr/>
+        </p:nvSpPr>
+        <p:spPr>
+          <a:xfrm>
+            <a:off x="5242280" y="906156"/>
+            <a:ext cx="1705852" cy="369332"/>
+          </a:xfrm>
+          <a:prstGeom prst="rect">
+            <a:avLst/>
+          </a:prstGeom>
+        </p:spPr>
+        <p:txBody>
+          <a:bodyPr vert="horz" wrap="none" lIns="91440" tIns="45720" rIns="91440" bIns="45720" rtlCol="0" anchor="ctr">
+            <a:spAutoFit/>
+          </a:bodyPr>
+          <a:lstStyle/>
+          <a:p>
+            <a:r>
+              <a:rPr lang="en-GB" dirty="0" err="1"/>
+              <a:t>Navigine</a:t>
+            </a:r>
+            <a:r>
+              <a:rPr lang="en-GB" dirty="0"/>
+              <a:t> Indoor</a:t>
+            </a:r>
+            <a:endParaRPr lang="ru-RU" dirty="0"/>
+          </a:p>
+        </p:txBody>
+      </p:sp>
+      <p:sp>
+        <p:nvSpPr>
+          <p:cNvPr id="14" name="Прямоугольник 13">
+            <a:extLst>
+              <a:ext uri="{FF2B5EF4-FFF2-40B4-BE49-F238E27FC236}">
+                <a16:creationId xmlns:a16="http://schemas.microsoft.com/office/drawing/2014/main" id="{A2A32763-C025-4580-AE76-8FEBE8431F7C}"/>
+              </a:ext>
+            </a:extLst>
+          </p:cNvPr>
+          <p:cNvSpPr/>
+          <p:nvPr/>
+        </p:nvSpPr>
+        <p:spPr>
+          <a:xfrm>
+            <a:off x="4218896" y="3973457"/>
+            <a:ext cx="3959477" cy="2308324"/>
+          </a:xfrm>
+          <a:prstGeom prst="rect">
+            <a:avLst/>
+          </a:prstGeom>
+        </p:spPr>
+        <p:txBody>
+          <a:bodyPr wrap="square">
+            <a:spAutoFit/>
+          </a:bodyPr>
+          <a:lstStyle/>
+          <a:p>
+            <a:pPr indent="450215" algn="just">
+              <a:spcAft>
+                <a:spcPts val="0"/>
+              </a:spcAft>
+            </a:pPr>
+            <a:r>
+              <a:rPr lang="en-GB" dirty="0" err="1"/>
+              <a:t>Главный</a:t>
+            </a:r>
+            <a:r>
+              <a:rPr lang="en-GB" dirty="0"/>
+              <a:t> </a:t>
+            </a:r>
+            <a:r>
+              <a:rPr lang="en-GB" dirty="0" err="1"/>
+              <a:t>недостаток</a:t>
+            </a:r>
+            <a:r>
+              <a:rPr lang="en-GB" dirty="0"/>
+              <a:t> </a:t>
+            </a:r>
+            <a:r>
+              <a:rPr lang="en-GB" dirty="0" err="1"/>
+              <a:t>системы</a:t>
+            </a:r>
+            <a:r>
+              <a:rPr lang="en-GB" dirty="0"/>
+              <a:t> </a:t>
+            </a:r>
+            <a:r>
+              <a:rPr lang="en-GB" dirty="0" err="1"/>
+              <a:t>заключается</a:t>
+            </a:r>
+            <a:r>
+              <a:rPr lang="en-GB" dirty="0"/>
+              <a:t> в </a:t>
+            </a:r>
+            <a:r>
+              <a:rPr lang="en-GB" dirty="0" err="1"/>
+              <a:t>том</a:t>
+            </a:r>
+            <a:r>
+              <a:rPr lang="en-GB" dirty="0"/>
+              <a:t>, </a:t>
+            </a:r>
+            <a:r>
+              <a:rPr lang="en-GB" dirty="0" err="1"/>
+              <a:t>что</a:t>
+            </a:r>
+            <a:r>
+              <a:rPr lang="en-GB" dirty="0"/>
+              <a:t> </a:t>
+            </a:r>
+            <a:r>
+              <a:rPr lang="en-GB" dirty="0" err="1"/>
+              <a:t>для</a:t>
+            </a:r>
+            <a:r>
+              <a:rPr lang="en-GB" dirty="0"/>
+              <a:t> </a:t>
+            </a:r>
+            <a:r>
+              <a:rPr lang="en-GB" dirty="0" err="1"/>
+              <a:t>навигации</a:t>
+            </a:r>
+            <a:r>
+              <a:rPr lang="en-GB" dirty="0"/>
+              <a:t> </a:t>
+            </a:r>
+            <a:r>
+              <a:rPr lang="en-GB" dirty="0" err="1"/>
+              <a:t>используются</a:t>
+            </a:r>
+            <a:r>
+              <a:rPr lang="en-GB" dirty="0"/>
+              <a:t> </a:t>
+            </a:r>
+            <a:r>
+              <a:rPr lang="en-GB" dirty="0" err="1"/>
+              <a:t>метки</a:t>
+            </a:r>
+            <a:r>
+              <a:rPr lang="en-GB" dirty="0"/>
+              <a:t>. </a:t>
+            </a:r>
+            <a:r>
+              <a:rPr lang="en-GB" dirty="0" err="1"/>
+              <a:t>Там</a:t>
+            </a:r>
+            <a:r>
+              <a:rPr lang="en-GB" dirty="0"/>
+              <a:t> </a:t>
+            </a:r>
+            <a:r>
+              <a:rPr lang="en-GB" dirty="0" err="1"/>
+              <a:t>где</a:t>
+            </a:r>
+            <a:r>
+              <a:rPr lang="en-GB" dirty="0"/>
+              <a:t> </a:t>
+            </a:r>
+            <a:r>
+              <a:rPr lang="en-GB" dirty="0" err="1"/>
+              <a:t>заканчиваются</a:t>
+            </a:r>
+            <a:r>
+              <a:rPr lang="en-GB" dirty="0"/>
+              <a:t> </a:t>
+            </a:r>
+            <a:r>
+              <a:rPr lang="en-GB" dirty="0" err="1"/>
+              <a:t>метки</a:t>
+            </a:r>
+            <a:r>
+              <a:rPr lang="en-GB" dirty="0"/>
+              <a:t>, </a:t>
+            </a:r>
+            <a:r>
+              <a:rPr lang="en-GB" dirty="0" err="1"/>
+              <a:t>заканчивается</a:t>
+            </a:r>
+            <a:r>
+              <a:rPr lang="en-GB" dirty="0"/>
+              <a:t>, и </a:t>
+            </a:r>
+            <a:r>
+              <a:rPr lang="en-GB" dirty="0" err="1"/>
+              <a:t>определятся</a:t>
+            </a:r>
+            <a:r>
+              <a:rPr lang="en-GB" dirty="0"/>
+              <a:t> </a:t>
+            </a:r>
+            <a:r>
+              <a:rPr lang="en-GB" dirty="0" err="1"/>
+              <a:t>местоположение</a:t>
+            </a:r>
+            <a:r>
+              <a:rPr lang="en-GB" dirty="0"/>
+              <a:t>. </a:t>
+            </a:r>
+            <a:r>
+              <a:rPr lang="en-GB" dirty="0" err="1"/>
+              <a:t>Данный</a:t>
+            </a:r>
+            <a:r>
+              <a:rPr lang="en-GB" dirty="0"/>
+              <a:t> </a:t>
+            </a:r>
+            <a:r>
+              <a:rPr lang="en-GB" dirty="0" err="1"/>
+              <a:t>метод</a:t>
+            </a:r>
+            <a:r>
+              <a:rPr lang="en-GB" dirty="0"/>
+              <a:t> </a:t>
+            </a:r>
+            <a:r>
+              <a:rPr lang="en-GB" dirty="0" err="1"/>
+              <a:t>не</a:t>
+            </a:r>
+            <a:r>
+              <a:rPr lang="en-GB" dirty="0"/>
+              <a:t> </a:t>
+            </a:r>
+            <a:r>
+              <a:rPr lang="en-GB" dirty="0" err="1"/>
+              <a:t>подходит</a:t>
+            </a:r>
+            <a:r>
+              <a:rPr lang="en-GB" dirty="0"/>
+              <a:t>, </a:t>
+            </a:r>
+            <a:r>
+              <a:rPr lang="en-GB" dirty="0" err="1"/>
+              <a:t>если</a:t>
+            </a:r>
+            <a:r>
+              <a:rPr lang="en-GB" dirty="0"/>
+              <a:t> </a:t>
+            </a:r>
+            <a:r>
+              <a:rPr lang="en-GB" dirty="0" err="1"/>
+              <a:t>осуществлять</a:t>
+            </a:r>
+            <a:r>
+              <a:rPr lang="en-GB" dirty="0"/>
+              <a:t> </a:t>
+            </a:r>
+            <a:r>
+              <a:rPr lang="en-GB" dirty="0" err="1"/>
+              <a:t>навигацию</a:t>
+            </a:r>
+            <a:r>
+              <a:rPr lang="en-GB" dirty="0"/>
+              <a:t> в </a:t>
+            </a:r>
+            <a:r>
+              <a:rPr lang="en-GB" dirty="0" err="1"/>
+              <a:t>любой</a:t>
+            </a:r>
+            <a:r>
+              <a:rPr lang="en-GB" dirty="0"/>
+              <a:t> </a:t>
+            </a:r>
+            <a:r>
+              <a:rPr lang="en-GB" dirty="0" err="1"/>
+              <a:t>точке</a:t>
+            </a:r>
+            <a:r>
+              <a:rPr lang="en-GB" dirty="0"/>
+              <a:t> </a:t>
+            </a:r>
+            <a:r>
+              <a:rPr lang="en-GB" dirty="0" err="1"/>
+              <a:t>мира</a:t>
+            </a:r>
+            <a:r>
+              <a:rPr lang="en-GB" dirty="0"/>
+              <a:t>.</a:t>
+            </a:r>
+            <a:endParaRPr lang="ru-RU" dirty="0">
+              <a:latin typeface="Times New Roman CYR" panose="02020603050405020304" pitchFamily="18" charset="0"/>
+              <a:ea typeface="Calibri" panose="020F0502020204030204" pitchFamily="34" charset="0"/>
+              <a:cs typeface="Times New Roman" panose="02020603050405020304" pitchFamily="18" charset="0"/>
+            </a:endParaRPr>
+          </a:p>
+        </p:txBody>
+      </p:sp>
+      <p:pic>
+        <p:nvPicPr>
+          <p:cNvPr id="15" name="Рисунок 14" descr="https://modscheats.ru/uploads/posts/2017-08/thumbs/rossiyskaya-startap-kompaniya-navigine-privlekla-900-000-dollarov_1.png">
+            <a:extLst>
+              <a:ext uri="{FF2B5EF4-FFF2-40B4-BE49-F238E27FC236}">
+                <a16:creationId xmlns:a16="http://schemas.microsoft.com/office/drawing/2014/main" id="{496EDE30-D37D-428E-B01D-F1C5CFDA0C26}"/>
+              </a:ext>
+            </a:extLst>
+          </p:cNvPr>
+          <p:cNvPicPr/>
+          <p:nvPr/>
+        </p:nvPicPr>
+        <p:blipFill>
+          <a:blip r:embed="rId3">
+            <a:extLst>
+              <a:ext uri="{28A0092B-C50C-407E-A947-70E740481C1C}">
+                <a14:useLocalDpi xmlns:a14="http://schemas.microsoft.com/office/drawing/2010/main" val="0"/>
+              </a:ext>
+            </a:extLst>
+          </a:blip>
+          <a:srcRect/>
+          <a:stretch>
+            <a:fillRect/>
+          </a:stretch>
+        </p:blipFill>
+        <p:spPr bwMode="auto">
+          <a:xfrm>
+            <a:off x="4502088" y="1713691"/>
+            <a:ext cx="3393318" cy="2139098"/>
+          </a:xfrm>
+          <a:prstGeom prst="rect">
+            <a:avLst/>
+          </a:prstGeom>
+          <a:noFill/>
+          <a:ln>
+            <a:noFill/>
+          </a:ln>
+        </p:spPr>
+      </p:pic>
+      <p:sp>
+        <p:nvSpPr>
+          <p:cNvPr id="16" name="TextBox 15">
+            <a:extLst>
+              <a:ext uri="{FF2B5EF4-FFF2-40B4-BE49-F238E27FC236}">
+                <a16:creationId xmlns:a16="http://schemas.microsoft.com/office/drawing/2014/main" id="{0C95893D-4636-4FDF-9E2D-55FE85D340E4}"/>
+              </a:ext>
+            </a:extLst>
+          </p:cNvPr>
+          <p:cNvSpPr txBox="1"/>
+          <p:nvPr/>
+        </p:nvSpPr>
+        <p:spPr>
+          <a:xfrm>
+            <a:off x="8640451" y="834121"/>
+            <a:ext cx="1609543" cy="369332"/>
+          </a:xfrm>
+          <a:prstGeom prst="rect">
+            <a:avLst/>
+          </a:prstGeom>
+        </p:spPr>
+        <p:txBody>
+          <a:bodyPr vert="horz" wrap="square" lIns="91440" tIns="45720" rIns="91440" bIns="45720" rtlCol="0" anchor="ctr">
+            <a:spAutoFit/>
+          </a:bodyPr>
+          <a:lstStyle/>
+          <a:p>
+            <a:pPr lvl="2"/>
+            <a:r>
+              <a:rPr lang="en-US" dirty="0" err="1"/>
+              <a:t>DaRe</a:t>
+            </a:r>
+            <a:endParaRPr lang="ru-RU" dirty="0"/>
+          </a:p>
+        </p:txBody>
+      </p:sp>
+      <p:sp>
+        <p:nvSpPr>
+          <p:cNvPr id="17" name="Прямоугольник 16">
+            <a:extLst>
+              <a:ext uri="{FF2B5EF4-FFF2-40B4-BE49-F238E27FC236}">
+                <a16:creationId xmlns:a16="http://schemas.microsoft.com/office/drawing/2014/main" id="{1E314EFB-78EF-45DF-9C27-2856793B6774}"/>
+              </a:ext>
+            </a:extLst>
+          </p:cNvPr>
+          <p:cNvSpPr/>
+          <p:nvPr/>
+        </p:nvSpPr>
+        <p:spPr>
+          <a:xfrm>
+            <a:off x="8144987" y="1342725"/>
+            <a:ext cx="3959477" cy="1754326"/>
+          </a:xfrm>
+          <a:prstGeom prst="rect">
+            <a:avLst/>
+          </a:prstGeom>
+        </p:spPr>
+        <p:txBody>
+          <a:bodyPr wrap="square">
+            <a:spAutoFit/>
+          </a:bodyPr>
+          <a:lstStyle/>
+          <a:p>
+            <a:r>
+              <a:rPr lang="ru-RU" dirty="0"/>
+              <a:t>К недостаткам данной системы необходимо отнести датчик обуви. Потому что это очень неудобно и не практично, так как отдельный датчик это повышение стоимости и сложности системы.</a:t>
+            </a:r>
+          </a:p>
+        </p:txBody>
+      </p:sp>
+      <p:pic>
+        <p:nvPicPr>
+          <p:cNvPr id="19" name="Рисунок 18" descr="https://sun9-7.userapi.com/c857124/v857124560/4d5b6/zaqnGLipJ9c.jpg">
+            <a:extLst>
+              <a:ext uri="{FF2B5EF4-FFF2-40B4-BE49-F238E27FC236}">
+                <a16:creationId xmlns:a16="http://schemas.microsoft.com/office/drawing/2014/main" id="{8F56BE9C-11D5-4990-94E8-FFFBE6BB1CB0}"/>
+              </a:ext>
+            </a:extLst>
+          </p:cNvPr>
+          <p:cNvPicPr/>
+          <p:nvPr/>
+        </p:nvPicPr>
+        <p:blipFill>
+          <a:blip r:embed="rId4" cstate="print">
+            <a:extLst>
+              <a:ext uri="{28A0092B-C50C-407E-A947-70E740481C1C}">
+                <a14:useLocalDpi xmlns:a14="http://schemas.microsoft.com/office/drawing/2010/main" val="0"/>
+              </a:ext>
+            </a:extLst>
+          </a:blip>
+          <a:srcRect/>
+          <a:stretch>
+            <a:fillRect/>
+          </a:stretch>
+        </p:blipFill>
+        <p:spPr bwMode="auto">
+          <a:xfrm>
+            <a:off x="8975526" y="3281244"/>
+            <a:ext cx="2016224" cy="3286939"/>
+          </a:xfrm>
+          <a:prstGeom prst="rect">
+            <a:avLst/>
+          </a:prstGeom>
+          <a:noFill/>
+          <a:ln>
+            <a:noFill/>
+          </a:ln>
+        </p:spPr>
+      </p:pic>
+    </p:spTree>
+    <p:extLst>
+      <p:ext uri="{BB962C8B-B14F-4D97-AF65-F5344CB8AC3E}">
+        <p14:creationId xmlns:p14="http://schemas.microsoft.com/office/powerpoint/2010/main" val="1962536191"/>
+      </p:ext>
+    </p:extLst>
+  </p:cSld>
+  <p:clrMapOvr>
+    <a:masterClrMapping/>
+  </p:clrMapOvr>
+</p:sld>
+</file>
+
+<file path=ppt/slides/slide7.xml><?xml version="1.0" encoding="utf-8"?>
+<p:sld xmlns:a="http://schemas.openxmlformats.org/drawingml/2006/main" xmlns:r="http://schemas.openxmlformats.org/officeDocument/2006/relationships" xmlns:p="http://schemas.openxmlformats.org/presentationml/2006/main">
+  <p:cSld>
+    <p:spTree>
+      <p:nvGrpSpPr>
+        <p:cNvPr id="1" name=""/>
+        <p:cNvGrpSpPr/>
+        <p:nvPr/>
+      </p:nvGrpSpPr>
+      <p:grpSpPr>
+        <a:xfrm>
+          <a:off x="0" y="0"/>
+          <a:ext cx="0" cy="0"/>
+          <a:chOff x="0" y="0"/>
+          <a:chExt cx="0" cy="0"/>
+        </a:xfrm>
+      </p:grpSpPr>
+      <p:sp>
+        <p:nvSpPr>
+          <p:cNvPr id="3" name="Объект 2"/>
+          <p:cNvSpPr>
+            <a:spLocks noGrp="1"/>
+          </p:cNvSpPr>
+          <p:nvPr>
+            <p:ph idx="1"/>
+          </p:nvPr>
+        </p:nvSpPr>
+        <p:spPr>
+          <a:xfrm>
+            <a:off x="239318" y="908719"/>
+            <a:ext cx="3551632" cy="1845702"/>
+          </a:xfrm>
+        </p:spPr>
+        <p:txBody>
+          <a:bodyPr>
+            <a:noAutofit/>
+          </a:bodyPr>
+          <a:lstStyle/>
+          <a:p>
+            <a:pPr marL="0" indent="0" algn="just">
+              <a:buNone/>
+            </a:pPr>
+            <a:r>
+              <a:rPr lang="en-GB" sz="2400" dirty="0"/>
+              <a:t>Акселерометр – </a:t>
+            </a:r>
+            <a:r>
+              <a:rPr lang="en-GB" sz="2400" dirty="0" err="1"/>
+              <a:t>это</a:t>
+            </a:r>
+            <a:r>
+              <a:rPr lang="en-GB" sz="2400" dirty="0"/>
+              <a:t> </a:t>
+            </a:r>
+            <a:r>
+              <a:rPr lang="en-GB" sz="2400" dirty="0" err="1"/>
+              <a:t>устройство</a:t>
+            </a:r>
+            <a:r>
+              <a:rPr lang="en-GB" sz="2400" dirty="0"/>
+              <a:t>, </a:t>
+            </a:r>
+            <a:r>
+              <a:rPr lang="en-GB" sz="2400" dirty="0" err="1"/>
+              <a:t>измеряющее</a:t>
+            </a:r>
+            <a:r>
+              <a:rPr lang="en-GB" sz="2400" dirty="0"/>
+              <a:t> </a:t>
+            </a:r>
+            <a:r>
+              <a:rPr lang="en-GB" sz="2400" dirty="0" err="1"/>
+              <a:t>проекцию</a:t>
+            </a:r>
+            <a:r>
+              <a:rPr lang="en-GB" sz="2400" dirty="0"/>
+              <a:t> </a:t>
+            </a:r>
+            <a:r>
+              <a:rPr lang="en-GB" sz="2400" dirty="0" err="1"/>
+              <a:t>кажущегося</a:t>
+            </a:r>
+            <a:r>
+              <a:rPr lang="en-GB" sz="2400" dirty="0"/>
+              <a:t> </a:t>
+            </a:r>
+            <a:r>
+              <a:rPr lang="en-GB" sz="2400" dirty="0" err="1"/>
+              <a:t>ускорения</a:t>
+            </a:r>
+            <a:r>
+              <a:rPr lang="en-GB" sz="2400" dirty="0"/>
+              <a:t> </a:t>
+            </a:r>
+            <a:r>
+              <a:rPr lang="en-GB" sz="2400" dirty="0" err="1"/>
+              <a:t>на</a:t>
+            </a:r>
+            <a:r>
+              <a:rPr lang="en-GB" sz="2400" dirty="0"/>
+              <a:t> </a:t>
+            </a:r>
+            <a:r>
+              <a:rPr lang="en-GB" sz="2400" dirty="0" err="1"/>
+              <a:t>одну</a:t>
+            </a:r>
+            <a:r>
+              <a:rPr lang="en-GB" sz="2400" dirty="0"/>
+              <a:t> </a:t>
+            </a:r>
+            <a:r>
+              <a:rPr lang="en-GB" sz="2400" dirty="0" err="1"/>
+              <a:t>или</a:t>
+            </a:r>
+            <a:r>
+              <a:rPr lang="en-GB" sz="2400" dirty="0"/>
+              <a:t> </a:t>
+            </a:r>
+            <a:r>
+              <a:rPr lang="en-GB" sz="2400" dirty="0" err="1"/>
+              <a:t>несколько</a:t>
+            </a:r>
+            <a:r>
+              <a:rPr lang="en-GB" sz="2400" dirty="0"/>
+              <a:t> </a:t>
+            </a:r>
+            <a:r>
+              <a:rPr lang="en-GB" sz="2400" dirty="0" err="1"/>
+              <a:t>осей</a:t>
+            </a:r>
+            <a:r>
+              <a:rPr lang="ru-RU" sz="2400" dirty="0"/>
+              <a:t>.</a:t>
+            </a:r>
+          </a:p>
+        </p:txBody>
+      </p:sp>
+      <p:sp>
+        <p:nvSpPr>
+          <p:cNvPr id="13" name="TextBox 12"/>
+          <p:cNvSpPr txBox="1"/>
+          <p:nvPr/>
+        </p:nvSpPr>
+        <p:spPr>
+          <a:xfrm>
+            <a:off x="2351319" y="215407"/>
+            <a:ext cx="7898675" cy="523220"/>
+          </a:xfrm>
+          <a:prstGeom prst="rect">
+            <a:avLst/>
+          </a:prstGeom>
+          <a:noFill/>
+        </p:spPr>
+        <p:txBody>
+          <a:bodyPr wrap="square" rtlCol="0" anchor="ctr" anchorCtr="1">
+            <a:spAutoFit/>
+          </a:bodyPr>
+          <a:lstStyle/>
+          <a:p>
+            <a:pPr algn="ctr"/>
+            <a:r>
+              <a:rPr lang="ru-RU" sz="2800" dirty="0">
+                <a:solidFill>
+                  <a:schemeClr val="bg1"/>
+                </a:solidFill>
+                <a:latin typeface="Elektra Text Pro" panose="02000503030000020004" pitchFamily="50" charset="-52"/>
+              </a:rPr>
+              <a:t>Датчики смартфона</a:t>
+            </a:r>
+          </a:p>
+        </p:txBody>
+      </p:sp>
+      <p:sp>
+        <p:nvSpPr>
+          <p:cNvPr id="9" name="Номер слайда 2"/>
+          <p:cNvSpPr>
+            <a:spLocks noGrp="1"/>
+          </p:cNvSpPr>
+          <p:nvPr>
+            <p:ph type="sldNum" sz="quarter" idx="12"/>
+          </p:nvPr>
+        </p:nvSpPr>
+        <p:spPr>
+          <a:xfrm>
+            <a:off x="8736463" y="6356351"/>
+            <a:ext cx="2844430" cy="365125"/>
+          </a:xfrm>
+        </p:spPr>
+        <p:txBody>
+          <a:bodyPr/>
+          <a:lstStyle/>
+          <a:p>
+            <a:fld id="{E2656834-4BAB-4DB1-9FED-8310CA017EAF}" type="slidenum">
+              <a:rPr lang="ru-RU" sz="2000" b="1" smtClean="0">
+                <a:solidFill>
+                  <a:schemeClr val="tx1"/>
+                </a:solidFill>
+              </a:rPr>
+              <a:t>7</a:t>
+            </a:fld>
+            <a:endParaRPr lang="ru-RU" sz="2000" b="1" dirty="0">
+              <a:solidFill>
+                <a:schemeClr val="tx1"/>
+              </a:solidFill>
+            </a:endParaRPr>
+          </a:p>
+        </p:txBody>
+      </p:sp>
+      <p:sp>
+        <p:nvSpPr>
+          <p:cNvPr id="10" name="Объект 2">
+            <a:extLst>
+              <a:ext uri="{FF2B5EF4-FFF2-40B4-BE49-F238E27FC236}">
+                <a16:creationId xmlns:a16="http://schemas.microsoft.com/office/drawing/2014/main" id="{9BE50F74-A7E4-431F-89D2-9888EE34A7BB}"/>
+              </a:ext>
+            </a:extLst>
+          </p:cNvPr>
+          <p:cNvSpPr txBox="1">
+            <a:spLocks/>
+          </p:cNvSpPr>
+          <p:nvPr/>
+        </p:nvSpPr>
+        <p:spPr>
+          <a:xfrm>
+            <a:off x="8190807" y="946940"/>
+            <a:ext cx="3851583" cy="1799221"/>
+          </a:xfrm>
+          <a:prstGeom prst="rect">
+            <a:avLst/>
+          </a:prstGeom>
+        </p:spPr>
+        <p:txBody>
+          <a:bodyPr vert="horz" lIns="91440" tIns="45720" rIns="91440" bIns="45720" rtlCol="0">
+            <a:noAutofit/>
+          </a:bodyPr>
+          <a:lstStyle>
+            <a:lvl1pPr marL="342900" indent="-342900" algn="l" defTabSz="914400" rtl="0" eaLnBrk="1" latinLnBrk="0" hangingPunct="1">
+              <a:spcBef>
+                <a:spcPct val="20000"/>
+              </a:spcBef>
+              <a:buFont typeface="Arial" panose="020B0604020202020204" pitchFamily="34" charset="0"/>
+              <a:buChar char="•"/>
+              <a:defRPr sz="3200" kern="1200">
+                <a:solidFill>
+                  <a:schemeClr val="tx1"/>
+                </a:solidFill>
+                <a:latin typeface="+mn-lt"/>
+                <a:ea typeface="+mn-ea"/>
+                <a:cs typeface="+mn-cs"/>
+              </a:defRPr>
+            </a:lvl1pPr>
+            <a:lvl2pPr marL="742950" indent="-285750" algn="l" defTabSz="914400" rtl="0" eaLnBrk="1" latinLnBrk="0" hangingPunct="1">
+              <a:spcBef>
+                <a:spcPct val="20000"/>
+              </a:spcBef>
+              <a:buFont typeface="Arial" panose="020B0604020202020204" pitchFamily="34" charset="0"/>
+              <a:buChar char="–"/>
+              <a:defRPr sz="2800" kern="1200">
+                <a:solidFill>
+                  <a:schemeClr val="tx1"/>
+                </a:solidFill>
+                <a:latin typeface="+mn-lt"/>
+                <a:ea typeface="+mn-ea"/>
+                <a:cs typeface="+mn-cs"/>
+              </a:defRPr>
+            </a:lvl2pPr>
+            <a:lvl3pPr marL="1143000" indent="-228600" algn="l" defTabSz="914400" rtl="0" eaLnBrk="1" latinLnBrk="0" hangingPunct="1">
+              <a:spcBef>
+                <a:spcPct val="20000"/>
+              </a:spcBef>
+              <a:buFont typeface="Arial" panose="020B0604020202020204" pitchFamily="34" charset="0"/>
+              <a:buChar char="•"/>
+              <a:defRPr sz="2400" kern="1200">
+                <a:solidFill>
+                  <a:schemeClr val="tx1"/>
+                </a:solidFill>
+                <a:latin typeface="+mn-lt"/>
+                <a:ea typeface="+mn-ea"/>
+                <a:cs typeface="+mn-cs"/>
+              </a:defRPr>
+            </a:lvl3pPr>
+            <a:lvl4pPr marL="1600200" indent="-228600" algn="l" defTabSz="914400" rtl="0" eaLnBrk="1" latinLnBrk="0" hangingPunct="1">
+              <a:spcBef>
+                <a:spcPct val="20000"/>
+              </a:spcBef>
+              <a:buFont typeface="Arial" panose="020B0604020202020204" pitchFamily="34" charset="0"/>
+              <a:buChar char="–"/>
+              <a:defRPr sz="2000" kern="1200">
+                <a:solidFill>
+                  <a:schemeClr val="tx1"/>
+                </a:solidFill>
+                <a:latin typeface="+mn-lt"/>
+                <a:ea typeface="+mn-ea"/>
+                <a:cs typeface="+mn-cs"/>
+              </a:defRPr>
+            </a:lvl4pPr>
+            <a:lvl5pPr marL="2057400" indent="-228600" algn="l" defTabSz="914400" rtl="0" eaLnBrk="1" latinLnBrk="0" hangingPunct="1">
+              <a:spcBef>
+                <a:spcPct val="20000"/>
+              </a:spcBef>
+              <a:buFont typeface="Arial" panose="020B0604020202020204" pitchFamily="34" charset="0"/>
+              <a:buChar char="»"/>
+              <a:defRPr sz="2000" kern="1200">
+                <a:solidFill>
+                  <a:schemeClr val="tx1"/>
+                </a:solidFill>
+                <a:latin typeface="+mn-lt"/>
+                <a:ea typeface="+mn-ea"/>
+                <a:cs typeface="+mn-cs"/>
+              </a:defRPr>
+            </a:lvl5pPr>
+            <a:lvl6pPr marL="2514600" indent="-228600" algn="l" defTabSz="914400" rtl="0" eaLnBrk="1" latinLnBrk="0" hangingPunct="1">
+              <a:spcBef>
+                <a:spcPct val="20000"/>
+              </a:spcBef>
+              <a:buFont typeface="Arial" panose="020B0604020202020204" pitchFamily="34" charset="0"/>
+              <a:buChar char="•"/>
+              <a:defRPr sz="2000" kern="1200">
+                <a:solidFill>
+                  <a:schemeClr val="tx1"/>
+                </a:solidFill>
+                <a:latin typeface="+mn-lt"/>
+                <a:ea typeface="+mn-ea"/>
+                <a:cs typeface="+mn-cs"/>
+              </a:defRPr>
+            </a:lvl6pPr>
+            <a:lvl7pPr marL="2971800" indent="-228600" algn="l" defTabSz="914400" rtl="0" eaLnBrk="1" latinLnBrk="0" hangingPunct="1">
+              <a:spcBef>
+                <a:spcPct val="20000"/>
+              </a:spcBef>
+              <a:buFont typeface="Arial" panose="020B0604020202020204" pitchFamily="34" charset="0"/>
+              <a:buChar char="•"/>
+              <a:defRPr sz="2000" kern="1200">
+                <a:solidFill>
+                  <a:schemeClr val="tx1"/>
+                </a:solidFill>
+                <a:latin typeface="+mn-lt"/>
+                <a:ea typeface="+mn-ea"/>
+                <a:cs typeface="+mn-cs"/>
+              </a:defRPr>
+            </a:lvl7pPr>
+            <a:lvl8pPr marL="3429000" indent="-228600" algn="l" defTabSz="914400" rtl="0" eaLnBrk="1" latinLnBrk="0" hangingPunct="1">
+              <a:spcBef>
+                <a:spcPct val="20000"/>
+              </a:spcBef>
+              <a:buFont typeface="Arial" panose="020B0604020202020204" pitchFamily="34" charset="0"/>
+              <a:buChar char="•"/>
+              <a:defRPr sz="2000" kern="1200">
+                <a:solidFill>
+                  <a:schemeClr val="tx1"/>
+                </a:solidFill>
+                <a:latin typeface="+mn-lt"/>
+                <a:ea typeface="+mn-ea"/>
+                <a:cs typeface="+mn-cs"/>
+              </a:defRPr>
+            </a:lvl8pPr>
+            <a:lvl9pPr marL="3886200" indent="-228600" algn="l" defTabSz="914400" rtl="0" eaLnBrk="1" latinLnBrk="0" hangingPunct="1">
+              <a:spcBef>
+                <a:spcPct val="20000"/>
+              </a:spcBef>
+              <a:buFont typeface="Arial" panose="020B0604020202020204" pitchFamily="34" charset="0"/>
+              <a:buChar char="•"/>
+              <a:defRPr sz="2000" kern="1200">
+                <a:solidFill>
+                  <a:schemeClr val="tx1"/>
+                </a:solidFill>
+                <a:latin typeface="+mn-lt"/>
+                <a:ea typeface="+mn-ea"/>
+                <a:cs typeface="+mn-cs"/>
+              </a:defRPr>
+            </a:lvl9pPr>
+          </a:lstStyle>
+          <a:p>
+            <a:pPr marL="0" indent="0" algn="just">
+              <a:buNone/>
+            </a:pPr>
+            <a:r>
+              <a:rPr lang="ru-RU" sz="2400" dirty="0"/>
+              <a:t>Датчики Холла (или датчики положения) – это чувствительные элементы, реагирующие на величину воздействующего на них магнитного поля.</a:t>
+            </a:r>
+          </a:p>
+        </p:txBody>
+      </p:sp>
+      <p:sp>
+        <p:nvSpPr>
+          <p:cNvPr id="2" name="Прямоугольник 1">
+            <a:extLst>
+              <a:ext uri="{FF2B5EF4-FFF2-40B4-BE49-F238E27FC236}">
+                <a16:creationId xmlns:a16="http://schemas.microsoft.com/office/drawing/2014/main" id="{97AA40AC-87C3-4BB0-8790-D431B5241148}"/>
+              </a:ext>
+            </a:extLst>
+          </p:cNvPr>
+          <p:cNvSpPr/>
+          <p:nvPr/>
+        </p:nvSpPr>
+        <p:spPr>
+          <a:xfrm>
+            <a:off x="4344146" y="940539"/>
+            <a:ext cx="3551632" cy="2308324"/>
+          </a:xfrm>
+          <a:prstGeom prst="rect">
+            <a:avLst/>
+          </a:prstGeom>
+        </p:spPr>
+        <p:txBody>
+          <a:bodyPr wrap="square">
+            <a:spAutoFit/>
+          </a:bodyPr>
+          <a:lstStyle/>
+          <a:p>
+            <a:r>
+              <a:rPr lang="en-GB" sz="2400" dirty="0" err="1">
+                <a:latin typeface="Times New Roman" panose="02020603050405020304" pitchFamily="18" charset="0"/>
+                <a:ea typeface="Times New Roman" panose="02020603050405020304" pitchFamily="18" charset="0"/>
+              </a:rPr>
+              <a:t>Гироскоп</a:t>
+            </a:r>
+            <a:r>
+              <a:rPr lang="en-GB" sz="2400" dirty="0">
+                <a:latin typeface="Times New Roman" panose="02020603050405020304" pitchFamily="18" charset="0"/>
+                <a:ea typeface="Times New Roman" panose="02020603050405020304" pitchFamily="18" charset="0"/>
+              </a:rPr>
+              <a:t> в </a:t>
+            </a:r>
+            <a:r>
+              <a:rPr lang="en-GB" sz="2400" dirty="0" err="1">
+                <a:latin typeface="Times New Roman" panose="02020603050405020304" pitchFamily="18" charset="0"/>
+                <a:ea typeface="Times New Roman" panose="02020603050405020304" pitchFamily="18" charset="0"/>
+              </a:rPr>
+              <a:t>телефоне</a:t>
+            </a:r>
+            <a:r>
+              <a:rPr lang="en-GB" sz="2400" dirty="0">
+                <a:latin typeface="Times New Roman" panose="02020603050405020304" pitchFamily="18" charset="0"/>
+                <a:ea typeface="Times New Roman" panose="02020603050405020304" pitchFamily="18" charset="0"/>
+              </a:rPr>
+              <a:t> – </a:t>
+            </a:r>
+            <a:r>
+              <a:rPr lang="en-GB" sz="2400" dirty="0" err="1">
+                <a:latin typeface="Times New Roman" panose="02020603050405020304" pitchFamily="18" charset="0"/>
+                <a:ea typeface="Times New Roman" panose="02020603050405020304" pitchFamily="18" charset="0"/>
+              </a:rPr>
+              <a:t>это</a:t>
+            </a:r>
+            <a:r>
+              <a:rPr lang="en-GB" sz="2400" dirty="0">
+                <a:latin typeface="Times New Roman" panose="02020603050405020304" pitchFamily="18" charset="0"/>
+                <a:ea typeface="Times New Roman" panose="02020603050405020304" pitchFamily="18" charset="0"/>
+              </a:rPr>
+              <a:t> </a:t>
+            </a:r>
+            <a:r>
+              <a:rPr lang="en-GB" sz="2400" dirty="0" err="1">
+                <a:latin typeface="Times New Roman" panose="02020603050405020304" pitchFamily="18" charset="0"/>
+                <a:ea typeface="Times New Roman" panose="02020603050405020304" pitchFamily="18" charset="0"/>
+              </a:rPr>
+              <a:t>специальный</a:t>
+            </a:r>
+            <a:r>
+              <a:rPr lang="en-GB" sz="2400" dirty="0">
+                <a:latin typeface="Times New Roman" panose="02020603050405020304" pitchFamily="18" charset="0"/>
+                <a:ea typeface="Times New Roman" panose="02020603050405020304" pitchFamily="18" charset="0"/>
+              </a:rPr>
+              <a:t> </a:t>
+            </a:r>
+            <a:r>
+              <a:rPr lang="en-GB" sz="2400" dirty="0" err="1">
+                <a:latin typeface="Times New Roman" panose="02020603050405020304" pitchFamily="18" charset="0"/>
+                <a:ea typeface="Times New Roman" panose="02020603050405020304" pitchFamily="18" charset="0"/>
+              </a:rPr>
+              <a:t>датчик</a:t>
+            </a:r>
+            <a:r>
+              <a:rPr lang="en-GB" sz="2400" dirty="0">
+                <a:latin typeface="Times New Roman" panose="02020603050405020304" pitchFamily="18" charset="0"/>
+                <a:ea typeface="Times New Roman" panose="02020603050405020304" pitchFamily="18" charset="0"/>
+              </a:rPr>
+              <a:t>, </a:t>
+            </a:r>
+            <a:r>
+              <a:rPr lang="en-GB" sz="2400" dirty="0" err="1">
+                <a:latin typeface="Times New Roman" panose="02020603050405020304" pitchFamily="18" charset="0"/>
+                <a:ea typeface="Times New Roman" panose="02020603050405020304" pitchFamily="18" charset="0"/>
+              </a:rPr>
+              <a:t>предназначенный</a:t>
+            </a:r>
+            <a:r>
+              <a:rPr lang="en-GB" sz="2400" dirty="0">
+                <a:latin typeface="Times New Roman" panose="02020603050405020304" pitchFamily="18" charset="0"/>
+                <a:ea typeface="Times New Roman" panose="02020603050405020304" pitchFamily="18" charset="0"/>
+              </a:rPr>
+              <a:t> </a:t>
+            </a:r>
+            <a:r>
+              <a:rPr lang="en-GB" sz="2400" dirty="0" err="1">
+                <a:latin typeface="Times New Roman" panose="02020603050405020304" pitchFamily="18" charset="0"/>
+                <a:ea typeface="Times New Roman" panose="02020603050405020304" pitchFamily="18" charset="0"/>
+              </a:rPr>
+              <a:t>для</a:t>
+            </a:r>
+            <a:r>
+              <a:rPr lang="en-GB" sz="2400" dirty="0">
+                <a:latin typeface="Times New Roman" panose="02020603050405020304" pitchFamily="18" charset="0"/>
+                <a:ea typeface="Times New Roman" panose="02020603050405020304" pitchFamily="18" charset="0"/>
+              </a:rPr>
+              <a:t> </a:t>
+            </a:r>
+            <a:r>
+              <a:rPr lang="en-GB" sz="2400" dirty="0" err="1">
+                <a:latin typeface="Times New Roman" panose="02020603050405020304" pitchFamily="18" charset="0"/>
+                <a:ea typeface="Times New Roman" panose="02020603050405020304" pitchFamily="18" charset="0"/>
+              </a:rPr>
+              <a:t>определения</a:t>
+            </a:r>
+            <a:r>
+              <a:rPr lang="en-GB" sz="2400" dirty="0">
+                <a:latin typeface="Times New Roman" panose="02020603050405020304" pitchFamily="18" charset="0"/>
+                <a:ea typeface="Times New Roman" panose="02020603050405020304" pitchFamily="18" charset="0"/>
+              </a:rPr>
+              <a:t> </a:t>
+            </a:r>
+            <a:r>
+              <a:rPr lang="en-GB" sz="2400" dirty="0" err="1">
+                <a:latin typeface="Times New Roman" panose="02020603050405020304" pitchFamily="18" charset="0"/>
+                <a:ea typeface="Times New Roman" panose="02020603050405020304" pitchFamily="18" charset="0"/>
+              </a:rPr>
+              <a:t>положения</a:t>
+            </a:r>
+            <a:r>
+              <a:rPr lang="en-GB" sz="2400" dirty="0">
+                <a:latin typeface="Times New Roman" panose="02020603050405020304" pitchFamily="18" charset="0"/>
+                <a:ea typeface="Times New Roman" panose="02020603050405020304" pitchFamily="18" charset="0"/>
+              </a:rPr>
+              <a:t> </a:t>
+            </a:r>
+            <a:r>
+              <a:rPr lang="en-GB" sz="2400" dirty="0" err="1">
+                <a:latin typeface="Times New Roman" panose="02020603050405020304" pitchFamily="18" charset="0"/>
+                <a:ea typeface="Times New Roman" panose="02020603050405020304" pitchFamily="18" charset="0"/>
+              </a:rPr>
+              <a:t>устройства</a:t>
+            </a:r>
+            <a:r>
+              <a:rPr lang="en-GB" sz="2400" dirty="0">
+                <a:latin typeface="Times New Roman" panose="02020603050405020304" pitchFamily="18" charset="0"/>
+                <a:ea typeface="Times New Roman" panose="02020603050405020304" pitchFamily="18" charset="0"/>
+              </a:rPr>
+              <a:t> в </a:t>
+            </a:r>
+            <a:r>
+              <a:rPr lang="en-GB" sz="2400" dirty="0" err="1">
+                <a:latin typeface="Times New Roman" panose="02020603050405020304" pitchFamily="18" charset="0"/>
+                <a:ea typeface="Times New Roman" panose="02020603050405020304" pitchFamily="18" charset="0"/>
+              </a:rPr>
+              <a:t>пространстве</a:t>
+            </a:r>
+            <a:endParaRPr lang="ru-RU" sz="2400" dirty="0"/>
+          </a:p>
+        </p:txBody>
+      </p:sp>
+      <p:pic>
+        <p:nvPicPr>
+          <p:cNvPr id="1026" name="Picture 2" descr="https://avatars.mds.yandex.net/get-snippets_images/1408404/17a480efd9bbccdca3c288f7c6e1dbe3/414x310">
+            <a:extLst>
+              <a:ext uri="{FF2B5EF4-FFF2-40B4-BE49-F238E27FC236}">
+                <a16:creationId xmlns:a16="http://schemas.microsoft.com/office/drawing/2014/main" id="{0D5B4070-AD8A-45AD-874E-B13BB21A9B6F}"/>
+              </a:ext>
+            </a:extLst>
+          </p:cNvPr>
+          <p:cNvPicPr>
+            <a:picLocks noChangeAspect="1" noChangeArrowheads="1"/>
+          </p:cNvPicPr>
+          <p:nvPr/>
+        </p:nvPicPr>
+        <p:blipFill>
+          <a:blip r:embed="rId2">
+            <a:extLst>
+              <a:ext uri="{28A0092B-C50C-407E-A947-70E740481C1C}">
+                <a14:useLocalDpi xmlns:a14="http://schemas.microsoft.com/office/drawing/2010/main" val="0"/>
+              </a:ext>
+            </a:extLst>
+          </a:blip>
+          <a:srcRect/>
+          <a:stretch>
+            <a:fillRect/>
+          </a:stretch>
+        </p:blipFill>
+        <p:spPr bwMode="auto">
+          <a:xfrm>
+            <a:off x="8471470" y="3505631"/>
+            <a:ext cx="2971800" cy="2952750"/>
+          </a:xfrm>
+          <a:prstGeom prst="rect">
+            <a:avLst/>
+          </a:prstGeom>
+          <a:noFill/>
+          <a:extLst>
+            <a:ext uri="{909E8E84-426E-40DD-AFC4-6F175D3DCCD1}">
+              <a14:hiddenFill xmlns:a14="http://schemas.microsoft.com/office/drawing/2010/main">
+                <a:solidFill>
+                  <a:srgbClr val="FFFFFF"/>
+                </a:solidFill>
+              </a14:hiddenFill>
+            </a:ext>
+          </a:extLst>
+        </p:spPr>
+      </p:pic>
+      <p:pic>
+        <p:nvPicPr>
+          <p:cNvPr id="1028" name="Picture 4" descr="Акселерометр: что это и зачем нужен?">
+            <a:extLst>
+              <a:ext uri="{FF2B5EF4-FFF2-40B4-BE49-F238E27FC236}">
+                <a16:creationId xmlns:a16="http://schemas.microsoft.com/office/drawing/2014/main" id="{A94D6D6E-32ED-4676-BD81-447680D59132}"/>
+              </a:ext>
+            </a:extLst>
+          </p:cNvPr>
+          <p:cNvPicPr>
+            <a:picLocks noChangeAspect="1" noChangeArrowheads="1"/>
+          </p:cNvPicPr>
+          <p:nvPr/>
+        </p:nvPicPr>
+        <p:blipFill>
+          <a:blip r:embed="rId3">
+            <a:extLst>
+              <a:ext uri="{28A0092B-C50C-407E-A947-70E740481C1C}">
+                <a14:useLocalDpi xmlns:a14="http://schemas.microsoft.com/office/drawing/2010/main" val="0"/>
+              </a:ext>
+            </a:extLst>
+          </a:blip>
+          <a:srcRect/>
+          <a:stretch>
+            <a:fillRect/>
+          </a:stretch>
+        </p:blipFill>
+        <p:spPr bwMode="auto">
+          <a:xfrm>
+            <a:off x="406574" y="3530801"/>
+            <a:ext cx="7620000" cy="2762250"/>
+          </a:xfrm>
+          <a:prstGeom prst="rect">
+            <a:avLst/>
+          </a:prstGeom>
+          <a:noFill/>
+          <a:extLst>
+            <a:ext uri="{909E8E84-426E-40DD-AFC4-6F175D3DCCD1}">
+              <a14:hiddenFill xmlns:a14="http://schemas.microsoft.com/office/drawing/2010/main">
+                <a:solidFill>
+                  <a:srgbClr val="FFFFFF"/>
+                </a:solidFill>
+              </a14:hiddenFill>
+            </a:ext>
+          </a:extLst>
+        </p:spPr>
+      </p:pic>
+    </p:spTree>
+    <p:extLst>
+      <p:ext uri="{BB962C8B-B14F-4D97-AF65-F5344CB8AC3E}">
+        <p14:creationId xmlns:p14="http://schemas.microsoft.com/office/powerpoint/2010/main" val="670338688"/>
+      </p:ext>
+    </p:extLst>
+  </p:cSld>
+  <p:clrMapOvr>
+    <a:masterClrMapping/>
+  </p:clrMapOvr>
+</p:sld>
+</file>
+
+<file path=ppt/slides/slide8.xml><?xml version="1.0" encoding="utf-8"?>
+<p:sld xmlns:a="http://schemas.openxmlformats.org/drawingml/2006/main" xmlns:r="http://schemas.openxmlformats.org/officeDocument/2006/relationships" xmlns:p="http://schemas.openxmlformats.org/presentationml/2006/main">
+  <p:cSld>
+    <p:spTree>
+      <p:nvGrpSpPr>
+        <p:cNvPr id="1" name=""/>
+        <p:cNvGrpSpPr/>
+        <p:nvPr/>
+      </p:nvGrpSpPr>
+      <p:grpSpPr>
+        <a:xfrm>
+          <a:off x="0" y="0"/>
+          <a:ext cx="0" cy="0"/>
+          <a:chOff x="0" y="0"/>
+          <a:chExt cx="0" cy="0"/>
+        </a:xfrm>
+      </p:grpSpPr>
+      <p:sp>
+        <p:nvSpPr>
+          <p:cNvPr id="5" name="TextBox 4"/>
+          <p:cNvSpPr txBox="1"/>
+          <p:nvPr/>
+        </p:nvSpPr>
+        <p:spPr>
+          <a:xfrm>
+            <a:off x="2351319" y="215407"/>
+            <a:ext cx="7898675" cy="523220"/>
+          </a:xfrm>
+          <a:prstGeom prst="rect">
+            <a:avLst/>
+          </a:prstGeom>
+          <a:noFill/>
+        </p:spPr>
+        <p:txBody>
+          <a:bodyPr wrap="square" rtlCol="0" anchor="ctr" anchorCtr="1">
+            <a:spAutoFit/>
+          </a:bodyPr>
+          <a:lstStyle/>
+          <a:p>
+            <a:pPr algn="ctr"/>
+            <a:r>
+              <a:rPr lang="en-US" sz="2800" dirty="0">
+                <a:solidFill>
+                  <a:schemeClr val="bg1"/>
+                </a:solidFill>
+                <a:latin typeface="Elektra Text Pro" panose="02000503030000020004" pitchFamily="50" charset="-52"/>
+              </a:rPr>
+              <a:t>Use-case </a:t>
+            </a:r>
+            <a:r>
+              <a:rPr lang="ru-RU" sz="2800" dirty="0">
+                <a:solidFill>
+                  <a:schemeClr val="bg1"/>
+                </a:solidFill>
+                <a:latin typeface="Elektra Text Pro" panose="02000503030000020004" pitchFamily="50" charset="-52"/>
+              </a:rPr>
+              <a:t>диаграмма</a:t>
+            </a:r>
+          </a:p>
+        </p:txBody>
+      </p:sp>
+      <p:sp>
+        <p:nvSpPr>
+          <p:cNvPr id="6" name="Номер слайда 2"/>
+          <p:cNvSpPr>
+            <a:spLocks noGrp="1"/>
+          </p:cNvSpPr>
+          <p:nvPr>
+            <p:ph type="sldNum" sz="quarter" idx="12"/>
+          </p:nvPr>
+        </p:nvSpPr>
+        <p:spPr>
+          <a:xfrm>
+            <a:off x="8736463" y="6356351"/>
+            <a:ext cx="2844430" cy="365125"/>
+          </a:xfrm>
+        </p:spPr>
+        <p:txBody>
+          <a:bodyPr/>
+          <a:lstStyle/>
+          <a:p>
+            <a:fld id="{E2656834-4BAB-4DB1-9FED-8310CA017EAF}" type="slidenum">
+              <a:rPr lang="ru-RU" sz="2000" b="1" smtClean="0">
+                <a:solidFill>
+                  <a:schemeClr val="tx1"/>
+                </a:solidFill>
+              </a:rPr>
+              <a:t>8</a:t>
+            </a:fld>
+            <a:endParaRPr lang="ru-RU" sz="2000" b="1" dirty="0">
+              <a:solidFill>
+                <a:schemeClr val="tx1"/>
+              </a:solidFill>
+            </a:endParaRPr>
+          </a:p>
+        </p:txBody>
+      </p:sp>
+      <p:pic>
+        <p:nvPicPr>
+          <p:cNvPr id="8" name="Рисунок 7">
+            <a:extLst>
+              <a:ext uri="{FF2B5EF4-FFF2-40B4-BE49-F238E27FC236}">
+                <a16:creationId xmlns:a16="http://schemas.microsoft.com/office/drawing/2014/main" id="{DE59A42D-E050-430C-A5F8-8A471B635B59}"/>
+              </a:ext>
+            </a:extLst>
+          </p:cNvPr>
+          <p:cNvPicPr/>
+          <p:nvPr/>
+        </p:nvPicPr>
+        <p:blipFill>
+          <a:blip r:embed="rId2"/>
+          <a:stretch>
+            <a:fillRect/>
+          </a:stretch>
+        </p:blipFill>
+        <p:spPr>
+          <a:xfrm>
+            <a:off x="1270670" y="858663"/>
+            <a:ext cx="9286934" cy="5680250"/>
+          </a:xfrm>
+          <a:prstGeom prst="rect">
+            <a:avLst/>
+          </a:prstGeom>
+        </p:spPr>
+      </p:pic>
+    </p:spTree>
+    <p:extLst>
+      <p:ext uri="{BB962C8B-B14F-4D97-AF65-F5344CB8AC3E}">
+        <p14:creationId xmlns:p14="http://schemas.microsoft.com/office/powerpoint/2010/main" val="2967912754"/>
+      </p:ext>
+    </p:extLst>
+  </p:cSld>
+  <p:clrMapOvr>
+    <a:masterClrMapping/>
+  </p:clrMapOvr>
+</p:sld>
+</file>
+
+<file path=ppt/slides/slide9.xml><?xml version="1.0" encoding="utf-8"?>
+<p:sld xmlns:a="http://schemas.openxmlformats.org/drawingml/2006/main" xmlns:r="http://schemas.openxmlformats.org/officeDocument/2006/relationships" xmlns:p="http://schemas.openxmlformats.org/presentationml/2006/main">
+  <p:cSld>
+    <p:spTree>
+      <p:nvGrpSpPr>
+        <p:cNvPr id="1" name=""/>
+        <p:cNvGrpSpPr/>
+        <p:nvPr/>
+      </p:nvGrpSpPr>
+      <p:grpSpPr>
+        <a:xfrm>
+          <a:off x="0" y="0"/>
+          <a:ext cx="0" cy="0"/>
+          <a:chOff x="0" y="0"/>
+          <a:chExt cx="0" cy="0"/>
+        </a:xfrm>
+      </p:grpSpPr>
+      <p:sp>
+        <p:nvSpPr>
+          <p:cNvPr id="5" name="TextBox 4"/>
+          <p:cNvSpPr txBox="1"/>
+          <p:nvPr/>
+        </p:nvSpPr>
+        <p:spPr>
+          <a:xfrm>
+            <a:off x="2351319" y="215407"/>
+            <a:ext cx="7898675" cy="523220"/>
+          </a:xfrm>
+          <a:prstGeom prst="rect">
+            <a:avLst/>
+          </a:prstGeom>
+          <a:noFill/>
+        </p:spPr>
+        <p:txBody>
+          <a:bodyPr wrap="square" rtlCol="0" anchor="ctr" anchorCtr="1">
+            <a:spAutoFit/>
+          </a:bodyPr>
+          <a:lstStyle/>
+          <a:p>
+            <a:pPr algn="ctr"/>
+            <a:r>
+              <a:rPr lang="ru-RU" sz="2800" dirty="0">
+                <a:solidFill>
+                  <a:schemeClr val="bg1"/>
+                </a:solidFill>
+                <a:latin typeface="Elektra Text Pro" panose="02000503030000020004" pitchFamily="50" charset="-52"/>
+              </a:rPr>
+              <a:t>Схема работы системы</a:t>
+            </a:r>
+          </a:p>
+        </p:txBody>
+      </p:sp>
+      <p:sp>
+        <p:nvSpPr>
+          <p:cNvPr id="6" name="Номер слайда 2"/>
+          <p:cNvSpPr>
+            <a:spLocks noGrp="1"/>
+          </p:cNvSpPr>
+          <p:nvPr>
+            <p:ph type="sldNum" sz="quarter" idx="12"/>
+          </p:nvPr>
+        </p:nvSpPr>
+        <p:spPr>
+          <a:xfrm>
+            <a:off x="8736463" y="6356351"/>
+            <a:ext cx="2844430" cy="365125"/>
+          </a:xfrm>
+        </p:spPr>
+        <p:txBody>
+          <a:bodyPr/>
+          <a:lstStyle/>
+          <a:p>
+            <a:fld id="{E2656834-4BAB-4DB1-9FED-8310CA017EAF}" type="slidenum">
+              <a:rPr lang="ru-RU" sz="2000" b="1" smtClean="0">
+                <a:solidFill>
+                  <a:schemeClr val="tx1"/>
+                </a:solidFill>
+              </a:rPr>
+              <a:t>9</a:t>
+            </a:fld>
+            <a:endParaRPr lang="ru-RU" sz="2000" b="1" dirty="0">
+              <a:solidFill>
+                <a:schemeClr val="tx1"/>
+              </a:solidFill>
+            </a:endParaRPr>
+          </a:p>
+        </p:txBody>
+      </p:sp>
+      <p:pic>
+        <p:nvPicPr>
+          <p:cNvPr id="7" name="Рисунок 6">
+            <a:extLst>
+              <a:ext uri="{FF2B5EF4-FFF2-40B4-BE49-F238E27FC236}">
+                <a16:creationId xmlns:a16="http://schemas.microsoft.com/office/drawing/2014/main" id="{B20BB220-15E0-4048-BEF9-4D683792ADCC}"/>
+              </a:ext>
+            </a:extLst>
+          </p:cNvPr>
+          <p:cNvPicPr/>
+          <p:nvPr/>
+        </p:nvPicPr>
+        <p:blipFill>
+          <a:blip r:embed="rId2">
+            <a:extLst>
+              <a:ext uri="{28A0092B-C50C-407E-A947-70E740481C1C}">
+                <a14:useLocalDpi xmlns:a14="http://schemas.microsoft.com/office/drawing/2010/main" val="0"/>
+              </a:ext>
+            </a:extLst>
+          </a:blip>
+          <a:srcRect/>
+          <a:stretch>
+            <a:fillRect/>
+          </a:stretch>
+        </p:blipFill>
+        <p:spPr bwMode="auto">
+          <a:xfrm>
+            <a:off x="1126654" y="1003096"/>
+            <a:ext cx="9937104" cy="5450240"/>
+          </a:xfrm>
+          <a:prstGeom prst="rect">
+            <a:avLst/>
+          </a:prstGeom>
+          <a:noFill/>
+          <a:ln>
+            <a:noFill/>
+          </a:ln>
+        </p:spPr>
+      </p:pic>
+    </p:spTree>
+    <p:extLst>
+      <p:ext uri="{BB962C8B-B14F-4D97-AF65-F5344CB8AC3E}">
+        <p14:creationId xmlns:p14="http://schemas.microsoft.com/office/powerpoint/2010/main" val="1654475030"/>
+      </p:ext>
+    </p:extLst>
+  </p:cSld>
+  <p:clrMapOvr>
+    <a:masterClrMapping/>
+  </p:clrMapOvr>
+</p:sld>
+</file>
+
 <file path=ppt/theme/theme1.xml><?xml version="1.0" encoding="utf-8"?>
 <a:theme xmlns:a="http://schemas.openxmlformats.org/drawingml/2006/main" name="Тема Office">
   <a:themeElements>
